--- a/HTML-CSS-JS/slides/3-CSS.pptx
+++ b/HTML-CSS-JS/slides/3-CSS.pptx
@@ -1,125 +1,26 @@
 
 <file path=ppt/presentation.xml><?xml version="1.0" encoding="utf-8"?>
-<p:presentation xmlns:a="http://schemas.openxmlformats.org/drawingml/2006/main" xmlns:r="http://schemas.openxmlformats.org/officeDocument/2006/relationships" xmlns:p="http://schemas.openxmlformats.org/presentationml/2006/main">
+<p:presentation xmlns:a="http://schemas.openxmlformats.org/drawingml/2006/main" xmlns:p="http://schemas.openxmlformats.org/presentationml/2006/main" xmlns:r="http://schemas.openxmlformats.org/officeDocument/2006/relationships" xmlns:p14="http://schemas.microsoft.com/office/powerpoint/2010/main" xmlns:p15="http://schemas.microsoft.com/office/powerpoint/2012/main" xmlns:mc="http://schemas.openxmlformats.org/markup-compatibility/2006">
   <p:sldMasterIdLst>
-    <p:sldMasterId id="2147483648" r:id="rId1"/>
+    <p:sldMasterId id="2147483648" r:id="rId2"/>
   </p:sldMasterIdLst>
   <p:sldIdLst>
-    <p:sldId id="256" r:id="rId2"/>
-    <p:sldId id="257" r:id="rId3"/>
-    <p:sldId id="258" r:id="rId4"/>
-    <p:sldId id="273" r:id="rId5"/>
-    <p:sldId id="274" r:id="rId6"/>
-    <p:sldId id="275" r:id="rId7"/>
-    <p:sldId id="272" r:id="rId8"/>
+    <p:sldId id="256" r:id="rId3"/>
+    <p:sldId id="257" r:id="rId4"/>
+    <p:sldId id="258" r:id="rId5"/>
+    <p:sldId id="259" r:id="rId6"/>
+    <p:sldId id="260" r:id="rId7"/>
+    <p:sldId id="261" r:id="rId8"/>
+    <p:sldId id="262" r:id="rId9"/>
+    <p:sldId id="263" r:id="rId10"/>
   </p:sldIdLst>
   <p:sldSz cx="12192000" cy="6858000"/>
-  <p:notesSz cx="7559675" cy="10691813"/>
-  <p:defaultTextStyle>
-    <a:defPPr>
-      <a:defRPr lang="en-US"/>
-    </a:defPPr>
-    <a:lvl1pPr marL="0" algn="l" defTabSz="914400" rtl="0" eaLnBrk="1" latinLnBrk="0" hangingPunct="1">
-      <a:defRPr sz="1800" kern="1200">
-        <a:solidFill>
-          <a:schemeClr val="tx1"/>
-        </a:solidFill>
-        <a:latin typeface="+mn-lt"/>
-        <a:ea typeface="+mn-ea"/>
-        <a:cs typeface="+mn-cs"/>
-      </a:defRPr>
-    </a:lvl1pPr>
-    <a:lvl2pPr marL="457200" algn="l" defTabSz="914400" rtl="0" eaLnBrk="1" latinLnBrk="0" hangingPunct="1">
-      <a:defRPr sz="1800" kern="1200">
-        <a:solidFill>
-          <a:schemeClr val="tx1"/>
-        </a:solidFill>
-        <a:latin typeface="+mn-lt"/>
-        <a:ea typeface="+mn-ea"/>
-        <a:cs typeface="+mn-cs"/>
-      </a:defRPr>
-    </a:lvl2pPr>
-    <a:lvl3pPr marL="914400" algn="l" defTabSz="914400" rtl="0" eaLnBrk="1" latinLnBrk="0" hangingPunct="1">
-      <a:defRPr sz="1800" kern="1200">
-        <a:solidFill>
-          <a:schemeClr val="tx1"/>
-        </a:solidFill>
-        <a:latin typeface="+mn-lt"/>
-        <a:ea typeface="+mn-ea"/>
-        <a:cs typeface="+mn-cs"/>
-      </a:defRPr>
-    </a:lvl3pPr>
-    <a:lvl4pPr marL="1371600" algn="l" defTabSz="914400" rtl="0" eaLnBrk="1" latinLnBrk="0" hangingPunct="1">
-      <a:defRPr sz="1800" kern="1200">
-        <a:solidFill>
-          <a:schemeClr val="tx1"/>
-        </a:solidFill>
-        <a:latin typeface="+mn-lt"/>
-        <a:ea typeface="+mn-ea"/>
-        <a:cs typeface="+mn-cs"/>
-      </a:defRPr>
-    </a:lvl4pPr>
-    <a:lvl5pPr marL="1828800" algn="l" defTabSz="914400" rtl="0" eaLnBrk="1" latinLnBrk="0" hangingPunct="1">
-      <a:defRPr sz="1800" kern="1200">
-        <a:solidFill>
-          <a:schemeClr val="tx1"/>
-        </a:solidFill>
-        <a:latin typeface="+mn-lt"/>
-        <a:ea typeface="+mn-ea"/>
-        <a:cs typeface="+mn-cs"/>
-      </a:defRPr>
-    </a:lvl5pPr>
-    <a:lvl6pPr marL="2286000" algn="l" defTabSz="914400" rtl="0" eaLnBrk="1" latinLnBrk="0" hangingPunct="1">
-      <a:defRPr sz="1800" kern="1200">
-        <a:solidFill>
-          <a:schemeClr val="tx1"/>
-        </a:solidFill>
-        <a:latin typeface="+mn-lt"/>
-        <a:ea typeface="+mn-ea"/>
-        <a:cs typeface="+mn-cs"/>
-      </a:defRPr>
-    </a:lvl6pPr>
-    <a:lvl7pPr marL="2743200" algn="l" defTabSz="914400" rtl="0" eaLnBrk="1" latinLnBrk="0" hangingPunct="1">
-      <a:defRPr sz="1800" kern="1200">
-        <a:solidFill>
-          <a:schemeClr val="tx1"/>
-        </a:solidFill>
-        <a:latin typeface="+mn-lt"/>
-        <a:ea typeface="+mn-ea"/>
-        <a:cs typeface="+mn-cs"/>
-      </a:defRPr>
-    </a:lvl7pPr>
-    <a:lvl8pPr marL="3200400" algn="l" defTabSz="914400" rtl="0" eaLnBrk="1" latinLnBrk="0" hangingPunct="1">
-      <a:defRPr sz="1800" kern="1200">
-        <a:solidFill>
-          <a:schemeClr val="tx1"/>
-        </a:solidFill>
-        <a:latin typeface="+mn-lt"/>
-        <a:ea typeface="+mn-ea"/>
-        <a:cs typeface="+mn-cs"/>
-      </a:defRPr>
-    </a:lvl8pPr>
-    <a:lvl9pPr marL="3657600" algn="l" defTabSz="914400" rtl="0" eaLnBrk="1" latinLnBrk="0" hangingPunct="1">
-      <a:defRPr sz="1800" kern="1200">
-        <a:solidFill>
-          <a:schemeClr val="tx1"/>
-        </a:solidFill>
-        <a:latin typeface="+mn-lt"/>
-        <a:ea typeface="+mn-ea"/>
-        <a:cs typeface="+mn-cs"/>
-      </a:defRPr>
-    </a:lvl9pPr>
-  </p:defaultTextStyle>
-  <p:extLst>
-    <p:ext uri="{EFAFB233-063F-42B5-8137-9DF3F51BA10A}">
-      <p15:sldGuideLst xmlns:p15="http://schemas.microsoft.com/office/powerpoint/2012/main"/>
-    </p:ext>
-  </p:extLst>
+  <p:notesSz cx="7559675" cy="10691812"/>
 </p:presentation>
 </file>
 
 <file path=ppt/slideLayouts/slideLayout1.xml><?xml version="1.0" encoding="utf-8"?>
-<p:sldLayout xmlns:a="http://schemas.openxmlformats.org/drawingml/2006/main" xmlns:r="http://schemas.openxmlformats.org/officeDocument/2006/relationships" xmlns:p="http://schemas.openxmlformats.org/presentationml/2006/main" type="blank" preserve="1">
+<p:sldLayout xmlns:a="http://schemas.openxmlformats.org/drawingml/2006/main" xmlns:p="http://schemas.openxmlformats.org/presentationml/2006/main" xmlns:r="http://schemas.openxmlformats.org/officeDocument/2006/relationships" xmlns:p14="http://schemas.microsoft.com/office/powerpoint/2010/main" xmlns:p15="http://schemas.microsoft.com/office/powerpoint/2012/main" xmlns:mc="http://schemas.openxmlformats.org/markup-compatibility/2006" type="blank" preserve="1">
   <p:cSld name="Blank Slide">
     <p:spTree>
       <p:nvGrpSpPr>
@@ -137,14 +38,11 @@
       </p:grpSpPr>
     </p:spTree>
   </p:cSld>
-  <p:clrMapOvr>
-    <a:masterClrMapping/>
-  </p:clrMapOvr>
 </p:sldLayout>
 </file>
 
 <file path=ppt/slideLayouts/slideLayout10.xml><?xml version="1.0" encoding="utf-8"?>
-<p:sldLayout xmlns:a="http://schemas.openxmlformats.org/drawingml/2006/main" xmlns:r="http://schemas.openxmlformats.org/officeDocument/2006/relationships" xmlns:p="http://schemas.openxmlformats.org/presentationml/2006/main" type="objOverTx" preserve="1">
+<p:sldLayout xmlns:a="http://schemas.openxmlformats.org/drawingml/2006/main" xmlns:p="http://schemas.openxmlformats.org/presentationml/2006/main" xmlns:r="http://schemas.openxmlformats.org/officeDocument/2006/relationships" xmlns:p14="http://schemas.microsoft.com/office/powerpoint/2010/main" xmlns:p15="http://schemas.microsoft.com/office/powerpoint/2012/main" xmlns:mc="http://schemas.openxmlformats.org/markup-compatibility/2006" type="objOverTx" preserve="1">
   <p:cSld name="Title, Content over Content">
     <p:spTree>
       <p:nvGrpSpPr>
@@ -180,19 +78,18 @@
           </a:prstGeom>
         </p:spPr>
         <p:txBody>
-          <a:bodyPr lIns="0" tIns="0" rIns="0" bIns="0" anchor="ctr"/>
-          <a:lstStyle/>
-          <a:p>
-            <a:endParaRPr lang="en-US" sz="1800" b="0" strike="noStrike" spc="-1">
-              <a:solidFill>
-                <a:srgbClr val="000000"/>
-              </a:solidFill>
-              <a:uFill>
-                <a:solidFill>
-                  <a:srgbClr val="FFFFFF"/>
-                </a:solidFill>
-              </a:uFill>
-              <a:latin typeface="Calibri"/>
+          <a:bodyPr lIns="0" rIns="0" tIns="0" bIns="0" anchor="ctr"/>
+          <a:p>
+            <a:endParaRPr b="0" lang="en-US" sz="1800" spc="-1" strike="noStrike">
+              <a:solidFill>
+                <a:srgbClr val="000000"/>
+              </a:solidFill>
+              <a:uFill>
+                <a:solidFill>
+                  <a:srgbClr val="ffffff"/>
+                </a:solidFill>
+              </a:uFill>
+              <a:latin typeface="Arial"/>
             </a:endParaRPr>
           </a:p>
         </p:txBody>
@@ -217,19 +114,18 @@
           </a:prstGeom>
         </p:spPr>
         <p:txBody>
-          <a:bodyPr lIns="0" tIns="0" rIns="0" bIns="0"/>
-          <a:lstStyle/>
-          <a:p>
-            <a:endParaRPr lang="en-US" sz="2800" b="0" strike="noStrike" spc="-1">
-              <a:solidFill>
-                <a:srgbClr val="000000"/>
-              </a:solidFill>
-              <a:uFill>
-                <a:solidFill>
-                  <a:srgbClr val="FFFFFF"/>
-                </a:solidFill>
-              </a:uFill>
-              <a:latin typeface="Calibri"/>
+          <a:bodyPr lIns="0" rIns="0" tIns="0" bIns="0"/>
+          <a:p>
+            <a:endParaRPr b="0" lang="en-US" sz="2800" spc="-1" strike="noStrike">
+              <a:solidFill>
+                <a:srgbClr val="000000"/>
+              </a:solidFill>
+              <a:uFill>
+                <a:solidFill>
+                  <a:srgbClr val="ffffff"/>
+                </a:solidFill>
+              </a:uFill>
+              <a:latin typeface="Arial"/>
             </a:endParaRPr>
           </a:p>
         </p:txBody>
@@ -254,33 +150,29 @@
           </a:prstGeom>
         </p:spPr>
         <p:txBody>
-          <a:bodyPr lIns="0" tIns="0" rIns="0" bIns="0"/>
-          <a:lstStyle/>
-          <a:p>
-            <a:endParaRPr lang="en-US" sz="2800" b="0" strike="noStrike" spc="-1">
-              <a:solidFill>
-                <a:srgbClr val="000000"/>
-              </a:solidFill>
-              <a:uFill>
-                <a:solidFill>
-                  <a:srgbClr val="FFFFFF"/>
-                </a:solidFill>
-              </a:uFill>
-              <a:latin typeface="Calibri"/>
+          <a:bodyPr lIns="0" rIns="0" tIns="0" bIns="0"/>
+          <a:p>
+            <a:endParaRPr b="0" lang="en-US" sz="2800" spc="-1" strike="noStrike">
+              <a:solidFill>
+                <a:srgbClr val="000000"/>
+              </a:solidFill>
+              <a:uFill>
+                <a:solidFill>
+                  <a:srgbClr val="ffffff"/>
+                </a:solidFill>
+              </a:uFill>
+              <a:latin typeface="Arial"/>
             </a:endParaRPr>
           </a:p>
         </p:txBody>
       </p:sp>
     </p:spTree>
   </p:cSld>
-  <p:clrMapOvr>
-    <a:masterClrMapping/>
-  </p:clrMapOvr>
 </p:sldLayout>
 </file>
 
 <file path=ppt/slideLayouts/slideLayout11.xml><?xml version="1.0" encoding="utf-8"?>
-<p:sldLayout xmlns:a="http://schemas.openxmlformats.org/drawingml/2006/main" xmlns:r="http://schemas.openxmlformats.org/officeDocument/2006/relationships" xmlns:p="http://schemas.openxmlformats.org/presentationml/2006/main" type="fourObj" preserve="1">
+<p:sldLayout xmlns:a="http://schemas.openxmlformats.org/drawingml/2006/main" xmlns:p="http://schemas.openxmlformats.org/presentationml/2006/main" xmlns:r="http://schemas.openxmlformats.org/officeDocument/2006/relationships" xmlns:p14="http://schemas.microsoft.com/office/powerpoint/2010/main" xmlns:p15="http://schemas.microsoft.com/office/powerpoint/2012/main" xmlns:mc="http://schemas.openxmlformats.org/markup-compatibility/2006" type="fourObj" preserve="1">
   <p:cSld name="Title, 4 Content">
     <p:spTree>
       <p:nvGrpSpPr>
@@ -316,19 +208,18 @@
           </a:prstGeom>
         </p:spPr>
         <p:txBody>
-          <a:bodyPr lIns="0" tIns="0" rIns="0" bIns="0" anchor="ctr"/>
-          <a:lstStyle/>
-          <a:p>
-            <a:endParaRPr lang="en-US" sz="1800" b="0" strike="noStrike" spc="-1">
-              <a:solidFill>
-                <a:srgbClr val="000000"/>
-              </a:solidFill>
-              <a:uFill>
-                <a:solidFill>
-                  <a:srgbClr val="FFFFFF"/>
-                </a:solidFill>
-              </a:uFill>
-              <a:latin typeface="Calibri"/>
+          <a:bodyPr lIns="0" rIns="0" tIns="0" bIns="0" anchor="ctr"/>
+          <a:p>
+            <a:endParaRPr b="0" lang="en-US" sz="1800" spc="-1" strike="noStrike">
+              <a:solidFill>
+                <a:srgbClr val="000000"/>
+              </a:solidFill>
+              <a:uFill>
+                <a:solidFill>
+                  <a:srgbClr val="ffffff"/>
+                </a:solidFill>
+              </a:uFill>
+              <a:latin typeface="Arial"/>
             </a:endParaRPr>
           </a:p>
         </p:txBody>
@@ -353,19 +244,18 @@
           </a:prstGeom>
         </p:spPr>
         <p:txBody>
-          <a:bodyPr lIns="0" tIns="0" rIns="0" bIns="0"/>
-          <a:lstStyle/>
-          <a:p>
-            <a:endParaRPr lang="en-US" sz="2800" b="0" strike="noStrike" spc="-1">
-              <a:solidFill>
-                <a:srgbClr val="000000"/>
-              </a:solidFill>
-              <a:uFill>
-                <a:solidFill>
-                  <a:srgbClr val="FFFFFF"/>
-                </a:solidFill>
-              </a:uFill>
-              <a:latin typeface="Calibri"/>
+          <a:bodyPr lIns="0" rIns="0" tIns="0" bIns="0"/>
+          <a:p>
+            <a:endParaRPr b="0" lang="en-US" sz="2800" spc="-1" strike="noStrike">
+              <a:solidFill>
+                <a:srgbClr val="000000"/>
+              </a:solidFill>
+              <a:uFill>
+                <a:solidFill>
+                  <a:srgbClr val="ffffff"/>
+                </a:solidFill>
+              </a:uFill>
+              <a:latin typeface="Arial"/>
             </a:endParaRPr>
           </a:p>
         </p:txBody>
@@ -390,19 +280,18 @@
           </a:prstGeom>
         </p:spPr>
         <p:txBody>
-          <a:bodyPr lIns="0" tIns="0" rIns="0" bIns="0"/>
-          <a:lstStyle/>
-          <a:p>
-            <a:endParaRPr lang="en-US" sz="2800" b="0" strike="noStrike" spc="-1">
-              <a:solidFill>
-                <a:srgbClr val="000000"/>
-              </a:solidFill>
-              <a:uFill>
-                <a:solidFill>
-                  <a:srgbClr val="FFFFFF"/>
-                </a:solidFill>
-              </a:uFill>
-              <a:latin typeface="Calibri"/>
+          <a:bodyPr lIns="0" rIns="0" tIns="0" bIns="0"/>
+          <a:p>
+            <a:endParaRPr b="0" lang="en-US" sz="2800" spc="-1" strike="noStrike">
+              <a:solidFill>
+                <a:srgbClr val="000000"/>
+              </a:solidFill>
+              <a:uFill>
+                <a:solidFill>
+                  <a:srgbClr val="ffffff"/>
+                </a:solidFill>
+              </a:uFill>
+              <a:latin typeface="Arial"/>
             </a:endParaRPr>
           </a:p>
         </p:txBody>
@@ -427,19 +316,18 @@
           </a:prstGeom>
         </p:spPr>
         <p:txBody>
-          <a:bodyPr lIns="0" tIns="0" rIns="0" bIns="0"/>
-          <a:lstStyle/>
-          <a:p>
-            <a:endParaRPr lang="en-US" sz="2800" b="0" strike="noStrike" spc="-1">
-              <a:solidFill>
-                <a:srgbClr val="000000"/>
-              </a:solidFill>
-              <a:uFill>
-                <a:solidFill>
-                  <a:srgbClr val="FFFFFF"/>
-                </a:solidFill>
-              </a:uFill>
-              <a:latin typeface="Calibri"/>
+          <a:bodyPr lIns="0" rIns="0" tIns="0" bIns="0"/>
+          <a:p>
+            <a:endParaRPr b="0" lang="en-US" sz="2800" spc="-1" strike="noStrike">
+              <a:solidFill>
+                <a:srgbClr val="000000"/>
+              </a:solidFill>
+              <a:uFill>
+                <a:solidFill>
+                  <a:srgbClr val="ffffff"/>
+                </a:solidFill>
+              </a:uFill>
+              <a:latin typeface="Arial"/>
             </a:endParaRPr>
           </a:p>
         </p:txBody>
@@ -464,33 +352,29 @@
           </a:prstGeom>
         </p:spPr>
         <p:txBody>
-          <a:bodyPr lIns="0" tIns="0" rIns="0" bIns="0"/>
-          <a:lstStyle/>
-          <a:p>
-            <a:endParaRPr lang="en-US" sz="2800" b="0" strike="noStrike" spc="-1">
-              <a:solidFill>
-                <a:srgbClr val="000000"/>
-              </a:solidFill>
-              <a:uFill>
-                <a:solidFill>
-                  <a:srgbClr val="FFFFFF"/>
-                </a:solidFill>
-              </a:uFill>
-              <a:latin typeface="Calibri"/>
+          <a:bodyPr lIns="0" rIns="0" tIns="0" bIns="0"/>
+          <a:p>
+            <a:endParaRPr b="0" lang="en-US" sz="2800" spc="-1" strike="noStrike">
+              <a:solidFill>
+                <a:srgbClr val="000000"/>
+              </a:solidFill>
+              <a:uFill>
+                <a:solidFill>
+                  <a:srgbClr val="ffffff"/>
+                </a:solidFill>
+              </a:uFill>
+              <a:latin typeface="Arial"/>
             </a:endParaRPr>
           </a:p>
         </p:txBody>
       </p:sp>
     </p:spTree>
   </p:cSld>
-  <p:clrMapOvr>
-    <a:masterClrMapping/>
-  </p:clrMapOvr>
 </p:sldLayout>
 </file>
 
 <file path=ppt/slideLayouts/slideLayout12.xml><?xml version="1.0" encoding="utf-8"?>
-<p:sldLayout xmlns:a="http://schemas.openxmlformats.org/drawingml/2006/main" xmlns:r="http://schemas.openxmlformats.org/officeDocument/2006/relationships" xmlns:p="http://schemas.openxmlformats.org/presentationml/2006/main" type="blank" preserve="1">
+<p:sldLayout xmlns:a="http://schemas.openxmlformats.org/drawingml/2006/main" xmlns:p="http://schemas.openxmlformats.org/presentationml/2006/main" xmlns:r="http://schemas.openxmlformats.org/officeDocument/2006/relationships" xmlns:p14="http://schemas.microsoft.com/office/powerpoint/2010/main" xmlns:p15="http://schemas.microsoft.com/office/powerpoint/2012/main" xmlns:mc="http://schemas.openxmlformats.org/markup-compatibility/2006" type="blank" preserve="1">
   <p:cSld name="Title, 6 Content">
     <p:spTree>
       <p:nvGrpSpPr>
@@ -526,19 +410,18 @@
           </a:prstGeom>
         </p:spPr>
         <p:txBody>
-          <a:bodyPr lIns="0" tIns="0" rIns="0" bIns="0" anchor="ctr"/>
-          <a:lstStyle/>
-          <a:p>
-            <a:endParaRPr lang="en-US" sz="1800" b="0" strike="noStrike" spc="-1">
-              <a:solidFill>
-                <a:srgbClr val="000000"/>
-              </a:solidFill>
-              <a:uFill>
-                <a:solidFill>
-                  <a:srgbClr val="FFFFFF"/>
-                </a:solidFill>
-              </a:uFill>
-              <a:latin typeface="Calibri"/>
+          <a:bodyPr lIns="0" rIns="0" tIns="0" bIns="0" anchor="ctr"/>
+          <a:p>
+            <a:endParaRPr b="0" lang="en-US" sz="1800" spc="-1" strike="noStrike">
+              <a:solidFill>
+                <a:srgbClr val="000000"/>
+              </a:solidFill>
+              <a:uFill>
+                <a:solidFill>
+                  <a:srgbClr val="ffffff"/>
+                </a:solidFill>
+              </a:uFill>
+              <a:latin typeface="Arial"/>
             </a:endParaRPr>
           </a:p>
         </p:txBody>
@@ -563,19 +446,18 @@
           </a:prstGeom>
         </p:spPr>
         <p:txBody>
-          <a:bodyPr lIns="0" tIns="0" rIns="0" bIns="0"/>
-          <a:lstStyle/>
-          <a:p>
-            <a:endParaRPr lang="en-US" sz="2800" b="0" strike="noStrike" spc="-1">
-              <a:solidFill>
-                <a:srgbClr val="000000"/>
-              </a:solidFill>
-              <a:uFill>
-                <a:solidFill>
-                  <a:srgbClr val="FFFFFF"/>
-                </a:solidFill>
-              </a:uFill>
-              <a:latin typeface="Calibri"/>
+          <a:bodyPr lIns="0" rIns="0" tIns="0" bIns="0"/>
+          <a:p>
+            <a:endParaRPr b="0" lang="en-US" sz="2800" spc="-1" strike="noStrike">
+              <a:solidFill>
+                <a:srgbClr val="000000"/>
+              </a:solidFill>
+              <a:uFill>
+                <a:solidFill>
+                  <a:srgbClr val="ffffff"/>
+                </a:solidFill>
+              </a:uFill>
+              <a:latin typeface="Arial"/>
             </a:endParaRPr>
           </a:p>
         </p:txBody>
@@ -600,26 +482,25 @@
           </a:prstGeom>
         </p:spPr>
         <p:txBody>
-          <a:bodyPr lIns="0" tIns="0" rIns="0" bIns="0"/>
-          <a:lstStyle/>
-          <a:p>
-            <a:endParaRPr lang="en-US" sz="2800" b="0" strike="noStrike" spc="-1">
-              <a:solidFill>
-                <a:srgbClr val="000000"/>
-              </a:solidFill>
-              <a:uFill>
-                <a:solidFill>
-                  <a:srgbClr val="FFFFFF"/>
-                </a:solidFill>
-              </a:uFill>
-              <a:latin typeface="Calibri"/>
+          <a:bodyPr lIns="0" rIns="0" tIns="0" bIns="0"/>
+          <a:p>
+            <a:endParaRPr b="0" lang="en-US" sz="2800" spc="-1" strike="noStrike">
+              <a:solidFill>
+                <a:srgbClr val="000000"/>
+              </a:solidFill>
+              <a:uFill>
+                <a:solidFill>
+                  <a:srgbClr val="ffffff"/>
+                </a:solidFill>
+              </a:uFill>
+              <a:latin typeface="Arial"/>
             </a:endParaRPr>
           </a:p>
         </p:txBody>
       </p:sp>
       <p:pic>
         <p:nvPicPr>
-          <p:cNvPr id="34" name="Picture 33"/>
+          <p:cNvPr id="34" name="" descr=""/>
           <p:cNvPicPr/>
           <p:nvPr/>
         </p:nvPicPr>
@@ -642,12 +523,12 @@
       </p:pic>
       <p:pic>
         <p:nvPicPr>
-          <p:cNvPr id="35" name="Picture 34"/>
+          <p:cNvPr id="35" name="" descr=""/>
           <p:cNvPicPr/>
           <p:nvPr/>
         </p:nvPicPr>
         <p:blipFill>
-          <a:blip r:embed="rId2"/>
+          <a:blip r:embed="rId3"/>
           <a:stretch/>
         </p:blipFill>
         <p:spPr>
@@ -665,14 +546,11 @@
       </p:pic>
     </p:spTree>
   </p:cSld>
-  <p:clrMapOvr>
-    <a:masterClrMapping/>
-  </p:clrMapOvr>
 </p:sldLayout>
 </file>
 
 <file path=ppt/slideLayouts/slideLayout2.xml><?xml version="1.0" encoding="utf-8"?>
-<p:sldLayout xmlns:a="http://schemas.openxmlformats.org/drawingml/2006/main" xmlns:r="http://schemas.openxmlformats.org/officeDocument/2006/relationships" xmlns:p="http://schemas.openxmlformats.org/presentationml/2006/main" type="tx" preserve="1">
+<p:sldLayout xmlns:a="http://schemas.openxmlformats.org/drawingml/2006/main" xmlns:p="http://schemas.openxmlformats.org/presentationml/2006/main" xmlns:r="http://schemas.openxmlformats.org/officeDocument/2006/relationships" xmlns:p14="http://schemas.microsoft.com/office/powerpoint/2010/main" xmlns:p15="http://schemas.microsoft.com/office/powerpoint/2012/main" xmlns:mc="http://schemas.openxmlformats.org/markup-compatibility/2006" type="tx" preserve="1">
   <p:cSld name="Title Slide">
     <p:spTree>
       <p:nvGrpSpPr>
@@ -708,19 +586,18 @@
           </a:prstGeom>
         </p:spPr>
         <p:txBody>
-          <a:bodyPr lIns="0" tIns="0" rIns="0" bIns="0" anchor="ctr"/>
-          <a:lstStyle/>
-          <a:p>
-            <a:endParaRPr lang="en-US" sz="1800" b="0" strike="noStrike" spc="-1">
-              <a:solidFill>
-                <a:srgbClr val="000000"/>
-              </a:solidFill>
-              <a:uFill>
-                <a:solidFill>
-                  <a:srgbClr val="FFFFFF"/>
-                </a:solidFill>
-              </a:uFill>
-              <a:latin typeface="Calibri"/>
+          <a:bodyPr lIns="0" rIns="0" tIns="0" bIns="0" anchor="ctr"/>
+          <a:p>
+            <a:endParaRPr b="0" lang="en-US" sz="1800" spc="-1" strike="noStrike">
+              <a:solidFill>
+                <a:srgbClr val="000000"/>
+              </a:solidFill>
+              <a:uFill>
+                <a:solidFill>
+                  <a:srgbClr val="ffffff"/>
+                </a:solidFill>
+              </a:uFill>
+              <a:latin typeface="Arial"/>
             </a:endParaRPr>
           </a:p>
         </p:txBody>
@@ -745,17 +622,16 @@
           </a:prstGeom>
         </p:spPr>
         <p:txBody>
-          <a:bodyPr lIns="0" tIns="0" rIns="0" bIns="0" anchor="ctr"/>
-          <a:lstStyle/>
+          <a:bodyPr lIns="0" rIns="0" tIns="0" bIns="0" anchor="ctr"/>
           <a:p>
             <a:pPr algn="ctr"/>
-            <a:endParaRPr lang="en-US" sz="3200" b="0" strike="noStrike" spc="-1">
-              <a:solidFill>
-                <a:srgbClr val="000000"/>
-              </a:solidFill>
-              <a:uFill>
-                <a:solidFill>
-                  <a:srgbClr val="FFFFFF"/>
+            <a:endParaRPr b="0" lang="en-US" sz="3200" spc="-1" strike="noStrike">
+              <a:solidFill>
+                <a:srgbClr val="000000"/>
+              </a:solidFill>
+              <a:uFill>
+                <a:solidFill>
+                  <a:srgbClr val="ffffff"/>
                 </a:solidFill>
               </a:uFill>
               <a:latin typeface="Arial"/>
@@ -765,14 +641,11 @@
       </p:sp>
     </p:spTree>
   </p:cSld>
-  <p:clrMapOvr>
-    <a:masterClrMapping/>
-  </p:clrMapOvr>
 </p:sldLayout>
 </file>
 
 <file path=ppt/slideLayouts/slideLayout3.xml><?xml version="1.0" encoding="utf-8"?>
-<p:sldLayout xmlns:a="http://schemas.openxmlformats.org/drawingml/2006/main" xmlns:r="http://schemas.openxmlformats.org/officeDocument/2006/relationships" xmlns:p="http://schemas.openxmlformats.org/presentationml/2006/main" type="obj" preserve="1">
+<p:sldLayout xmlns:a="http://schemas.openxmlformats.org/drawingml/2006/main" xmlns:p="http://schemas.openxmlformats.org/presentationml/2006/main" xmlns:r="http://schemas.openxmlformats.org/officeDocument/2006/relationships" xmlns:p14="http://schemas.microsoft.com/office/powerpoint/2010/main" xmlns:p15="http://schemas.microsoft.com/office/powerpoint/2012/main" xmlns:mc="http://schemas.openxmlformats.org/markup-compatibility/2006" type="obj" preserve="1">
   <p:cSld name="Title, Content">
     <p:spTree>
       <p:nvGrpSpPr>
@@ -808,19 +681,18 @@
           </a:prstGeom>
         </p:spPr>
         <p:txBody>
-          <a:bodyPr lIns="0" tIns="0" rIns="0" bIns="0" anchor="ctr"/>
-          <a:lstStyle/>
-          <a:p>
-            <a:endParaRPr lang="en-US" sz="1800" b="0" strike="noStrike" spc="-1">
-              <a:solidFill>
-                <a:srgbClr val="000000"/>
-              </a:solidFill>
-              <a:uFill>
-                <a:solidFill>
-                  <a:srgbClr val="FFFFFF"/>
-                </a:solidFill>
-              </a:uFill>
-              <a:latin typeface="Calibri"/>
+          <a:bodyPr lIns="0" rIns="0" tIns="0" bIns="0" anchor="ctr"/>
+          <a:p>
+            <a:endParaRPr b="0" lang="en-US" sz="1800" spc="-1" strike="noStrike">
+              <a:solidFill>
+                <a:srgbClr val="000000"/>
+              </a:solidFill>
+              <a:uFill>
+                <a:solidFill>
+                  <a:srgbClr val="ffffff"/>
+                </a:solidFill>
+              </a:uFill>
+              <a:latin typeface="Arial"/>
             </a:endParaRPr>
           </a:p>
         </p:txBody>
@@ -845,33 +717,29 @@
           </a:prstGeom>
         </p:spPr>
         <p:txBody>
-          <a:bodyPr lIns="0" tIns="0" rIns="0" bIns="0"/>
-          <a:lstStyle/>
-          <a:p>
-            <a:endParaRPr lang="en-US" sz="2800" b="0" strike="noStrike" spc="-1">
-              <a:solidFill>
-                <a:srgbClr val="000000"/>
-              </a:solidFill>
-              <a:uFill>
-                <a:solidFill>
-                  <a:srgbClr val="FFFFFF"/>
-                </a:solidFill>
-              </a:uFill>
-              <a:latin typeface="Calibri"/>
+          <a:bodyPr lIns="0" rIns="0" tIns="0" bIns="0"/>
+          <a:p>
+            <a:endParaRPr b="0" lang="en-US" sz="2800" spc="-1" strike="noStrike">
+              <a:solidFill>
+                <a:srgbClr val="000000"/>
+              </a:solidFill>
+              <a:uFill>
+                <a:solidFill>
+                  <a:srgbClr val="ffffff"/>
+                </a:solidFill>
+              </a:uFill>
+              <a:latin typeface="Arial"/>
             </a:endParaRPr>
           </a:p>
         </p:txBody>
       </p:sp>
     </p:spTree>
   </p:cSld>
-  <p:clrMapOvr>
-    <a:masterClrMapping/>
-  </p:clrMapOvr>
 </p:sldLayout>
 </file>
 
 <file path=ppt/slideLayouts/slideLayout4.xml><?xml version="1.0" encoding="utf-8"?>
-<p:sldLayout xmlns:a="http://schemas.openxmlformats.org/drawingml/2006/main" xmlns:r="http://schemas.openxmlformats.org/officeDocument/2006/relationships" xmlns:p="http://schemas.openxmlformats.org/presentationml/2006/main" type="twoObj" preserve="1">
+<p:sldLayout xmlns:a="http://schemas.openxmlformats.org/drawingml/2006/main" xmlns:p="http://schemas.openxmlformats.org/presentationml/2006/main" xmlns:r="http://schemas.openxmlformats.org/officeDocument/2006/relationships" xmlns:p14="http://schemas.microsoft.com/office/powerpoint/2010/main" xmlns:p15="http://schemas.microsoft.com/office/powerpoint/2012/main" xmlns:mc="http://schemas.openxmlformats.org/markup-compatibility/2006" type="twoObj" preserve="1">
   <p:cSld name="Title, 2 Content">
     <p:spTree>
       <p:nvGrpSpPr>
@@ -907,19 +775,18 @@
           </a:prstGeom>
         </p:spPr>
         <p:txBody>
-          <a:bodyPr lIns="0" tIns="0" rIns="0" bIns="0" anchor="ctr"/>
-          <a:lstStyle/>
-          <a:p>
-            <a:endParaRPr lang="en-US" sz="1800" b="0" strike="noStrike" spc="-1">
-              <a:solidFill>
-                <a:srgbClr val="000000"/>
-              </a:solidFill>
-              <a:uFill>
-                <a:solidFill>
-                  <a:srgbClr val="FFFFFF"/>
-                </a:solidFill>
-              </a:uFill>
-              <a:latin typeface="Calibri"/>
+          <a:bodyPr lIns="0" rIns="0" tIns="0" bIns="0" anchor="ctr"/>
+          <a:p>
+            <a:endParaRPr b="0" lang="en-US" sz="1800" spc="-1" strike="noStrike">
+              <a:solidFill>
+                <a:srgbClr val="000000"/>
+              </a:solidFill>
+              <a:uFill>
+                <a:solidFill>
+                  <a:srgbClr val="ffffff"/>
+                </a:solidFill>
+              </a:uFill>
+              <a:latin typeface="Arial"/>
             </a:endParaRPr>
           </a:p>
         </p:txBody>
@@ -944,19 +811,18 @@
           </a:prstGeom>
         </p:spPr>
         <p:txBody>
-          <a:bodyPr lIns="0" tIns="0" rIns="0" bIns="0"/>
-          <a:lstStyle/>
-          <a:p>
-            <a:endParaRPr lang="en-US" sz="2800" b="0" strike="noStrike" spc="-1">
-              <a:solidFill>
-                <a:srgbClr val="000000"/>
-              </a:solidFill>
-              <a:uFill>
-                <a:solidFill>
-                  <a:srgbClr val="FFFFFF"/>
-                </a:solidFill>
-              </a:uFill>
-              <a:latin typeface="Calibri"/>
+          <a:bodyPr lIns="0" rIns="0" tIns="0" bIns="0"/>
+          <a:p>
+            <a:endParaRPr b="0" lang="en-US" sz="2800" spc="-1" strike="noStrike">
+              <a:solidFill>
+                <a:srgbClr val="000000"/>
+              </a:solidFill>
+              <a:uFill>
+                <a:solidFill>
+                  <a:srgbClr val="ffffff"/>
+                </a:solidFill>
+              </a:uFill>
+              <a:latin typeface="Arial"/>
             </a:endParaRPr>
           </a:p>
         </p:txBody>
@@ -981,33 +847,29 @@
           </a:prstGeom>
         </p:spPr>
         <p:txBody>
-          <a:bodyPr lIns="0" tIns="0" rIns="0" bIns="0"/>
-          <a:lstStyle/>
-          <a:p>
-            <a:endParaRPr lang="en-US" sz="2800" b="0" strike="noStrike" spc="-1">
-              <a:solidFill>
-                <a:srgbClr val="000000"/>
-              </a:solidFill>
-              <a:uFill>
-                <a:solidFill>
-                  <a:srgbClr val="FFFFFF"/>
-                </a:solidFill>
-              </a:uFill>
-              <a:latin typeface="Calibri"/>
+          <a:bodyPr lIns="0" rIns="0" tIns="0" bIns="0"/>
+          <a:p>
+            <a:endParaRPr b="0" lang="en-US" sz="2800" spc="-1" strike="noStrike">
+              <a:solidFill>
+                <a:srgbClr val="000000"/>
+              </a:solidFill>
+              <a:uFill>
+                <a:solidFill>
+                  <a:srgbClr val="ffffff"/>
+                </a:solidFill>
+              </a:uFill>
+              <a:latin typeface="Arial"/>
             </a:endParaRPr>
           </a:p>
         </p:txBody>
       </p:sp>
     </p:spTree>
   </p:cSld>
-  <p:clrMapOvr>
-    <a:masterClrMapping/>
-  </p:clrMapOvr>
 </p:sldLayout>
 </file>
 
 <file path=ppt/slideLayouts/slideLayout5.xml><?xml version="1.0" encoding="utf-8"?>
-<p:sldLayout xmlns:a="http://schemas.openxmlformats.org/drawingml/2006/main" xmlns:r="http://schemas.openxmlformats.org/officeDocument/2006/relationships" xmlns:p="http://schemas.openxmlformats.org/presentationml/2006/main" type="titleOnly" preserve="1">
+<p:sldLayout xmlns:a="http://schemas.openxmlformats.org/drawingml/2006/main" xmlns:p="http://schemas.openxmlformats.org/presentationml/2006/main" xmlns:r="http://schemas.openxmlformats.org/officeDocument/2006/relationships" xmlns:p14="http://schemas.microsoft.com/office/powerpoint/2010/main" xmlns:p15="http://schemas.microsoft.com/office/powerpoint/2012/main" xmlns:mc="http://schemas.openxmlformats.org/markup-compatibility/2006" type="titleOnly" preserve="1">
   <p:cSld name="Title Only">
     <p:spTree>
       <p:nvGrpSpPr>
@@ -1043,33 +905,29 @@
           </a:prstGeom>
         </p:spPr>
         <p:txBody>
-          <a:bodyPr lIns="0" tIns="0" rIns="0" bIns="0" anchor="ctr"/>
-          <a:lstStyle/>
-          <a:p>
-            <a:endParaRPr lang="en-US" sz="1800" b="0" strike="noStrike" spc="-1">
-              <a:solidFill>
-                <a:srgbClr val="000000"/>
-              </a:solidFill>
-              <a:uFill>
-                <a:solidFill>
-                  <a:srgbClr val="FFFFFF"/>
-                </a:solidFill>
-              </a:uFill>
-              <a:latin typeface="Calibri"/>
+          <a:bodyPr lIns="0" rIns="0" tIns="0" bIns="0" anchor="ctr"/>
+          <a:p>
+            <a:endParaRPr b="0" lang="en-US" sz="1800" spc="-1" strike="noStrike">
+              <a:solidFill>
+                <a:srgbClr val="000000"/>
+              </a:solidFill>
+              <a:uFill>
+                <a:solidFill>
+                  <a:srgbClr val="ffffff"/>
+                </a:solidFill>
+              </a:uFill>
+              <a:latin typeface="Arial"/>
             </a:endParaRPr>
           </a:p>
         </p:txBody>
       </p:sp>
     </p:spTree>
   </p:cSld>
-  <p:clrMapOvr>
-    <a:masterClrMapping/>
-  </p:clrMapOvr>
 </p:sldLayout>
 </file>
 
 <file path=ppt/slideLayouts/slideLayout6.xml><?xml version="1.0" encoding="utf-8"?>
-<p:sldLayout xmlns:a="http://schemas.openxmlformats.org/drawingml/2006/main" xmlns:r="http://schemas.openxmlformats.org/officeDocument/2006/relationships" xmlns:p="http://schemas.openxmlformats.org/presentationml/2006/main" type="objOnly" preserve="1">
+<p:sldLayout xmlns:a="http://schemas.openxmlformats.org/drawingml/2006/main" xmlns:p="http://schemas.openxmlformats.org/presentationml/2006/main" xmlns:r="http://schemas.openxmlformats.org/officeDocument/2006/relationships" xmlns:p14="http://schemas.microsoft.com/office/powerpoint/2010/main" xmlns:p15="http://schemas.microsoft.com/office/powerpoint/2012/main" xmlns:mc="http://schemas.openxmlformats.org/markup-compatibility/2006" type="objOnly" preserve="1">
   <p:cSld name="Centered Text">
     <p:spTree>
       <p:nvGrpSpPr>
@@ -1105,17 +963,16 @@
           </a:prstGeom>
         </p:spPr>
         <p:txBody>
-          <a:bodyPr lIns="0" tIns="0" rIns="0" bIns="0" anchor="ctr"/>
-          <a:lstStyle/>
+          <a:bodyPr lIns="0" rIns="0" tIns="0" bIns="0" anchor="ctr"/>
           <a:p>
             <a:pPr algn="ctr"/>
-            <a:endParaRPr lang="en-US" sz="3200" b="0" strike="noStrike" spc="-1">
-              <a:solidFill>
-                <a:srgbClr val="000000"/>
-              </a:solidFill>
-              <a:uFill>
-                <a:solidFill>
-                  <a:srgbClr val="FFFFFF"/>
+            <a:endParaRPr b="0" lang="en-US" sz="3200" spc="-1" strike="noStrike">
+              <a:solidFill>
+                <a:srgbClr val="000000"/>
+              </a:solidFill>
+              <a:uFill>
+                <a:solidFill>
+                  <a:srgbClr val="ffffff"/>
                 </a:solidFill>
               </a:uFill>
               <a:latin typeface="Arial"/>
@@ -1125,14 +982,11 @@
       </p:sp>
     </p:spTree>
   </p:cSld>
-  <p:clrMapOvr>
-    <a:masterClrMapping/>
-  </p:clrMapOvr>
 </p:sldLayout>
 </file>
 
 <file path=ppt/slideLayouts/slideLayout7.xml><?xml version="1.0" encoding="utf-8"?>
-<p:sldLayout xmlns:a="http://schemas.openxmlformats.org/drawingml/2006/main" xmlns:r="http://schemas.openxmlformats.org/officeDocument/2006/relationships" xmlns:p="http://schemas.openxmlformats.org/presentationml/2006/main" type="twoObjAndObj" preserve="1">
+<p:sldLayout xmlns:a="http://schemas.openxmlformats.org/drawingml/2006/main" xmlns:p="http://schemas.openxmlformats.org/presentationml/2006/main" xmlns:r="http://schemas.openxmlformats.org/officeDocument/2006/relationships" xmlns:p14="http://schemas.microsoft.com/office/powerpoint/2010/main" xmlns:p15="http://schemas.microsoft.com/office/powerpoint/2012/main" xmlns:mc="http://schemas.openxmlformats.org/markup-compatibility/2006" type="twoObjAndObj" preserve="1">
   <p:cSld name="Title, 2 Content and Content">
     <p:spTree>
       <p:nvGrpSpPr>
@@ -1168,19 +1022,18 @@
           </a:prstGeom>
         </p:spPr>
         <p:txBody>
-          <a:bodyPr lIns="0" tIns="0" rIns="0" bIns="0" anchor="ctr"/>
-          <a:lstStyle/>
-          <a:p>
-            <a:endParaRPr lang="en-US" sz="1800" b="0" strike="noStrike" spc="-1">
-              <a:solidFill>
-                <a:srgbClr val="000000"/>
-              </a:solidFill>
-              <a:uFill>
-                <a:solidFill>
-                  <a:srgbClr val="FFFFFF"/>
-                </a:solidFill>
-              </a:uFill>
-              <a:latin typeface="Calibri"/>
+          <a:bodyPr lIns="0" rIns="0" tIns="0" bIns="0" anchor="ctr"/>
+          <a:p>
+            <a:endParaRPr b="0" lang="en-US" sz="1800" spc="-1" strike="noStrike">
+              <a:solidFill>
+                <a:srgbClr val="000000"/>
+              </a:solidFill>
+              <a:uFill>
+                <a:solidFill>
+                  <a:srgbClr val="ffffff"/>
+                </a:solidFill>
+              </a:uFill>
+              <a:latin typeface="Arial"/>
             </a:endParaRPr>
           </a:p>
         </p:txBody>
@@ -1205,19 +1058,18 @@
           </a:prstGeom>
         </p:spPr>
         <p:txBody>
-          <a:bodyPr lIns="0" tIns="0" rIns="0" bIns="0"/>
-          <a:lstStyle/>
-          <a:p>
-            <a:endParaRPr lang="en-US" sz="2800" b="0" strike="noStrike" spc="-1">
-              <a:solidFill>
-                <a:srgbClr val="000000"/>
-              </a:solidFill>
-              <a:uFill>
-                <a:solidFill>
-                  <a:srgbClr val="FFFFFF"/>
-                </a:solidFill>
-              </a:uFill>
-              <a:latin typeface="Calibri"/>
+          <a:bodyPr lIns="0" rIns="0" tIns="0" bIns="0"/>
+          <a:p>
+            <a:endParaRPr b="0" lang="en-US" sz="2800" spc="-1" strike="noStrike">
+              <a:solidFill>
+                <a:srgbClr val="000000"/>
+              </a:solidFill>
+              <a:uFill>
+                <a:solidFill>
+                  <a:srgbClr val="ffffff"/>
+                </a:solidFill>
+              </a:uFill>
+              <a:latin typeface="Arial"/>
             </a:endParaRPr>
           </a:p>
         </p:txBody>
@@ -1242,19 +1094,18 @@
           </a:prstGeom>
         </p:spPr>
         <p:txBody>
-          <a:bodyPr lIns="0" tIns="0" rIns="0" bIns="0"/>
-          <a:lstStyle/>
-          <a:p>
-            <a:endParaRPr lang="en-US" sz="2800" b="0" strike="noStrike" spc="-1">
-              <a:solidFill>
-                <a:srgbClr val="000000"/>
-              </a:solidFill>
-              <a:uFill>
-                <a:solidFill>
-                  <a:srgbClr val="FFFFFF"/>
-                </a:solidFill>
-              </a:uFill>
-              <a:latin typeface="Calibri"/>
+          <a:bodyPr lIns="0" rIns="0" tIns="0" bIns="0"/>
+          <a:p>
+            <a:endParaRPr b="0" lang="en-US" sz="2800" spc="-1" strike="noStrike">
+              <a:solidFill>
+                <a:srgbClr val="000000"/>
+              </a:solidFill>
+              <a:uFill>
+                <a:solidFill>
+                  <a:srgbClr val="ffffff"/>
+                </a:solidFill>
+              </a:uFill>
+              <a:latin typeface="Arial"/>
             </a:endParaRPr>
           </a:p>
         </p:txBody>
@@ -1279,33 +1130,29 @@
           </a:prstGeom>
         </p:spPr>
         <p:txBody>
-          <a:bodyPr lIns="0" tIns="0" rIns="0" bIns="0"/>
-          <a:lstStyle/>
-          <a:p>
-            <a:endParaRPr lang="en-US" sz="2800" b="0" strike="noStrike" spc="-1">
-              <a:solidFill>
-                <a:srgbClr val="000000"/>
-              </a:solidFill>
-              <a:uFill>
-                <a:solidFill>
-                  <a:srgbClr val="FFFFFF"/>
-                </a:solidFill>
-              </a:uFill>
-              <a:latin typeface="Calibri"/>
+          <a:bodyPr lIns="0" rIns="0" tIns="0" bIns="0"/>
+          <a:p>
+            <a:endParaRPr b="0" lang="en-US" sz="2800" spc="-1" strike="noStrike">
+              <a:solidFill>
+                <a:srgbClr val="000000"/>
+              </a:solidFill>
+              <a:uFill>
+                <a:solidFill>
+                  <a:srgbClr val="ffffff"/>
+                </a:solidFill>
+              </a:uFill>
+              <a:latin typeface="Arial"/>
             </a:endParaRPr>
           </a:p>
         </p:txBody>
       </p:sp>
     </p:spTree>
   </p:cSld>
-  <p:clrMapOvr>
-    <a:masterClrMapping/>
-  </p:clrMapOvr>
 </p:sldLayout>
 </file>
 
 <file path=ppt/slideLayouts/slideLayout8.xml><?xml version="1.0" encoding="utf-8"?>
-<p:sldLayout xmlns:a="http://schemas.openxmlformats.org/drawingml/2006/main" xmlns:r="http://schemas.openxmlformats.org/officeDocument/2006/relationships" xmlns:p="http://schemas.openxmlformats.org/presentationml/2006/main" type="objAndTwoObj" preserve="1">
+<p:sldLayout xmlns:a="http://schemas.openxmlformats.org/drawingml/2006/main" xmlns:p="http://schemas.openxmlformats.org/presentationml/2006/main" xmlns:r="http://schemas.openxmlformats.org/officeDocument/2006/relationships" xmlns:p14="http://schemas.microsoft.com/office/powerpoint/2010/main" xmlns:p15="http://schemas.microsoft.com/office/powerpoint/2012/main" xmlns:mc="http://schemas.openxmlformats.org/markup-compatibility/2006" type="objAndTwoObj" preserve="1">
   <p:cSld name="Title Content and 2 Content">
     <p:spTree>
       <p:nvGrpSpPr>
@@ -1341,19 +1188,18 @@
           </a:prstGeom>
         </p:spPr>
         <p:txBody>
-          <a:bodyPr lIns="0" tIns="0" rIns="0" bIns="0" anchor="ctr"/>
-          <a:lstStyle/>
-          <a:p>
-            <a:endParaRPr lang="en-US" sz="1800" b="0" strike="noStrike" spc="-1">
-              <a:solidFill>
-                <a:srgbClr val="000000"/>
-              </a:solidFill>
-              <a:uFill>
-                <a:solidFill>
-                  <a:srgbClr val="FFFFFF"/>
-                </a:solidFill>
-              </a:uFill>
-              <a:latin typeface="Calibri"/>
+          <a:bodyPr lIns="0" rIns="0" tIns="0" bIns="0" anchor="ctr"/>
+          <a:p>
+            <a:endParaRPr b="0" lang="en-US" sz="1800" spc="-1" strike="noStrike">
+              <a:solidFill>
+                <a:srgbClr val="000000"/>
+              </a:solidFill>
+              <a:uFill>
+                <a:solidFill>
+                  <a:srgbClr val="ffffff"/>
+                </a:solidFill>
+              </a:uFill>
+              <a:latin typeface="Arial"/>
             </a:endParaRPr>
           </a:p>
         </p:txBody>
@@ -1378,19 +1224,18 @@
           </a:prstGeom>
         </p:spPr>
         <p:txBody>
-          <a:bodyPr lIns="0" tIns="0" rIns="0" bIns="0"/>
-          <a:lstStyle/>
-          <a:p>
-            <a:endParaRPr lang="en-US" sz="2800" b="0" strike="noStrike" spc="-1">
-              <a:solidFill>
-                <a:srgbClr val="000000"/>
-              </a:solidFill>
-              <a:uFill>
-                <a:solidFill>
-                  <a:srgbClr val="FFFFFF"/>
-                </a:solidFill>
-              </a:uFill>
-              <a:latin typeface="Calibri"/>
+          <a:bodyPr lIns="0" rIns="0" tIns="0" bIns="0"/>
+          <a:p>
+            <a:endParaRPr b="0" lang="en-US" sz="2800" spc="-1" strike="noStrike">
+              <a:solidFill>
+                <a:srgbClr val="000000"/>
+              </a:solidFill>
+              <a:uFill>
+                <a:solidFill>
+                  <a:srgbClr val="ffffff"/>
+                </a:solidFill>
+              </a:uFill>
+              <a:latin typeface="Arial"/>
             </a:endParaRPr>
           </a:p>
         </p:txBody>
@@ -1415,19 +1260,18 @@
           </a:prstGeom>
         </p:spPr>
         <p:txBody>
-          <a:bodyPr lIns="0" tIns="0" rIns="0" bIns="0"/>
-          <a:lstStyle/>
-          <a:p>
-            <a:endParaRPr lang="en-US" sz="2800" b="0" strike="noStrike" spc="-1">
-              <a:solidFill>
-                <a:srgbClr val="000000"/>
-              </a:solidFill>
-              <a:uFill>
-                <a:solidFill>
-                  <a:srgbClr val="FFFFFF"/>
-                </a:solidFill>
-              </a:uFill>
-              <a:latin typeface="Calibri"/>
+          <a:bodyPr lIns="0" rIns="0" tIns="0" bIns="0"/>
+          <a:p>
+            <a:endParaRPr b="0" lang="en-US" sz="2800" spc="-1" strike="noStrike">
+              <a:solidFill>
+                <a:srgbClr val="000000"/>
+              </a:solidFill>
+              <a:uFill>
+                <a:solidFill>
+                  <a:srgbClr val="ffffff"/>
+                </a:solidFill>
+              </a:uFill>
+              <a:latin typeface="Arial"/>
             </a:endParaRPr>
           </a:p>
         </p:txBody>
@@ -1452,33 +1296,29 @@
           </a:prstGeom>
         </p:spPr>
         <p:txBody>
-          <a:bodyPr lIns="0" tIns="0" rIns="0" bIns="0"/>
-          <a:lstStyle/>
-          <a:p>
-            <a:endParaRPr lang="en-US" sz="2800" b="0" strike="noStrike" spc="-1">
-              <a:solidFill>
-                <a:srgbClr val="000000"/>
-              </a:solidFill>
-              <a:uFill>
-                <a:solidFill>
-                  <a:srgbClr val="FFFFFF"/>
-                </a:solidFill>
-              </a:uFill>
-              <a:latin typeface="Calibri"/>
+          <a:bodyPr lIns="0" rIns="0" tIns="0" bIns="0"/>
+          <a:p>
+            <a:endParaRPr b="0" lang="en-US" sz="2800" spc="-1" strike="noStrike">
+              <a:solidFill>
+                <a:srgbClr val="000000"/>
+              </a:solidFill>
+              <a:uFill>
+                <a:solidFill>
+                  <a:srgbClr val="ffffff"/>
+                </a:solidFill>
+              </a:uFill>
+              <a:latin typeface="Arial"/>
             </a:endParaRPr>
           </a:p>
         </p:txBody>
       </p:sp>
     </p:spTree>
   </p:cSld>
-  <p:clrMapOvr>
-    <a:masterClrMapping/>
-  </p:clrMapOvr>
 </p:sldLayout>
 </file>
 
 <file path=ppt/slideLayouts/slideLayout9.xml><?xml version="1.0" encoding="utf-8"?>
-<p:sldLayout xmlns:a="http://schemas.openxmlformats.org/drawingml/2006/main" xmlns:r="http://schemas.openxmlformats.org/officeDocument/2006/relationships" xmlns:p="http://schemas.openxmlformats.org/presentationml/2006/main" type="twoObjOverTx" preserve="1">
+<p:sldLayout xmlns:a="http://schemas.openxmlformats.org/drawingml/2006/main" xmlns:p="http://schemas.openxmlformats.org/presentationml/2006/main" xmlns:r="http://schemas.openxmlformats.org/officeDocument/2006/relationships" xmlns:p14="http://schemas.microsoft.com/office/powerpoint/2010/main" xmlns:p15="http://schemas.microsoft.com/office/powerpoint/2012/main" xmlns:mc="http://schemas.openxmlformats.org/markup-compatibility/2006" type="twoObjOverTx" preserve="1">
   <p:cSld name="Title, 2 Content over Content">
     <p:spTree>
       <p:nvGrpSpPr>
@@ -1514,19 +1354,18 @@
           </a:prstGeom>
         </p:spPr>
         <p:txBody>
-          <a:bodyPr lIns="0" tIns="0" rIns="0" bIns="0" anchor="ctr"/>
-          <a:lstStyle/>
-          <a:p>
-            <a:endParaRPr lang="en-US" sz="1800" b="0" strike="noStrike" spc="-1">
-              <a:solidFill>
-                <a:srgbClr val="000000"/>
-              </a:solidFill>
-              <a:uFill>
-                <a:solidFill>
-                  <a:srgbClr val="FFFFFF"/>
-                </a:solidFill>
-              </a:uFill>
-              <a:latin typeface="Calibri"/>
+          <a:bodyPr lIns="0" rIns="0" tIns="0" bIns="0" anchor="ctr"/>
+          <a:p>
+            <a:endParaRPr b="0" lang="en-US" sz="1800" spc="-1" strike="noStrike">
+              <a:solidFill>
+                <a:srgbClr val="000000"/>
+              </a:solidFill>
+              <a:uFill>
+                <a:solidFill>
+                  <a:srgbClr val="ffffff"/>
+                </a:solidFill>
+              </a:uFill>
+              <a:latin typeface="Arial"/>
             </a:endParaRPr>
           </a:p>
         </p:txBody>
@@ -1551,19 +1390,18 @@
           </a:prstGeom>
         </p:spPr>
         <p:txBody>
-          <a:bodyPr lIns="0" tIns="0" rIns="0" bIns="0"/>
-          <a:lstStyle/>
-          <a:p>
-            <a:endParaRPr lang="en-US" sz="2800" b="0" strike="noStrike" spc="-1">
-              <a:solidFill>
-                <a:srgbClr val="000000"/>
-              </a:solidFill>
-              <a:uFill>
-                <a:solidFill>
-                  <a:srgbClr val="FFFFFF"/>
-                </a:solidFill>
-              </a:uFill>
-              <a:latin typeface="Calibri"/>
+          <a:bodyPr lIns="0" rIns="0" tIns="0" bIns="0"/>
+          <a:p>
+            <a:endParaRPr b="0" lang="en-US" sz="2800" spc="-1" strike="noStrike">
+              <a:solidFill>
+                <a:srgbClr val="000000"/>
+              </a:solidFill>
+              <a:uFill>
+                <a:solidFill>
+                  <a:srgbClr val="ffffff"/>
+                </a:solidFill>
+              </a:uFill>
+              <a:latin typeface="Arial"/>
             </a:endParaRPr>
           </a:p>
         </p:txBody>
@@ -1588,19 +1426,18 @@
           </a:prstGeom>
         </p:spPr>
         <p:txBody>
-          <a:bodyPr lIns="0" tIns="0" rIns="0" bIns="0"/>
-          <a:lstStyle/>
-          <a:p>
-            <a:endParaRPr lang="en-US" sz="2800" b="0" strike="noStrike" spc="-1">
-              <a:solidFill>
-                <a:srgbClr val="000000"/>
-              </a:solidFill>
-              <a:uFill>
-                <a:solidFill>
-                  <a:srgbClr val="FFFFFF"/>
-                </a:solidFill>
-              </a:uFill>
-              <a:latin typeface="Calibri"/>
+          <a:bodyPr lIns="0" rIns="0" tIns="0" bIns="0"/>
+          <a:p>
+            <a:endParaRPr b="0" lang="en-US" sz="2800" spc="-1" strike="noStrike">
+              <a:solidFill>
+                <a:srgbClr val="000000"/>
+              </a:solidFill>
+              <a:uFill>
+                <a:solidFill>
+                  <a:srgbClr val="ffffff"/>
+                </a:solidFill>
+              </a:uFill>
+              <a:latin typeface="Arial"/>
             </a:endParaRPr>
           </a:p>
         </p:txBody>
@@ -1625,40 +1462,35 @@
           </a:prstGeom>
         </p:spPr>
         <p:txBody>
-          <a:bodyPr lIns="0" tIns="0" rIns="0" bIns="0"/>
-          <a:lstStyle/>
-          <a:p>
-            <a:endParaRPr lang="en-US" sz="2800" b="0" strike="noStrike" spc="-1">
-              <a:solidFill>
-                <a:srgbClr val="000000"/>
-              </a:solidFill>
-              <a:uFill>
-                <a:solidFill>
-                  <a:srgbClr val="FFFFFF"/>
-                </a:solidFill>
-              </a:uFill>
-              <a:latin typeface="Calibri"/>
+          <a:bodyPr lIns="0" rIns="0" tIns="0" bIns="0"/>
+          <a:p>
+            <a:endParaRPr b="0" lang="en-US" sz="2800" spc="-1" strike="noStrike">
+              <a:solidFill>
+                <a:srgbClr val="000000"/>
+              </a:solidFill>
+              <a:uFill>
+                <a:solidFill>
+                  <a:srgbClr val="ffffff"/>
+                </a:solidFill>
+              </a:uFill>
+              <a:latin typeface="Arial"/>
             </a:endParaRPr>
           </a:p>
         </p:txBody>
       </p:sp>
     </p:spTree>
   </p:cSld>
-  <p:clrMapOvr>
-    <a:masterClrMapping/>
-  </p:clrMapOvr>
 </p:sldLayout>
 </file>
 
 <file path=ppt/slideMasters/slideMaster1.xml><?xml version="1.0" encoding="utf-8"?>
-<p:sldMaster xmlns:a="http://schemas.openxmlformats.org/drawingml/2006/main" xmlns:r="http://schemas.openxmlformats.org/officeDocument/2006/relationships" xmlns:p="http://schemas.openxmlformats.org/presentationml/2006/main">
+<p:sldMaster xmlns:a="http://schemas.openxmlformats.org/drawingml/2006/main" xmlns:p="http://schemas.openxmlformats.org/presentationml/2006/main" xmlns:r="http://schemas.openxmlformats.org/officeDocument/2006/relationships" xmlns:p14="http://schemas.microsoft.com/office/powerpoint/2010/main" xmlns:p15="http://schemas.microsoft.com/office/powerpoint/2012/main" xmlns:mc="http://schemas.openxmlformats.org/markup-compatibility/2006">
   <p:cSld>
     <p:bg>
       <p:bgPr>
         <a:solidFill>
-          <a:srgbClr val="FFFFFF"/>
+          <a:srgbClr val="ffffff"/>
         </a:solidFill>
-        <a:effectLst/>
       </p:bgPr>
     </p:bg>
     <p:spTree>
@@ -1677,7 +1509,7 @@
       </p:grpSpPr>
       <p:sp>
         <p:nvSpPr>
-          <p:cNvPr id="2" name="PlaceHolder 1"/>
+          <p:cNvPr id="0" name="PlaceHolder 1"/>
           <p:cNvSpPr>
             <a:spLocks noGrp="1"/>
           </p:cNvSpPr>
@@ -1695,29 +1527,39 @@
           </a:prstGeom>
         </p:spPr>
         <p:txBody>
-          <a:bodyPr lIns="0" tIns="0" rIns="0" bIns="0" anchor="ctr"/>
-          <a:lstStyle/>
-          <a:p>
-            <a:r>
-              <a:rPr lang="en-US" sz="1800" b="0" strike="noStrike" spc="-1">
+          <a:bodyPr lIns="0" rIns="0" tIns="0" bIns="0" anchor="ctr"/>
+          <a:p>
+            <a:r>
+              <a:rPr b="0" lang="en-US" sz="1800" spc="-1" strike="noStrike">
                 <a:solidFill>
                   <a:srgbClr val="000000"/>
                 </a:solidFill>
                 <a:uFill>
                   <a:solidFill>
-                    <a:srgbClr val="FFFFFF"/>
-                  </a:solidFill>
-                </a:uFill>
-                <a:latin typeface="Calibri"/>
+                    <a:srgbClr val="ffffff"/>
+                  </a:solidFill>
+                </a:uFill>
+                <a:latin typeface="Arial"/>
               </a:rPr>
               <a:t>Click to edit the title text format</a:t>
             </a:r>
+            <a:endParaRPr b="0" lang="en-US" sz="1800" spc="-1" strike="noStrike">
+              <a:solidFill>
+                <a:srgbClr val="000000"/>
+              </a:solidFill>
+              <a:uFill>
+                <a:solidFill>
+                  <a:srgbClr val="ffffff"/>
+                </a:solidFill>
+              </a:uFill>
+              <a:latin typeface="Arial"/>
+            </a:endParaRPr>
           </a:p>
         </p:txBody>
       </p:sp>
       <p:sp>
         <p:nvSpPr>
-          <p:cNvPr id="3" name="PlaceHolder 2"/>
+          <p:cNvPr id="1" name="PlaceHolder 2"/>
           <p:cNvSpPr>
             <a:spLocks noGrp="1"/>
           </p:cNvSpPr>
@@ -1735,8 +1577,7 @@
           </a:prstGeom>
         </p:spPr>
         <p:txBody>
-          <a:bodyPr lIns="0" tIns="0" rIns="0" bIns="0"/>
-          <a:lstStyle/>
+          <a:bodyPr lIns="0" rIns="0" tIns="0" bIns="0"/>
           <a:p>
             <a:pPr marL="432000" indent="-324000">
               <a:buClr>
@@ -1747,22 +1588,33 @@
               <a:buChar char=""/>
             </a:pPr>
             <a:r>
-              <a:rPr lang="en-US" sz="2800" b="0" strike="noStrike" spc="-1">
+              <a:rPr b="0" lang="en-US" sz="2800" spc="-1" strike="noStrike">
                 <a:solidFill>
                   <a:srgbClr val="000000"/>
                 </a:solidFill>
                 <a:uFill>
                   <a:solidFill>
-                    <a:srgbClr val="FFFFFF"/>
-                  </a:solidFill>
-                </a:uFill>
-                <a:latin typeface="Calibri"/>
+                    <a:srgbClr val="ffffff"/>
+                  </a:solidFill>
+                </a:uFill>
+                <a:latin typeface="Arial"/>
               </a:rPr>
               <a:t>Click to edit the outline text format</a:t>
             </a:r>
-          </a:p>
-          <a:p>
-            <a:pPr marL="864000" lvl="1" indent="-324000">
+            <a:endParaRPr b="0" lang="en-US" sz="2800" spc="-1" strike="noStrike">
+              <a:solidFill>
+                <a:srgbClr val="000000"/>
+              </a:solidFill>
+              <a:uFill>
+                <a:solidFill>
+                  <a:srgbClr val="ffffff"/>
+                </a:solidFill>
+              </a:uFill>
+              <a:latin typeface="Arial"/>
+            </a:endParaRPr>
+          </a:p>
+          <a:p>
+            <a:pPr lvl="1" marL="864000" indent="-324000">
               <a:buClr>
                 <a:srgbClr val="000000"/>
               </a:buClr>
@@ -1771,22 +1623,33 @@
               <a:buChar char=""/>
             </a:pPr>
             <a:r>
-              <a:rPr lang="en-US" sz="2000" b="0" strike="noStrike" spc="-1">
+              <a:rPr b="0" lang="en-US" sz="2000" spc="-1" strike="noStrike">
                 <a:solidFill>
                   <a:srgbClr val="000000"/>
                 </a:solidFill>
                 <a:uFill>
                   <a:solidFill>
-                    <a:srgbClr val="FFFFFF"/>
-                  </a:solidFill>
-                </a:uFill>
-                <a:latin typeface="Calibri"/>
+                    <a:srgbClr val="ffffff"/>
+                  </a:solidFill>
+                </a:uFill>
+                <a:latin typeface="Arial"/>
               </a:rPr>
               <a:t>Second Outline Level</a:t>
             </a:r>
-          </a:p>
-          <a:p>
-            <a:pPr marL="1296000" lvl="2" indent="-288000">
+            <a:endParaRPr b="0" lang="en-US" sz="2000" spc="-1" strike="noStrike">
+              <a:solidFill>
+                <a:srgbClr val="000000"/>
+              </a:solidFill>
+              <a:uFill>
+                <a:solidFill>
+                  <a:srgbClr val="ffffff"/>
+                </a:solidFill>
+              </a:uFill>
+              <a:latin typeface="Arial"/>
+            </a:endParaRPr>
+          </a:p>
+          <a:p>
+            <a:pPr lvl="2" marL="1296000" indent="-288000">
               <a:buClr>
                 <a:srgbClr val="000000"/>
               </a:buClr>
@@ -1795,22 +1658,33 @@
               <a:buChar char=""/>
             </a:pPr>
             <a:r>
-              <a:rPr lang="en-US" sz="1800" b="0" strike="noStrike" spc="-1">
+              <a:rPr b="0" lang="en-US" sz="1800" spc="-1" strike="noStrike">
                 <a:solidFill>
                   <a:srgbClr val="000000"/>
                 </a:solidFill>
                 <a:uFill>
                   <a:solidFill>
-                    <a:srgbClr val="FFFFFF"/>
-                  </a:solidFill>
-                </a:uFill>
-                <a:latin typeface="Calibri"/>
+                    <a:srgbClr val="ffffff"/>
+                  </a:solidFill>
+                </a:uFill>
+                <a:latin typeface="Arial"/>
               </a:rPr>
               <a:t>Third Outline Level</a:t>
             </a:r>
-          </a:p>
-          <a:p>
-            <a:pPr marL="1728000" lvl="3" indent="-216000">
+            <a:endParaRPr b="0" lang="en-US" sz="1800" spc="-1" strike="noStrike">
+              <a:solidFill>
+                <a:srgbClr val="000000"/>
+              </a:solidFill>
+              <a:uFill>
+                <a:solidFill>
+                  <a:srgbClr val="ffffff"/>
+                </a:solidFill>
+              </a:uFill>
+              <a:latin typeface="Arial"/>
+            </a:endParaRPr>
+          </a:p>
+          <a:p>
+            <a:pPr lvl="3" marL="1728000" indent="-216000">
               <a:buClr>
                 <a:srgbClr val="000000"/>
               </a:buClr>
@@ -1819,22 +1693,33 @@
               <a:buChar char=""/>
             </a:pPr>
             <a:r>
-              <a:rPr lang="en-US" sz="1800" b="0" strike="noStrike" spc="-1">
+              <a:rPr b="0" lang="en-US" sz="1800" spc="-1" strike="noStrike">
                 <a:solidFill>
                   <a:srgbClr val="000000"/>
                 </a:solidFill>
                 <a:uFill>
                   <a:solidFill>
-                    <a:srgbClr val="FFFFFF"/>
-                  </a:solidFill>
-                </a:uFill>
-                <a:latin typeface="Calibri"/>
+                    <a:srgbClr val="ffffff"/>
+                  </a:solidFill>
+                </a:uFill>
+                <a:latin typeface="Arial"/>
               </a:rPr>
               <a:t>Fourth Outline Level</a:t>
             </a:r>
-          </a:p>
-          <a:p>
-            <a:pPr marL="2160000" lvl="4" indent="-216000">
+            <a:endParaRPr b="0" lang="en-US" sz="1800" spc="-1" strike="noStrike">
+              <a:solidFill>
+                <a:srgbClr val="000000"/>
+              </a:solidFill>
+              <a:uFill>
+                <a:solidFill>
+                  <a:srgbClr val="ffffff"/>
+                </a:solidFill>
+              </a:uFill>
+              <a:latin typeface="Arial"/>
+            </a:endParaRPr>
+          </a:p>
+          <a:p>
+            <a:pPr lvl="4" marL="2160000" indent="-216000">
               <a:buClr>
                 <a:srgbClr val="000000"/>
               </a:buClr>
@@ -1843,22 +1728,33 @@
               <a:buChar char=""/>
             </a:pPr>
             <a:r>
-              <a:rPr lang="en-US" sz="2000" b="0" strike="noStrike" spc="-1">
+              <a:rPr b="0" lang="en-US" sz="2000" spc="-1" strike="noStrike">
                 <a:solidFill>
                   <a:srgbClr val="000000"/>
                 </a:solidFill>
                 <a:uFill>
                   <a:solidFill>
-                    <a:srgbClr val="FFFFFF"/>
-                  </a:solidFill>
-                </a:uFill>
-                <a:latin typeface="Calibri"/>
+                    <a:srgbClr val="ffffff"/>
+                  </a:solidFill>
+                </a:uFill>
+                <a:latin typeface="Arial"/>
               </a:rPr>
               <a:t>Fifth Outline Level</a:t>
             </a:r>
-          </a:p>
-          <a:p>
-            <a:pPr marL="2592000" lvl="5" indent="-216000">
+            <a:endParaRPr b="0" lang="en-US" sz="2000" spc="-1" strike="noStrike">
+              <a:solidFill>
+                <a:srgbClr val="000000"/>
+              </a:solidFill>
+              <a:uFill>
+                <a:solidFill>
+                  <a:srgbClr val="ffffff"/>
+                </a:solidFill>
+              </a:uFill>
+              <a:latin typeface="Arial"/>
+            </a:endParaRPr>
+          </a:p>
+          <a:p>
+            <a:pPr lvl="5" marL="2592000" indent="-216000">
               <a:buClr>
                 <a:srgbClr val="000000"/>
               </a:buClr>
@@ -1867,22 +1763,33 @@
               <a:buChar char=""/>
             </a:pPr>
             <a:r>
-              <a:rPr lang="en-US" sz="2000" b="0" strike="noStrike" spc="-1">
+              <a:rPr b="0" lang="en-US" sz="2000" spc="-1" strike="noStrike">
                 <a:solidFill>
                   <a:srgbClr val="000000"/>
                 </a:solidFill>
                 <a:uFill>
                   <a:solidFill>
-                    <a:srgbClr val="FFFFFF"/>
-                  </a:solidFill>
-                </a:uFill>
-                <a:latin typeface="Calibri"/>
+                    <a:srgbClr val="ffffff"/>
+                  </a:solidFill>
+                </a:uFill>
+                <a:latin typeface="Arial"/>
               </a:rPr>
               <a:t>Sixth Outline Level</a:t>
             </a:r>
-          </a:p>
-          <a:p>
-            <a:pPr marL="3024000" lvl="6" indent="-216000">
+            <a:endParaRPr b="0" lang="en-US" sz="2000" spc="-1" strike="noStrike">
+              <a:solidFill>
+                <a:srgbClr val="000000"/>
+              </a:solidFill>
+              <a:uFill>
+                <a:solidFill>
+                  <a:srgbClr val="ffffff"/>
+                </a:solidFill>
+              </a:uFill>
+              <a:latin typeface="Arial"/>
+            </a:endParaRPr>
+          </a:p>
+          <a:p>
+            <a:pPr lvl="6" marL="3024000" indent="-216000">
               <a:buClr>
                 <a:srgbClr val="000000"/>
               </a:buClr>
@@ -1891,324 +1798,55 @@
               <a:buChar char=""/>
             </a:pPr>
             <a:r>
-              <a:rPr lang="en-US" sz="2000" b="0" strike="noStrike" spc="-1">
+              <a:rPr b="0" lang="en-US" sz="2000" spc="-1" strike="noStrike">
                 <a:solidFill>
                   <a:srgbClr val="000000"/>
                 </a:solidFill>
                 <a:uFill>
                   <a:solidFill>
-                    <a:srgbClr val="FFFFFF"/>
-                  </a:solidFill>
-                </a:uFill>
-                <a:latin typeface="Calibri"/>
+                    <a:srgbClr val="ffffff"/>
+                  </a:solidFill>
+                </a:uFill>
+                <a:latin typeface="Arial"/>
               </a:rPr>
               <a:t>Seventh Outline Level</a:t>
             </a:r>
+            <a:endParaRPr b="0" lang="en-US" sz="2000" spc="-1" strike="noStrike">
+              <a:solidFill>
+                <a:srgbClr val="000000"/>
+              </a:solidFill>
+              <a:uFill>
+                <a:solidFill>
+                  <a:srgbClr val="ffffff"/>
+                </a:solidFill>
+              </a:uFill>
+              <a:latin typeface="Arial"/>
+            </a:endParaRPr>
           </a:p>
         </p:txBody>
       </p:sp>
     </p:spTree>
   </p:cSld>
-  <p:clrMap bg1="lt1" tx1="dk1" bg2="lt2" tx2="dk2" accent1="accent1" accent2="accent2" accent3="accent3" accent4="accent4" accent5="accent5" accent6="accent6" hlink="hlink" folHlink="folHlink"/>
+  <p:clrMap bg1="lt1" bg2="lt2" tx1="dk1" tx2="dk2" accent1="accent1" accent2="accent2" accent3="accent3" accent4="accent4" accent5="accent5" accent6="accent6" hlink="hlink" folHlink="folHlink"/>
   <p:sldLayoutIdLst>
-    <p:sldLayoutId id="2147483649" r:id="rId1"/>
-    <p:sldLayoutId id="2147483650" r:id="rId2"/>
-    <p:sldLayoutId id="2147483651" r:id="rId3"/>
-    <p:sldLayoutId id="2147483652" r:id="rId4"/>
-    <p:sldLayoutId id="2147483653" r:id="rId5"/>
-    <p:sldLayoutId id="2147483654" r:id="rId6"/>
-    <p:sldLayoutId id="2147483655" r:id="rId7"/>
-    <p:sldLayoutId id="2147483656" r:id="rId8"/>
-    <p:sldLayoutId id="2147483657" r:id="rId9"/>
-    <p:sldLayoutId id="2147483658" r:id="rId10"/>
-    <p:sldLayoutId id="2147483659" r:id="rId11"/>
-    <p:sldLayoutId id="2147483660" r:id="rId12"/>
+    <p:sldLayoutId id="2147483649" r:id="rId2"/>
+    <p:sldLayoutId id="2147483650" r:id="rId3"/>
+    <p:sldLayoutId id="2147483651" r:id="rId4"/>
+    <p:sldLayoutId id="2147483652" r:id="rId5"/>
+    <p:sldLayoutId id="2147483653" r:id="rId6"/>
+    <p:sldLayoutId id="2147483654" r:id="rId7"/>
+    <p:sldLayoutId id="2147483655" r:id="rId8"/>
+    <p:sldLayoutId id="2147483656" r:id="rId9"/>
+    <p:sldLayoutId id="2147483657" r:id="rId10"/>
+    <p:sldLayoutId id="2147483658" r:id="rId11"/>
+    <p:sldLayoutId id="2147483659" r:id="rId12"/>
+    <p:sldLayoutId id="2147483660" r:id="rId13"/>
   </p:sldLayoutIdLst>
-  <p:txStyles>
-    <p:titleStyle>
-      <a:lvl1pPr algn="l" defTabSz="914400" rtl="0" eaLnBrk="1" latinLnBrk="0" hangingPunct="1">
-        <a:lnSpc>
-          <a:spcPct val="90000"/>
-        </a:lnSpc>
-        <a:spcBef>
-          <a:spcPct val="0"/>
-        </a:spcBef>
-        <a:buNone/>
-        <a:defRPr sz="4400" kern="1200">
-          <a:solidFill>
-            <a:schemeClr val="tx1"/>
-          </a:solidFill>
-          <a:latin typeface="+mj-lt"/>
-          <a:ea typeface="+mj-ea"/>
-          <a:cs typeface="+mj-cs"/>
-        </a:defRPr>
-      </a:lvl1pPr>
-    </p:titleStyle>
-    <p:bodyStyle>
-      <a:lvl1pPr marL="228600" indent="-228600" algn="l" defTabSz="914400" rtl="0" eaLnBrk="1" latinLnBrk="0" hangingPunct="1">
-        <a:lnSpc>
-          <a:spcPct val="90000"/>
-        </a:lnSpc>
-        <a:spcBef>
-          <a:spcPts val="1000"/>
-        </a:spcBef>
-        <a:buFont typeface="Arial" panose="020B0604020202020204" pitchFamily="34" charset="0"/>
-        <a:buChar char="•"/>
-        <a:defRPr sz="2800" kern="1200">
-          <a:solidFill>
-            <a:schemeClr val="tx1"/>
-          </a:solidFill>
-          <a:latin typeface="+mn-lt"/>
-          <a:ea typeface="+mn-ea"/>
-          <a:cs typeface="+mn-cs"/>
-        </a:defRPr>
-      </a:lvl1pPr>
-      <a:lvl2pPr marL="685800" indent="-228600" algn="l" defTabSz="914400" rtl="0" eaLnBrk="1" latinLnBrk="0" hangingPunct="1">
-        <a:lnSpc>
-          <a:spcPct val="90000"/>
-        </a:lnSpc>
-        <a:spcBef>
-          <a:spcPts val="500"/>
-        </a:spcBef>
-        <a:buFont typeface="Arial" panose="020B0604020202020204" pitchFamily="34" charset="0"/>
-        <a:buChar char="•"/>
-        <a:defRPr sz="2400" kern="1200">
-          <a:solidFill>
-            <a:schemeClr val="tx1"/>
-          </a:solidFill>
-          <a:latin typeface="+mn-lt"/>
-          <a:ea typeface="+mn-ea"/>
-          <a:cs typeface="+mn-cs"/>
-        </a:defRPr>
-      </a:lvl2pPr>
-      <a:lvl3pPr marL="1143000" indent="-228600" algn="l" defTabSz="914400" rtl="0" eaLnBrk="1" latinLnBrk="0" hangingPunct="1">
-        <a:lnSpc>
-          <a:spcPct val="90000"/>
-        </a:lnSpc>
-        <a:spcBef>
-          <a:spcPts val="500"/>
-        </a:spcBef>
-        <a:buFont typeface="Arial" panose="020B0604020202020204" pitchFamily="34" charset="0"/>
-        <a:buChar char="•"/>
-        <a:defRPr sz="2000" kern="1200">
-          <a:solidFill>
-            <a:schemeClr val="tx1"/>
-          </a:solidFill>
-          <a:latin typeface="+mn-lt"/>
-          <a:ea typeface="+mn-ea"/>
-          <a:cs typeface="+mn-cs"/>
-        </a:defRPr>
-      </a:lvl3pPr>
-      <a:lvl4pPr marL="1600200" indent="-228600" algn="l" defTabSz="914400" rtl="0" eaLnBrk="1" latinLnBrk="0" hangingPunct="1">
-        <a:lnSpc>
-          <a:spcPct val="90000"/>
-        </a:lnSpc>
-        <a:spcBef>
-          <a:spcPts val="500"/>
-        </a:spcBef>
-        <a:buFont typeface="Arial" panose="020B0604020202020204" pitchFamily="34" charset="0"/>
-        <a:buChar char="•"/>
-        <a:defRPr sz="1800" kern="1200">
-          <a:solidFill>
-            <a:schemeClr val="tx1"/>
-          </a:solidFill>
-          <a:latin typeface="+mn-lt"/>
-          <a:ea typeface="+mn-ea"/>
-          <a:cs typeface="+mn-cs"/>
-        </a:defRPr>
-      </a:lvl4pPr>
-      <a:lvl5pPr marL="2057400" indent="-228600" algn="l" defTabSz="914400" rtl="0" eaLnBrk="1" latinLnBrk="0" hangingPunct="1">
-        <a:lnSpc>
-          <a:spcPct val="90000"/>
-        </a:lnSpc>
-        <a:spcBef>
-          <a:spcPts val="500"/>
-        </a:spcBef>
-        <a:buFont typeface="Arial" panose="020B0604020202020204" pitchFamily="34" charset="0"/>
-        <a:buChar char="•"/>
-        <a:defRPr sz="1800" kern="1200">
-          <a:solidFill>
-            <a:schemeClr val="tx1"/>
-          </a:solidFill>
-          <a:latin typeface="+mn-lt"/>
-          <a:ea typeface="+mn-ea"/>
-          <a:cs typeface="+mn-cs"/>
-        </a:defRPr>
-      </a:lvl5pPr>
-      <a:lvl6pPr marL="2514600" indent="-228600" algn="l" defTabSz="914400" rtl="0" eaLnBrk="1" latinLnBrk="0" hangingPunct="1">
-        <a:lnSpc>
-          <a:spcPct val="90000"/>
-        </a:lnSpc>
-        <a:spcBef>
-          <a:spcPts val="500"/>
-        </a:spcBef>
-        <a:buFont typeface="Arial" panose="020B0604020202020204" pitchFamily="34" charset="0"/>
-        <a:buChar char="•"/>
-        <a:defRPr sz="1800" kern="1200">
-          <a:solidFill>
-            <a:schemeClr val="tx1"/>
-          </a:solidFill>
-          <a:latin typeface="+mn-lt"/>
-          <a:ea typeface="+mn-ea"/>
-          <a:cs typeface="+mn-cs"/>
-        </a:defRPr>
-      </a:lvl6pPr>
-      <a:lvl7pPr marL="2971800" indent="-228600" algn="l" defTabSz="914400" rtl="0" eaLnBrk="1" latinLnBrk="0" hangingPunct="1">
-        <a:lnSpc>
-          <a:spcPct val="90000"/>
-        </a:lnSpc>
-        <a:spcBef>
-          <a:spcPts val="500"/>
-        </a:spcBef>
-        <a:buFont typeface="Arial" panose="020B0604020202020204" pitchFamily="34" charset="0"/>
-        <a:buChar char="•"/>
-        <a:defRPr sz="1800" kern="1200">
-          <a:solidFill>
-            <a:schemeClr val="tx1"/>
-          </a:solidFill>
-          <a:latin typeface="+mn-lt"/>
-          <a:ea typeface="+mn-ea"/>
-          <a:cs typeface="+mn-cs"/>
-        </a:defRPr>
-      </a:lvl7pPr>
-      <a:lvl8pPr marL="3429000" indent="-228600" algn="l" defTabSz="914400" rtl="0" eaLnBrk="1" latinLnBrk="0" hangingPunct="1">
-        <a:lnSpc>
-          <a:spcPct val="90000"/>
-        </a:lnSpc>
-        <a:spcBef>
-          <a:spcPts val="500"/>
-        </a:spcBef>
-        <a:buFont typeface="Arial" panose="020B0604020202020204" pitchFamily="34" charset="0"/>
-        <a:buChar char="•"/>
-        <a:defRPr sz="1800" kern="1200">
-          <a:solidFill>
-            <a:schemeClr val="tx1"/>
-          </a:solidFill>
-          <a:latin typeface="+mn-lt"/>
-          <a:ea typeface="+mn-ea"/>
-          <a:cs typeface="+mn-cs"/>
-        </a:defRPr>
-      </a:lvl8pPr>
-      <a:lvl9pPr marL="3886200" indent="-228600" algn="l" defTabSz="914400" rtl="0" eaLnBrk="1" latinLnBrk="0" hangingPunct="1">
-        <a:lnSpc>
-          <a:spcPct val="90000"/>
-        </a:lnSpc>
-        <a:spcBef>
-          <a:spcPts val="500"/>
-        </a:spcBef>
-        <a:buFont typeface="Arial" panose="020B0604020202020204" pitchFamily="34" charset="0"/>
-        <a:buChar char="•"/>
-        <a:defRPr sz="1800" kern="1200">
-          <a:solidFill>
-            <a:schemeClr val="tx1"/>
-          </a:solidFill>
-          <a:latin typeface="+mn-lt"/>
-          <a:ea typeface="+mn-ea"/>
-          <a:cs typeface="+mn-cs"/>
-        </a:defRPr>
-      </a:lvl9pPr>
-    </p:bodyStyle>
-    <p:otherStyle>
-      <a:defPPr>
-        <a:defRPr lang="en-US"/>
-      </a:defPPr>
-      <a:lvl1pPr marL="0" algn="l" defTabSz="914400" rtl="0" eaLnBrk="1" latinLnBrk="0" hangingPunct="1">
-        <a:defRPr sz="1800" kern="1200">
-          <a:solidFill>
-            <a:schemeClr val="tx1"/>
-          </a:solidFill>
-          <a:latin typeface="+mn-lt"/>
-          <a:ea typeface="+mn-ea"/>
-          <a:cs typeface="+mn-cs"/>
-        </a:defRPr>
-      </a:lvl1pPr>
-      <a:lvl2pPr marL="457200" algn="l" defTabSz="914400" rtl="0" eaLnBrk="1" latinLnBrk="0" hangingPunct="1">
-        <a:defRPr sz="1800" kern="1200">
-          <a:solidFill>
-            <a:schemeClr val="tx1"/>
-          </a:solidFill>
-          <a:latin typeface="+mn-lt"/>
-          <a:ea typeface="+mn-ea"/>
-          <a:cs typeface="+mn-cs"/>
-        </a:defRPr>
-      </a:lvl2pPr>
-      <a:lvl3pPr marL="914400" algn="l" defTabSz="914400" rtl="0" eaLnBrk="1" latinLnBrk="0" hangingPunct="1">
-        <a:defRPr sz="1800" kern="1200">
-          <a:solidFill>
-            <a:schemeClr val="tx1"/>
-          </a:solidFill>
-          <a:latin typeface="+mn-lt"/>
-          <a:ea typeface="+mn-ea"/>
-          <a:cs typeface="+mn-cs"/>
-        </a:defRPr>
-      </a:lvl3pPr>
-      <a:lvl4pPr marL="1371600" algn="l" defTabSz="914400" rtl="0" eaLnBrk="1" latinLnBrk="0" hangingPunct="1">
-        <a:defRPr sz="1800" kern="1200">
-          <a:solidFill>
-            <a:schemeClr val="tx1"/>
-          </a:solidFill>
-          <a:latin typeface="+mn-lt"/>
-          <a:ea typeface="+mn-ea"/>
-          <a:cs typeface="+mn-cs"/>
-        </a:defRPr>
-      </a:lvl4pPr>
-      <a:lvl5pPr marL="1828800" algn="l" defTabSz="914400" rtl="0" eaLnBrk="1" latinLnBrk="0" hangingPunct="1">
-        <a:defRPr sz="1800" kern="1200">
-          <a:solidFill>
-            <a:schemeClr val="tx1"/>
-          </a:solidFill>
-          <a:latin typeface="+mn-lt"/>
-          <a:ea typeface="+mn-ea"/>
-          <a:cs typeface="+mn-cs"/>
-        </a:defRPr>
-      </a:lvl5pPr>
-      <a:lvl6pPr marL="2286000" algn="l" defTabSz="914400" rtl="0" eaLnBrk="1" latinLnBrk="0" hangingPunct="1">
-        <a:defRPr sz="1800" kern="1200">
-          <a:solidFill>
-            <a:schemeClr val="tx1"/>
-          </a:solidFill>
-          <a:latin typeface="+mn-lt"/>
-          <a:ea typeface="+mn-ea"/>
-          <a:cs typeface="+mn-cs"/>
-        </a:defRPr>
-      </a:lvl6pPr>
-      <a:lvl7pPr marL="2743200" algn="l" defTabSz="914400" rtl="0" eaLnBrk="1" latinLnBrk="0" hangingPunct="1">
-        <a:defRPr sz="1800" kern="1200">
-          <a:solidFill>
-            <a:schemeClr val="tx1"/>
-          </a:solidFill>
-          <a:latin typeface="+mn-lt"/>
-          <a:ea typeface="+mn-ea"/>
-          <a:cs typeface="+mn-cs"/>
-        </a:defRPr>
-      </a:lvl7pPr>
-      <a:lvl8pPr marL="3200400" algn="l" defTabSz="914400" rtl="0" eaLnBrk="1" latinLnBrk="0" hangingPunct="1">
-        <a:defRPr sz="1800" kern="1200">
-          <a:solidFill>
-            <a:schemeClr val="tx1"/>
-          </a:solidFill>
-          <a:latin typeface="+mn-lt"/>
-          <a:ea typeface="+mn-ea"/>
-          <a:cs typeface="+mn-cs"/>
-        </a:defRPr>
-      </a:lvl8pPr>
-      <a:lvl9pPr marL="3657600" algn="l" defTabSz="914400" rtl="0" eaLnBrk="1" latinLnBrk="0" hangingPunct="1">
-        <a:defRPr sz="1800" kern="1200">
-          <a:solidFill>
-            <a:schemeClr val="tx1"/>
-          </a:solidFill>
-          <a:latin typeface="+mn-lt"/>
-          <a:ea typeface="+mn-ea"/>
-          <a:cs typeface="+mn-cs"/>
-        </a:defRPr>
-      </a:lvl9pPr>
-    </p:otherStyle>
-  </p:txStyles>
 </p:sldMaster>
 </file>
 
 <file path=ppt/slides/slide1.xml><?xml version="1.0" encoding="utf-8"?>
-<p:sld xmlns:a="http://schemas.openxmlformats.org/drawingml/2006/main" xmlns:r="http://schemas.openxmlformats.org/officeDocument/2006/relationships" xmlns:p="http://schemas.openxmlformats.org/presentationml/2006/main">
+<p:sld xmlns:a="http://schemas.openxmlformats.org/drawingml/2006/main" xmlns:p="http://schemas.openxmlformats.org/presentationml/2006/main" xmlns:r="http://schemas.openxmlformats.org/officeDocument/2006/relationships" xmlns:p14="http://schemas.microsoft.com/office/powerpoint/2010/main" xmlns:p15="http://schemas.microsoft.com/office/powerpoint/2012/main" xmlns:mc="http://schemas.openxmlformats.org/markup-compatibility/2006">
   <p:cSld>
     <p:spTree>
       <p:nvGrpSpPr>
@@ -2233,13 +1871,13 @@
         <p:spPr>
           <a:xfrm>
             <a:off x="1800" y="859680"/>
-            <a:ext cx="12191760" cy="5138280"/>
+            <a:ext cx="12191400" cy="5137920"/>
           </a:xfrm>
           <a:prstGeom prst="rect">
             <a:avLst/>
           </a:prstGeom>
           <a:solidFill>
-            <a:srgbClr val="4F5B93"/>
+            <a:srgbClr val="4f5b93"/>
           </a:solidFill>
           <a:ln>
             <a:noFill/>
@@ -2278,6 +1916,7 @@
             <a:solidFill>
               <a:schemeClr val="bg1"/>
             </a:solidFill>
+            <a:round/>
           </a:ln>
         </p:spPr>
         <p:style>
@@ -2302,7 +1941,7 @@
         <p:spPr>
           <a:xfrm>
             <a:off x="5130360" y="3013560"/>
-            <a:ext cx="1930680" cy="821520"/>
+            <a:ext cx="1930320" cy="821160"/>
           </a:xfrm>
           <a:prstGeom prst="rect">
             <a:avLst/>
@@ -2313,20 +1952,13 @@
           </a:ln>
         </p:spPr>
         <p:style>
-          <a:lnRef idx="0">
-            <a:scrgbClr r="0" g="0" b="0"/>
-          </a:lnRef>
-          <a:fillRef idx="0">
-            <a:scrgbClr r="0" g="0" b="0"/>
-          </a:fillRef>
-          <a:effectRef idx="0">
-            <a:scrgbClr r="0" g="0" b="0"/>
-          </a:effectRef>
+          <a:lnRef idx="0"/>
+          <a:fillRef idx="0"/>
+          <a:effectRef idx="0"/>
           <a:fontRef idx="minor"/>
         </p:style>
         <p:txBody>
-          <a:bodyPr wrap="none" lIns="90000" tIns="45000" rIns="90000" bIns="45000"/>
-          <a:lstStyle/>
+          <a:bodyPr wrap="none" lIns="90000" rIns="90000" tIns="45000" bIns="45000"/>
           <a:p>
             <a:pPr algn="ctr">
               <a:lnSpc>
@@ -2334,13 +1966,13 @@
               </a:lnSpc>
             </a:pPr>
             <a:r>
-              <a:rPr lang="en-US" sz="4800" b="0" strike="noStrike" spc="-1" dirty="0">
-                <a:solidFill>
-                  <a:srgbClr val="FFFFFF"/>
-                </a:solidFill>
-                <a:uFill>
-                  <a:solidFill>
-                    <a:srgbClr val="FFFFFF"/>
+              <a:rPr b="0" lang="en-US" sz="4800" spc="-1" strike="noStrike">
+                <a:solidFill>
+                  <a:srgbClr val="ffffff"/>
+                </a:solidFill>
+                <a:uFill>
+                  <a:solidFill>
+                    <a:srgbClr val="ffffff"/>
                   </a:solidFill>
                 </a:uFill>
                 <a:latin typeface="Lato Black"/>
@@ -2348,13 +1980,13 @@
               </a:rPr>
               <a:t>CSS</a:t>
             </a:r>
-            <a:endParaRPr lang="en-US" sz="1800" b="0" strike="noStrike" spc="-1" dirty="0">
-              <a:solidFill>
-                <a:srgbClr val="000000"/>
-              </a:solidFill>
-              <a:uFill>
-                <a:solidFill>
-                  <a:srgbClr val="FFFFFF"/>
+            <a:endParaRPr b="0" lang="en-US" sz="1800" spc="-1" strike="noStrike">
+              <a:solidFill>
+                <a:srgbClr val="000000"/>
+              </a:solidFill>
+              <a:uFill>
+                <a:solidFill>
+                  <a:srgbClr val="ffffff"/>
                 </a:solidFill>
               </a:uFill>
               <a:latin typeface="Arial"/>
@@ -2364,9 +1996,6 @@
       </p:sp>
     </p:spTree>
   </p:cSld>
-  <p:clrMapOvr>
-    <a:masterClrMapping/>
-  </p:clrMapOvr>
   <p:timing>
     <p:tnLst>
       <p:par>
@@ -2375,14 +2004,14 @@
             <p:seq>
               <p:cTn id="2" nodeType="mainSeq"/>
               <p:prevCondLst>
-                <p:cond evt="onPrev" delay="0">
+                <p:cond delay="0" evt="onPrev">
                   <p:tgtEl>
                     <p:sldTgt/>
                   </p:tgtEl>
                 </p:cond>
               </p:prevCondLst>
               <p:nextCondLst>
-                <p:cond evt="onNext" delay="0">
+                <p:cond delay="0" evt="onNext">
                   <p:tgtEl>
                     <p:sldTgt/>
                   </p:tgtEl>
@@ -2398,7 +2027,7 @@
 </file>
 
 <file path=ppt/slides/slide2.xml><?xml version="1.0" encoding="utf-8"?>
-<p:sld xmlns:a="http://schemas.openxmlformats.org/drawingml/2006/main" xmlns:r="http://schemas.openxmlformats.org/officeDocument/2006/relationships" xmlns:p="http://schemas.openxmlformats.org/presentationml/2006/main">
+<p:sld xmlns:a="http://schemas.openxmlformats.org/drawingml/2006/main" xmlns:p="http://schemas.openxmlformats.org/presentationml/2006/main" xmlns:r="http://schemas.openxmlformats.org/officeDocument/2006/relationships" xmlns:p14="http://schemas.microsoft.com/office/powerpoint/2010/main" xmlns:p15="http://schemas.microsoft.com/office/powerpoint/2012/main" xmlns:mc="http://schemas.openxmlformats.org/markup-compatibility/2006">
   <p:cSld>
     <p:spTree>
       <p:nvGrpSpPr>
@@ -2423,13 +2052,13 @@
         <p:spPr>
           <a:xfrm>
             <a:off x="1800" y="859680"/>
-            <a:ext cx="12191760" cy="5138280"/>
+            <a:ext cx="12191400" cy="5137920"/>
           </a:xfrm>
           <a:prstGeom prst="rect">
             <a:avLst/>
           </a:prstGeom>
           <a:solidFill>
-            <a:srgbClr val="4F5B93"/>
+            <a:srgbClr val="4f5b93"/>
           </a:solidFill>
           <a:ln>
             <a:noFill/>
@@ -2449,13 +2078,6 @@
           </a:effectRef>
           <a:fontRef idx="minor"/>
         </p:style>
-        <p:txBody>
-          <a:bodyPr/>
-          <a:lstStyle/>
-          <a:p>
-            <a:endParaRPr lang="en-US" dirty="0"/>
-          </a:p>
-        </p:txBody>
       </p:sp>
       <p:sp>
         <p:nvSpPr>
@@ -2466,7 +2088,7 @@
         <p:spPr>
           <a:xfrm>
             <a:off x="3193560" y="859680"/>
-            <a:ext cx="5804640" cy="639000"/>
+            <a:ext cx="5804280" cy="638640"/>
           </a:xfrm>
           <a:prstGeom prst="rect">
             <a:avLst/>
@@ -2477,20 +2099,13 @@
           </a:ln>
         </p:spPr>
         <p:style>
-          <a:lnRef idx="0">
-            <a:scrgbClr r="0" g="0" b="0"/>
-          </a:lnRef>
-          <a:fillRef idx="0">
-            <a:scrgbClr r="0" g="0" b="0"/>
-          </a:fillRef>
-          <a:effectRef idx="0">
-            <a:scrgbClr r="0" g="0" b="0"/>
-          </a:effectRef>
+          <a:lnRef idx="0"/>
+          <a:fillRef idx="0"/>
+          <a:effectRef idx="0"/>
           <a:fontRef idx="minor"/>
         </p:style>
         <p:txBody>
-          <a:bodyPr wrap="none" lIns="90000" tIns="45000" rIns="90000" bIns="45000"/>
-          <a:lstStyle/>
+          <a:bodyPr wrap="none" lIns="90000" rIns="90000" tIns="45000" bIns="45000"/>
           <a:p>
             <a:pPr>
               <a:lnSpc>
@@ -2498,13 +2113,13 @@
               </a:lnSpc>
             </a:pPr>
             <a:r>
-              <a:rPr lang="en-US" sz="3600" b="0" strike="noStrike" spc="-1" dirty="0">
-                <a:solidFill>
-                  <a:srgbClr val="FFFFFF"/>
-                </a:solidFill>
-                <a:uFill>
-                  <a:solidFill>
-                    <a:srgbClr val="FFFFFF"/>
+              <a:rPr b="0" lang="en-US" sz="3600" spc="-1" strike="noStrike">
+                <a:solidFill>
+                  <a:srgbClr val="ffffff"/>
+                </a:solidFill>
+                <a:uFill>
+                  <a:solidFill>
+                    <a:srgbClr val="ffffff"/>
                   </a:solidFill>
                 </a:uFill>
                 <a:latin typeface="Lato"/>
@@ -2512,13 +2127,13 @@
               </a:rPr>
               <a:t>BEFORE WE GET STARTED</a:t>
             </a:r>
-            <a:endParaRPr lang="en-US" sz="1800" b="0" strike="noStrike" spc="-1" dirty="0">
-              <a:solidFill>
-                <a:srgbClr val="000000"/>
-              </a:solidFill>
-              <a:uFill>
-                <a:solidFill>
-                  <a:srgbClr val="FFFFFF"/>
+            <a:endParaRPr b="0" lang="en-US" sz="1800" spc="-1" strike="noStrike">
+              <a:solidFill>
+                <a:srgbClr val="000000"/>
+              </a:solidFill>
+              <a:uFill>
+                <a:solidFill>
+                  <a:srgbClr val="ffffff"/>
                 </a:solidFill>
               </a:uFill>
               <a:latin typeface="Arial"/>
@@ -2544,6 +2159,7 @@
             <a:solidFill>
               <a:schemeClr val="bg1"/>
             </a:solidFill>
+            <a:round/>
           </a:ln>
         </p:spPr>
         <p:style>
@@ -2568,7 +2184,7 @@
         <p:spPr>
           <a:xfrm>
             <a:off x="0" y="1554480"/>
-            <a:ext cx="12191760" cy="3748320"/>
+            <a:ext cx="12191400" cy="3747960"/>
           </a:xfrm>
           <a:prstGeom prst="rect">
             <a:avLst/>
@@ -2579,69 +2195,66 @@
           </a:ln>
         </p:spPr>
         <p:style>
-          <a:lnRef idx="0">
-            <a:scrgbClr r="0" g="0" b="0"/>
-          </a:lnRef>
-          <a:fillRef idx="0">
-            <a:scrgbClr r="0" g="0" b="0"/>
-          </a:fillRef>
-          <a:effectRef idx="0">
-            <a:scrgbClr r="0" g="0" b="0"/>
-          </a:effectRef>
+          <a:lnRef idx="0"/>
+          <a:fillRef idx="0"/>
+          <a:effectRef idx="0"/>
           <a:fontRef idx="minor"/>
         </p:style>
         <p:txBody>
-          <a:bodyPr lIns="90000" tIns="45000" rIns="90000" bIns="45000" anchor="ctr"/>
-          <a:lstStyle/>
+          <a:bodyPr lIns="90000" rIns="90000" tIns="45000" bIns="45000" anchor="ctr"/>
           <a:p>
             <a:pPr marL="360" algn="ctr">
               <a:lnSpc>
                 <a:spcPct val="150000"/>
               </a:lnSpc>
-              <a:buClr>
-                <a:srgbClr val="FFFFFF"/>
-              </a:buClr>
             </a:pPr>
             <a:r>
-              <a:rPr lang="en-US" sz="3200" b="1" strike="noStrike" spc="-1" dirty="0">
-                <a:solidFill>
-                  <a:schemeClr val="bg1"/>
-                </a:solidFill>
-                <a:uFill>
-                  <a:solidFill>
-                    <a:srgbClr val="FFFFFF"/>
-                  </a:solidFill>
-                </a:uFill>
-                <a:latin typeface="Lato" panose="020F0502020204030203" pitchFamily="34" charset="0"/>
-                <a:ea typeface="Lato" panose="020F0502020204030203" pitchFamily="34" charset="0"/>
-                <a:cs typeface="Lato" panose="020F0502020204030203" pitchFamily="34" charset="0"/>
+              <a:rPr b="1" lang="en-US" sz="3200" spc="-1" strike="noStrike">
+                <a:solidFill>
+                  <a:srgbClr val="ffffff"/>
+                </a:solidFill>
+                <a:uFill>
+                  <a:solidFill>
+                    <a:srgbClr val="ffffff"/>
+                  </a:solidFill>
+                </a:uFill>
+                <a:latin typeface="Lato"/>
+                <a:ea typeface="Lato"/>
               </a:rPr>
               <a:t>MAKE SURE YOU READ THROUGH THE GREETING, ENVIROMENT AND HTML SECTION</a:t>
             </a:r>
+            <a:endParaRPr b="0" lang="en-US" sz="1800" spc="-1" strike="noStrike">
+              <a:solidFill>
+                <a:srgbClr val="000000"/>
+              </a:solidFill>
+              <a:uFill>
+                <a:solidFill>
+                  <a:srgbClr val="ffffff"/>
+                </a:solidFill>
+              </a:uFill>
+              <a:latin typeface="Arial"/>
+            </a:endParaRPr>
           </a:p>
         </p:txBody>
       </p:sp>
     </p:spTree>
   </p:cSld>
-  <p:clrMapOvr>
-    <a:masterClrMapping/>
-  </p:clrMapOvr>
   <p:timing>
     <p:tnLst>
       <p:par>
-        <p:cTn id="1" dur="indefinite" restart="never" nodeType="tmRoot">
+        <p:cTn id="3" dur="indefinite" restart="never" nodeType="tmRoot">
           <p:childTnLst>
             <p:seq>
-              <p:cTn id="2" nodeType="mainSeq"/>
+              <p:cTn id="4" nodeType="mainSeq"/>
               <p:prevCondLst>
-                <p:cond evt="onPrev" delay="0">
+                <p:cond delay="0" evt="onPrev">
                   <p:tgtEl>
                     <p:sldTgt/>
                   </p:tgtEl>
                 </p:cond>
               </p:prevCondLst>
               <p:nextCondLst>
-                <p:cond evt="onNext" delay="0">
+                <p:cond delay="0" evt="onNext">
                   <p:tgtEl>
                     <p:sldTgt/>
                   </p:tgtEl>
@@ -2657,7 +2270,7 @@
 </file>
 
 <file path=ppt/slides/slide3.xml><?xml version="1.0" encoding="utf-8"?>
-<p:sld xmlns:a="http://schemas.openxmlformats.org/drawingml/2006/main" xmlns:r="http://schemas.openxmlformats.org/officeDocument/2006/relationships" xmlns:p="http://schemas.openxmlformats.org/presentationml/2006/main">
+<p:sld xmlns:a="http://schemas.openxmlformats.org/drawingml/2006/main" xmlns:p="http://schemas.openxmlformats.org/presentationml/2006/main" xmlns:r="http://schemas.openxmlformats.org/officeDocument/2006/relationships" xmlns:p14="http://schemas.microsoft.com/office/powerpoint/2010/main" xmlns:p15="http://schemas.microsoft.com/office/powerpoint/2012/main" xmlns:mc="http://schemas.openxmlformats.org/markup-compatibility/2006">
   <p:cSld>
     <p:spTree>
       <p:nvGrpSpPr>
@@ -2675,20 +2288,20 @@
       </p:grpSpPr>
       <p:sp>
         <p:nvSpPr>
-          <p:cNvPr id="44" name="CustomShape 1"/>
+          <p:cNvPr id="43" name="CustomShape 1"/>
           <p:cNvSpPr/>
           <p:nvPr/>
         </p:nvSpPr>
         <p:spPr>
           <a:xfrm>
             <a:off x="1800" y="859680"/>
-            <a:ext cx="12191760" cy="5138280"/>
+            <a:ext cx="12191400" cy="5137920"/>
           </a:xfrm>
           <a:prstGeom prst="rect">
             <a:avLst/>
           </a:prstGeom>
           <a:solidFill>
-            <a:srgbClr val="4F5B93"/>
+            <a:srgbClr val="4f5b93"/>
           </a:solidFill>
           <a:ln>
             <a:noFill/>
@@ -2711,14 +2324,14 @@
       </p:sp>
       <p:sp>
         <p:nvSpPr>
-          <p:cNvPr id="45" name="CustomShape 2"/>
+          <p:cNvPr id="44" name="CustomShape 2"/>
           <p:cNvSpPr/>
           <p:nvPr/>
         </p:nvSpPr>
         <p:spPr>
           <a:xfrm>
-            <a:off x="120" y="859680"/>
-            <a:ext cx="12191880" cy="639000"/>
+            <a:off x="0" y="859680"/>
+            <a:ext cx="12191400" cy="638640"/>
           </a:xfrm>
           <a:prstGeom prst="rect">
             <a:avLst/>
@@ -2729,20 +2342,13 @@
           </a:ln>
         </p:spPr>
         <p:style>
-          <a:lnRef idx="0">
-            <a:scrgbClr r="0" g="0" b="0"/>
-          </a:lnRef>
-          <a:fillRef idx="0">
-            <a:scrgbClr r="0" g="0" b="0"/>
-          </a:fillRef>
-          <a:effectRef idx="0">
-            <a:scrgbClr r="0" g="0" b="0"/>
-          </a:effectRef>
+          <a:lnRef idx="0"/>
+          <a:fillRef idx="0"/>
+          <a:effectRef idx="0"/>
           <a:fontRef idx="minor"/>
         </p:style>
         <p:txBody>
-          <a:bodyPr wrap="none" lIns="90000" tIns="45000" rIns="90000" bIns="45000"/>
-          <a:lstStyle/>
+          <a:bodyPr wrap="none" lIns="90000" rIns="90000" tIns="45000" bIns="45000"/>
           <a:p>
             <a:pPr algn="ctr">
               <a:lnSpc>
@@ -2750,26 +2356,27 @@
               </a:lnSpc>
             </a:pPr>
             <a:r>
-              <a:rPr lang="en-US" sz="3600" b="0" strike="noStrike" spc="-1" dirty="0">
-                <a:solidFill>
-                  <a:srgbClr val="FFFFFF"/>
-                </a:solidFill>
-                <a:uFill>
-                  <a:solidFill>
-                    <a:srgbClr val="FFFFFF"/>
-                  </a:solidFill>
-                </a:uFill>
-                <a:latin typeface="Lato"/>
+              <a:rPr b="0" lang="en-US" sz="3600" spc="-1" strike="noStrike">
+                <a:solidFill>
+                  <a:srgbClr val="ffffff"/>
+                </a:solidFill>
+                <a:uFill>
+                  <a:solidFill>
+                    <a:srgbClr val="ffffff"/>
+                  </a:solidFill>
+                </a:uFill>
+                <a:latin typeface="Lato"/>
+                <a:ea typeface="DejaVu Sans"/>
               </a:rPr>
               <a:t>WHAT IS CSS ?</a:t>
             </a:r>
-            <a:endParaRPr lang="en-US" sz="1800" b="0" strike="noStrike" spc="-1" dirty="0">
-              <a:solidFill>
-                <a:srgbClr val="000000"/>
-              </a:solidFill>
-              <a:uFill>
-                <a:solidFill>
-                  <a:srgbClr val="FFFFFF"/>
+            <a:endParaRPr b="0" lang="en-US" sz="1800" spc="-1" strike="noStrike">
+              <a:solidFill>
+                <a:srgbClr val="000000"/>
+              </a:solidFill>
+              <a:uFill>
+                <a:solidFill>
+                  <a:srgbClr val="ffffff"/>
                 </a:solidFill>
               </a:uFill>
               <a:latin typeface="Arial"/>
@@ -2779,14 +2386,14 @@
       </p:sp>
       <p:sp>
         <p:nvSpPr>
-          <p:cNvPr id="46" name="CustomShape 3"/>
+          <p:cNvPr id="45" name="CustomShape 3"/>
           <p:cNvSpPr/>
           <p:nvPr/>
         </p:nvSpPr>
         <p:spPr>
           <a:xfrm>
             <a:off x="0" y="1498680"/>
-            <a:ext cx="12191760" cy="4499280"/>
+            <a:ext cx="12191400" cy="4498920"/>
           </a:xfrm>
           <a:prstGeom prst="rect">
             <a:avLst/>
@@ -2797,268 +2404,288 @@
           </a:ln>
         </p:spPr>
         <p:style>
-          <a:lnRef idx="0">
-            <a:scrgbClr r="0" g="0" b="0"/>
-          </a:lnRef>
-          <a:fillRef idx="0">
-            <a:scrgbClr r="0" g="0" b="0"/>
-          </a:fillRef>
-          <a:effectRef idx="0">
-            <a:scrgbClr r="0" g="0" b="0"/>
-          </a:effectRef>
+          <a:lnRef idx="0"/>
+          <a:fillRef idx="0"/>
+          <a:effectRef idx="0"/>
           <a:fontRef idx="minor"/>
         </p:style>
         <p:txBody>
-          <a:bodyPr lIns="90000" tIns="45000" rIns="90000" bIns="45000"/>
-          <a:lstStyle/>
-          <a:p>
-            <a:pPr marL="457200" indent="-456840">
+          <a:bodyPr lIns="90000" rIns="90000" tIns="45000" bIns="45000"/>
+          <a:p>
+            <a:pPr marL="457200" indent="-456480">
               <a:lnSpc>
                 <a:spcPct val="150000"/>
               </a:lnSpc>
               <a:buClr>
-                <a:srgbClr val="FFFFFF"/>
+                <a:srgbClr val="ffffff"/>
               </a:buClr>
               <a:buFont typeface="Wingdings" charset="2"/>
               <a:buChar char=""/>
             </a:pPr>
             <a:r>
-              <a:rPr lang="en-US" sz="2400" strike="noStrike" spc="-1" dirty="0">
-                <a:solidFill>
-                  <a:srgbClr val="FFFFFF"/>
-                </a:solidFill>
-                <a:uFill>
-                  <a:solidFill>
-                    <a:srgbClr val="FFFFFF"/>
-                  </a:solidFill>
-                </a:uFill>
-                <a:latin typeface="Lato"/>
+              <a:rPr b="0" lang="en-US" sz="2400" spc="-1" strike="noStrike">
+                <a:solidFill>
+                  <a:srgbClr val="ffffff"/>
+                </a:solidFill>
+                <a:uFill>
+                  <a:solidFill>
+                    <a:srgbClr val="ffffff"/>
+                  </a:solidFill>
+                </a:uFill>
+                <a:latin typeface="Lato"/>
+                <a:ea typeface="DejaVu Sans"/>
               </a:rPr>
               <a:t>CSS stands for </a:t>
             </a:r>
             <a:r>
-              <a:rPr lang="en-US" sz="2400" b="1" strike="noStrike" spc="-1" dirty="0">
-                <a:solidFill>
-                  <a:srgbClr val="FFFF00"/>
-                </a:solidFill>
-                <a:uFill>
-                  <a:solidFill>
-                    <a:srgbClr val="FFFFFF"/>
-                  </a:solidFill>
-                </a:uFill>
-                <a:latin typeface="Lato"/>
+              <a:rPr b="1" lang="en-US" sz="2400" spc="-1" strike="noStrike">
+                <a:solidFill>
+                  <a:srgbClr val="ffff00"/>
+                </a:solidFill>
+                <a:uFill>
+                  <a:solidFill>
+                    <a:srgbClr val="ffffff"/>
+                  </a:solidFill>
+                </a:uFill>
+                <a:latin typeface="Lato"/>
+                <a:ea typeface="DejaVu Sans"/>
               </a:rPr>
               <a:t>C</a:t>
             </a:r>
             <a:r>
-              <a:rPr lang="en-US" sz="2400" strike="noStrike" spc="-1" dirty="0">
-                <a:solidFill>
-                  <a:srgbClr val="FFFFFF"/>
-                </a:solidFill>
-                <a:uFill>
-                  <a:solidFill>
-                    <a:srgbClr val="FFFFFF"/>
-                  </a:solidFill>
-                </a:uFill>
-                <a:latin typeface="Lato"/>
+              <a:rPr b="0" lang="en-US" sz="2400" spc="-1" strike="noStrike">
+                <a:solidFill>
+                  <a:srgbClr val="ffffff"/>
+                </a:solidFill>
+                <a:uFill>
+                  <a:solidFill>
+                    <a:srgbClr val="ffffff"/>
+                  </a:solidFill>
+                </a:uFill>
+                <a:latin typeface="Lato"/>
+                <a:ea typeface="DejaVu Sans"/>
               </a:rPr>
               <a:t>ascading </a:t>
             </a:r>
             <a:r>
-              <a:rPr lang="en-US" sz="2400" b="1" strike="noStrike" spc="-1" dirty="0">
-                <a:solidFill>
-                  <a:srgbClr val="FFFF00"/>
-                </a:solidFill>
-                <a:uFill>
-                  <a:solidFill>
-                    <a:srgbClr val="FFFFFF"/>
-                  </a:solidFill>
-                </a:uFill>
-                <a:latin typeface="Lato"/>
+              <a:rPr b="1" lang="en-US" sz="2400" spc="-1" strike="noStrike">
+                <a:solidFill>
+                  <a:srgbClr val="ffff00"/>
+                </a:solidFill>
+                <a:uFill>
+                  <a:solidFill>
+                    <a:srgbClr val="ffffff"/>
+                  </a:solidFill>
+                </a:uFill>
+                <a:latin typeface="Lato"/>
+                <a:ea typeface="DejaVu Sans"/>
               </a:rPr>
               <a:t>S</a:t>
             </a:r>
             <a:r>
-              <a:rPr lang="en-US" sz="2400" strike="noStrike" spc="-1" dirty="0">
-                <a:solidFill>
-                  <a:srgbClr val="FFFFFF"/>
-                </a:solidFill>
-                <a:uFill>
-                  <a:solidFill>
-                    <a:srgbClr val="FFFFFF"/>
-                  </a:solidFill>
-                </a:uFill>
-                <a:latin typeface="Lato"/>
+              <a:rPr b="0" lang="en-US" sz="2400" spc="-1" strike="noStrike">
+                <a:solidFill>
+                  <a:srgbClr val="ffffff"/>
+                </a:solidFill>
+                <a:uFill>
+                  <a:solidFill>
+                    <a:srgbClr val="ffffff"/>
+                  </a:solidFill>
+                </a:uFill>
+                <a:latin typeface="Lato"/>
+                <a:ea typeface="DejaVu Sans"/>
               </a:rPr>
               <a:t>tyle </a:t>
             </a:r>
             <a:r>
-              <a:rPr lang="en-US" sz="2400" b="1" strike="noStrike" spc="-1" dirty="0">
-                <a:solidFill>
-                  <a:srgbClr val="FFFF00"/>
-                </a:solidFill>
-                <a:uFill>
-                  <a:solidFill>
-                    <a:srgbClr val="FFFFFF"/>
-                  </a:solidFill>
-                </a:uFill>
-                <a:latin typeface="Lato"/>
+              <a:rPr b="1" lang="en-US" sz="2400" spc="-1" strike="noStrike">
+                <a:solidFill>
+                  <a:srgbClr val="ffff00"/>
+                </a:solidFill>
+                <a:uFill>
+                  <a:solidFill>
+                    <a:srgbClr val="ffffff"/>
+                  </a:solidFill>
+                </a:uFill>
+                <a:latin typeface="Lato"/>
+                <a:ea typeface="DejaVu Sans"/>
               </a:rPr>
               <a:t>S</a:t>
             </a:r>
             <a:r>
-              <a:rPr lang="en-US" sz="2400" strike="noStrike" spc="-1" dirty="0">
-                <a:solidFill>
-                  <a:srgbClr val="FFFFFF"/>
-                </a:solidFill>
-                <a:uFill>
-                  <a:solidFill>
-                    <a:srgbClr val="FFFFFF"/>
-                  </a:solidFill>
-                </a:uFill>
-                <a:latin typeface="Lato"/>
+              <a:rPr b="0" lang="en-US" sz="2400" spc="-1" strike="noStrike">
+                <a:solidFill>
+                  <a:srgbClr val="ffffff"/>
+                </a:solidFill>
+                <a:uFill>
+                  <a:solidFill>
+                    <a:srgbClr val="ffffff"/>
+                  </a:solidFill>
+                </a:uFill>
+                <a:latin typeface="Lato"/>
+                <a:ea typeface="DejaVu Sans"/>
               </a:rPr>
               <a:t>heets.</a:t>
             </a:r>
-          </a:p>
-          <a:p>
-            <a:pPr marL="457200" indent="-456840">
+            <a:endParaRPr b="0" lang="en-US" sz="1800" spc="-1" strike="noStrike">
+              <a:solidFill>
+                <a:srgbClr val="000000"/>
+              </a:solidFill>
+              <a:uFill>
+                <a:solidFill>
+                  <a:srgbClr val="ffffff"/>
+                </a:solidFill>
+              </a:uFill>
+              <a:latin typeface="Arial"/>
+            </a:endParaRPr>
+          </a:p>
+          <a:p>
+            <a:pPr marL="457200" indent="-456480">
               <a:lnSpc>
                 <a:spcPct val="150000"/>
               </a:lnSpc>
               <a:buClr>
-                <a:srgbClr val="FFFFFF"/>
+                <a:srgbClr val="ffffff"/>
               </a:buClr>
               <a:buFont typeface="Wingdings" charset="2"/>
               <a:buChar char=""/>
             </a:pPr>
             <a:r>
-              <a:rPr lang="en-US" sz="2400" strike="noStrike" spc="-1" dirty="0">
-                <a:solidFill>
-                  <a:srgbClr val="FFFFFF"/>
-                </a:solidFill>
-                <a:uFill>
-                  <a:solidFill>
-                    <a:srgbClr val="FFFFFF"/>
-                  </a:solidFill>
-                </a:uFill>
-                <a:latin typeface="Lato"/>
+              <a:rPr b="0" lang="en-US" sz="2400" spc="-1" strike="noStrike">
+                <a:solidFill>
+                  <a:srgbClr val="ffffff"/>
+                </a:solidFill>
+                <a:uFill>
+                  <a:solidFill>
+                    <a:srgbClr val="ffffff"/>
+                  </a:solidFill>
+                </a:uFill>
+                <a:latin typeface="Lato"/>
+                <a:ea typeface="DejaVu Sans"/>
               </a:rPr>
               <a:t>CSS is a language that describes the style of an HTML document.</a:t>
             </a:r>
-          </a:p>
-          <a:p>
-            <a:pPr marL="457200" indent="-456840">
+            <a:endParaRPr b="0" lang="en-US" sz="1800" spc="-1" strike="noStrike">
+              <a:solidFill>
+                <a:srgbClr val="000000"/>
+              </a:solidFill>
+              <a:uFill>
+                <a:solidFill>
+                  <a:srgbClr val="ffffff"/>
+                </a:solidFill>
+              </a:uFill>
+              <a:latin typeface="Arial"/>
+            </a:endParaRPr>
+          </a:p>
+          <a:p>
+            <a:pPr marL="457200" indent="-456480">
               <a:lnSpc>
                 <a:spcPct val="150000"/>
               </a:lnSpc>
               <a:buClr>
-                <a:srgbClr val="FFFFFF"/>
+                <a:srgbClr val="ffffff"/>
               </a:buClr>
               <a:buFont typeface="Wingdings" charset="2"/>
               <a:buChar char=""/>
             </a:pPr>
             <a:r>
-              <a:rPr lang="en-US" sz="2400" spc="-1" dirty="0">
-                <a:solidFill>
-                  <a:srgbClr val="FFFFFF"/>
-                </a:solidFill>
-                <a:uFill>
-                  <a:solidFill>
-                    <a:srgbClr val="FFFFFF"/>
-                  </a:solidFill>
-                </a:uFill>
-                <a:latin typeface="Lato"/>
+              <a:rPr b="0" lang="en-US" sz="2400" spc="-1" strike="noStrike">
+                <a:solidFill>
+                  <a:srgbClr val="ffffff"/>
+                </a:solidFill>
+                <a:uFill>
+                  <a:solidFill>
+                    <a:srgbClr val="ffffff"/>
+                  </a:solidFill>
+                </a:uFill>
+                <a:latin typeface="Lato"/>
+                <a:ea typeface="DejaVu Sans"/>
               </a:rPr>
               <a:t>CSS describes how HTML element are to be displayed on screen, paper, or in other media.</a:t>
             </a:r>
-          </a:p>
-          <a:p>
-            <a:pPr marL="457200" indent="-456840">
+            <a:endParaRPr b="0" lang="en-US" sz="1800" spc="-1" strike="noStrike">
+              <a:solidFill>
+                <a:srgbClr val="000000"/>
+              </a:solidFill>
+              <a:uFill>
+                <a:solidFill>
+                  <a:srgbClr val="ffffff"/>
+                </a:solidFill>
+              </a:uFill>
+              <a:latin typeface="Arial"/>
+            </a:endParaRPr>
+          </a:p>
+          <a:p>
+            <a:pPr marL="457200" indent="-456480">
               <a:lnSpc>
                 <a:spcPct val="150000"/>
               </a:lnSpc>
               <a:buClr>
-                <a:srgbClr val="FFFFFF"/>
+                <a:srgbClr val="ffffff"/>
               </a:buClr>
               <a:buFont typeface="Wingdings" charset="2"/>
               <a:buChar char=""/>
             </a:pPr>
             <a:r>
-              <a:rPr lang="en-US" sz="2400" strike="noStrike" spc="-1" dirty="0">
-                <a:solidFill>
-                  <a:srgbClr val="FFFFFF"/>
-                </a:solidFill>
-                <a:uFill>
-                  <a:solidFill>
-                    <a:srgbClr val="FFFFFF"/>
-                  </a:solidFill>
-                </a:uFill>
-                <a:latin typeface="Lato"/>
-              </a:rPr>
-              <a:t>CSS </a:t>
-            </a:r>
-            <a:r>
-              <a:rPr lang="en-US" sz="2400" spc="-1" dirty="0">
-                <a:solidFill>
-                  <a:srgbClr val="FFFFFF"/>
-                </a:solidFill>
-                <a:uFill>
-                  <a:solidFill>
-                    <a:srgbClr val="FFFFFF"/>
-                  </a:solidFill>
-                </a:uFill>
-                <a:latin typeface="Lato"/>
-              </a:rPr>
-              <a:t>is used to define styles for your web pages, including the design, layout and variations in display for different devices and screen sizes.</a:t>
-            </a:r>
-          </a:p>
-          <a:p>
-            <a:pPr marL="457200" indent="-456840">
+              <a:rPr b="0" lang="en-US" sz="2400" spc="-1" strike="noStrike">
+                <a:solidFill>
+                  <a:srgbClr val="ffffff"/>
+                </a:solidFill>
+                <a:uFill>
+                  <a:solidFill>
+                    <a:srgbClr val="ffffff"/>
+                  </a:solidFill>
+                </a:uFill>
+                <a:latin typeface="Lato"/>
+                <a:ea typeface="DejaVu Sans"/>
+              </a:rPr>
+              <a:t>CSS is used to define styles for your web pages, including the design, layout and variations in display for different devices and screen sizes.</a:t>
+            </a:r>
+            <a:endParaRPr b="0" lang="en-US" sz="1800" spc="-1" strike="noStrike">
+              <a:solidFill>
+                <a:srgbClr val="000000"/>
+              </a:solidFill>
+              <a:uFill>
+                <a:solidFill>
+                  <a:srgbClr val="ffffff"/>
+                </a:solidFill>
+              </a:uFill>
+              <a:latin typeface="Arial"/>
+            </a:endParaRPr>
+          </a:p>
+          <a:p>
+            <a:pPr marL="457200" indent="-456480">
               <a:lnSpc>
                 <a:spcPct val="150000"/>
               </a:lnSpc>
               <a:buClr>
-                <a:srgbClr val="FFFFFF"/>
+                <a:srgbClr val="ffffff"/>
               </a:buClr>
               <a:buFont typeface="Wingdings" charset="2"/>
               <a:buChar char=""/>
             </a:pPr>
             <a:r>
-              <a:rPr lang="en-US" sz="2400" strike="noStrike" spc="-1" dirty="0">
-                <a:solidFill>
-                  <a:srgbClr val="FFFFFF"/>
-                </a:solidFill>
-                <a:uFill>
-                  <a:solidFill>
-                    <a:srgbClr val="FFFFFF"/>
-                  </a:solidFill>
-                </a:uFill>
-                <a:latin typeface="Lato"/>
-              </a:rPr>
-              <a:t>HTML was created to desc</a:t>
-            </a:r>
-            <a:r>
-              <a:rPr lang="en-US" sz="2400" spc="-1" dirty="0">
-                <a:solidFill>
-                  <a:srgbClr val="FFFFFF"/>
-                </a:solidFill>
-                <a:uFill>
-                  <a:solidFill>
-                    <a:srgbClr val="FFFFFF"/>
-                  </a:solidFill>
-                </a:uFill>
-                <a:latin typeface="Lato"/>
-              </a:rPr>
-              <a:t>ribe the content of we page, then the World Wide Web Consortium (W3C) created CSS to do the rest (design, layout …).</a:t>
-            </a:r>
-            <a:endParaRPr lang="en-US" sz="1800" strike="noStrike" spc="-1" dirty="0">
-              <a:solidFill>
-                <a:srgbClr val="000000"/>
-              </a:solidFill>
-              <a:uFill>
-                <a:solidFill>
-                  <a:srgbClr val="FFFFFF"/>
+              <a:rPr b="0" lang="en-US" sz="2400" spc="-1" strike="noStrike">
+                <a:solidFill>
+                  <a:srgbClr val="ffffff"/>
+                </a:solidFill>
+                <a:uFill>
+                  <a:solidFill>
+                    <a:srgbClr val="ffffff"/>
+                  </a:solidFill>
+                </a:uFill>
+                <a:latin typeface="Lato"/>
+                <a:ea typeface="DejaVu Sans"/>
+              </a:rPr>
+              <a:t>HTML was created to describe the content of we page, then the World Wide Web Consortium (W3C) created CSS to do the rest (design, layout …).</a:t>
+            </a:r>
+            <a:endParaRPr b="0" lang="en-US" sz="1800" spc="-1" strike="noStrike">
+              <a:solidFill>
+                <a:srgbClr val="000000"/>
+              </a:solidFill>
+              <a:uFill>
+                <a:solidFill>
+                  <a:srgbClr val="ffffff"/>
                 </a:solidFill>
               </a:uFill>
               <a:latin typeface="Arial"/>
@@ -3068,7 +2695,7 @@
       </p:sp>
       <p:sp>
         <p:nvSpPr>
-          <p:cNvPr id="47" name="Line 4"/>
+          <p:cNvPr id="46" name="Line 4"/>
           <p:cNvSpPr/>
           <p:nvPr/>
         </p:nvSpPr>
@@ -3084,6 +2711,7 @@
             <a:solidFill>
               <a:schemeClr val="bg1"/>
             </a:solidFill>
+            <a:round/>
           </a:ln>
         </p:spPr>
         <p:style>
@@ -3101,25 +2729,22 @@
       </p:sp>
     </p:spTree>
   </p:cSld>
-  <p:clrMapOvr>
-    <a:masterClrMapping/>
-  </p:clrMapOvr>
   <p:timing>
     <p:tnLst>
       <p:par>
-        <p:cTn id="1" dur="indefinite" restart="never" nodeType="tmRoot">
+        <p:cTn id="5" dur="indefinite" restart="never" nodeType="tmRoot">
           <p:childTnLst>
             <p:seq>
-              <p:cTn id="2" nodeType="mainSeq"/>
+              <p:cTn id="6" nodeType="mainSeq"/>
               <p:prevCondLst>
-                <p:cond evt="onPrev" delay="0">
+                <p:cond delay="0" evt="onPrev">
                   <p:tgtEl>
                     <p:sldTgt/>
                   </p:tgtEl>
                 </p:cond>
               </p:prevCondLst>
               <p:nextCondLst>
-                <p:cond evt="onNext" delay="0">
+                <p:cond delay="0" evt="onNext">
                   <p:tgtEl>
                     <p:sldTgt/>
                   </p:tgtEl>
@@ -3135,7 +2760,7 @@
 </file>
 
 <file path=ppt/slides/slide4.xml><?xml version="1.0" encoding="utf-8"?>
-<p:sld xmlns:a="http://schemas.openxmlformats.org/drawingml/2006/main" xmlns:r="http://schemas.openxmlformats.org/officeDocument/2006/relationships" xmlns:p="http://schemas.openxmlformats.org/presentationml/2006/main">
+<p:sld xmlns:a="http://schemas.openxmlformats.org/drawingml/2006/main" xmlns:p="http://schemas.openxmlformats.org/presentationml/2006/main" xmlns:r="http://schemas.openxmlformats.org/officeDocument/2006/relationships" xmlns:p14="http://schemas.microsoft.com/office/powerpoint/2010/main" xmlns:p15="http://schemas.microsoft.com/office/powerpoint/2012/main" xmlns:mc="http://schemas.openxmlformats.org/markup-compatibility/2006">
   <p:cSld>
     <p:spTree>
       <p:nvGrpSpPr>
@@ -3153,20 +2778,20 @@
       </p:grpSpPr>
       <p:sp>
         <p:nvSpPr>
-          <p:cNvPr id="44" name="CustomShape 1"/>
+          <p:cNvPr id="47" name="CustomShape 1"/>
           <p:cNvSpPr/>
           <p:nvPr/>
         </p:nvSpPr>
         <p:spPr>
           <a:xfrm>
             <a:off x="1800" y="859680"/>
-            <a:ext cx="12191760" cy="5138280"/>
+            <a:ext cx="12191400" cy="5137920"/>
           </a:xfrm>
           <a:prstGeom prst="rect">
             <a:avLst/>
           </a:prstGeom>
           <a:solidFill>
-            <a:srgbClr val="4F5B93"/>
+            <a:srgbClr val="4f5b93"/>
           </a:solidFill>
           <a:ln>
             <a:noFill/>
@@ -3189,14 +2814,14 @@
       </p:sp>
       <p:sp>
         <p:nvSpPr>
-          <p:cNvPr id="45" name="CustomShape 2"/>
+          <p:cNvPr id="48" name="CustomShape 2"/>
           <p:cNvSpPr/>
           <p:nvPr/>
         </p:nvSpPr>
         <p:spPr>
           <a:xfrm>
-            <a:off x="120" y="859680"/>
-            <a:ext cx="12191880" cy="639000"/>
+            <a:off x="0" y="859680"/>
+            <a:ext cx="12191400" cy="638640"/>
           </a:xfrm>
           <a:prstGeom prst="rect">
             <a:avLst/>
@@ -3207,20 +2832,13 @@
           </a:ln>
         </p:spPr>
         <p:style>
-          <a:lnRef idx="0">
-            <a:scrgbClr r="0" g="0" b="0"/>
-          </a:lnRef>
-          <a:fillRef idx="0">
-            <a:scrgbClr r="0" g="0" b="0"/>
-          </a:fillRef>
-          <a:effectRef idx="0">
-            <a:scrgbClr r="0" g="0" b="0"/>
-          </a:effectRef>
+          <a:lnRef idx="0"/>
+          <a:fillRef idx="0"/>
+          <a:effectRef idx="0"/>
           <a:fontRef idx="minor"/>
         </p:style>
         <p:txBody>
-          <a:bodyPr wrap="none" lIns="90000" tIns="45000" rIns="90000" bIns="45000"/>
-          <a:lstStyle/>
+          <a:bodyPr wrap="none" lIns="90000" rIns="90000" tIns="45000" bIns="45000"/>
           <a:p>
             <a:pPr algn="ctr">
               <a:lnSpc>
@@ -3228,26 +2846,27 @@
               </a:lnSpc>
             </a:pPr>
             <a:r>
-              <a:rPr lang="en-US" sz="3600" b="0" strike="noStrike" spc="-1" dirty="0">
-                <a:solidFill>
-                  <a:srgbClr val="FFFFFF"/>
-                </a:solidFill>
-                <a:uFill>
-                  <a:solidFill>
-                    <a:srgbClr val="FFFFFF"/>
-                  </a:solidFill>
-                </a:uFill>
-                <a:latin typeface="Lato"/>
+              <a:rPr b="0" lang="en-US" sz="3600" spc="-1" strike="noStrike">
+                <a:solidFill>
+                  <a:srgbClr val="ffffff"/>
+                </a:solidFill>
+                <a:uFill>
+                  <a:solidFill>
+                    <a:srgbClr val="ffffff"/>
+                  </a:solidFill>
+                </a:uFill>
+                <a:latin typeface="Lato"/>
+                <a:ea typeface="DejaVu Sans"/>
               </a:rPr>
               <a:t>HTML ID &amp; CLASS</a:t>
             </a:r>
-            <a:endParaRPr lang="en-US" sz="1800" b="0" strike="noStrike" spc="-1" dirty="0">
-              <a:solidFill>
-                <a:srgbClr val="000000"/>
-              </a:solidFill>
-              <a:uFill>
-                <a:solidFill>
-                  <a:srgbClr val="FFFFFF"/>
+            <a:endParaRPr b="0" lang="en-US" sz="1800" spc="-1" strike="noStrike">
+              <a:solidFill>
+                <a:srgbClr val="000000"/>
+              </a:solidFill>
+              <a:uFill>
+                <a:solidFill>
+                  <a:srgbClr val="ffffff"/>
                 </a:solidFill>
               </a:uFill>
               <a:latin typeface="Arial"/>
@@ -3257,14 +2876,14 @@
       </p:sp>
       <p:sp>
         <p:nvSpPr>
-          <p:cNvPr id="46" name="CustomShape 3"/>
+          <p:cNvPr id="49" name="CustomShape 3"/>
           <p:cNvSpPr/>
           <p:nvPr/>
         </p:nvSpPr>
         <p:spPr>
           <a:xfrm>
             <a:off x="0" y="1498680"/>
-            <a:ext cx="12191760" cy="1791393"/>
+            <a:ext cx="12191400" cy="1791000"/>
           </a:xfrm>
           <a:prstGeom prst="rect">
             <a:avLst/>
@@ -3275,134 +2894,144 @@
           </a:ln>
         </p:spPr>
         <p:style>
-          <a:lnRef idx="0">
-            <a:scrgbClr r="0" g="0" b="0"/>
-          </a:lnRef>
-          <a:fillRef idx="0">
-            <a:scrgbClr r="0" g="0" b="0"/>
-          </a:fillRef>
-          <a:effectRef idx="0">
-            <a:scrgbClr r="0" g="0" b="0"/>
-          </a:effectRef>
+          <a:lnRef idx="0"/>
+          <a:fillRef idx="0"/>
+          <a:effectRef idx="0"/>
           <a:fontRef idx="minor"/>
         </p:style>
         <p:txBody>
-          <a:bodyPr lIns="90000" tIns="45000" rIns="90000" bIns="45000"/>
-          <a:lstStyle/>
-          <a:p>
-            <a:pPr marL="457200" indent="-456840">
+          <a:bodyPr lIns="90000" rIns="90000" tIns="45000" bIns="45000"/>
+          <a:p>
+            <a:pPr marL="457200" indent="-456480">
               <a:lnSpc>
                 <a:spcPct val="150000"/>
               </a:lnSpc>
               <a:buClr>
-                <a:srgbClr val="FFFFFF"/>
+                <a:srgbClr val="ffffff"/>
               </a:buClr>
               <a:buFont typeface="Wingdings" charset="2"/>
               <a:buChar char=""/>
             </a:pPr>
             <a:r>
-              <a:rPr lang="en-US" sz="2400" strike="noStrike" spc="-1" dirty="0">
-                <a:solidFill>
-                  <a:srgbClr val="FFFFFF"/>
-                </a:solidFill>
-                <a:uFill>
-                  <a:solidFill>
-                    <a:srgbClr val="FFFFFF"/>
-                  </a:solidFill>
-                </a:uFill>
-                <a:latin typeface="Lato"/>
+              <a:rPr b="0" lang="en-US" sz="2400" spc="-1" strike="noStrike">
+                <a:solidFill>
+                  <a:srgbClr val="ffffff"/>
+                </a:solidFill>
+                <a:uFill>
+                  <a:solidFill>
+                    <a:srgbClr val="ffffff"/>
+                  </a:solidFill>
+                </a:uFill>
+                <a:latin typeface="Lato"/>
+                <a:ea typeface="DejaVu Sans"/>
               </a:rPr>
               <a:t>The </a:t>
             </a:r>
             <a:r>
-              <a:rPr lang="en-US" sz="2400" b="1" strike="noStrike" spc="-1" dirty="0">
-                <a:solidFill>
-                  <a:srgbClr val="FFFF00"/>
-                </a:solidFill>
-                <a:uFill>
-                  <a:solidFill>
-                    <a:srgbClr val="FFFFFF"/>
-                  </a:solidFill>
-                </a:uFill>
-                <a:latin typeface="Lato"/>
+              <a:rPr b="1" lang="en-US" sz="2400" spc="-1" strike="noStrike">
+                <a:solidFill>
+                  <a:srgbClr val="ffff00"/>
+                </a:solidFill>
+                <a:uFill>
+                  <a:solidFill>
+                    <a:srgbClr val="ffffff"/>
+                  </a:solidFill>
+                </a:uFill>
+                <a:latin typeface="Lato"/>
+                <a:ea typeface="DejaVu Sans"/>
               </a:rPr>
               <a:t>id</a:t>
             </a:r>
             <a:r>
-              <a:rPr lang="en-US" sz="2400" strike="noStrike" spc="-1" dirty="0">
-                <a:solidFill>
-                  <a:srgbClr val="FFFFFF"/>
-                </a:solidFill>
-                <a:uFill>
-                  <a:solidFill>
-                    <a:srgbClr val="FFFFFF"/>
-                  </a:solidFill>
-                </a:uFill>
-                <a:latin typeface="Lato"/>
+              <a:rPr b="0" lang="en-US" sz="2400" spc="-1" strike="noStrike">
+                <a:solidFill>
+                  <a:srgbClr val="ffffff"/>
+                </a:solidFill>
+                <a:uFill>
+                  <a:solidFill>
+                    <a:srgbClr val="ffffff"/>
+                  </a:solidFill>
+                </a:uFill>
+                <a:latin typeface="Lato"/>
+                <a:ea typeface="DejaVu Sans"/>
               </a:rPr>
               <a:t> attribute specifies a unique id for an HTML element and the </a:t>
             </a:r>
             <a:r>
-              <a:rPr lang="en-US" sz="2400" b="1" strike="noStrike" spc="-1" dirty="0">
-                <a:solidFill>
-                  <a:srgbClr val="FFFF00"/>
-                </a:solidFill>
-                <a:uFill>
-                  <a:solidFill>
-                    <a:srgbClr val="FFFFFF"/>
-                  </a:solidFill>
-                </a:uFill>
-                <a:latin typeface="Lato"/>
+              <a:rPr b="1" lang="en-US" sz="2400" spc="-1" strike="noStrike">
+                <a:solidFill>
+                  <a:srgbClr val="ffff00"/>
+                </a:solidFill>
+                <a:uFill>
+                  <a:solidFill>
+                    <a:srgbClr val="ffffff"/>
+                  </a:solidFill>
+                </a:uFill>
+                <a:latin typeface="Lato"/>
+                <a:ea typeface="DejaVu Sans"/>
               </a:rPr>
               <a:t>class</a:t>
             </a:r>
             <a:r>
-              <a:rPr lang="en-US" sz="2400" strike="noStrike" spc="-1" dirty="0">
-                <a:solidFill>
-                  <a:srgbClr val="FFFFFF"/>
-                </a:solidFill>
-                <a:uFill>
-                  <a:solidFill>
-                    <a:srgbClr val="FFFFFF"/>
-                  </a:solidFill>
-                </a:uFill>
-                <a:latin typeface="Lato"/>
+              <a:rPr b="0" lang="en-US" sz="2400" spc="-1" strike="noStrike">
+                <a:solidFill>
+                  <a:srgbClr val="ffffff"/>
+                </a:solidFill>
+                <a:uFill>
+                  <a:solidFill>
+                    <a:srgbClr val="ffffff"/>
+                  </a:solidFill>
+                </a:uFill>
+                <a:latin typeface="Lato"/>
+                <a:ea typeface="DejaVu Sans"/>
               </a:rPr>
               <a:t> attribute specifies one or more class names for an HTML element.</a:t>
             </a:r>
-          </a:p>
-          <a:p>
-            <a:pPr marL="457200" indent="-456840">
+            <a:endParaRPr b="0" lang="en-US" sz="1800" spc="-1" strike="noStrike">
+              <a:solidFill>
+                <a:srgbClr val="000000"/>
+              </a:solidFill>
+              <a:uFill>
+                <a:solidFill>
+                  <a:srgbClr val="ffffff"/>
+                </a:solidFill>
+              </a:uFill>
+              <a:latin typeface="Arial"/>
+            </a:endParaRPr>
+          </a:p>
+          <a:p>
+            <a:pPr marL="457200" indent="-456480">
               <a:lnSpc>
                 <a:spcPct val="150000"/>
               </a:lnSpc>
               <a:buClr>
-                <a:srgbClr val="FFFFFF"/>
+                <a:srgbClr val="ffffff"/>
               </a:buClr>
               <a:buFont typeface="Wingdings" charset="2"/>
               <a:buChar char=""/>
             </a:pPr>
             <a:r>
-              <a:rPr lang="en-US" sz="2400" spc="-1" dirty="0">
-                <a:solidFill>
-                  <a:srgbClr val="FFFFFF"/>
-                </a:solidFill>
-                <a:uFill>
-                  <a:solidFill>
-                    <a:srgbClr val="FFFFFF"/>
-                  </a:solidFill>
-                </a:uFill>
-                <a:latin typeface="Lato"/>
+              <a:rPr b="0" lang="en-US" sz="2400" spc="-1" strike="noStrike">
+                <a:solidFill>
+                  <a:srgbClr val="ffffff"/>
+                </a:solidFill>
+                <a:uFill>
+                  <a:solidFill>
+                    <a:srgbClr val="ffffff"/>
+                  </a:solidFill>
+                </a:uFill>
+                <a:latin typeface="Lato"/>
+                <a:ea typeface="DejaVu Sans"/>
               </a:rPr>
               <a:t>Both of them can be used by CSS and JavaScript to perform certain tasks for element.</a:t>
             </a:r>
-            <a:endParaRPr lang="en-US" sz="1800" strike="noStrike" spc="-1" dirty="0">
-              <a:solidFill>
-                <a:srgbClr val="000000"/>
-              </a:solidFill>
-              <a:uFill>
-                <a:solidFill>
-                  <a:srgbClr val="FFFFFF"/>
+            <a:endParaRPr b="0" lang="en-US" sz="1800" spc="-1" strike="noStrike">
+              <a:solidFill>
+                <a:srgbClr val="000000"/>
+              </a:solidFill>
+              <a:uFill>
+                <a:solidFill>
+                  <a:srgbClr val="ffffff"/>
                 </a:solidFill>
               </a:uFill>
               <a:latin typeface="Arial"/>
@@ -3412,7 +3041,7 @@
       </p:sp>
       <p:sp>
         <p:nvSpPr>
-          <p:cNvPr id="47" name="Line 4"/>
+          <p:cNvPr id="50" name="Line 4"/>
           <p:cNvSpPr/>
           <p:nvPr/>
         </p:nvSpPr>
@@ -3428,6 +3057,7 @@
             <a:solidFill>
               <a:schemeClr val="bg1"/>
             </a:solidFill>
+            <a:round/>
           </a:ln>
         </p:spPr>
         <p:style>
@@ -3445,56 +3075,37 @@
       </p:sp>
       <p:pic>
         <p:nvPicPr>
-          <p:cNvPr id="3" name="Picture 2">
-            <a:extLst>
-              <a:ext uri="{FF2B5EF4-FFF2-40B4-BE49-F238E27FC236}">
-                <a16:creationId xmlns:a16="http://schemas.microsoft.com/office/drawing/2014/main" id="{F815CFD1-7A4D-48A2-9267-8F1B7EE68F68}"/>
-              </a:ext>
-            </a:extLst>
-          </p:cNvPr>
-          <p:cNvPicPr>
-            <a:picLocks noChangeAspect="1"/>
-          </p:cNvPicPr>
+          <p:cNvPr id="51" name="Picture 2" descr=""/>
+          <p:cNvPicPr/>
           <p:nvPr/>
         </p:nvPicPr>
         <p:blipFill>
-          <a:blip r:embed="rId2">
-            <a:extLst>
-              <a:ext uri="{28A0092B-C50C-407E-A947-70E740481C1C}">
-                <a14:useLocalDpi xmlns:a14="http://schemas.microsoft.com/office/drawing/2010/main" val="0"/>
-              </a:ext>
-            </a:extLst>
-          </a:blip>
-          <a:stretch>
-            <a:fillRect/>
-          </a:stretch>
+          <a:blip r:embed="rId1"/>
+          <a:stretch/>
         </p:blipFill>
         <p:spPr>
           <a:xfrm>
-            <a:off x="2790243" y="3290073"/>
-            <a:ext cx="6611273" cy="924054"/>
-          </a:xfrm>
-          <a:prstGeom prst="rect">
-            <a:avLst/>
-          </a:prstGeom>
+            <a:off x="2790360" y="3290040"/>
+            <a:ext cx="6611040" cy="923760"/>
+          </a:xfrm>
+          <a:prstGeom prst="rect">
+            <a:avLst/>
+          </a:prstGeom>
+          <a:ln>
+            <a:noFill/>
+          </a:ln>
         </p:spPr>
       </p:pic>
       <p:sp>
         <p:nvSpPr>
-          <p:cNvPr id="8" name="CustomShape 3">
-            <a:extLst>
-              <a:ext uri="{FF2B5EF4-FFF2-40B4-BE49-F238E27FC236}">
-                <a16:creationId xmlns:a16="http://schemas.microsoft.com/office/drawing/2014/main" id="{A34F13B8-F26C-4294-A69D-7B5FD5E00C2A}"/>
-              </a:ext>
-            </a:extLst>
-          </p:cNvPr>
+          <p:cNvPr id="52" name="CustomShape 5"/>
           <p:cNvSpPr/>
           <p:nvPr/>
         </p:nvSpPr>
         <p:spPr>
           <a:xfrm>
-            <a:off x="-1560" y="4207773"/>
-            <a:ext cx="12191760" cy="2649867"/>
+            <a:off x="-1440" y="4207680"/>
+            <a:ext cx="12191400" cy="2649600"/>
           </a:xfrm>
           <a:prstGeom prst="rect">
             <a:avLst/>
@@ -3505,162 +3116,174 @@
           </a:ln>
         </p:spPr>
         <p:style>
-          <a:lnRef idx="0">
-            <a:scrgbClr r="0" g="0" b="0"/>
-          </a:lnRef>
-          <a:fillRef idx="0">
-            <a:scrgbClr r="0" g="0" b="0"/>
-          </a:fillRef>
-          <a:effectRef idx="0">
-            <a:scrgbClr r="0" g="0" b="0"/>
-          </a:effectRef>
+          <a:lnRef idx="0"/>
+          <a:fillRef idx="0"/>
+          <a:effectRef idx="0"/>
           <a:fontRef idx="minor"/>
         </p:style>
         <p:txBody>
-          <a:bodyPr lIns="90000" tIns="45000" rIns="90000" bIns="45000"/>
-          <a:lstStyle/>
-          <a:p>
-            <a:pPr marL="457200" indent="-456840">
+          <a:bodyPr lIns="90000" rIns="90000" tIns="45000" bIns="45000"/>
+          <a:p>
+            <a:pPr marL="457200" indent="-456480">
               <a:lnSpc>
                 <a:spcPct val="150000"/>
               </a:lnSpc>
               <a:buClr>
-                <a:srgbClr val="FFFFFF"/>
+                <a:srgbClr val="ffffff"/>
               </a:buClr>
               <a:buFont typeface="Wingdings" charset="2"/>
               <a:buChar char=""/>
             </a:pPr>
             <a:r>
-              <a:rPr lang="en-US" sz="2400" strike="noStrike" spc="-1" dirty="0">
-                <a:solidFill>
-                  <a:srgbClr val="FFFFFF"/>
-                </a:solidFill>
-                <a:uFill>
-                  <a:solidFill>
-                    <a:srgbClr val="FFFFFF"/>
-                  </a:solidFill>
-                </a:uFill>
-                <a:latin typeface="Lato"/>
+              <a:rPr b="0" lang="en-US" sz="2400" spc="-1" strike="noStrike">
+                <a:solidFill>
+                  <a:srgbClr val="ffffff"/>
+                </a:solidFill>
+                <a:uFill>
+                  <a:solidFill>
+                    <a:srgbClr val="ffffff"/>
+                  </a:solidFill>
+                </a:uFill>
+                <a:latin typeface="Lato"/>
+                <a:ea typeface="DejaVu Sans"/>
               </a:rPr>
               <a:t>The </a:t>
             </a:r>
             <a:r>
-              <a:rPr lang="en-US" sz="2400" b="1" strike="noStrike" spc="-1" dirty="0">
-                <a:solidFill>
-                  <a:srgbClr val="FFFF00"/>
-                </a:solidFill>
-                <a:uFill>
-                  <a:solidFill>
-                    <a:srgbClr val="FFFFFF"/>
-                  </a:solidFill>
-                </a:uFill>
-                <a:latin typeface="Lato"/>
+              <a:rPr b="1" lang="en-US" sz="2400" spc="-1" strike="noStrike">
+                <a:solidFill>
+                  <a:srgbClr val="ffff00"/>
+                </a:solidFill>
+                <a:uFill>
+                  <a:solidFill>
+                    <a:srgbClr val="ffffff"/>
+                  </a:solidFill>
+                </a:uFill>
+                <a:latin typeface="Lato"/>
+                <a:ea typeface="DejaVu Sans"/>
               </a:rPr>
               <a:t>id</a:t>
             </a:r>
             <a:r>
-              <a:rPr lang="en-US" sz="2400" strike="noStrike" spc="-1" dirty="0">
-                <a:solidFill>
-                  <a:srgbClr val="FFFFFF"/>
-                </a:solidFill>
-                <a:uFill>
-                  <a:solidFill>
-                    <a:srgbClr val="FFFFFF"/>
-                  </a:solidFill>
-                </a:uFill>
-                <a:latin typeface="Lato"/>
+              <a:rPr b="0" lang="en-US" sz="2400" spc="-1" strike="noStrike">
+                <a:solidFill>
+                  <a:srgbClr val="ffffff"/>
+                </a:solidFill>
+                <a:uFill>
+                  <a:solidFill>
+                    <a:srgbClr val="ffffff"/>
+                  </a:solidFill>
+                </a:uFill>
+                <a:latin typeface="Lato"/>
+                <a:ea typeface="DejaVu Sans"/>
               </a:rPr>
               <a:t> attribute can be used to bookmark, it is used to allow readers to jump to specific parts of a web page.</a:t>
             </a:r>
-          </a:p>
-          <a:p>
-            <a:pPr marL="457200" indent="-456840">
+            <a:endParaRPr b="0" lang="en-US" sz="1800" spc="-1" strike="noStrike">
+              <a:solidFill>
+                <a:srgbClr val="000000"/>
+              </a:solidFill>
+              <a:uFill>
+                <a:solidFill>
+                  <a:srgbClr val="ffffff"/>
+                </a:solidFill>
+              </a:uFill>
+              <a:latin typeface="Arial"/>
+            </a:endParaRPr>
+          </a:p>
+          <a:p>
+            <a:pPr marL="457200" indent="-456480">
               <a:lnSpc>
                 <a:spcPct val="150000"/>
               </a:lnSpc>
               <a:buClr>
-                <a:srgbClr val="FFFFFF"/>
+                <a:srgbClr val="ffffff"/>
               </a:buClr>
               <a:buFont typeface="Wingdings" charset="2"/>
               <a:buChar char=""/>
             </a:pPr>
             <a:r>
-              <a:rPr lang="en-US" sz="2400" spc="-1" dirty="0">
-                <a:solidFill>
-                  <a:srgbClr val="FFFFFF"/>
-                </a:solidFill>
-                <a:uFill>
-                  <a:solidFill>
-                    <a:srgbClr val="FFFFFF"/>
-                  </a:solidFill>
-                </a:uFill>
-                <a:latin typeface="Lato"/>
+              <a:rPr b="0" lang="en-US" sz="2400" spc="-1" strike="noStrike">
+                <a:solidFill>
+                  <a:srgbClr val="ffffff"/>
+                </a:solidFill>
+                <a:uFill>
+                  <a:solidFill>
+                    <a:srgbClr val="ffffff"/>
+                  </a:solidFill>
+                </a:uFill>
+                <a:latin typeface="Lato"/>
+                <a:ea typeface="DejaVu Sans"/>
               </a:rPr>
               <a:t>Each element can have </a:t>
             </a:r>
             <a:r>
-              <a:rPr lang="en-US" sz="2400" b="1" spc="-1" dirty="0">
-                <a:solidFill>
-                  <a:srgbClr val="FFFF00"/>
-                </a:solidFill>
-                <a:uFill>
-                  <a:solidFill>
-                    <a:srgbClr val="FFFFFF"/>
-                  </a:solidFill>
-                </a:uFill>
-                <a:latin typeface="Lato"/>
+              <a:rPr b="1" lang="en-US" sz="2400" spc="-1" strike="noStrike">
+                <a:solidFill>
+                  <a:srgbClr val="ffff00"/>
+                </a:solidFill>
+                <a:uFill>
+                  <a:solidFill>
+                    <a:srgbClr val="ffffff"/>
+                  </a:solidFill>
+                </a:uFill>
+                <a:latin typeface="Lato"/>
+                <a:ea typeface="DejaVu Sans"/>
               </a:rPr>
               <a:t>multiple class </a:t>
             </a:r>
             <a:r>
-              <a:rPr lang="en-US" sz="2400" spc="-1" dirty="0">
-                <a:solidFill>
-                  <a:srgbClr val="FFFFFF"/>
-                </a:solidFill>
-                <a:uFill>
-                  <a:solidFill>
-                    <a:srgbClr val="FFFFFF"/>
-                  </a:solidFill>
-                </a:uFill>
-                <a:latin typeface="Lato"/>
+              <a:rPr b="0" lang="en-US" sz="2400" spc="-1" strike="noStrike">
+                <a:solidFill>
+                  <a:srgbClr val="ffffff"/>
+                </a:solidFill>
+                <a:uFill>
+                  <a:solidFill>
+                    <a:srgbClr val="ffffff"/>
+                  </a:solidFill>
+                </a:uFill>
+                <a:latin typeface="Lato"/>
+                <a:ea typeface="DejaVu Sans"/>
               </a:rPr>
               <a:t>but </a:t>
             </a:r>
             <a:r>
-              <a:rPr lang="en-US" sz="2400" b="1" spc="-1" dirty="0">
-                <a:solidFill>
-                  <a:srgbClr val="FFFF00"/>
-                </a:solidFill>
-                <a:uFill>
-                  <a:solidFill>
-                    <a:srgbClr val="FFFFFF"/>
-                  </a:solidFill>
-                </a:uFill>
-                <a:latin typeface="Lato"/>
+              <a:rPr b="1" lang="en-US" sz="2400" spc="-1" strike="noStrike">
+                <a:solidFill>
+                  <a:srgbClr val="ffff00"/>
+                </a:solidFill>
+                <a:uFill>
+                  <a:solidFill>
+                    <a:srgbClr val="ffffff"/>
+                  </a:solidFill>
+                </a:uFill>
+                <a:latin typeface="Lato"/>
+                <a:ea typeface="DejaVu Sans"/>
               </a:rPr>
               <a:t>unique id</a:t>
             </a:r>
             <a:r>
-              <a:rPr lang="en-US" sz="2400" spc="-1" dirty="0">
-                <a:solidFill>
-                  <a:srgbClr val="FFFFFF"/>
-                </a:solidFill>
-                <a:uFill>
-                  <a:solidFill>
-                    <a:srgbClr val="FFFFFF"/>
-                  </a:solidFill>
-                </a:uFill>
-                <a:latin typeface="Lato"/>
+              <a:rPr b="0" lang="en-US" sz="2400" spc="-1" strike="noStrike">
+                <a:solidFill>
+                  <a:srgbClr val="ffffff"/>
+                </a:solidFill>
+                <a:uFill>
+                  <a:solidFill>
+                    <a:srgbClr val="ffffff"/>
+                  </a:solidFill>
+                </a:uFill>
+                <a:latin typeface="Lato"/>
+                <a:ea typeface="DejaVu Sans"/>
               </a:rPr>
               <a:t>.</a:t>
             </a:r>
-            <a:endParaRPr lang="en-US" sz="1800" strike="noStrike" spc="-1" dirty="0">
-              <a:solidFill>
-                <a:srgbClr val="000000"/>
-              </a:solidFill>
-              <a:uFill>
-                <a:solidFill>
-                  <a:srgbClr val="FFFFFF"/>
+            <a:endParaRPr b="0" lang="en-US" sz="1800" spc="-1" strike="noStrike">
+              <a:solidFill>
+                <a:srgbClr val="000000"/>
+              </a:solidFill>
+              <a:uFill>
+                <a:solidFill>
+                  <a:srgbClr val="ffffff"/>
                 </a:solidFill>
               </a:uFill>
               <a:latin typeface="Arial"/>
@@ -3669,31 +3292,23 @@
         </p:txBody>
       </p:sp>
     </p:spTree>
-    <p:extLst>
-      <p:ext uri="{BB962C8B-B14F-4D97-AF65-F5344CB8AC3E}">
-        <p14:creationId xmlns:p14="http://schemas.microsoft.com/office/powerpoint/2010/main" val="3572911878"/>
-      </p:ext>
-    </p:extLst>
   </p:cSld>
-  <p:clrMapOvr>
-    <a:masterClrMapping/>
-  </p:clrMapOvr>
   <p:timing>
     <p:tnLst>
       <p:par>
-        <p:cTn id="1" dur="indefinite" restart="never" nodeType="tmRoot">
+        <p:cTn id="7" dur="indefinite" restart="never" nodeType="tmRoot">
           <p:childTnLst>
             <p:seq>
-              <p:cTn id="2" nodeType="mainSeq"/>
+              <p:cTn id="8" nodeType="mainSeq"/>
               <p:prevCondLst>
-                <p:cond evt="onPrev" delay="0">
+                <p:cond delay="0" evt="onPrev">
                   <p:tgtEl>
                     <p:sldTgt/>
                   </p:tgtEl>
                 </p:cond>
               </p:prevCondLst>
               <p:nextCondLst>
-                <p:cond evt="onNext" delay="0">
+                <p:cond delay="0" evt="onNext">
                   <p:tgtEl>
                     <p:sldTgt/>
                   </p:tgtEl>
@@ -3709,7 +3324,7 @@
 </file>
 
 <file path=ppt/slides/slide5.xml><?xml version="1.0" encoding="utf-8"?>
-<p:sld xmlns:a="http://schemas.openxmlformats.org/drawingml/2006/main" xmlns:r="http://schemas.openxmlformats.org/officeDocument/2006/relationships" xmlns:p="http://schemas.openxmlformats.org/presentationml/2006/main">
+<p:sld xmlns:a="http://schemas.openxmlformats.org/drawingml/2006/main" xmlns:p="http://schemas.openxmlformats.org/presentationml/2006/main" xmlns:r="http://schemas.openxmlformats.org/officeDocument/2006/relationships" xmlns:p14="http://schemas.microsoft.com/office/powerpoint/2010/main" xmlns:p15="http://schemas.microsoft.com/office/powerpoint/2012/main" xmlns:mc="http://schemas.openxmlformats.org/markup-compatibility/2006">
   <p:cSld>
     <p:spTree>
       <p:nvGrpSpPr>
@@ -3727,20 +3342,20 @@
       </p:grpSpPr>
       <p:sp>
         <p:nvSpPr>
-          <p:cNvPr id="44" name="CustomShape 1"/>
+          <p:cNvPr id="53" name="CustomShape 1"/>
           <p:cNvSpPr/>
           <p:nvPr/>
         </p:nvSpPr>
         <p:spPr>
           <a:xfrm>
             <a:off x="1800" y="859680"/>
-            <a:ext cx="12191760" cy="5138280"/>
+            <a:ext cx="12191400" cy="5137920"/>
           </a:xfrm>
           <a:prstGeom prst="rect">
             <a:avLst/>
           </a:prstGeom>
           <a:solidFill>
-            <a:srgbClr val="4F5B93"/>
+            <a:srgbClr val="4f5b93"/>
           </a:solidFill>
           <a:ln>
             <a:noFill/>
@@ -3763,14 +3378,14 @@
       </p:sp>
       <p:sp>
         <p:nvSpPr>
-          <p:cNvPr id="45" name="CustomShape 2"/>
+          <p:cNvPr id="54" name="CustomShape 2"/>
           <p:cNvSpPr/>
           <p:nvPr/>
         </p:nvSpPr>
         <p:spPr>
           <a:xfrm>
-            <a:off x="120" y="859680"/>
-            <a:ext cx="12191880" cy="639000"/>
+            <a:off x="0" y="859680"/>
+            <a:ext cx="12191400" cy="638640"/>
           </a:xfrm>
           <a:prstGeom prst="rect">
             <a:avLst/>
@@ -3781,20 +3396,13 @@
           </a:ln>
         </p:spPr>
         <p:style>
-          <a:lnRef idx="0">
-            <a:scrgbClr r="0" g="0" b="0"/>
-          </a:lnRef>
-          <a:fillRef idx="0">
-            <a:scrgbClr r="0" g="0" b="0"/>
-          </a:fillRef>
-          <a:effectRef idx="0">
-            <a:scrgbClr r="0" g="0" b="0"/>
-          </a:effectRef>
+          <a:lnRef idx="0"/>
+          <a:fillRef idx="0"/>
+          <a:effectRef idx="0"/>
           <a:fontRef idx="minor"/>
         </p:style>
         <p:txBody>
-          <a:bodyPr wrap="none" lIns="90000" tIns="45000" rIns="90000" bIns="45000"/>
-          <a:lstStyle/>
+          <a:bodyPr wrap="none" lIns="90000" rIns="90000" tIns="45000" bIns="45000"/>
           <a:p>
             <a:pPr algn="ctr">
               <a:lnSpc>
@@ -3802,26 +3410,27 @@
               </a:lnSpc>
             </a:pPr>
             <a:r>
-              <a:rPr lang="en-US" sz="3600" spc="-1" dirty="0">
-                <a:solidFill>
-                  <a:srgbClr val="FFFFFF"/>
-                </a:solidFill>
-                <a:uFill>
-                  <a:solidFill>
-                    <a:srgbClr val="FFFFFF"/>
-                  </a:solidFill>
-                </a:uFill>
-                <a:latin typeface="Lato"/>
+              <a:rPr b="0" lang="en-US" sz="3600" spc="-1" strike="noStrike">
+                <a:solidFill>
+                  <a:srgbClr val="ffffff"/>
+                </a:solidFill>
+                <a:uFill>
+                  <a:solidFill>
+                    <a:srgbClr val="ffffff"/>
+                  </a:solidFill>
+                </a:uFill>
+                <a:latin typeface="Lato"/>
+                <a:ea typeface="DejaVu Sans"/>
               </a:rPr>
               <a:t>HOW TO USE CSS</a:t>
             </a:r>
-            <a:endParaRPr lang="en-US" sz="1800" b="0" strike="noStrike" spc="-1" dirty="0">
-              <a:solidFill>
-                <a:srgbClr val="000000"/>
-              </a:solidFill>
-              <a:uFill>
-                <a:solidFill>
-                  <a:srgbClr val="FFFFFF"/>
+            <a:endParaRPr b="0" lang="en-US" sz="1800" spc="-1" strike="noStrike">
+              <a:solidFill>
+                <a:srgbClr val="000000"/>
+              </a:solidFill>
+              <a:uFill>
+                <a:solidFill>
+                  <a:srgbClr val="ffffff"/>
                 </a:solidFill>
               </a:uFill>
               <a:latin typeface="Arial"/>
@@ -3831,14 +3440,14 @@
       </p:sp>
       <p:sp>
         <p:nvSpPr>
-          <p:cNvPr id="46" name="CustomShape 3"/>
+          <p:cNvPr id="55" name="CustomShape 3"/>
           <p:cNvSpPr/>
           <p:nvPr/>
         </p:nvSpPr>
         <p:spPr>
           <a:xfrm>
             <a:off x="0" y="1498680"/>
-            <a:ext cx="12191760" cy="4499280"/>
+            <a:ext cx="12191400" cy="4498920"/>
           </a:xfrm>
           <a:prstGeom prst="rect">
             <a:avLst/>
@@ -3849,338 +3458,388 @@
           </a:ln>
         </p:spPr>
         <p:style>
-          <a:lnRef idx="0">
-            <a:scrgbClr r="0" g="0" b="0"/>
-          </a:lnRef>
-          <a:fillRef idx="0">
-            <a:scrgbClr r="0" g="0" b="0"/>
-          </a:fillRef>
-          <a:effectRef idx="0">
-            <a:scrgbClr r="0" g="0" b="0"/>
-          </a:effectRef>
+          <a:lnRef idx="0"/>
+          <a:fillRef idx="0"/>
+          <a:effectRef idx="0"/>
           <a:fontRef idx="minor"/>
         </p:style>
         <p:txBody>
-          <a:bodyPr lIns="90000" tIns="45000" rIns="90000" bIns="45000"/>
-          <a:lstStyle/>
-          <a:p>
-            <a:pPr marL="457200" indent="-456840">
+          <a:bodyPr lIns="90000" rIns="90000" tIns="45000" bIns="45000"/>
+          <a:p>
+            <a:pPr marL="457200" indent="-456480">
               <a:lnSpc>
                 <a:spcPct val="150000"/>
               </a:lnSpc>
               <a:buClr>
-                <a:srgbClr val="FFFFFF"/>
+                <a:srgbClr val="ffffff"/>
               </a:buClr>
               <a:buFont typeface="Wingdings" charset="2"/>
               <a:buChar char=""/>
             </a:pPr>
             <a:r>
-              <a:rPr lang="en-US" sz="2400" strike="noStrike" spc="-1" dirty="0">
-                <a:solidFill>
-                  <a:srgbClr val="FFFFFF"/>
-                </a:solidFill>
-                <a:uFill>
-                  <a:solidFill>
-                    <a:srgbClr val="FFFFFF"/>
-                  </a:solidFill>
-                </a:uFill>
-                <a:latin typeface="Lato"/>
+              <a:rPr b="0" lang="en-US" sz="2400" spc="-1" strike="noStrike">
+                <a:solidFill>
+                  <a:srgbClr val="ffffff"/>
+                </a:solidFill>
+                <a:uFill>
+                  <a:solidFill>
+                    <a:srgbClr val="ffffff"/>
+                  </a:solidFill>
+                </a:uFill>
+                <a:latin typeface="Lato"/>
+                <a:ea typeface="DejaVu Sans"/>
               </a:rPr>
               <a:t>There are </a:t>
             </a:r>
             <a:r>
-              <a:rPr lang="en-US" sz="2400" b="1" strike="noStrike" spc="-1" dirty="0">
-                <a:solidFill>
-                  <a:srgbClr val="FFFF00"/>
-                </a:solidFill>
-                <a:uFill>
-                  <a:solidFill>
-                    <a:srgbClr val="FFFFFF"/>
-                  </a:solidFill>
-                </a:uFill>
-                <a:latin typeface="Lato"/>
+              <a:rPr b="1" lang="en-US" sz="2400" spc="-1" strike="noStrike">
+                <a:solidFill>
+                  <a:srgbClr val="ffff00"/>
+                </a:solidFill>
+                <a:uFill>
+                  <a:solidFill>
+                    <a:srgbClr val="ffffff"/>
+                  </a:solidFill>
+                </a:uFill>
+                <a:latin typeface="Lato"/>
+                <a:ea typeface="DejaVu Sans"/>
               </a:rPr>
               <a:t>three ways </a:t>
             </a:r>
             <a:r>
-              <a:rPr lang="en-US" sz="2400" strike="noStrike" spc="-1" dirty="0">
-                <a:solidFill>
-                  <a:srgbClr val="FFFFFF"/>
-                </a:solidFill>
-                <a:uFill>
-                  <a:solidFill>
-                    <a:srgbClr val="FFFFFF"/>
-                  </a:solidFill>
-                </a:uFill>
-                <a:latin typeface="Lato"/>
+              <a:rPr b="0" lang="en-US" sz="2400" spc="-1" strike="noStrike">
+                <a:solidFill>
+                  <a:srgbClr val="ffffff"/>
+                </a:solidFill>
+                <a:uFill>
+                  <a:solidFill>
+                    <a:srgbClr val="ffffff"/>
+                  </a:solidFill>
+                </a:uFill>
+                <a:latin typeface="Lato"/>
+                <a:ea typeface="DejaVu Sans"/>
               </a:rPr>
               <a:t>to insert CSS into your HTML document : </a:t>
             </a:r>
             <a:r>
-              <a:rPr lang="en-US" sz="2400" b="1" strike="noStrike" spc="-1" dirty="0">
-                <a:solidFill>
-                  <a:srgbClr val="FFFF00"/>
-                </a:solidFill>
-                <a:uFill>
-                  <a:solidFill>
-                    <a:srgbClr val="FFFFFF"/>
-                  </a:solidFill>
-                </a:uFill>
-                <a:latin typeface="Lato"/>
+              <a:rPr b="1" lang="en-US" sz="2400" spc="-1" strike="noStrike">
+                <a:solidFill>
+                  <a:srgbClr val="ffff00"/>
+                </a:solidFill>
+                <a:uFill>
+                  <a:solidFill>
+                    <a:srgbClr val="ffffff"/>
+                  </a:solidFill>
+                </a:uFill>
+                <a:latin typeface="Lato"/>
+                <a:ea typeface="DejaVu Sans"/>
               </a:rPr>
               <a:t>Inline style</a:t>
             </a:r>
             <a:r>
-              <a:rPr lang="en-US" sz="2400" strike="noStrike" spc="-1" dirty="0">
-                <a:solidFill>
-                  <a:srgbClr val="FFFFFF"/>
-                </a:solidFill>
-                <a:uFill>
-                  <a:solidFill>
-                    <a:srgbClr val="FFFFFF"/>
-                  </a:solidFill>
-                </a:uFill>
-                <a:latin typeface="Lato"/>
+              <a:rPr b="0" lang="en-US" sz="2400" spc="-1" strike="noStrike">
+                <a:solidFill>
+                  <a:srgbClr val="ffffff"/>
+                </a:solidFill>
+                <a:uFill>
+                  <a:solidFill>
+                    <a:srgbClr val="ffffff"/>
+                  </a:solidFill>
+                </a:uFill>
+                <a:latin typeface="Lato"/>
+                <a:ea typeface="DejaVu Sans"/>
               </a:rPr>
               <a:t>, </a:t>
             </a:r>
             <a:r>
-              <a:rPr lang="en-US" sz="2400" b="1" strike="noStrike" spc="-1" dirty="0">
-                <a:solidFill>
-                  <a:srgbClr val="FFFF00"/>
-                </a:solidFill>
-                <a:uFill>
-                  <a:solidFill>
-                    <a:srgbClr val="FFFFFF"/>
-                  </a:solidFill>
-                </a:uFill>
-                <a:latin typeface="Lato"/>
+              <a:rPr b="1" lang="en-US" sz="2400" spc="-1" strike="noStrike">
+                <a:solidFill>
+                  <a:srgbClr val="ffff00"/>
+                </a:solidFill>
+                <a:uFill>
+                  <a:solidFill>
+                    <a:srgbClr val="ffffff"/>
+                  </a:solidFill>
+                </a:uFill>
+                <a:latin typeface="Lato"/>
+                <a:ea typeface="DejaVu Sans"/>
               </a:rPr>
               <a:t>Internal style sheet</a:t>
             </a:r>
             <a:r>
-              <a:rPr lang="en-US" sz="2400" strike="noStrike" spc="-1" dirty="0">
-                <a:solidFill>
-                  <a:srgbClr val="FFFFFF"/>
-                </a:solidFill>
-                <a:uFill>
-                  <a:solidFill>
-                    <a:srgbClr val="FFFFFF"/>
-                  </a:solidFill>
-                </a:uFill>
-                <a:latin typeface="Lato"/>
+              <a:rPr b="0" lang="en-US" sz="2400" spc="-1" strike="noStrike">
+                <a:solidFill>
+                  <a:srgbClr val="ffffff"/>
+                </a:solidFill>
+                <a:uFill>
+                  <a:solidFill>
+                    <a:srgbClr val="ffffff"/>
+                  </a:solidFill>
+                </a:uFill>
+                <a:latin typeface="Lato"/>
+                <a:ea typeface="DejaVu Sans"/>
               </a:rPr>
               <a:t> and </a:t>
             </a:r>
             <a:r>
-              <a:rPr lang="en-US" sz="2400" b="1" strike="noStrike" spc="-1" dirty="0">
-                <a:solidFill>
-                  <a:srgbClr val="FFFF00"/>
-                </a:solidFill>
-                <a:uFill>
-                  <a:solidFill>
-                    <a:srgbClr val="FFFFFF"/>
-                  </a:solidFill>
-                </a:uFill>
-                <a:latin typeface="Lato"/>
+              <a:rPr b="1" lang="en-US" sz="2400" spc="-1" strike="noStrike">
+                <a:solidFill>
+                  <a:srgbClr val="ffff00"/>
+                </a:solidFill>
+                <a:uFill>
+                  <a:solidFill>
+                    <a:srgbClr val="ffffff"/>
+                  </a:solidFill>
+                </a:uFill>
+                <a:latin typeface="Lato"/>
+                <a:ea typeface="DejaVu Sans"/>
               </a:rPr>
               <a:t>External style sheet</a:t>
             </a:r>
             <a:r>
-              <a:rPr lang="en-US" sz="2400" strike="noStrike" spc="-1" dirty="0">
-                <a:solidFill>
-                  <a:srgbClr val="FFFFFF"/>
-                </a:solidFill>
-                <a:uFill>
-                  <a:solidFill>
-                    <a:srgbClr val="FFFFFF"/>
-                  </a:solidFill>
-                </a:uFill>
-                <a:latin typeface="Lato"/>
+              <a:rPr b="0" lang="en-US" sz="2400" spc="-1" strike="noStrike">
+                <a:solidFill>
+                  <a:srgbClr val="ffffff"/>
+                </a:solidFill>
+                <a:uFill>
+                  <a:solidFill>
+                    <a:srgbClr val="ffffff"/>
+                  </a:solidFill>
+                </a:uFill>
+                <a:latin typeface="Lato"/>
+                <a:ea typeface="DejaVu Sans"/>
               </a:rPr>
               <a:t>.</a:t>
             </a:r>
-          </a:p>
-          <a:p>
-            <a:pPr marL="457200" indent="-456840">
+            <a:endParaRPr b="0" lang="en-US" sz="1800" spc="-1" strike="noStrike">
+              <a:solidFill>
+                <a:srgbClr val="000000"/>
+              </a:solidFill>
+              <a:uFill>
+                <a:solidFill>
+                  <a:srgbClr val="ffffff"/>
+                </a:solidFill>
+              </a:uFill>
+              <a:latin typeface="Arial"/>
+            </a:endParaRPr>
+          </a:p>
+          <a:p>
+            <a:pPr marL="457200" indent="-456480">
               <a:lnSpc>
                 <a:spcPct val="150000"/>
               </a:lnSpc>
               <a:buClr>
-                <a:srgbClr val="FFFFFF"/>
+                <a:srgbClr val="ffffff"/>
               </a:buClr>
               <a:buFont typeface="Wingdings" charset="2"/>
               <a:buChar char=""/>
             </a:pPr>
             <a:r>
-              <a:rPr lang="en-US" sz="2400" spc="-1" dirty="0">
-                <a:solidFill>
-                  <a:srgbClr val="FFFFFF"/>
-                </a:solidFill>
-                <a:uFill>
-                  <a:solidFill>
-                    <a:srgbClr val="FFFFFF"/>
-                  </a:solidFill>
-                </a:uFill>
-                <a:latin typeface="Lato"/>
+              <a:rPr b="0" lang="en-US" sz="2400" spc="-1" strike="noStrike">
+                <a:solidFill>
+                  <a:srgbClr val="ffffff"/>
+                </a:solidFill>
+                <a:uFill>
+                  <a:solidFill>
+                    <a:srgbClr val="ffffff"/>
+                  </a:solidFill>
+                </a:uFill>
+                <a:latin typeface="Lato"/>
+                <a:ea typeface="DejaVu Sans"/>
               </a:rPr>
               <a:t>An Inline style may be used to apply a unique style for a single element, </a:t>
             </a:r>
             <a:r>
-              <a:rPr lang="en-US" sz="2400" b="1" spc="-1" dirty="0">
-                <a:solidFill>
-                  <a:srgbClr val="FFFF00"/>
-                </a:solidFill>
-                <a:uFill>
-                  <a:solidFill>
-                    <a:srgbClr val="FFFFFF"/>
-                  </a:solidFill>
-                </a:uFill>
-                <a:latin typeface="Lato"/>
+              <a:rPr b="1" lang="en-US" sz="2400" spc="-1" strike="noStrike">
+                <a:solidFill>
+                  <a:srgbClr val="ffff00"/>
+                </a:solidFill>
+                <a:uFill>
+                  <a:solidFill>
+                    <a:srgbClr val="ffffff"/>
+                  </a:solidFill>
+                </a:uFill>
+                <a:latin typeface="Lato"/>
+                <a:ea typeface="DejaVu Sans"/>
               </a:rPr>
               <a:t>using the style attribute </a:t>
             </a:r>
             <a:r>
-              <a:rPr lang="en-US" sz="2400" spc="-1" dirty="0">
-                <a:solidFill>
-                  <a:srgbClr val="FFFFFF"/>
-                </a:solidFill>
-                <a:uFill>
-                  <a:solidFill>
-                    <a:srgbClr val="FFFFFF"/>
-                  </a:solidFill>
-                </a:uFill>
-                <a:latin typeface="Lato"/>
+              <a:rPr b="0" lang="en-US" sz="2400" spc="-1" strike="noStrike">
+                <a:solidFill>
+                  <a:srgbClr val="ffffff"/>
+                </a:solidFill>
+                <a:uFill>
+                  <a:solidFill>
+                    <a:srgbClr val="ffffff"/>
+                  </a:solidFill>
+                </a:uFill>
+                <a:latin typeface="Lato"/>
+                <a:ea typeface="DejaVu Sans"/>
               </a:rPr>
               <a:t>to declare style of element.</a:t>
             </a:r>
-          </a:p>
-          <a:p>
-            <a:pPr marL="457200" indent="-456840">
+            <a:endParaRPr b="0" lang="en-US" sz="1800" spc="-1" strike="noStrike">
+              <a:solidFill>
+                <a:srgbClr val="000000"/>
+              </a:solidFill>
+              <a:uFill>
+                <a:solidFill>
+                  <a:srgbClr val="ffffff"/>
+                </a:solidFill>
+              </a:uFill>
+              <a:latin typeface="Arial"/>
+            </a:endParaRPr>
+          </a:p>
+          <a:p>
+            <a:pPr marL="457200" indent="-456480">
               <a:lnSpc>
                 <a:spcPct val="150000"/>
               </a:lnSpc>
               <a:buClr>
-                <a:srgbClr val="FFFFFF"/>
+                <a:srgbClr val="ffffff"/>
               </a:buClr>
               <a:buFont typeface="Wingdings" charset="2"/>
               <a:buChar char=""/>
             </a:pPr>
             <a:r>
-              <a:rPr lang="en-US" sz="2400" spc="-1" dirty="0">
-                <a:solidFill>
-                  <a:srgbClr val="FFFFFF"/>
-                </a:solidFill>
-                <a:uFill>
-                  <a:solidFill>
-                    <a:srgbClr val="FFFFFF"/>
-                  </a:solidFill>
-                </a:uFill>
-                <a:latin typeface="Lato"/>
+              <a:rPr b="0" lang="en-US" sz="2400" spc="-1" strike="noStrike">
+                <a:solidFill>
+                  <a:srgbClr val="ffffff"/>
+                </a:solidFill>
+                <a:uFill>
+                  <a:solidFill>
+                    <a:srgbClr val="ffffff"/>
+                  </a:solidFill>
+                </a:uFill>
+                <a:latin typeface="Lato"/>
+                <a:ea typeface="DejaVu Sans"/>
               </a:rPr>
               <a:t>An Internal style sheet may be used if one single page has a unique style, using </a:t>
             </a:r>
             <a:r>
-              <a:rPr lang="en-US" sz="2400" b="1" spc="-1" dirty="0">
-                <a:solidFill>
-                  <a:srgbClr val="FFFF00"/>
-                </a:solidFill>
-                <a:uFill>
-                  <a:solidFill>
-                    <a:srgbClr val="FFFFFF"/>
-                  </a:solidFill>
-                </a:uFill>
-                <a:latin typeface="Lato"/>
+              <a:rPr b="1" lang="en-US" sz="2400" spc="-1" strike="noStrike">
+                <a:solidFill>
+                  <a:srgbClr val="ffff00"/>
+                </a:solidFill>
+                <a:uFill>
+                  <a:solidFill>
+                    <a:srgbClr val="ffffff"/>
+                  </a:solidFill>
+                </a:uFill>
+                <a:latin typeface="Lato"/>
+                <a:ea typeface="DejaVu Sans"/>
               </a:rPr>
               <a:t>&lt;style&gt; &lt;/style&gt; </a:t>
             </a:r>
             <a:r>
-              <a:rPr lang="en-US" sz="2400" spc="-1" dirty="0">
-                <a:solidFill>
-                  <a:srgbClr val="FFFFFF"/>
-                </a:solidFill>
-                <a:uFill>
-                  <a:solidFill>
-                    <a:srgbClr val="FFFFFF"/>
-                  </a:solidFill>
-                </a:uFill>
-                <a:latin typeface="Lato"/>
+              <a:rPr b="0" lang="en-US" sz="2400" spc="-1" strike="noStrike">
+                <a:solidFill>
+                  <a:srgbClr val="ffffff"/>
+                </a:solidFill>
+                <a:uFill>
+                  <a:solidFill>
+                    <a:srgbClr val="ffffff"/>
+                  </a:solidFill>
+                </a:uFill>
+                <a:latin typeface="Lato"/>
+                <a:ea typeface="DejaVu Sans"/>
               </a:rPr>
               <a:t>tag to define style of whole page through element, id or class of element.</a:t>
             </a:r>
-          </a:p>
-          <a:p>
-            <a:pPr marL="457200" indent="-456840">
+            <a:endParaRPr b="0" lang="en-US" sz="1800" spc="-1" strike="noStrike">
+              <a:solidFill>
+                <a:srgbClr val="000000"/>
+              </a:solidFill>
+              <a:uFill>
+                <a:solidFill>
+                  <a:srgbClr val="ffffff"/>
+                </a:solidFill>
+              </a:uFill>
+              <a:latin typeface="Arial"/>
+            </a:endParaRPr>
+          </a:p>
+          <a:p>
+            <a:pPr marL="457200" indent="-456480">
               <a:lnSpc>
                 <a:spcPct val="150000"/>
               </a:lnSpc>
               <a:buClr>
-                <a:srgbClr val="FFFFFF"/>
+                <a:srgbClr val="ffffff"/>
               </a:buClr>
               <a:buFont typeface="Wingdings" charset="2"/>
               <a:buChar char=""/>
             </a:pPr>
             <a:r>
-              <a:rPr lang="en-US" sz="2400" spc="-1" dirty="0">
-                <a:solidFill>
-                  <a:srgbClr val="FFFFFF"/>
-                </a:solidFill>
-                <a:uFill>
-                  <a:solidFill>
-                    <a:srgbClr val="FFFFFF"/>
-                  </a:solidFill>
-                </a:uFill>
-                <a:latin typeface="Lato"/>
+              <a:rPr b="0" lang="en-US" sz="2400" spc="-1" strike="noStrike">
+                <a:solidFill>
+                  <a:srgbClr val="ffffff"/>
+                </a:solidFill>
+                <a:uFill>
+                  <a:solidFill>
+                    <a:srgbClr val="ffffff"/>
+                  </a:solidFill>
+                </a:uFill>
+                <a:latin typeface="Lato"/>
+                <a:ea typeface="DejaVu Sans"/>
               </a:rPr>
               <a:t>An External style sheet can change the look of an entire website by changing just one file, using </a:t>
             </a:r>
             <a:r>
-              <a:rPr lang="en-US" sz="2400" b="1" spc="-1" dirty="0">
-                <a:solidFill>
-                  <a:srgbClr val="FFFF00"/>
-                </a:solidFill>
-                <a:uFill>
-                  <a:solidFill>
-                    <a:srgbClr val="FFFFFF"/>
-                  </a:solidFill>
-                </a:uFill>
-                <a:latin typeface="Lato"/>
+              <a:rPr b="1" lang="en-US" sz="2400" spc="-1" strike="noStrike">
+                <a:solidFill>
+                  <a:srgbClr val="ffff00"/>
+                </a:solidFill>
+                <a:uFill>
+                  <a:solidFill>
+                    <a:srgbClr val="ffffff"/>
+                  </a:solidFill>
+                </a:uFill>
+                <a:latin typeface="Lato"/>
+                <a:ea typeface="DejaVu Sans"/>
               </a:rPr>
               <a:t>&lt;link&gt;</a:t>
             </a:r>
             <a:r>
-              <a:rPr lang="en-US" sz="2400" spc="-1" dirty="0">
-                <a:solidFill>
-                  <a:srgbClr val="FFFFFF"/>
-                </a:solidFill>
-                <a:uFill>
-                  <a:solidFill>
-                    <a:srgbClr val="FFFFFF"/>
-                  </a:solidFill>
-                </a:uFill>
-                <a:latin typeface="Lato"/>
+              <a:rPr b="0" lang="en-US" sz="2400" spc="-1" strike="noStrike">
+                <a:solidFill>
+                  <a:srgbClr val="ffffff"/>
+                </a:solidFill>
+                <a:uFill>
+                  <a:solidFill>
+                    <a:srgbClr val="ffffff"/>
+                  </a:solidFill>
+                </a:uFill>
+                <a:latin typeface="Lato"/>
+                <a:ea typeface="DejaVu Sans"/>
               </a:rPr>
               <a:t> tag to define the file.</a:t>
             </a:r>
-          </a:p>
-          <a:p>
-            <a:pPr marL="457200" indent="-456840">
+            <a:endParaRPr b="0" lang="en-US" sz="1800" spc="-1" strike="noStrike">
+              <a:solidFill>
+                <a:srgbClr val="000000"/>
+              </a:solidFill>
+              <a:uFill>
+                <a:solidFill>
+                  <a:srgbClr val="ffffff"/>
+                </a:solidFill>
+              </a:uFill>
+              <a:latin typeface="Arial"/>
+            </a:endParaRPr>
+          </a:p>
+          <a:p>
+            <a:pPr>
               <a:lnSpc>
                 <a:spcPct val="150000"/>
               </a:lnSpc>
-              <a:buClr>
-                <a:srgbClr val="FFFFFF"/>
-              </a:buClr>
-              <a:buFont typeface="Wingdings" charset="2"/>
-              <a:buChar char=""/>
             </a:pPr>
-            <a:endParaRPr lang="en-US" sz="1800" strike="noStrike" spc="-1" dirty="0">
-              <a:solidFill>
-                <a:srgbClr val="000000"/>
-              </a:solidFill>
-              <a:uFill>
-                <a:solidFill>
-                  <a:srgbClr val="FFFFFF"/>
+            <a:endParaRPr b="0" lang="en-US" sz="1800" spc="-1" strike="noStrike">
+              <a:solidFill>
+                <a:srgbClr val="000000"/>
+              </a:solidFill>
+              <a:uFill>
+                <a:solidFill>
+                  <a:srgbClr val="ffffff"/>
                 </a:solidFill>
               </a:uFill>
               <a:latin typeface="Arial"/>
@@ -4190,7 +3849,7 @@
       </p:sp>
       <p:sp>
         <p:nvSpPr>
-          <p:cNvPr id="47" name="Line 4"/>
+          <p:cNvPr id="56" name="Line 4"/>
           <p:cNvSpPr/>
           <p:nvPr/>
         </p:nvSpPr>
@@ -4206,6 +3865,7 @@
             <a:solidFill>
               <a:schemeClr val="bg1"/>
             </a:solidFill>
+            <a:round/>
           </a:ln>
         </p:spPr>
         <p:style>
@@ -4222,31 +3882,23 @@
         </p:style>
       </p:sp>
     </p:spTree>
-    <p:extLst>
-      <p:ext uri="{BB962C8B-B14F-4D97-AF65-F5344CB8AC3E}">
-        <p14:creationId xmlns:p14="http://schemas.microsoft.com/office/powerpoint/2010/main" val="1675333596"/>
-      </p:ext>
-    </p:extLst>
   </p:cSld>
-  <p:clrMapOvr>
-    <a:masterClrMapping/>
-  </p:clrMapOvr>
   <p:timing>
     <p:tnLst>
       <p:par>
-        <p:cTn id="1" dur="indefinite" restart="never" nodeType="tmRoot">
+        <p:cTn id="9" dur="indefinite" restart="never" nodeType="tmRoot">
           <p:childTnLst>
             <p:seq>
-              <p:cTn id="2" nodeType="mainSeq"/>
+              <p:cTn id="10" nodeType="mainSeq"/>
               <p:prevCondLst>
-                <p:cond evt="onPrev" delay="0">
+                <p:cond delay="0" evt="onPrev">
                   <p:tgtEl>
                     <p:sldTgt/>
                   </p:tgtEl>
                 </p:cond>
               </p:prevCondLst>
               <p:nextCondLst>
-                <p:cond evt="onNext" delay="0">
+                <p:cond delay="0" evt="onNext">
                   <p:tgtEl>
                     <p:sldTgt/>
                   </p:tgtEl>
@@ -4262,7 +3914,7 @@
 </file>
 
 <file path=ppt/slides/slide6.xml><?xml version="1.0" encoding="utf-8"?>
-<p:sld xmlns:a="http://schemas.openxmlformats.org/drawingml/2006/main" xmlns:r="http://schemas.openxmlformats.org/officeDocument/2006/relationships" xmlns:p="http://schemas.openxmlformats.org/presentationml/2006/main">
+<p:sld xmlns:a="http://schemas.openxmlformats.org/drawingml/2006/main" xmlns:p="http://schemas.openxmlformats.org/presentationml/2006/main" xmlns:r="http://schemas.openxmlformats.org/officeDocument/2006/relationships" xmlns:p14="http://schemas.microsoft.com/office/powerpoint/2010/main" xmlns:p15="http://schemas.microsoft.com/office/powerpoint/2012/main" xmlns:mc="http://schemas.openxmlformats.org/markup-compatibility/2006">
   <p:cSld>
     <p:spTree>
       <p:nvGrpSpPr>
@@ -4280,20 +3932,20 @@
       </p:grpSpPr>
       <p:sp>
         <p:nvSpPr>
-          <p:cNvPr id="44" name="CustomShape 1"/>
+          <p:cNvPr id="57" name="CustomShape 1"/>
           <p:cNvSpPr/>
           <p:nvPr/>
         </p:nvSpPr>
         <p:spPr>
           <a:xfrm>
             <a:off x="1800" y="859680"/>
-            <a:ext cx="12191760" cy="5138280"/>
+            <a:ext cx="12191400" cy="5137920"/>
           </a:xfrm>
           <a:prstGeom prst="rect">
             <a:avLst/>
           </a:prstGeom>
           <a:solidFill>
-            <a:srgbClr val="4F5B93"/>
+            <a:srgbClr val="4f5b93"/>
           </a:solidFill>
           <a:ln>
             <a:noFill/>
@@ -4316,14 +3968,14 @@
       </p:sp>
       <p:sp>
         <p:nvSpPr>
-          <p:cNvPr id="45" name="CustomShape 2"/>
+          <p:cNvPr id="58" name="CustomShape 2"/>
           <p:cNvSpPr/>
           <p:nvPr/>
         </p:nvSpPr>
         <p:spPr>
           <a:xfrm>
-            <a:off x="120" y="859680"/>
-            <a:ext cx="12191880" cy="639000"/>
+            <a:off x="0" y="859680"/>
+            <a:ext cx="12191400" cy="638640"/>
           </a:xfrm>
           <a:prstGeom prst="rect">
             <a:avLst/>
@@ -4334,20 +3986,13 @@
           </a:ln>
         </p:spPr>
         <p:style>
-          <a:lnRef idx="0">
-            <a:scrgbClr r="0" g="0" b="0"/>
-          </a:lnRef>
-          <a:fillRef idx="0">
-            <a:scrgbClr r="0" g="0" b="0"/>
-          </a:fillRef>
-          <a:effectRef idx="0">
-            <a:scrgbClr r="0" g="0" b="0"/>
-          </a:effectRef>
+          <a:lnRef idx="0"/>
+          <a:fillRef idx="0"/>
+          <a:effectRef idx="0"/>
           <a:fontRef idx="minor"/>
         </p:style>
         <p:txBody>
-          <a:bodyPr wrap="none" lIns="90000" tIns="45000" rIns="90000" bIns="45000"/>
-          <a:lstStyle/>
+          <a:bodyPr wrap="none" lIns="90000" rIns="90000" tIns="45000" bIns="45000"/>
           <a:p>
             <a:pPr algn="ctr">
               <a:lnSpc>
@@ -4355,26 +4000,27 @@
               </a:lnSpc>
             </a:pPr>
             <a:r>
-              <a:rPr lang="en-US" sz="3600" spc="-1" dirty="0">
-                <a:solidFill>
-                  <a:srgbClr val="FFFFFF"/>
-                </a:solidFill>
-                <a:uFill>
-                  <a:solidFill>
-                    <a:srgbClr val="FFFFFF"/>
-                  </a:solidFill>
-                </a:uFill>
-                <a:latin typeface="Lato"/>
-              </a:rPr>
-              <a:t>CSS COLOR</a:t>
-            </a:r>
-            <a:endParaRPr lang="en-US" sz="1800" b="0" strike="noStrike" spc="-1" dirty="0">
-              <a:solidFill>
-                <a:srgbClr val="000000"/>
-              </a:solidFill>
-              <a:uFill>
-                <a:solidFill>
-                  <a:srgbClr val="FFFFFF"/>
+              <a:rPr b="0" lang="en-US" sz="3600" spc="-1" strike="noStrike">
+                <a:solidFill>
+                  <a:srgbClr val="ffffff"/>
+                </a:solidFill>
+                <a:uFill>
+                  <a:solidFill>
+                    <a:srgbClr val="ffffff"/>
+                  </a:solidFill>
+                </a:uFill>
+                <a:latin typeface="Lato"/>
+                <a:ea typeface="DejaVu Sans"/>
+              </a:rPr>
+              <a:t>CSS COLOR &amp; BACKGROUND</a:t>
+            </a:r>
+            <a:endParaRPr b="0" lang="en-US" sz="1800" spc="-1" strike="noStrike">
+              <a:solidFill>
+                <a:srgbClr val="000000"/>
+              </a:solidFill>
+              <a:uFill>
+                <a:solidFill>
+                  <a:srgbClr val="ffffff"/>
                 </a:solidFill>
               </a:uFill>
               <a:latin typeface="Arial"/>
@@ -4384,14 +4030,14 @@
       </p:sp>
       <p:sp>
         <p:nvSpPr>
-          <p:cNvPr id="46" name="CustomShape 3"/>
+          <p:cNvPr id="59" name="CustomShape 3"/>
           <p:cNvSpPr/>
           <p:nvPr/>
         </p:nvSpPr>
         <p:spPr>
           <a:xfrm>
             <a:off x="0" y="1498680"/>
-            <a:ext cx="12191760" cy="4499280"/>
+            <a:ext cx="12191400" cy="4498920"/>
           </a:xfrm>
           <a:prstGeom prst="rect">
             <a:avLst/>
@@ -4402,78 +4048,122 @@
           </a:ln>
         </p:spPr>
         <p:style>
-          <a:lnRef idx="0">
-            <a:scrgbClr r="0" g="0" b="0"/>
-          </a:lnRef>
-          <a:fillRef idx="0">
-            <a:scrgbClr r="0" g="0" b="0"/>
-          </a:fillRef>
-          <a:effectRef idx="0">
-            <a:scrgbClr r="0" g="0" b="0"/>
-          </a:effectRef>
+          <a:lnRef idx="0"/>
+          <a:fillRef idx="0"/>
+          <a:effectRef idx="0"/>
           <a:fontRef idx="minor"/>
         </p:style>
         <p:txBody>
-          <a:bodyPr lIns="90000" tIns="45000" rIns="90000" bIns="45000"/>
-          <a:lstStyle/>
-          <a:p>
-            <a:pPr marL="457200" indent="-456840">
+          <a:bodyPr lIns="90000" rIns="90000" tIns="45000" bIns="45000"/>
+          <a:p>
+            <a:pPr marL="457200" indent="-456480">
               <a:lnSpc>
                 <a:spcPct val="150000"/>
               </a:lnSpc>
               <a:buClr>
-                <a:srgbClr val="FFFFFF"/>
+                <a:srgbClr val="ffffff"/>
               </a:buClr>
               <a:buFont typeface="Wingdings" charset="2"/>
               <a:buChar char=""/>
             </a:pPr>
             <a:r>
-              <a:rPr lang="en-US" sz="2400" strike="noStrike" spc="-1" dirty="0">
-                <a:solidFill>
-                  <a:srgbClr val="FFFFFF"/>
-                </a:solidFill>
-                <a:uFill>
-                  <a:solidFill>
-                    <a:srgbClr val="FFFFFF"/>
-                  </a:solidFill>
-                </a:uFill>
-                <a:latin typeface="Lato"/>
+              <a:rPr b="0" lang="en-US" sz="2400" spc="-1" strike="noStrike">
+                <a:solidFill>
+                  <a:srgbClr val="ffffff"/>
+                </a:solidFill>
+                <a:uFill>
+                  <a:solidFill>
+                    <a:srgbClr val="ffffff"/>
+                  </a:solidFill>
+                </a:uFill>
+                <a:latin typeface="Lato"/>
+                <a:ea typeface="DejaVu Sans"/>
               </a:rPr>
               <a:t>Colors are specified using predefined color names, or RGB, HEX, HSL, RGBA, HSLA values.</a:t>
             </a:r>
-          </a:p>
-          <a:p>
-            <a:pPr marL="457200" indent="-456840">
+            <a:endParaRPr b="0" lang="en-US" sz="1800" spc="-1" strike="noStrike">
+              <a:solidFill>
+                <a:srgbClr val="000000"/>
+              </a:solidFill>
+              <a:uFill>
+                <a:solidFill>
+                  <a:srgbClr val="ffffff"/>
+                </a:solidFill>
+              </a:uFill>
+              <a:latin typeface="Arial"/>
+            </a:endParaRPr>
+          </a:p>
+          <a:p>
+            <a:pPr marL="457200" indent="-456480">
               <a:lnSpc>
                 <a:spcPct val="150000"/>
               </a:lnSpc>
               <a:buClr>
-                <a:srgbClr val="FFFFFF"/>
+                <a:srgbClr val="ffffff"/>
               </a:buClr>
               <a:buFont typeface="Wingdings" charset="2"/>
               <a:buChar char=""/>
             </a:pPr>
             <a:r>
-              <a:rPr lang="en-US" sz="2400" spc="-1" dirty="0">
-                <a:solidFill>
-                  <a:srgbClr val="FFFFFF"/>
-                </a:solidFill>
-                <a:uFill>
-                  <a:solidFill>
-                    <a:srgbClr val="FFFFFF"/>
-                  </a:solidFill>
-                </a:uFill>
-                <a:latin typeface="Lato"/>
+              <a:rPr b="0" lang="en-US" sz="2400" spc="-1" strike="noStrike">
+                <a:solidFill>
+                  <a:srgbClr val="ffffff"/>
+                </a:solidFill>
+                <a:uFill>
+                  <a:solidFill>
+                    <a:srgbClr val="ffffff"/>
+                  </a:solidFill>
+                </a:uFill>
+                <a:latin typeface="Lato"/>
+                <a:ea typeface="DejaVu Sans"/>
               </a:rPr>
               <a:t>There are some colors property like : color, background-color.</a:t>
             </a:r>
-            <a:endParaRPr lang="en-US" sz="1800" strike="noStrike" spc="-1" dirty="0">
-              <a:solidFill>
-                <a:srgbClr val="000000"/>
-              </a:solidFill>
-              <a:uFill>
-                <a:solidFill>
-                  <a:srgbClr val="FFFFFF"/>
+            <a:endParaRPr b="0" lang="en-US" sz="1800" spc="-1" strike="noStrike">
+              <a:solidFill>
+                <a:srgbClr val="000000"/>
+              </a:solidFill>
+              <a:uFill>
+                <a:solidFill>
+                  <a:srgbClr val="ffffff"/>
+                </a:solidFill>
+              </a:uFill>
+              <a:latin typeface="Arial"/>
+            </a:endParaRPr>
+          </a:p>
+          <a:p>
+            <a:pPr marL="457200" indent="-456480">
+              <a:lnSpc>
+                <a:spcPct val="150000"/>
+              </a:lnSpc>
+              <a:buClr>
+                <a:srgbClr val="ffffff"/>
+              </a:buClr>
+              <a:buFont typeface="Wingdings" charset="2"/>
+              <a:buChar char=""/>
+            </a:pPr>
+            <a:r>
+              <a:rPr b="0" lang="en-US" sz="2400" spc="-1" strike="noStrike">
+                <a:solidFill>
+                  <a:srgbClr val="ffffff"/>
+                </a:solidFill>
+                <a:uFill>
+                  <a:solidFill>
+                    <a:srgbClr val="ffffff"/>
+                  </a:solidFill>
+                </a:uFill>
+                <a:latin typeface="Lato"/>
+                <a:ea typeface="DejaVu Sans"/>
+              </a:rPr>
+              <a:t>The CSS background properties are used to defined the background effects for elements : background-color, background-image, ...</a:t>
+            </a:r>
+            <a:endParaRPr b="0" lang="en-US" sz="1800" spc="-1" strike="noStrike">
+              <a:solidFill>
+                <a:srgbClr val="000000"/>
+              </a:solidFill>
+              <a:uFill>
+                <a:solidFill>
+                  <a:srgbClr val="ffffff"/>
                 </a:solidFill>
               </a:uFill>
               <a:latin typeface="Arial"/>
@@ -4483,7 +4173,7 @@
       </p:sp>
       <p:sp>
         <p:nvSpPr>
-          <p:cNvPr id="47" name="Line 4"/>
+          <p:cNvPr id="60" name="Line 4"/>
           <p:cNvSpPr/>
           <p:nvPr/>
         </p:nvSpPr>
@@ -4499,6 +4189,7 @@
             <a:solidFill>
               <a:schemeClr val="bg1"/>
             </a:solidFill>
+            <a:round/>
           </a:ln>
         </p:spPr>
         <p:style>
@@ -4516,66 +4207,68 @@
       </p:sp>
       <p:pic>
         <p:nvPicPr>
-          <p:cNvPr id="5" name="Picture 4">
-            <a:extLst>
-              <a:ext uri="{FF2B5EF4-FFF2-40B4-BE49-F238E27FC236}">
-                <a16:creationId xmlns:a16="http://schemas.microsoft.com/office/drawing/2014/main" id="{D6F24D87-9511-42FA-BC2B-03684C2B3323}"/>
-              </a:ext>
-            </a:extLst>
-          </p:cNvPr>
-          <p:cNvPicPr>
-            <a:picLocks noChangeAspect="1"/>
-          </p:cNvPicPr>
+          <p:cNvPr id="61" name="Picture 4" descr=""/>
+          <p:cNvPicPr/>
           <p:nvPr/>
         </p:nvPicPr>
         <p:blipFill>
-          <a:blip r:embed="rId2">
-            <a:extLst>
-              <a:ext uri="{28A0092B-C50C-407E-A947-70E740481C1C}">
-                <a14:useLocalDpi xmlns:a14="http://schemas.microsoft.com/office/drawing/2010/main" val="0"/>
-              </a:ext>
-            </a:extLst>
-          </a:blip>
-          <a:stretch>
-            <a:fillRect/>
-          </a:stretch>
+          <a:blip r:embed="rId1"/>
+          <a:stretch/>
         </p:blipFill>
         <p:spPr>
           <a:xfrm>
-            <a:off x="8084860" y="4832935"/>
-            <a:ext cx="3972479" cy="1038370"/>
-          </a:xfrm>
-          <a:prstGeom prst="rect">
-            <a:avLst/>
-          </a:prstGeom>
+            <a:off x="2126880" y="4702320"/>
+            <a:ext cx="3972240" cy="1037880"/>
+          </a:xfrm>
+          <a:prstGeom prst="rect">
+            <a:avLst/>
+          </a:prstGeom>
+          <a:ln>
+            <a:noFill/>
+          </a:ln>
+        </p:spPr>
+      </p:pic>
+      <p:pic>
+        <p:nvPicPr>
+          <p:cNvPr id="62" name="" descr=""/>
+          <p:cNvPicPr/>
+          <p:nvPr/>
+        </p:nvPicPr>
+        <p:blipFill>
+          <a:blip r:embed="rId2"/>
+          <a:stretch/>
+        </p:blipFill>
+        <p:spPr>
+          <a:xfrm>
+            <a:off x="6333120" y="4693320"/>
+            <a:ext cx="4114800" cy="1014840"/>
+          </a:xfrm>
+          <a:prstGeom prst="rect">
+            <a:avLst/>
+          </a:prstGeom>
+          <a:ln>
+            <a:noFill/>
+          </a:ln>
         </p:spPr>
       </p:pic>
     </p:spTree>
-    <p:extLst>
-      <p:ext uri="{BB962C8B-B14F-4D97-AF65-F5344CB8AC3E}">
-        <p14:creationId xmlns:p14="http://schemas.microsoft.com/office/powerpoint/2010/main" val="1191620696"/>
-      </p:ext>
-    </p:extLst>
   </p:cSld>
-  <p:clrMapOvr>
-    <a:masterClrMapping/>
-  </p:clrMapOvr>
   <p:timing>
     <p:tnLst>
       <p:par>
-        <p:cTn id="1" dur="indefinite" restart="never" nodeType="tmRoot">
+        <p:cTn id="11" dur="indefinite" restart="never" nodeType="tmRoot">
           <p:childTnLst>
             <p:seq>
-              <p:cTn id="2" nodeType="mainSeq"/>
+              <p:cTn id="12" nodeType="mainSeq"/>
               <p:prevCondLst>
-                <p:cond evt="onPrev" delay="0">
+                <p:cond delay="0" evt="onPrev">
                   <p:tgtEl>
                     <p:sldTgt/>
                   </p:tgtEl>
                 </p:cond>
               </p:prevCondLst>
               <p:nextCondLst>
-                <p:cond evt="onNext" delay="0">
+                <p:cond delay="0" evt="onNext">
                   <p:tgtEl>
                     <p:sldTgt/>
                   </p:tgtEl>
@@ -4591,7 +4284,7 @@
 </file>
 
 <file path=ppt/slides/slide7.xml><?xml version="1.0" encoding="utf-8"?>
-<p:sld xmlns:a="http://schemas.openxmlformats.org/drawingml/2006/main" xmlns:r="http://schemas.openxmlformats.org/officeDocument/2006/relationships" xmlns:p="http://schemas.openxmlformats.org/presentationml/2006/main">
+<p:sld xmlns:a="http://schemas.openxmlformats.org/drawingml/2006/main" xmlns:p="http://schemas.openxmlformats.org/presentationml/2006/main" xmlns:r="http://schemas.openxmlformats.org/officeDocument/2006/relationships" xmlns:p14="http://schemas.microsoft.com/office/powerpoint/2010/main" xmlns:p15="http://schemas.microsoft.com/office/powerpoint/2012/main" xmlns:mc="http://schemas.openxmlformats.org/markup-compatibility/2006">
   <p:cSld>
     <p:spTree>
       <p:nvGrpSpPr>
@@ -4609,20 +4302,20 @@
       </p:grpSpPr>
       <p:sp>
         <p:nvSpPr>
-          <p:cNvPr id="127" name="CustomShape 1"/>
+          <p:cNvPr id="63" name="CustomShape 1"/>
           <p:cNvSpPr/>
           <p:nvPr/>
         </p:nvSpPr>
         <p:spPr>
           <a:xfrm>
             <a:off x="1800" y="859680"/>
-            <a:ext cx="12191760" cy="5138280"/>
+            <a:ext cx="12191400" cy="5137920"/>
           </a:xfrm>
           <a:prstGeom prst="rect">
             <a:avLst/>
           </a:prstGeom>
           <a:solidFill>
-            <a:srgbClr val="4F5B93"/>
+            <a:srgbClr val="4f5b93"/>
           </a:solidFill>
           <a:ln>
             <a:noFill/>
@@ -4645,13 +4338,728 @@
       </p:sp>
       <p:sp>
         <p:nvSpPr>
-          <p:cNvPr id="128" name="Line 2"/>
+          <p:cNvPr id="64" name="CustomShape 2"/>
           <p:cNvSpPr/>
           <p:nvPr/>
         </p:nvSpPr>
         <p:spPr>
           <a:xfrm>
-            <a:off x="0" y="4211280"/>
+            <a:off x="0" y="859680"/>
+            <a:ext cx="12191400" cy="638640"/>
+          </a:xfrm>
+          <a:prstGeom prst="rect">
+            <a:avLst/>
+          </a:prstGeom>
+          <a:noFill/>
+          <a:ln>
+            <a:noFill/>
+          </a:ln>
+        </p:spPr>
+        <p:style>
+          <a:lnRef idx="0"/>
+          <a:fillRef idx="0"/>
+          <a:effectRef idx="0"/>
+          <a:fontRef idx="minor"/>
+        </p:style>
+        <p:txBody>
+          <a:bodyPr wrap="none" lIns="90000" rIns="90000" tIns="45000" bIns="45000"/>
+          <a:p>
+            <a:pPr algn="ctr">
+              <a:lnSpc>
+                <a:spcPct val="100000"/>
+              </a:lnSpc>
+            </a:pPr>
+            <a:r>
+              <a:rPr b="0" lang="en-US" sz="3600" spc="-1" strike="noStrike">
+                <a:solidFill>
+                  <a:srgbClr val="ffffff"/>
+                </a:solidFill>
+                <a:uFill>
+                  <a:solidFill>
+                    <a:srgbClr val="ffffff"/>
+                  </a:solidFill>
+                </a:uFill>
+                <a:latin typeface="Lato"/>
+                <a:ea typeface="DejaVu Sans"/>
+              </a:rPr>
+              <a:t>CSS BORDER, MARGIN &amp; PADDING</a:t>
+            </a:r>
+            <a:endParaRPr b="0" lang="en-US" sz="1800" spc="-1" strike="noStrike">
+              <a:solidFill>
+                <a:srgbClr val="000000"/>
+              </a:solidFill>
+              <a:uFill>
+                <a:solidFill>
+                  <a:srgbClr val="ffffff"/>
+                </a:solidFill>
+              </a:uFill>
+              <a:latin typeface="Arial"/>
+            </a:endParaRPr>
+          </a:p>
+        </p:txBody>
+      </p:sp>
+      <p:sp>
+        <p:nvSpPr>
+          <p:cNvPr id="65" name="CustomShape 3"/>
+          <p:cNvSpPr/>
+          <p:nvPr/>
+        </p:nvSpPr>
+        <p:spPr>
+          <a:xfrm>
+            <a:off x="0" y="1498680"/>
+            <a:ext cx="12191400" cy="4498920"/>
+          </a:xfrm>
+          <a:prstGeom prst="rect">
+            <a:avLst/>
+          </a:prstGeom>
+          <a:noFill/>
+          <a:ln>
+            <a:noFill/>
+          </a:ln>
+        </p:spPr>
+        <p:style>
+          <a:lnRef idx="0"/>
+          <a:fillRef idx="0"/>
+          <a:effectRef idx="0"/>
+          <a:fontRef idx="minor"/>
+        </p:style>
+        <p:txBody>
+          <a:bodyPr lIns="90000" rIns="90000" tIns="45000" bIns="45000"/>
+          <a:p>
+            <a:pPr marL="457200" indent="-456480">
+              <a:lnSpc>
+                <a:spcPct val="150000"/>
+              </a:lnSpc>
+              <a:buClr>
+                <a:srgbClr val="ffffff"/>
+              </a:buClr>
+              <a:buFont typeface="Wingdings" charset="2"/>
+              <a:buChar char=""/>
+            </a:pPr>
+            <a:r>
+              <a:rPr b="0" lang="en-US" sz="2400" spc="-1" strike="noStrike">
+                <a:solidFill>
+                  <a:srgbClr val="ffffff"/>
+                </a:solidFill>
+                <a:uFill>
+                  <a:solidFill>
+                    <a:srgbClr val="ffffff"/>
+                  </a:solidFill>
+                </a:uFill>
+                <a:latin typeface="Lato"/>
+                <a:ea typeface="DejaVu Sans"/>
+              </a:rPr>
+              <a:t>The CSS </a:t>
+            </a:r>
+            <a:r>
+              <a:rPr b="0" lang="en-US" sz="2400" spc="-1" strike="noStrike">
+                <a:solidFill>
+                  <a:srgbClr val="ffffff"/>
+                </a:solidFill>
+                <a:uFill>
+                  <a:solidFill>
+                    <a:srgbClr val="ffffff"/>
+                  </a:solidFill>
+                </a:uFill>
+                <a:latin typeface="Lato"/>
+                <a:ea typeface="DejaVu Sans"/>
+              </a:rPr>
+              <a:t>border </a:t>
+            </a:r>
+            <a:r>
+              <a:rPr b="0" lang="en-US" sz="2400" spc="-1" strike="noStrike">
+                <a:solidFill>
+                  <a:srgbClr val="ffffff"/>
+                </a:solidFill>
+                <a:uFill>
+                  <a:solidFill>
+                    <a:srgbClr val="ffffff"/>
+                  </a:solidFill>
+                </a:uFill>
+                <a:latin typeface="Lato"/>
+                <a:ea typeface="DejaVu Sans"/>
+              </a:rPr>
+              <a:t>propertie</a:t>
+            </a:r>
+            <a:r>
+              <a:rPr b="0" lang="en-US" sz="2400" spc="-1" strike="noStrike">
+                <a:solidFill>
+                  <a:srgbClr val="ffffff"/>
+                </a:solidFill>
+                <a:uFill>
+                  <a:solidFill>
+                    <a:srgbClr val="ffffff"/>
+                  </a:solidFill>
+                </a:uFill>
+                <a:latin typeface="Lato"/>
+                <a:ea typeface="DejaVu Sans"/>
+              </a:rPr>
+              <a:t>s allow </a:t>
+            </a:r>
+            <a:r>
+              <a:rPr b="0" lang="en-US" sz="2400" spc="-1" strike="noStrike">
+                <a:solidFill>
+                  <a:srgbClr val="ffffff"/>
+                </a:solidFill>
+                <a:uFill>
+                  <a:solidFill>
+                    <a:srgbClr val="ffffff"/>
+                  </a:solidFill>
+                </a:uFill>
+                <a:latin typeface="Lato"/>
+                <a:ea typeface="DejaVu Sans"/>
+              </a:rPr>
+              <a:t>you to </a:t>
+            </a:r>
+            <a:r>
+              <a:rPr b="0" lang="en-US" sz="2400" spc="-1" strike="noStrike">
+                <a:solidFill>
+                  <a:srgbClr val="ffffff"/>
+                </a:solidFill>
+                <a:uFill>
+                  <a:solidFill>
+                    <a:srgbClr val="ffffff"/>
+                  </a:solidFill>
+                </a:uFill>
+                <a:latin typeface="Lato"/>
+                <a:ea typeface="DejaVu Sans"/>
+              </a:rPr>
+              <a:t>specify </a:t>
+            </a:r>
+            <a:r>
+              <a:rPr b="0" lang="en-US" sz="2400" spc="-1" strike="noStrike">
+                <a:solidFill>
+                  <a:srgbClr val="ffffff"/>
+                </a:solidFill>
+                <a:uFill>
+                  <a:solidFill>
+                    <a:srgbClr val="ffffff"/>
+                  </a:solidFill>
+                </a:uFill>
+                <a:latin typeface="Lato"/>
+                <a:ea typeface="DejaVu Sans"/>
+              </a:rPr>
+              <a:t>the style, </a:t>
+            </a:r>
+            <a:r>
+              <a:rPr b="0" lang="en-US" sz="2400" spc="-1" strike="noStrike">
+                <a:solidFill>
+                  <a:srgbClr val="ffffff"/>
+                </a:solidFill>
+                <a:uFill>
+                  <a:solidFill>
+                    <a:srgbClr val="ffffff"/>
+                  </a:solidFill>
+                </a:uFill>
+                <a:latin typeface="Lato"/>
+                <a:ea typeface="DejaVu Sans"/>
+              </a:rPr>
+              <a:t>width and </a:t>
+            </a:r>
+            <a:r>
+              <a:rPr b="0" lang="en-US" sz="2400" spc="-1" strike="noStrike">
+                <a:solidFill>
+                  <a:srgbClr val="ffffff"/>
+                </a:solidFill>
+                <a:uFill>
+                  <a:solidFill>
+                    <a:srgbClr val="ffffff"/>
+                  </a:solidFill>
+                </a:uFill>
+                <a:latin typeface="Lato"/>
+                <a:ea typeface="DejaVu Sans"/>
+              </a:rPr>
+              <a:t>color of </a:t>
+            </a:r>
+            <a:r>
+              <a:rPr b="0" lang="en-US" sz="2400" spc="-1" strike="noStrike">
+                <a:solidFill>
+                  <a:srgbClr val="ffffff"/>
+                </a:solidFill>
+                <a:uFill>
+                  <a:solidFill>
+                    <a:srgbClr val="ffffff"/>
+                  </a:solidFill>
+                </a:uFill>
+                <a:latin typeface="Lato"/>
+                <a:ea typeface="DejaVu Sans"/>
+              </a:rPr>
+              <a:t>element’s </a:t>
+            </a:r>
+            <a:r>
+              <a:rPr b="0" lang="en-US" sz="2400" spc="-1" strike="noStrike">
+                <a:solidFill>
+                  <a:srgbClr val="ffffff"/>
+                </a:solidFill>
+                <a:uFill>
+                  <a:solidFill>
+                    <a:srgbClr val="ffffff"/>
+                  </a:solidFill>
+                </a:uFill>
+                <a:latin typeface="Lato"/>
+                <a:ea typeface="DejaVu Sans"/>
+              </a:rPr>
+              <a:t>border.</a:t>
+            </a:r>
+            <a:endParaRPr b="0" lang="en-US" sz="1800" spc="-1" strike="noStrike">
+              <a:solidFill>
+                <a:srgbClr val="000000"/>
+              </a:solidFill>
+              <a:uFill>
+                <a:solidFill>
+                  <a:srgbClr val="ffffff"/>
+                </a:solidFill>
+              </a:uFill>
+              <a:latin typeface="Arial"/>
+            </a:endParaRPr>
+          </a:p>
+          <a:p>
+            <a:pPr marL="457200" indent="-456480">
+              <a:lnSpc>
+                <a:spcPct val="150000"/>
+              </a:lnSpc>
+              <a:buClr>
+                <a:srgbClr val="ffffff"/>
+              </a:buClr>
+              <a:buFont typeface="Wingdings" charset="2"/>
+              <a:buChar char=""/>
+            </a:pPr>
+            <a:r>
+              <a:rPr b="0" lang="en-US" sz="2400" spc="-1" strike="noStrike">
+                <a:solidFill>
+                  <a:srgbClr val="ffffff"/>
+                </a:solidFill>
+                <a:uFill>
+                  <a:solidFill>
+                    <a:srgbClr val="ffffff"/>
+                  </a:solidFill>
+                </a:uFill>
+                <a:latin typeface="Lato"/>
+                <a:ea typeface="DejaVu Sans"/>
+              </a:rPr>
+              <a:t>The CSS </a:t>
+            </a:r>
+            <a:r>
+              <a:rPr b="0" lang="en-US" sz="2400" spc="-1" strike="noStrike">
+                <a:solidFill>
+                  <a:srgbClr val="ffffff"/>
+                </a:solidFill>
+                <a:uFill>
+                  <a:solidFill>
+                    <a:srgbClr val="ffffff"/>
+                  </a:solidFill>
+                </a:uFill>
+                <a:latin typeface="Lato"/>
+                <a:ea typeface="DejaVu Sans"/>
+              </a:rPr>
+              <a:t>margin </a:t>
+            </a:r>
+            <a:r>
+              <a:rPr b="0" lang="en-US" sz="2400" spc="-1" strike="noStrike">
+                <a:solidFill>
+                  <a:srgbClr val="ffffff"/>
+                </a:solidFill>
+                <a:uFill>
+                  <a:solidFill>
+                    <a:srgbClr val="ffffff"/>
+                  </a:solidFill>
+                </a:uFill>
+                <a:latin typeface="Lato"/>
+                <a:ea typeface="DejaVu Sans"/>
+              </a:rPr>
+              <a:t>propertie</a:t>
+            </a:r>
+            <a:r>
+              <a:rPr b="0" lang="en-US" sz="2400" spc="-1" strike="noStrike">
+                <a:solidFill>
+                  <a:srgbClr val="ffffff"/>
+                </a:solidFill>
+                <a:uFill>
+                  <a:solidFill>
+                    <a:srgbClr val="ffffff"/>
+                  </a:solidFill>
+                </a:uFill>
+                <a:latin typeface="Lato"/>
+                <a:ea typeface="DejaVu Sans"/>
+              </a:rPr>
+              <a:t>s are used </a:t>
+            </a:r>
+            <a:r>
+              <a:rPr b="0" lang="en-US" sz="2400" spc="-1" strike="noStrike">
+                <a:solidFill>
+                  <a:srgbClr val="ffffff"/>
+                </a:solidFill>
+                <a:uFill>
+                  <a:solidFill>
+                    <a:srgbClr val="ffffff"/>
+                  </a:solidFill>
+                </a:uFill>
+                <a:latin typeface="Lato"/>
+                <a:ea typeface="DejaVu Sans"/>
+              </a:rPr>
+              <a:t>to create </a:t>
+            </a:r>
+            <a:r>
+              <a:rPr b="0" lang="en-US" sz="2400" spc="-1" strike="noStrike">
+                <a:solidFill>
+                  <a:srgbClr val="ffffff"/>
+                </a:solidFill>
+                <a:uFill>
+                  <a:solidFill>
+                    <a:srgbClr val="ffffff"/>
+                  </a:solidFill>
+                </a:uFill>
+                <a:latin typeface="Lato"/>
+                <a:ea typeface="DejaVu Sans"/>
+              </a:rPr>
+              <a:t>space </a:t>
+            </a:r>
+            <a:r>
+              <a:rPr b="0" lang="en-US" sz="2400" spc="-1" strike="noStrike">
+                <a:solidFill>
+                  <a:srgbClr val="ffffff"/>
+                </a:solidFill>
+                <a:uFill>
+                  <a:solidFill>
+                    <a:srgbClr val="ffffff"/>
+                  </a:solidFill>
+                </a:uFill>
+                <a:latin typeface="Lato"/>
+                <a:ea typeface="DejaVu Sans"/>
+              </a:rPr>
+              <a:t>around </a:t>
+            </a:r>
+            <a:r>
+              <a:rPr b="0" lang="en-US" sz="2400" spc="-1" strike="noStrike">
+                <a:solidFill>
+                  <a:srgbClr val="ffffff"/>
+                </a:solidFill>
+                <a:uFill>
+                  <a:solidFill>
+                    <a:srgbClr val="ffffff"/>
+                  </a:solidFill>
+                </a:uFill>
+                <a:latin typeface="Lato"/>
+                <a:ea typeface="DejaVu Sans"/>
+              </a:rPr>
+              <a:t>elements, </a:t>
+            </a:r>
+            <a:r>
+              <a:rPr b="0" lang="en-US" sz="2400" spc="-1" strike="noStrike">
+                <a:solidFill>
+                  <a:srgbClr val="ffffff"/>
+                </a:solidFill>
+                <a:uFill>
+                  <a:solidFill>
+                    <a:srgbClr val="ffffff"/>
+                  </a:solidFill>
+                </a:uFill>
+                <a:latin typeface="Lato"/>
+                <a:ea typeface="DejaVu Sans"/>
+              </a:rPr>
+              <a:t>outside of </a:t>
+            </a:r>
+            <a:r>
+              <a:rPr b="0" lang="en-US" sz="2400" spc="-1" strike="noStrike">
+                <a:solidFill>
+                  <a:srgbClr val="ffffff"/>
+                </a:solidFill>
+                <a:uFill>
+                  <a:solidFill>
+                    <a:srgbClr val="ffffff"/>
+                  </a:solidFill>
+                </a:uFill>
+                <a:latin typeface="Lato"/>
+                <a:ea typeface="DejaVu Sans"/>
+              </a:rPr>
+              <a:t>any </a:t>
+            </a:r>
+            <a:r>
+              <a:rPr b="0" lang="en-US" sz="2400" spc="-1" strike="noStrike">
+                <a:solidFill>
+                  <a:srgbClr val="ffffff"/>
+                </a:solidFill>
+                <a:uFill>
+                  <a:solidFill>
+                    <a:srgbClr val="ffffff"/>
+                  </a:solidFill>
+                </a:uFill>
+                <a:latin typeface="Lato"/>
+                <a:ea typeface="DejaVu Sans"/>
+              </a:rPr>
+              <a:t>defined </a:t>
+            </a:r>
+            <a:r>
+              <a:rPr b="0" lang="en-US" sz="2400" spc="-1" strike="noStrike">
+                <a:solidFill>
+                  <a:srgbClr val="ffffff"/>
+                </a:solidFill>
+                <a:uFill>
+                  <a:solidFill>
+                    <a:srgbClr val="ffffff"/>
+                  </a:solidFill>
+                </a:uFill>
+                <a:latin typeface="Lato"/>
+                <a:ea typeface="DejaVu Sans"/>
+              </a:rPr>
+              <a:t>borders.</a:t>
+            </a:r>
+            <a:endParaRPr b="0" lang="en-US" sz="1800" spc="-1" strike="noStrike">
+              <a:solidFill>
+                <a:srgbClr val="000000"/>
+              </a:solidFill>
+              <a:uFill>
+                <a:solidFill>
+                  <a:srgbClr val="ffffff"/>
+                </a:solidFill>
+              </a:uFill>
+              <a:latin typeface="Arial"/>
+            </a:endParaRPr>
+          </a:p>
+          <a:p>
+            <a:pPr marL="457200" indent="-456480">
+              <a:lnSpc>
+                <a:spcPct val="150000"/>
+              </a:lnSpc>
+              <a:buClr>
+                <a:srgbClr val="ffffff"/>
+              </a:buClr>
+              <a:buFont typeface="Wingdings" charset="2"/>
+              <a:buChar char=""/>
+            </a:pPr>
+            <a:r>
+              <a:rPr b="0" lang="en-US" sz="2400" spc="-1" strike="noStrike">
+                <a:solidFill>
+                  <a:srgbClr val="ffffff"/>
+                </a:solidFill>
+                <a:uFill>
+                  <a:solidFill>
+                    <a:srgbClr val="ffffff"/>
+                  </a:solidFill>
+                </a:uFill>
+                <a:latin typeface="Lato"/>
+                <a:ea typeface="DejaVu Sans"/>
+              </a:rPr>
+              <a:t>The CSS </a:t>
+            </a:r>
+            <a:r>
+              <a:rPr b="0" lang="en-US" sz="2400" spc="-1" strike="noStrike">
+                <a:solidFill>
+                  <a:srgbClr val="ffffff"/>
+                </a:solidFill>
+                <a:uFill>
+                  <a:solidFill>
+                    <a:srgbClr val="ffffff"/>
+                  </a:solidFill>
+                </a:uFill>
+                <a:latin typeface="Lato"/>
+                <a:ea typeface="DejaVu Sans"/>
+              </a:rPr>
+              <a:t>padding </a:t>
+            </a:r>
+            <a:r>
+              <a:rPr b="0" lang="en-US" sz="2400" spc="-1" strike="noStrike">
+                <a:solidFill>
+                  <a:srgbClr val="ffffff"/>
+                </a:solidFill>
+                <a:uFill>
+                  <a:solidFill>
+                    <a:srgbClr val="ffffff"/>
+                  </a:solidFill>
+                </a:uFill>
+                <a:latin typeface="Lato"/>
+                <a:ea typeface="DejaVu Sans"/>
+              </a:rPr>
+              <a:t>propertie</a:t>
+            </a:r>
+            <a:r>
+              <a:rPr b="0" lang="en-US" sz="2400" spc="-1" strike="noStrike">
+                <a:solidFill>
+                  <a:srgbClr val="ffffff"/>
+                </a:solidFill>
+                <a:uFill>
+                  <a:solidFill>
+                    <a:srgbClr val="ffffff"/>
+                  </a:solidFill>
+                </a:uFill>
+                <a:latin typeface="Lato"/>
+                <a:ea typeface="DejaVu Sans"/>
+              </a:rPr>
+              <a:t>s are used </a:t>
+            </a:r>
+            <a:r>
+              <a:rPr b="0" lang="en-US" sz="2400" spc="-1" strike="noStrike">
+                <a:solidFill>
+                  <a:srgbClr val="ffffff"/>
+                </a:solidFill>
+                <a:uFill>
+                  <a:solidFill>
+                    <a:srgbClr val="ffffff"/>
+                  </a:solidFill>
+                </a:uFill>
+                <a:latin typeface="Lato"/>
+                <a:ea typeface="DejaVu Sans"/>
+              </a:rPr>
+              <a:t>to </a:t>
+            </a:r>
+            <a:r>
+              <a:rPr b="0" lang="en-US" sz="2400" spc="-1" strike="noStrike">
+                <a:solidFill>
+                  <a:srgbClr val="ffffff"/>
+                </a:solidFill>
+                <a:uFill>
+                  <a:solidFill>
+                    <a:srgbClr val="ffffff"/>
+                  </a:solidFill>
+                </a:uFill>
+                <a:latin typeface="Lato"/>
+                <a:ea typeface="DejaVu Sans"/>
+              </a:rPr>
+              <a:t>generate </a:t>
+            </a:r>
+            <a:r>
+              <a:rPr b="0" lang="en-US" sz="2400" spc="-1" strike="noStrike">
+                <a:solidFill>
+                  <a:srgbClr val="ffffff"/>
+                </a:solidFill>
+                <a:uFill>
+                  <a:solidFill>
+                    <a:srgbClr val="ffffff"/>
+                  </a:solidFill>
+                </a:uFill>
+                <a:latin typeface="Lato"/>
+                <a:ea typeface="DejaVu Sans"/>
+              </a:rPr>
+              <a:t>space </a:t>
+            </a:r>
+            <a:r>
+              <a:rPr b="0" lang="en-US" sz="2400" spc="-1" strike="noStrike">
+                <a:solidFill>
+                  <a:srgbClr val="ffffff"/>
+                </a:solidFill>
+                <a:uFill>
+                  <a:solidFill>
+                    <a:srgbClr val="ffffff"/>
+                  </a:solidFill>
+                </a:uFill>
+                <a:latin typeface="Lato"/>
+                <a:ea typeface="DejaVu Sans"/>
+              </a:rPr>
+              <a:t>around an </a:t>
+            </a:r>
+            <a:r>
+              <a:rPr b="0" lang="en-US" sz="2400" spc="-1" strike="noStrike">
+                <a:solidFill>
+                  <a:srgbClr val="ffffff"/>
+                </a:solidFill>
+                <a:uFill>
+                  <a:solidFill>
+                    <a:srgbClr val="ffffff"/>
+                  </a:solidFill>
+                </a:uFill>
+                <a:latin typeface="Lato"/>
+                <a:ea typeface="DejaVu Sans"/>
+              </a:rPr>
+              <a:t>element’s </a:t>
+            </a:r>
+            <a:r>
+              <a:rPr b="0" lang="en-US" sz="2400" spc="-1" strike="noStrike">
+                <a:solidFill>
+                  <a:srgbClr val="ffffff"/>
+                </a:solidFill>
+                <a:uFill>
+                  <a:solidFill>
+                    <a:srgbClr val="ffffff"/>
+                  </a:solidFill>
+                </a:uFill>
+                <a:latin typeface="Lato"/>
+                <a:ea typeface="DejaVu Sans"/>
+              </a:rPr>
+              <a:t>content, </a:t>
+            </a:r>
+            <a:r>
+              <a:rPr b="0" lang="en-US" sz="2400" spc="-1" strike="noStrike">
+                <a:solidFill>
+                  <a:srgbClr val="ffffff"/>
+                </a:solidFill>
+                <a:uFill>
+                  <a:solidFill>
+                    <a:srgbClr val="ffffff"/>
+                  </a:solidFill>
+                </a:uFill>
+                <a:latin typeface="Lato"/>
+                <a:ea typeface="DejaVu Sans"/>
+              </a:rPr>
+              <a:t>inside of </a:t>
+            </a:r>
+            <a:r>
+              <a:rPr b="0" lang="en-US" sz="2400" spc="-1" strike="noStrike">
+                <a:solidFill>
+                  <a:srgbClr val="ffffff"/>
+                </a:solidFill>
+                <a:uFill>
+                  <a:solidFill>
+                    <a:srgbClr val="ffffff"/>
+                  </a:solidFill>
+                </a:uFill>
+                <a:latin typeface="Lato"/>
+                <a:ea typeface="DejaVu Sans"/>
+              </a:rPr>
+              <a:t>any </a:t>
+            </a:r>
+            <a:r>
+              <a:rPr b="0" lang="en-US" sz="2400" spc="-1" strike="noStrike">
+                <a:solidFill>
+                  <a:srgbClr val="ffffff"/>
+                </a:solidFill>
+                <a:uFill>
+                  <a:solidFill>
+                    <a:srgbClr val="ffffff"/>
+                  </a:solidFill>
+                </a:uFill>
+                <a:latin typeface="Lato"/>
+                <a:ea typeface="DejaVu Sans"/>
+              </a:rPr>
+              <a:t>defined </a:t>
+            </a:r>
+            <a:r>
+              <a:rPr b="0" lang="en-US" sz="2400" spc="-1" strike="noStrike">
+                <a:solidFill>
+                  <a:srgbClr val="ffffff"/>
+                </a:solidFill>
+                <a:uFill>
+                  <a:solidFill>
+                    <a:srgbClr val="ffffff"/>
+                  </a:solidFill>
+                </a:uFill>
+                <a:latin typeface="Lato"/>
+                <a:ea typeface="DejaVu Sans"/>
+              </a:rPr>
+              <a:t>borders.</a:t>
+            </a:r>
+            <a:endParaRPr b="0" lang="en-US" sz="1800" spc="-1" strike="noStrike">
+              <a:solidFill>
+                <a:srgbClr val="000000"/>
+              </a:solidFill>
+              <a:uFill>
+                <a:solidFill>
+                  <a:srgbClr val="ffffff"/>
+                </a:solidFill>
+              </a:uFill>
+              <a:latin typeface="Arial"/>
+            </a:endParaRPr>
+          </a:p>
+        </p:txBody>
+      </p:sp>
+      <p:sp>
+        <p:nvSpPr>
+          <p:cNvPr id="66" name="Line 4"/>
+          <p:cNvSpPr/>
+          <p:nvPr/>
+        </p:nvSpPr>
+        <p:spPr>
+          <a:xfrm>
+            <a:off x="0" y="1505880"/>
             <a:ext cx="12191760" cy="360"/>
           </a:xfrm>
           <a:prstGeom prst="line">
@@ -4661,6 +5069,7 @@
             <a:solidFill>
               <a:schemeClr val="bg1"/>
             </a:solidFill>
+            <a:round/>
           </a:ln>
         </p:spPr>
         <p:style>
@@ -4676,16 +5085,39 @@
           <a:fontRef idx="minor"/>
         </p:style>
       </p:sp>
-      <p:sp>
-        <p:nvSpPr>
-          <p:cNvPr id="129" name="CustomShape 3"/>
+      <p:pic>
+        <p:nvPicPr>
+          <p:cNvPr id="67" name="" descr=""/>
+          <p:cNvPicPr/>
+          <p:nvPr/>
+        </p:nvPicPr>
+        <p:blipFill>
+          <a:blip r:embed="rId1"/>
+          <a:stretch/>
+        </p:blipFill>
+        <p:spPr>
+          <a:xfrm>
+            <a:off x="9083520" y="4389120"/>
+            <a:ext cx="2529360" cy="2431440"/>
+          </a:xfrm>
+          <a:prstGeom prst="rect">
+            <a:avLst/>
+          </a:prstGeom>
+          <a:ln>
+            <a:noFill/>
+          </a:ln>
+        </p:spPr>
+      </p:pic>
+      <p:sp>
+        <p:nvSpPr>
+          <p:cNvPr id="68" name="CustomShape 5"/>
           <p:cNvSpPr/>
           <p:nvPr/>
         </p:nvSpPr>
         <p:spPr>
           <a:xfrm>
-            <a:off x="-960" y="3013560"/>
-            <a:ext cx="12192960" cy="821520"/>
+            <a:off x="0" y="1498680"/>
+            <a:ext cx="12191400" cy="4498920"/>
           </a:xfrm>
           <a:prstGeom prst="rect">
             <a:avLst/>
@@ -4696,20 +5128,237 @@
           </a:ln>
         </p:spPr>
         <p:style>
-          <a:lnRef idx="0">
-            <a:scrgbClr r="0" g="0" b="0"/>
+          <a:lnRef idx="0"/>
+          <a:fillRef idx="0"/>
+          <a:effectRef idx="0"/>
+          <a:fontRef idx="minor"/>
+        </p:style>
+        <p:txBody>
+          <a:bodyPr lIns="90000" rIns="90000" tIns="45000" bIns="45000"/>
+          <a:p>
+            <a:pPr marL="457200" indent="-456480">
+              <a:lnSpc>
+                <a:spcPct val="150000"/>
+              </a:lnSpc>
+              <a:buClr>
+                <a:srgbClr val="ffffff"/>
+              </a:buClr>
+              <a:buFont typeface="Wingdings" charset="2"/>
+              <a:buChar char=""/>
+            </a:pPr>
+            <a:r>
+              <a:rPr b="0" lang="en-US" sz="2400" spc="-1" strike="noStrike">
+                <a:solidFill>
+                  <a:srgbClr val="ffffff"/>
+                </a:solidFill>
+                <a:uFill>
+                  <a:solidFill>
+                    <a:srgbClr val="ffffff"/>
+                  </a:solidFill>
+                </a:uFill>
+                <a:latin typeface="Lato"/>
+                <a:ea typeface="DejaVu Sans"/>
+              </a:rPr>
+              <a:t>The CSS border properties allow you to specify the style, width and color of element’s border.</a:t>
+            </a:r>
+            <a:endParaRPr b="0" lang="en-US" sz="1800" spc="-1" strike="noStrike">
+              <a:solidFill>
+                <a:srgbClr val="000000"/>
+              </a:solidFill>
+              <a:uFill>
+                <a:solidFill>
+                  <a:srgbClr val="ffffff"/>
+                </a:solidFill>
+              </a:uFill>
+              <a:latin typeface="Arial"/>
+            </a:endParaRPr>
+          </a:p>
+          <a:p>
+            <a:pPr marL="457200" indent="-456480">
+              <a:lnSpc>
+                <a:spcPct val="150000"/>
+              </a:lnSpc>
+              <a:buClr>
+                <a:srgbClr val="ffffff"/>
+              </a:buClr>
+              <a:buFont typeface="Wingdings" charset="2"/>
+              <a:buChar char=""/>
+            </a:pPr>
+            <a:r>
+              <a:rPr b="0" lang="en-US" sz="2400" spc="-1" strike="noStrike">
+                <a:solidFill>
+                  <a:srgbClr val="ffffff"/>
+                </a:solidFill>
+                <a:uFill>
+                  <a:solidFill>
+                    <a:srgbClr val="ffffff"/>
+                  </a:solidFill>
+                </a:uFill>
+                <a:latin typeface="Lato"/>
+                <a:ea typeface="DejaVu Sans"/>
+              </a:rPr>
+              <a:t>The CSS margin properties are used to create space around elements, outside of any defined borders.</a:t>
+            </a:r>
+            <a:endParaRPr b="0" lang="en-US" sz="1800" spc="-1" strike="noStrike">
+              <a:solidFill>
+                <a:srgbClr val="000000"/>
+              </a:solidFill>
+              <a:uFill>
+                <a:solidFill>
+                  <a:srgbClr val="ffffff"/>
+                </a:solidFill>
+              </a:uFill>
+              <a:latin typeface="Arial"/>
+            </a:endParaRPr>
+          </a:p>
+        </p:txBody>
+      </p:sp>
+    </p:spTree>
+  </p:cSld>
+  <p:timing>
+    <p:tnLst>
+      <p:par>
+        <p:cTn id="13" dur="indefinite" restart="never" nodeType="tmRoot">
+          <p:childTnLst>
+            <p:seq>
+              <p:cTn id="14" nodeType="mainSeq"/>
+              <p:prevCondLst>
+                <p:cond delay="0" evt="onPrev">
+                  <p:tgtEl>
+                    <p:sldTgt/>
+                  </p:tgtEl>
+                </p:cond>
+              </p:prevCondLst>
+              <p:nextCondLst>
+                <p:cond delay="0" evt="onNext">
+                  <p:tgtEl>
+                    <p:sldTgt/>
+                  </p:tgtEl>
+                </p:cond>
+              </p:nextCondLst>
+            </p:seq>
+          </p:childTnLst>
+        </p:cTn>
+      </p:par>
+    </p:tnLst>
+  </p:timing>
+</p:sld>
+</file>
+
+<file path=ppt/slides/slide8.xml><?xml version="1.0" encoding="utf-8"?>
+<p:sld xmlns:a="http://schemas.openxmlformats.org/drawingml/2006/main" xmlns:p="http://schemas.openxmlformats.org/presentationml/2006/main" xmlns:r="http://schemas.openxmlformats.org/officeDocument/2006/relationships" xmlns:p14="http://schemas.microsoft.com/office/powerpoint/2010/main" xmlns:p15="http://schemas.microsoft.com/office/powerpoint/2012/main" xmlns:mc="http://schemas.openxmlformats.org/markup-compatibility/2006">
+  <p:cSld>
+    <p:spTree>
+      <p:nvGrpSpPr>
+        <p:cNvPr id="1" name=""/>
+        <p:cNvGrpSpPr/>
+        <p:nvPr/>
+      </p:nvGrpSpPr>
+      <p:grpSpPr>
+        <a:xfrm>
+          <a:off x="0" y="0"/>
+          <a:ext cx="0" cy="0"/>
+          <a:chOff x="0" y="0"/>
+          <a:chExt cx="0" cy="0"/>
+        </a:xfrm>
+      </p:grpSpPr>
+      <p:sp>
+        <p:nvSpPr>
+          <p:cNvPr id="69" name="CustomShape 1"/>
+          <p:cNvSpPr/>
+          <p:nvPr/>
+        </p:nvSpPr>
+        <p:spPr>
+          <a:xfrm>
+            <a:off x="1800" y="859680"/>
+            <a:ext cx="12191400" cy="5137920"/>
+          </a:xfrm>
+          <a:prstGeom prst="rect">
+            <a:avLst/>
+          </a:prstGeom>
+          <a:solidFill>
+            <a:srgbClr val="4f5b93"/>
+          </a:solidFill>
+          <a:ln>
+            <a:noFill/>
+          </a:ln>
+        </p:spPr>
+        <p:style>
+          <a:lnRef idx="2">
+            <a:schemeClr val="accent1">
+              <a:shade val="50000"/>
+            </a:schemeClr>
           </a:lnRef>
-          <a:fillRef idx="0">
-            <a:scrgbClr r="0" g="0" b="0"/>
+          <a:fillRef idx="1">
+            <a:schemeClr val="accent1"/>
           </a:fillRef>
           <a:effectRef idx="0">
-            <a:scrgbClr r="0" g="0" b="0"/>
+            <a:schemeClr val="accent1"/>
           </a:effectRef>
           <a:fontRef idx="minor"/>
         </p:style>
+      </p:sp>
+      <p:sp>
+        <p:nvSpPr>
+          <p:cNvPr id="70" name="Line 2"/>
+          <p:cNvSpPr/>
+          <p:nvPr/>
+        </p:nvSpPr>
+        <p:spPr>
+          <a:xfrm>
+            <a:off x="0" y="4211280"/>
+            <a:ext cx="12191760" cy="360"/>
+          </a:xfrm>
+          <a:prstGeom prst="line">
+            <a:avLst/>
+          </a:prstGeom>
+          <a:ln>
+            <a:solidFill>
+              <a:schemeClr val="bg1"/>
+            </a:solidFill>
+            <a:round/>
+          </a:ln>
+        </p:spPr>
+        <p:style>
+          <a:lnRef idx="1">
+            <a:schemeClr val="accent1"/>
+          </a:lnRef>
+          <a:fillRef idx="0">
+            <a:schemeClr val="accent1"/>
+          </a:fillRef>
+          <a:effectRef idx="0">
+            <a:schemeClr val="accent1"/>
+          </a:effectRef>
+          <a:fontRef idx="minor"/>
+        </p:style>
+      </p:sp>
+      <p:sp>
+        <p:nvSpPr>
+          <p:cNvPr id="71" name="CustomShape 3"/>
+          <p:cNvSpPr/>
+          <p:nvPr/>
+        </p:nvSpPr>
+        <p:spPr>
+          <a:xfrm>
+            <a:off x="-1080" y="3013560"/>
+            <a:ext cx="12192480" cy="821160"/>
+          </a:xfrm>
+          <a:prstGeom prst="rect">
+            <a:avLst/>
+          </a:prstGeom>
+          <a:noFill/>
+          <a:ln>
+            <a:noFill/>
+          </a:ln>
+        </p:spPr>
+        <p:style>
+          <a:lnRef idx="0"/>
+          <a:fillRef idx="0"/>
+          <a:effectRef idx="0"/>
+          <a:fontRef idx="minor"/>
+        </p:style>
         <p:txBody>
-          <a:bodyPr wrap="none" lIns="90000" tIns="45000" rIns="90000" bIns="45000"/>
-          <a:lstStyle/>
+          <a:bodyPr wrap="none" lIns="90000" rIns="90000" tIns="45000" bIns="45000"/>
           <a:p>
             <a:pPr algn="ctr">
               <a:lnSpc>
@@ -4717,13 +5366,13 @@
               </a:lnSpc>
             </a:pPr>
             <a:r>
-              <a:rPr lang="en-US" sz="4800" b="0" strike="noStrike" spc="-1" dirty="0">
-                <a:solidFill>
-                  <a:srgbClr val="FFFFFF"/>
-                </a:solidFill>
-                <a:uFill>
-                  <a:solidFill>
-                    <a:srgbClr val="FFFFFF"/>
+              <a:rPr b="0" lang="en-US" sz="4800" spc="-1" strike="noStrike">
+                <a:solidFill>
+                  <a:srgbClr val="ffffff"/>
+                </a:solidFill>
+                <a:uFill>
+                  <a:solidFill>
+                    <a:srgbClr val="ffffff"/>
                   </a:solidFill>
                 </a:uFill>
                 <a:latin typeface="Lato Black"/>
@@ -4731,13 +5380,13 @@
               </a:rPr>
               <a:t>TIME TO PRACTICE</a:t>
             </a:r>
-            <a:endParaRPr lang="en-US" sz="1800" b="0" strike="noStrike" spc="-1" dirty="0">
-              <a:solidFill>
-                <a:srgbClr val="000000"/>
-              </a:solidFill>
-              <a:uFill>
-                <a:solidFill>
-                  <a:srgbClr val="FFFFFF"/>
+            <a:endParaRPr b="0" lang="en-US" sz="1800" spc="-1" strike="noStrike">
+              <a:solidFill>
+                <a:srgbClr val="000000"/>
+              </a:solidFill>
+              <a:uFill>
+                <a:solidFill>
+                  <a:srgbClr val="ffffff"/>
                 </a:solidFill>
               </a:uFill>
               <a:latin typeface="Arial"/>
@@ -4747,9 +5396,33 @@
       </p:sp>
     </p:spTree>
   </p:cSld>
-  <p:clrMapOvr>
-    <a:masterClrMapping/>
-  </p:clrMapOvr>
+  <p:timing>
+    <p:tnLst>
+      <p:par>
+        <p:cTn id="15" dur="indefinite" restart="never" nodeType="tmRoot">
+          <p:childTnLst>
+            <p:seq>
+              <p:cTn id="16" nodeType="mainSeq"/>
+              <p:prevCondLst>
+                <p:cond delay="0" evt="onPrev">
+                  <p:tgtEl>
+                    <p:sldTgt/>
+                  </p:tgtEl>
+                </p:cond>
+              </p:prevCondLst>
+              <p:nextCondLst>
+                <p:cond delay="0" evt="onNext">
+                  <p:tgtEl>
+                    <p:sldTgt/>
+                  </p:tgtEl>
+                </p:cond>
+              </p:nextCondLst>
+            </p:seq>
+          </p:childTnLst>
+        </p:cTn>
+      </p:par>
+    </p:tnLst>
+  </p:timing>
 </p:sld>
 </file>
 
@@ -4973,7 +5646,5 @@
       </a:bgFillStyleLst>
     </a:fmtScheme>
   </a:themeElements>
-  <a:objectDefaults/>
-  <a:extraClrSchemeLst/>
 </a:theme>
 </file>
--- a/HTML-CSS-JS/slides/3-CSS.pptx
+++ b/HTML-CSS-JS/slides/3-CSS.pptx
@@ -1,26 +1,123 @@
 
 <file path=ppt/presentation.xml><?xml version="1.0" encoding="utf-8"?>
-<p:presentation xmlns:a="http://schemas.openxmlformats.org/drawingml/2006/main" xmlns:p="http://schemas.openxmlformats.org/presentationml/2006/main" xmlns:r="http://schemas.openxmlformats.org/officeDocument/2006/relationships" xmlns:p14="http://schemas.microsoft.com/office/powerpoint/2010/main" xmlns:p15="http://schemas.microsoft.com/office/powerpoint/2012/main" xmlns:mc="http://schemas.openxmlformats.org/markup-compatibility/2006">
+<p:presentation xmlns:a="http://schemas.openxmlformats.org/drawingml/2006/main" xmlns:r="http://schemas.openxmlformats.org/officeDocument/2006/relationships" xmlns:p="http://schemas.openxmlformats.org/presentationml/2006/main">
   <p:sldMasterIdLst>
-    <p:sldMasterId id="2147483648" r:id="rId2"/>
+    <p:sldMasterId id="2147483648" r:id="rId1"/>
   </p:sldMasterIdLst>
   <p:sldIdLst>
-    <p:sldId id="256" r:id="rId3"/>
-    <p:sldId id="257" r:id="rId4"/>
-    <p:sldId id="258" r:id="rId5"/>
-    <p:sldId id="259" r:id="rId6"/>
-    <p:sldId id="260" r:id="rId7"/>
-    <p:sldId id="261" r:id="rId8"/>
-    <p:sldId id="262" r:id="rId9"/>
-    <p:sldId id="263" r:id="rId10"/>
+    <p:sldId id="256" r:id="rId2"/>
+    <p:sldId id="257" r:id="rId3"/>
+    <p:sldId id="258" r:id="rId4"/>
+    <p:sldId id="259" r:id="rId5"/>
+    <p:sldId id="260" r:id="rId6"/>
+    <p:sldId id="261" r:id="rId7"/>
+    <p:sldId id="262" r:id="rId8"/>
+    <p:sldId id="264" r:id="rId9"/>
+    <p:sldId id="265" r:id="rId10"/>
+    <p:sldId id="263" r:id="rId11"/>
   </p:sldIdLst>
   <p:sldSz cx="12192000" cy="6858000"/>
-  <p:notesSz cx="7559675" cy="10691812"/>
+  <p:notesSz cx="7559675" cy="10691813"/>
+  <p:defaultTextStyle>
+    <a:defPPr>
+      <a:defRPr lang="en-US"/>
+    </a:defPPr>
+    <a:lvl1pPr marL="0" algn="l" defTabSz="914400" rtl="0" eaLnBrk="1" latinLnBrk="0" hangingPunct="1">
+      <a:defRPr sz="1800" kern="1200">
+        <a:solidFill>
+          <a:schemeClr val="tx1"/>
+        </a:solidFill>
+        <a:latin typeface="+mn-lt"/>
+        <a:ea typeface="+mn-ea"/>
+        <a:cs typeface="+mn-cs"/>
+      </a:defRPr>
+    </a:lvl1pPr>
+    <a:lvl2pPr marL="457200" algn="l" defTabSz="914400" rtl="0" eaLnBrk="1" latinLnBrk="0" hangingPunct="1">
+      <a:defRPr sz="1800" kern="1200">
+        <a:solidFill>
+          <a:schemeClr val="tx1"/>
+        </a:solidFill>
+        <a:latin typeface="+mn-lt"/>
+        <a:ea typeface="+mn-ea"/>
+        <a:cs typeface="+mn-cs"/>
+      </a:defRPr>
+    </a:lvl2pPr>
+    <a:lvl3pPr marL="914400" algn="l" defTabSz="914400" rtl="0" eaLnBrk="1" latinLnBrk="0" hangingPunct="1">
+      <a:defRPr sz="1800" kern="1200">
+        <a:solidFill>
+          <a:schemeClr val="tx1"/>
+        </a:solidFill>
+        <a:latin typeface="+mn-lt"/>
+        <a:ea typeface="+mn-ea"/>
+        <a:cs typeface="+mn-cs"/>
+      </a:defRPr>
+    </a:lvl3pPr>
+    <a:lvl4pPr marL="1371600" algn="l" defTabSz="914400" rtl="0" eaLnBrk="1" latinLnBrk="0" hangingPunct="1">
+      <a:defRPr sz="1800" kern="1200">
+        <a:solidFill>
+          <a:schemeClr val="tx1"/>
+        </a:solidFill>
+        <a:latin typeface="+mn-lt"/>
+        <a:ea typeface="+mn-ea"/>
+        <a:cs typeface="+mn-cs"/>
+      </a:defRPr>
+    </a:lvl4pPr>
+    <a:lvl5pPr marL="1828800" algn="l" defTabSz="914400" rtl="0" eaLnBrk="1" latinLnBrk="0" hangingPunct="1">
+      <a:defRPr sz="1800" kern="1200">
+        <a:solidFill>
+          <a:schemeClr val="tx1"/>
+        </a:solidFill>
+        <a:latin typeface="+mn-lt"/>
+        <a:ea typeface="+mn-ea"/>
+        <a:cs typeface="+mn-cs"/>
+      </a:defRPr>
+    </a:lvl5pPr>
+    <a:lvl6pPr marL="2286000" algn="l" defTabSz="914400" rtl="0" eaLnBrk="1" latinLnBrk="0" hangingPunct="1">
+      <a:defRPr sz="1800" kern="1200">
+        <a:solidFill>
+          <a:schemeClr val="tx1"/>
+        </a:solidFill>
+        <a:latin typeface="+mn-lt"/>
+        <a:ea typeface="+mn-ea"/>
+        <a:cs typeface="+mn-cs"/>
+      </a:defRPr>
+    </a:lvl6pPr>
+    <a:lvl7pPr marL="2743200" algn="l" defTabSz="914400" rtl="0" eaLnBrk="1" latinLnBrk="0" hangingPunct="1">
+      <a:defRPr sz="1800" kern="1200">
+        <a:solidFill>
+          <a:schemeClr val="tx1"/>
+        </a:solidFill>
+        <a:latin typeface="+mn-lt"/>
+        <a:ea typeface="+mn-ea"/>
+        <a:cs typeface="+mn-cs"/>
+      </a:defRPr>
+    </a:lvl7pPr>
+    <a:lvl8pPr marL="3200400" algn="l" defTabSz="914400" rtl="0" eaLnBrk="1" latinLnBrk="0" hangingPunct="1">
+      <a:defRPr sz="1800" kern="1200">
+        <a:solidFill>
+          <a:schemeClr val="tx1"/>
+        </a:solidFill>
+        <a:latin typeface="+mn-lt"/>
+        <a:ea typeface="+mn-ea"/>
+        <a:cs typeface="+mn-cs"/>
+      </a:defRPr>
+    </a:lvl8pPr>
+    <a:lvl9pPr marL="3657600" algn="l" defTabSz="914400" rtl="0" eaLnBrk="1" latinLnBrk="0" hangingPunct="1">
+      <a:defRPr sz="1800" kern="1200">
+        <a:solidFill>
+          <a:schemeClr val="tx1"/>
+        </a:solidFill>
+        <a:latin typeface="+mn-lt"/>
+        <a:ea typeface="+mn-ea"/>
+        <a:cs typeface="+mn-cs"/>
+      </a:defRPr>
+    </a:lvl9pPr>
+  </p:defaultTextStyle>
 </p:presentation>
 </file>
 
 <file path=ppt/slideLayouts/slideLayout1.xml><?xml version="1.0" encoding="utf-8"?>
-<p:sldLayout xmlns:a="http://schemas.openxmlformats.org/drawingml/2006/main" xmlns:p="http://schemas.openxmlformats.org/presentationml/2006/main" xmlns:r="http://schemas.openxmlformats.org/officeDocument/2006/relationships" xmlns:p14="http://schemas.microsoft.com/office/powerpoint/2010/main" xmlns:p15="http://schemas.microsoft.com/office/powerpoint/2012/main" xmlns:mc="http://schemas.openxmlformats.org/markup-compatibility/2006" type="blank" preserve="1">
+<p:sldLayout xmlns:a="http://schemas.openxmlformats.org/drawingml/2006/main" xmlns:r="http://schemas.openxmlformats.org/officeDocument/2006/relationships" xmlns:p="http://schemas.openxmlformats.org/presentationml/2006/main" type="blank" preserve="1">
   <p:cSld name="Blank Slide">
     <p:spTree>
       <p:nvGrpSpPr>
@@ -38,11 +135,14 @@
       </p:grpSpPr>
     </p:spTree>
   </p:cSld>
+  <p:clrMapOvr>
+    <a:masterClrMapping/>
+  </p:clrMapOvr>
 </p:sldLayout>
 </file>
 
 <file path=ppt/slideLayouts/slideLayout10.xml><?xml version="1.0" encoding="utf-8"?>
-<p:sldLayout xmlns:a="http://schemas.openxmlformats.org/drawingml/2006/main" xmlns:p="http://schemas.openxmlformats.org/presentationml/2006/main" xmlns:r="http://schemas.openxmlformats.org/officeDocument/2006/relationships" xmlns:p14="http://schemas.microsoft.com/office/powerpoint/2010/main" xmlns:p15="http://schemas.microsoft.com/office/powerpoint/2012/main" xmlns:mc="http://schemas.openxmlformats.org/markup-compatibility/2006" type="objOverTx" preserve="1">
+<p:sldLayout xmlns:a="http://schemas.openxmlformats.org/drawingml/2006/main" xmlns:r="http://schemas.openxmlformats.org/officeDocument/2006/relationships" xmlns:p="http://schemas.openxmlformats.org/presentationml/2006/main" type="objOverTx" preserve="1">
   <p:cSld name="Title, Content over Content">
     <p:spTree>
       <p:nvGrpSpPr>
@@ -78,15 +178,16 @@
           </a:prstGeom>
         </p:spPr>
         <p:txBody>
-          <a:bodyPr lIns="0" rIns="0" tIns="0" bIns="0" anchor="ctr"/>
-          <a:p>
-            <a:endParaRPr b="0" lang="en-US" sz="1800" spc="-1" strike="noStrike">
+          <a:bodyPr lIns="0" tIns="0" rIns="0" bIns="0" anchor="ctr"/>
+          <a:lstStyle/>
+          <a:p>
+            <a:endParaRPr lang="en-US" sz="1800" b="0" strike="noStrike" spc="-1">
               <a:solidFill>
                 <a:srgbClr val="000000"/>
               </a:solidFill>
               <a:uFill>
                 <a:solidFill>
-                  <a:srgbClr val="ffffff"/>
+                  <a:srgbClr val="FFFFFF"/>
                 </a:solidFill>
               </a:uFill>
               <a:latin typeface="Arial"/>
@@ -114,15 +215,16 @@
           </a:prstGeom>
         </p:spPr>
         <p:txBody>
-          <a:bodyPr lIns="0" rIns="0" tIns="0" bIns="0"/>
-          <a:p>
-            <a:endParaRPr b="0" lang="en-US" sz="2800" spc="-1" strike="noStrike">
+          <a:bodyPr lIns="0" tIns="0" rIns="0" bIns="0"/>
+          <a:lstStyle/>
+          <a:p>
+            <a:endParaRPr lang="en-US" sz="2800" b="0" strike="noStrike" spc="-1">
               <a:solidFill>
                 <a:srgbClr val="000000"/>
               </a:solidFill>
               <a:uFill>
                 <a:solidFill>
-                  <a:srgbClr val="ffffff"/>
+                  <a:srgbClr val="FFFFFF"/>
                 </a:solidFill>
               </a:uFill>
               <a:latin typeface="Arial"/>
@@ -150,15 +252,16 @@
           </a:prstGeom>
         </p:spPr>
         <p:txBody>
-          <a:bodyPr lIns="0" rIns="0" tIns="0" bIns="0"/>
-          <a:p>
-            <a:endParaRPr b="0" lang="en-US" sz="2800" spc="-1" strike="noStrike">
+          <a:bodyPr lIns="0" tIns="0" rIns="0" bIns="0"/>
+          <a:lstStyle/>
+          <a:p>
+            <a:endParaRPr lang="en-US" sz="2800" b="0" strike="noStrike" spc="-1">
               <a:solidFill>
                 <a:srgbClr val="000000"/>
               </a:solidFill>
               <a:uFill>
                 <a:solidFill>
-                  <a:srgbClr val="ffffff"/>
+                  <a:srgbClr val="FFFFFF"/>
                 </a:solidFill>
               </a:uFill>
               <a:latin typeface="Arial"/>
@@ -168,11 +271,14 @@
       </p:sp>
     </p:spTree>
   </p:cSld>
+  <p:clrMapOvr>
+    <a:masterClrMapping/>
+  </p:clrMapOvr>
 </p:sldLayout>
 </file>
 
 <file path=ppt/slideLayouts/slideLayout11.xml><?xml version="1.0" encoding="utf-8"?>
-<p:sldLayout xmlns:a="http://schemas.openxmlformats.org/drawingml/2006/main" xmlns:p="http://schemas.openxmlformats.org/presentationml/2006/main" xmlns:r="http://schemas.openxmlformats.org/officeDocument/2006/relationships" xmlns:p14="http://schemas.microsoft.com/office/powerpoint/2010/main" xmlns:p15="http://schemas.microsoft.com/office/powerpoint/2012/main" xmlns:mc="http://schemas.openxmlformats.org/markup-compatibility/2006" type="fourObj" preserve="1">
+<p:sldLayout xmlns:a="http://schemas.openxmlformats.org/drawingml/2006/main" xmlns:r="http://schemas.openxmlformats.org/officeDocument/2006/relationships" xmlns:p="http://schemas.openxmlformats.org/presentationml/2006/main" type="fourObj" preserve="1">
   <p:cSld name="Title, 4 Content">
     <p:spTree>
       <p:nvGrpSpPr>
@@ -208,15 +314,16 @@
           </a:prstGeom>
         </p:spPr>
         <p:txBody>
-          <a:bodyPr lIns="0" rIns="0" tIns="0" bIns="0" anchor="ctr"/>
-          <a:p>
-            <a:endParaRPr b="0" lang="en-US" sz="1800" spc="-1" strike="noStrike">
+          <a:bodyPr lIns="0" tIns="0" rIns="0" bIns="0" anchor="ctr"/>
+          <a:lstStyle/>
+          <a:p>
+            <a:endParaRPr lang="en-US" sz="1800" b="0" strike="noStrike" spc="-1">
               <a:solidFill>
                 <a:srgbClr val="000000"/>
               </a:solidFill>
               <a:uFill>
                 <a:solidFill>
-                  <a:srgbClr val="ffffff"/>
+                  <a:srgbClr val="FFFFFF"/>
                 </a:solidFill>
               </a:uFill>
               <a:latin typeface="Arial"/>
@@ -244,15 +351,16 @@
           </a:prstGeom>
         </p:spPr>
         <p:txBody>
-          <a:bodyPr lIns="0" rIns="0" tIns="0" bIns="0"/>
-          <a:p>
-            <a:endParaRPr b="0" lang="en-US" sz="2800" spc="-1" strike="noStrike">
+          <a:bodyPr lIns="0" tIns="0" rIns="0" bIns="0"/>
+          <a:lstStyle/>
+          <a:p>
+            <a:endParaRPr lang="en-US" sz="2800" b="0" strike="noStrike" spc="-1">
               <a:solidFill>
                 <a:srgbClr val="000000"/>
               </a:solidFill>
               <a:uFill>
                 <a:solidFill>
-                  <a:srgbClr val="ffffff"/>
+                  <a:srgbClr val="FFFFFF"/>
                 </a:solidFill>
               </a:uFill>
               <a:latin typeface="Arial"/>
@@ -280,15 +388,16 @@
           </a:prstGeom>
         </p:spPr>
         <p:txBody>
-          <a:bodyPr lIns="0" rIns="0" tIns="0" bIns="0"/>
-          <a:p>
-            <a:endParaRPr b="0" lang="en-US" sz="2800" spc="-1" strike="noStrike">
+          <a:bodyPr lIns="0" tIns="0" rIns="0" bIns="0"/>
+          <a:lstStyle/>
+          <a:p>
+            <a:endParaRPr lang="en-US" sz="2800" b="0" strike="noStrike" spc="-1">
               <a:solidFill>
                 <a:srgbClr val="000000"/>
               </a:solidFill>
               <a:uFill>
                 <a:solidFill>
-                  <a:srgbClr val="ffffff"/>
+                  <a:srgbClr val="FFFFFF"/>
                 </a:solidFill>
               </a:uFill>
               <a:latin typeface="Arial"/>
@@ -316,15 +425,16 @@
           </a:prstGeom>
         </p:spPr>
         <p:txBody>
-          <a:bodyPr lIns="0" rIns="0" tIns="0" bIns="0"/>
-          <a:p>
-            <a:endParaRPr b="0" lang="en-US" sz="2800" spc="-1" strike="noStrike">
+          <a:bodyPr lIns="0" tIns="0" rIns="0" bIns="0"/>
+          <a:lstStyle/>
+          <a:p>
+            <a:endParaRPr lang="en-US" sz="2800" b="0" strike="noStrike" spc="-1">
               <a:solidFill>
                 <a:srgbClr val="000000"/>
               </a:solidFill>
               <a:uFill>
                 <a:solidFill>
-                  <a:srgbClr val="ffffff"/>
+                  <a:srgbClr val="FFFFFF"/>
                 </a:solidFill>
               </a:uFill>
               <a:latin typeface="Arial"/>
@@ -352,15 +462,16 @@
           </a:prstGeom>
         </p:spPr>
         <p:txBody>
-          <a:bodyPr lIns="0" rIns="0" tIns="0" bIns="0"/>
-          <a:p>
-            <a:endParaRPr b="0" lang="en-US" sz="2800" spc="-1" strike="noStrike">
+          <a:bodyPr lIns="0" tIns="0" rIns="0" bIns="0"/>
+          <a:lstStyle/>
+          <a:p>
+            <a:endParaRPr lang="en-US" sz="2800" b="0" strike="noStrike" spc="-1">
               <a:solidFill>
                 <a:srgbClr val="000000"/>
               </a:solidFill>
               <a:uFill>
                 <a:solidFill>
-                  <a:srgbClr val="ffffff"/>
+                  <a:srgbClr val="FFFFFF"/>
                 </a:solidFill>
               </a:uFill>
               <a:latin typeface="Arial"/>
@@ -370,11 +481,14 @@
       </p:sp>
     </p:spTree>
   </p:cSld>
+  <p:clrMapOvr>
+    <a:masterClrMapping/>
+  </p:clrMapOvr>
 </p:sldLayout>
 </file>
 
 <file path=ppt/slideLayouts/slideLayout12.xml><?xml version="1.0" encoding="utf-8"?>
-<p:sldLayout xmlns:a="http://schemas.openxmlformats.org/drawingml/2006/main" xmlns:p="http://schemas.openxmlformats.org/presentationml/2006/main" xmlns:r="http://schemas.openxmlformats.org/officeDocument/2006/relationships" xmlns:p14="http://schemas.microsoft.com/office/powerpoint/2010/main" xmlns:p15="http://schemas.microsoft.com/office/powerpoint/2012/main" xmlns:mc="http://schemas.openxmlformats.org/markup-compatibility/2006" type="blank" preserve="1">
+<p:sldLayout xmlns:a="http://schemas.openxmlformats.org/drawingml/2006/main" xmlns:r="http://schemas.openxmlformats.org/officeDocument/2006/relationships" xmlns:p="http://schemas.openxmlformats.org/presentationml/2006/main" type="blank" preserve="1">
   <p:cSld name="Title, 6 Content">
     <p:spTree>
       <p:nvGrpSpPr>
@@ -410,15 +524,16 @@
           </a:prstGeom>
         </p:spPr>
         <p:txBody>
-          <a:bodyPr lIns="0" rIns="0" tIns="0" bIns="0" anchor="ctr"/>
-          <a:p>
-            <a:endParaRPr b="0" lang="en-US" sz="1800" spc="-1" strike="noStrike">
+          <a:bodyPr lIns="0" tIns="0" rIns="0" bIns="0" anchor="ctr"/>
+          <a:lstStyle/>
+          <a:p>
+            <a:endParaRPr lang="en-US" sz="1800" b="0" strike="noStrike" spc="-1">
               <a:solidFill>
                 <a:srgbClr val="000000"/>
               </a:solidFill>
               <a:uFill>
                 <a:solidFill>
-                  <a:srgbClr val="ffffff"/>
+                  <a:srgbClr val="FFFFFF"/>
                 </a:solidFill>
               </a:uFill>
               <a:latin typeface="Arial"/>
@@ -446,15 +561,16 @@
           </a:prstGeom>
         </p:spPr>
         <p:txBody>
-          <a:bodyPr lIns="0" rIns="0" tIns="0" bIns="0"/>
-          <a:p>
-            <a:endParaRPr b="0" lang="en-US" sz="2800" spc="-1" strike="noStrike">
+          <a:bodyPr lIns="0" tIns="0" rIns="0" bIns="0"/>
+          <a:lstStyle/>
+          <a:p>
+            <a:endParaRPr lang="en-US" sz="2800" b="0" strike="noStrike" spc="-1">
               <a:solidFill>
                 <a:srgbClr val="000000"/>
               </a:solidFill>
               <a:uFill>
                 <a:solidFill>
-                  <a:srgbClr val="ffffff"/>
+                  <a:srgbClr val="FFFFFF"/>
                 </a:solidFill>
               </a:uFill>
               <a:latin typeface="Arial"/>
@@ -482,15 +598,16 @@
           </a:prstGeom>
         </p:spPr>
         <p:txBody>
-          <a:bodyPr lIns="0" rIns="0" tIns="0" bIns="0"/>
-          <a:p>
-            <a:endParaRPr b="0" lang="en-US" sz="2800" spc="-1" strike="noStrike">
+          <a:bodyPr lIns="0" tIns="0" rIns="0" bIns="0"/>
+          <a:lstStyle/>
+          <a:p>
+            <a:endParaRPr lang="en-US" sz="2800" b="0" strike="noStrike" spc="-1">
               <a:solidFill>
                 <a:srgbClr val="000000"/>
               </a:solidFill>
               <a:uFill>
                 <a:solidFill>
-                  <a:srgbClr val="ffffff"/>
+                  <a:srgbClr val="FFFFFF"/>
                 </a:solidFill>
               </a:uFill>
               <a:latin typeface="Arial"/>
@@ -500,7 +617,7 @@
       </p:sp>
       <p:pic>
         <p:nvPicPr>
-          <p:cNvPr id="34" name="" descr=""/>
+          <p:cNvPr id="34" name="Picture 33"/>
           <p:cNvPicPr/>
           <p:nvPr/>
         </p:nvPicPr>
@@ -523,12 +640,12 @@
       </p:pic>
       <p:pic>
         <p:nvPicPr>
-          <p:cNvPr id="35" name="" descr=""/>
+          <p:cNvPr id="35" name="Picture 34"/>
           <p:cNvPicPr/>
           <p:nvPr/>
         </p:nvPicPr>
         <p:blipFill>
-          <a:blip r:embed="rId3"/>
+          <a:blip r:embed="rId2"/>
           <a:stretch/>
         </p:blipFill>
         <p:spPr>
@@ -546,11 +663,14 @@
       </p:pic>
     </p:spTree>
   </p:cSld>
+  <p:clrMapOvr>
+    <a:masterClrMapping/>
+  </p:clrMapOvr>
 </p:sldLayout>
 </file>
 
 <file path=ppt/slideLayouts/slideLayout2.xml><?xml version="1.0" encoding="utf-8"?>
-<p:sldLayout xmlns:a="http://schemas.openxmlformats.org/drawingml/2006/main" xmlns:p="http://schemas.openxmlformats.org/presentationml/2006/main" xmlns:r="http://schemas.openxmlformats.org/officeDocument/2006/relationships" xmlns:p14="http://schemas.microsoft.com/office/powerpoint/2010/main" xmlns:p15="http://schemas.microsoft.com/office/powerpoint/2012/main" xmlns:mc="http://schemas.openxmlformats.org/markup-compatibility/2006" type="tx" preserve="1">
+<p:sldLayout xmlns:a="http://schemas.openxmlformats.org/drawingml/2006/main" xmlns:r="http://schemas.openxmlformats.org/officeDocument/2006/relationships" xmlns:p="http://schemas.openxmlformats.org/presentationml/2006/main" type="tx" preserve="1">
   <p:cSld name="Title Slide">
     <p:spTree>
       <p:nvGrpSpPr>
@@ -586,15 +706,16 @@
           </a:prstGeom>
         </p:spPr>
         <p:txBody>
-          <a:bodyPr lIns="0" rIns="0" tIns="0" bIns="0" anchor="ctr"/>
-          <a:p>
-            <a:endParaRPr b="0" lang="en-US" sz="1800" spc="-1" strike="noStrike">
+          <a:bodyPr lIns="0" tIns="0" rIns="0" bIns="0" anchor="ctr"/>
+          <a:lstStyle/>
+          <a:p>
+            <a:endParaRPr lang="en-US" sz="1800" b="0" strike="noStrike" spc="-1">
               <a:solidFill>
                 <a:srgbClr val="000000"/>
               </a:solidFill>
               <a:uFill>
                 <a:solidFill>
-                  <a:srgbClr val="ffffff"/>
+                  <a:srgbClr val="FFFFFF"/>
                 </a:solidFill>
               </a:uFill>
               <a:latin typeface="Arial"/>
@@ -622,16 +743,17 @@
           </a:prstGeom>
         </p:spPr>
         <p:txBody>
-          <a:bodyPr lIns="0" rIns="0" tIns="0" bIns="0" anchor="ctr"/>
+          <a:bodyPr lIns="0" tIns="0" rIns="0" bIns="0" anchor="ctr"/>
+          <a:lstStyle/>
           <a:p>
             <a:pPr algn="ctr"/>
-            <a:endParaRPr b="0" lang="en-US" sz="3200" spc="-1" strike="noStrike">
+            <a:endParaRPr lang="en-US" sz="3200" b="0" strike="noStrike" spc="-1">
               <a:solidFill>
                 <a:srgbClr val="000000"/>
               </a:solidFill>
               <a:uFill>
                 <a:solidFill>
-                  <a:srgbClr val="ffffff"/>
+                  <a:srgbClr val="FFFFFF"/>
                 </a:solidFill>
               </a:uFill>
               <a:latin typeface="Arial"/>
@@ -641,11 +763,14 @@
       </p:sp>
     </p:spTree>
   </p:cSld>
+  <p:clrMapOvr>
+    <a:masterClrMapping/>
+  </p:clrMapOvr>
 </p:sldLayout>
 </file>
 
 <file path=ppt/slideLayouts/slideLayout3.xml><?xml version="1.0" encoding="utf-8"?>
-<p:sldLayout xmlns:a="http://schemas.openxmlformats.org/drawingml/2006/main" xmlns:p="http://schemas.openxmlformats.org/presentationml/2006/main" xmlns:r="http://schemas.openxmlformats.org/officeDocument/2006/relationships" xmlns:p14="http://schemas.microsoft.com/office/powerpoint/2010/main" xmlns:p15="http://schemas.microsoft.com/office/powerpoint/2012/main" xmlns:mc="http://schemas.openxmlformats.org/markup-compatibility/2006" type="obj" preserve="1">
+<p:sldLayout xmlns:a="http://schemas.openxmlformats.org/drawingml/2006/main" xmlns:r="http://schemas.openxmlformats.org/officeDocument/2006/relationships" xmlns:p="http://schemas.openxmlformats.org/presentationml/2006/main" type="obj" preserve="1">
   <p:cSld name="Title, Content">
     <p:spTree>
       <p:nvGrpSpPr>
@@ -681,15 +806,16 @@
           </a:prstGeom>
         </p:spPr>
         <p:txBody>
-          <a:bodyPr lIns="0" rIns="0" tIns="0" bIns="0" anchor="ctr"/>
-          <a:p>
-            <a:endParaRPr b="0" lang="en-US" sz="1800" spc="-1" strike="noStrike">
+          <a:bodyPr lIns="0" tIns="0" rIns="0" bIns="0" anchor="ctr"/>
+          <a:lstStyle/>
+          <a:p>
+            <a:endParaRPr lang="en-US" sz="1800" b="0" strike="noStrike" spc="-1">
               <a:solidFill>
                 <a:srgbClr val="000000"/>
               </a:solidFill>
               <a:uFill>
                 <a:solidFill>
-                  <a:srgbClr val="ffffff"/>
+                  <a:srgbClr val="FFFFFF"/>
                 </a:solidFill>
               </a:uFill>
               <a:latin typeface="Arial"/>
@@ -717,15 +843,16 @@
           </a:prstGeom>
         </p:spPr>
         <p:txBody>
-          <a:bodyPr lIns="0" rIns="0" tIns="0" bIns="0"/>
-          <a:p>
-            <a:endParaRPr b="0" lang="en-US" sz="2800" spc="-1" strike="noStrike">
+          <a:bodyPr lIns="0" tIns="0" rIns="0" bIns="0"/>
+          <a:lstStyle/>
+          <a:p>
+            <a:endParaRPr lang="en-US" sz="2800" b="0" strike="noStrike" spc="-1">
               <a:solidFill>
                 <a:srgbClr val="000000"/>
               </a:solidFill>
               <a:uFill>
                 <a:solidFill>
-                  <a:srgbClr val="ffffff"/>
+                  <a:srgbClr val="FFFFFF"/>
                 </a:solidFill>
               </a:uFill>
               <a:latin typeface="Arial"/>
@@ -735,11 +862,14 @@
       </p:sp>
     </p:spTree>
   </p:cSld>
+  <p:clrMapOvr>
+    <a:masterClrMapping/>
+  </p:clrMapOvr>
 </p:sldLayout>
 </file>
 
 <file path=ppt/slideLayouts/slideLayout4.xml><?xml version="1.0" encoding="utf-8"?>
-<p:sldLayout xmlns:a="http://schemas.openxmlformats.org/drawingml/2006/main" xmlns:p="http://schemas.openxmlformats.org/presentationml/2006/main" xmlns:r="http://schemas.openxmlformats.org/officeDocument/2006/relationships" xmlns:p14="http://schemas.microsoft.com/office/powerpoint/2010/main" xmlns:p15="http://schemas.microsoft.com/office/powerpoint/2012/main" xmlns:mc="http://schemas.openxmlformats.org/markup-compatibility/2006" type="twoObj" preserve="1">
+<p:sldLayout xmlns:a="http://schemas.openxmlformats.org/drawingml/2006/main" xmlns:r="http://schemas.openxmlformats.org/officeDocument/2006/relationships" xmlns:p="http://schemas.openxmlformats.org/presentationml/2006/main" type="twoObj" preserve="1">
   <p:cSld name="Title, 2 Content">
     <p:spTree>
       <p:nvGrpSpPr>
@@ -775,15 +905,16 @@
           </a:prstGeom>
         </p:spPr>
         <p:txBody>
-          <a:bodyPr lIns="0" rIns="0" tIns="0" bIns="0" anchor="ctr"/>
-          <a:p>
-            <a:endParaRPr b="0" lang="en-US" sz="1800" spc="-1" strike="noStrike">
+          <a:bodyPr lIns="0" tIns="0" rIns="0" bIns="0" anchor="ctr"/>
+          <a:lstStyle/>
+          <a:p>
+            <a:endParaRPr lang="en-US" sz="1800" b="0" strike="noStrike" spc="-1">
               <a:solidFill>
                 <a:srgbClr val="000000"/>
               </a:solidFill>
               <a:uFill>
                 <a:solidFill>
-                  <a:srgbClr val="ffffff"/>
+                  <a:srgbClr val="FFFFFF"/>
                 </a:solidFill>
               </a:uFill>
               <a:latin typeface="Arial"/>
@@ -811,15 +942,16 @@
           </a:prstGeom>
         </p:spPr>
         <p:txBody>
-          <a:bodyPr lIns="0" rIns="0" tIns="0" bIns="0"/>
-          <a:p>
-            <a:endParaRPr b="0" lang="en-US" sz="2800" spc="-1" strike="noStrike">
+          <a:bodyPr lIns="0" tIns="0" rIns="0" bIns="0"/>
+          <a:lstStyle/>
+          <a:p>
+            <a:endParaRPr lang="en-US" sz="2800" b="0" strike="noStrike" spc="-1">
               <a:solidFill>
                 <a:srgbClr val="000000"/>
               </a:solidFill>
               <a:uFill>
                 <a:solidFill>
-                  <a:srgbClr val="ffffff"/>
+                  <a:srgbClr val="FFFFFF"/>
                 </a:solidFill>
               </a:uFill>
               <a:latin typeface="Arial"/>
@@ -847,15 +979,16 @@
           </a:prstGeom>
         </p:spPr>
         <p:txBody>
-          <a:bodyPr lIns="0" rIns="0" tIns="0" bIns="0"/>
-          <a:p>
-            <a:endParaRPr b="0" lang="en-US" sz="2800" spc="-1" strike="noStrike">
+          <a:bodyPr lIns="0" tIns="0" rIns="0" bIns="0"/>
+          <a:lstStyle/>
+          <a:p>
+            <a:endParaRPr lang="en-US" sz="2800" b="0" strike="noStrike" spc="-1">
               <a:solidFill>
                 <a:srgbClr val="000000"/>
               </a:solidFill>
               <a:uFill>
                 <a:solidFill>
-                  <a:srgbClr val="ffffff"/>
+                  <a:srgbClr val="FFFFFF"/>
                 </a:solidFill>
               </a:uFill>
               <a:latin typeface="Arial"/>
@@ -865,11 +998,14 @@
       </p:sp>
     </p:spTree>
   </p:cSld>
+  <p:clrMapOvr>
+    <a:masterClrMapping/>
+  </p:clrMapOvr>
 </p:sldLayout>
 </file>
 
 <file path=ppt/slideLayouts/slideLayout5.xml><?xml version="1.0" encoding="utf-8"?>
-<p:sldLayout xmlns:a="http://schemas.openxmlformats.org/drawingml/2006/main" xmlns:p="http://schemas.openxmlformats.org/presentationml/2006/main" xmlns:r="http://schemas.openxmlformats.org/officeDocument/2006/relationships" xmlns:p14="http://schemas.microsoft.com/office/powerpoint/2010/main" xmlns:p15="http://schemas.microsoft.com/office/powerpoint/2012/main" xmlns:mc="http://schemas.openxmlformats.org/markup-compatibility/2006" type="titleOnly" preserve="1">
+<p:sldLayout xmlns:a="http://schemas.openxmlformats.org/drawingml/2006/main" xmlns:r="http://schemas.openxmlformats.org/officeDocument/2006/relationships" xmlns:p="http://schemas.openxmlformats.org/presentationml/2006/main" type="titleOnly" preserve="1">
   <p:cSld name="Title Only">
     <p:spTree>
       <p:nvGrpSpPr>
@@ -905,15 +1041,16 @@
           </a:prstGeom>
         </p:spPr>
         <p:txBody>
-          <a:bodyPr lIns="0" rIns="0" tIns="0" bIns="0" anchor="ctr"/>
-          <a:p>
-            <a:endParaRPr b="0" lang="en-US" sz="1800" spc="-1" strike="noStrike">
+          <a:bodyPr lIns="0" tIns="0" rIns="0" bIns="0" anchor="ctr"/>
+          <a:lstStyle/>
+          <a:p>
+            <a:endParaRPr lang="en-US" sz="1800" b="0" strike="noStrike" spc="-1">
               <a:solidFill>
                 <a:srgbClr val="000000"/>
               </a:solidFill>
               <a:uFill>
                 <a:solidFill>
-                  <a:srgbClr val="ffffff"/>
+                  <a:srgbClr val="FFFFFF"/>
                 </a:solidFill>
               </a:uFill>
               <a:latin typeface="Arial"/>
@@ -923,11 +1060,14 @@
       </p:sp>
     </p:spTree>
   </p:cSld>
+  <p:clrMapOvr>
+    <a:masterClrMapping/>
+  </p:clrMapOvr>
 </p:sldLayout>
 </file>
 
 <file path=ppt/slideLayouts/slideLayout6.xml><?xml version="1.0" encoding="utf-8"?>
-<p:sldLayout xmlns:a="http://schemas.openxmlformats.org/drawingml/2006/main" xmlns:p="http://schemas.openxmlformats.org/presentationml/2006/main" xmlns:r="http://schemas.openxmlformats.org/officeDocument/2006/relationships" xmlns:p14="http://schemas.microsoft.com/office/powerpoint/2010/main" xmlns:p15="http://schemas.microsoft.com/office/powerpoint/2012/main" xmlns:mc="http://schemas.openxmlformats.org/markup-compatibility/2006" type="objOnly" preserve="1">
+<p:sldLayout xmlns:a="http://schemas.openxmlformats.org/drawingml/2006/main" xmlns:r="http://schemas.openxmlformats.org/officeDocument/2006/relationships" xmlns:p="http://schemas.openxmlformats.org/presentationml/2006/main" type="objOnly" preserve="1">
   <p:cSld name="Centered Text">
     <p:spTree>
       <p:nvGrpSpPr>
@@ -963,16 +1103,17 @@
           </a:prstGeom>
         </p:spPr>
         <p:txBody>
-          <a:bodyPr lIns="0" rIns="0" tIns="0" bIns="0" anchor="ctr"/>
+          <a:bodyPr lIns="0" tIns="0" rIns="0" bIns="0" anchor="ctr"/>
+          <a:lstStyle/>
           <a:p>
             <a:pPr algn="ctr"/>
-            <a:endParaRPr b="0" lang="en-US" sz="3200" spc="-1" strike="noStrike">
+            <a:endParaRPr lang="en-US" sz="3200" b="0" strike="noStrike" spc="-1">
               <a:solidFill>
                 <a:srgbClr val="000000"/>
               </a:solidFill>
               <a:uFill>
                 <a:solidFill>
-                  <a:srgbClr val="ffffff"/>
+                  <a:srgbClr val="FFFFFF"/>
                 </a:solidFill>
               </a:uFill>
               <a:latin typeface="Arial"/>
@@ -982,11 +1123,14 @@
       </p:sp>
     </p:spTree>
   </p:cSld>
+  <p:clrMapOvr>
+    <a:masterClrMapping/>
+  </p:clrMapOvr>
 </p:sldLayout>
 </file>
 
 <file path=ppt/slideLayouts/slideLayout7.xml><?xml version="1.0" encoding="utf-8"?>
-<p:sldLayout xmlns:a="http://schemas.openxmlformats.org/drawingml/2006/main" xmlns:p="http://schemas.openxmlformats.org/presentationml/2006/main" xmlns:r="http://schemas.openxmlformats.org/officeDocument/2006/relationships" xmlns:p14="http://schemas.microsoft.com/office/powerpoint/2010/main" xmlns:p15="http://schemas.microsoft.com/office/powerpoint/2012/main" xmlns:mc="http://schemas.openxmlformats.org/markup-compatibility/2006" type="twoObjAndObj" preserve="1">
+<p:sldLayout xmlns:a="http://schemas.openxmlformats.org/drawingml/2006/main" xmlns:r="http://schemas.openxmlformats.org/officeDocument/2006/relationships" xmlns:p="http://schemas.openxmlformats.org/presentationml/2006/main" type="twoObjAndObj" preserve="1">
   <p:cSld name="Title, 2 Content and Content">
     <p:spTree>
       <p:nvGrpSpPr>
@@ -1022,15 +1166,16 @@
           </a:prstGeom>
         </p:spPr>
         <p:txBody>
-          <a:bodyPr lIns="0" rIns="0" tIns="0" bIns="0" anchor="ctr"/>
-          <a:p>
-            <a:endParaRPr b="0" lang="en-US" sz="1800" spc="-1" strike="noStrike">
+          <a:bodyPr lIns="0" tIns="0" rIns="0" bIns="0" anchor="ctr"/>
+          <a:lstStyle/>
+          <a:p>
+            <a:endParaRPr lang="en-US" sz="1800" b="0" strike="noStrike" spc="-1">
               <a:solidFill>
                 <a:srgbClr val="000000"/>
               </a:solidFill>
               <a:uFill>
                 <a:solidFill>
-                  <a:srgbClr val="ffffff"/>
+                  <a:srgbClr val="FFFFFF"/>
                 </a:solidFill>
               </a:uFill>
               <a:latin typeface="Arial"/>
@@ -1058,15 +1203,16 @@
           </a:prstGeom>
         </p:spPr>
         <p:txBody>
-          <a:bodyPr lIns="0" rIns="0" tIns="0" bIns="0"/>
-          <a:p>
-            <a:endParaRPr b="0" lang="en-US" sz="2800" spc="-1" strike="noStrike">
+          <a:bodyPr lIns="0" tIns="0" rIns="0" bIns="0"/>
+          <a:lstStyle/>
+          <a:p>
+            <a:endParaRPr lang="en-US" sz="2800" b="0" strike="noStrike" spc="-1">
               <a:solidFill>
                 <a:srgbClr val="000000"/>
               </a:solidFill>
               <a:uFill>
                 <a:solidFill>
-                  <a:srgbClr val="ffffff"/>
+                  <a:srgbClr val="FFFFFF"/>
                 </a:solidFill>
               </a:uFill>
               <a:latin typeface="Arial"/>
@@ -1094,15 +1240,16 @@
           </a:prstGeom>
         </p:spPr>
         <p:txBody>
-          <a:bodyPr lIns="0" rIns="0" tIns="0" bIns="0"/>
-          <a:p>
-            <a:endParaRPr b="0" lang="en-US" sz="2800" spc="-1" strike="noStrike">
+          <a:bodyPr lIns="0" tIns="0" rIns="0" bIns="0"/>
+          <a:lstStyle/>
+          <a:p>
+            <a:endParaRPr lang="en-US" sz="2800" b="0" strike="noStrike" spc="-1">
               <a:solidFill>
                 <a:srgbClr val="000000"/>
               </a:solidFill>
               <a:uFill>
                 <a:solidFill>
-                  <a:srgbClr val="ffffff"/>
+                  <a:srgbClr val="FFFFFF"/>
                 </a:solidFill>
               </a:uFill>
               <a:latin typeface="Arial"/>
@@ -1130,15 +1277,16 @@
           </a:prstGeom>
         </p:spPr>
         <p:txBody>
-          <a:bodyPr lIns="0" rIns="0" tIns="0" bIns="0"/>
-          <a:p>
-            <a:endParaRPr b="0" lang="en-US" sz="2800" spc="-1" strike="noStrike">
+          <a:bodyPr lIns="0" tIns="0" rIns="0" bIns="0"/>
+          <a:lstStyle/>
+          <a:p>
+            <a:endParaRPr lang="en-US" sz="2800" b="0" strike="noStrike" spc="-1">
               <a:solidFill>
                 <a:srgbClr val="000000"/>
               </a:solidFill>
               <a:uFill>
                 <a:solidFill>
-                  <a:srgbClr val="ffffff"/>
+                  <a:srgbClr val="FFFFFF"/>
                 </a:solidFill>
               </a:uFill>
               <a:latin typeface="Arial"/>
@@ -1148,11 +1296,14 @@
       </p:sp>
     </p:spTree>
   </p:cSld>
+  <p:clrMapOvr>
+    <a:masterClrMapping/>
+  </p:clrMapOvr>
 </p:sldLayout>
 </file>
 
 <file path=ppt/slideLayouts/slideLayout8.xml><?xml version="1.0" encoding="utf-8"?>
-<p:sldLayout xmlns:a="http://schemas.openxmlformats.org/drawingml/2006/main" xmlns:p="http://schemas.openxmlformats.org/presentationml/2006/main" xmlns:r="http://schemas.openxmlformats.org/officeDocument/2006/relationships" xmlns:p14="http://schemas.microsoft.com/office/powerpoint/2010/main" xmlns:p15="http://schemas.microsoft.com/office/powerpoint/2012/main" xmlns:mc="http://schemas.openxmlformats.org/markup-compatibility/2006" type="objAndTwoObj" preserve="1">
+<p:sldLayout xmlns:a="http://schemas.openxmlformats.org/drawingml/2006/main" xmlns:r="http://schemas.openxmlformats.org/officeDocument/2006/relationships" xmlns:p="http://schemas.openxmlformats.org/presentationml/2006/main" type="objAndTwoObj" preserve="1">
   <p:cSld name="Title Content and 2 Content">
     <p:spTree>
       <p:nvGrpSpPr>
@@ -1188,15 +1339,16 @@
           </a:prstGeom>
         </p:spPr>
         <p:txBody>
-          <a:bodyPr lIns="0" rIns="0" tIns="0" bIns="0" anchor="ctr"/>
-          <a:p>
-            <a:endParaRPr b="0" lang="en-US" sz="1800" spc="-1" strike="noStrike">
+          <a:bodyPr lIns="0" tIns="0" rIns="0" bIns="0" anchor="ctr"/>
+          <a:lstStyle/>
+          <a:p>
+            <a:endParaRPr lang="en-US" sz="1800" b="0" strike="noStrike" spc="-1">
               <a:solidFill>
                 <a:srgbClr val="000000"/>
               </a:solidFill>
               <a:uFill>
                 <a:solidFill>
-                  <a:srgbClr val="ffffff"/>
+                  <a:srgbClr val="FFFFFF"/>
                 </a:solidFill>
               </a:uFill>
               <a:latin typeface="Arial"/>
@@ -1224,15 +1376,16 @@
           </a:prstGeom>
         </p:spPr>
         <p:txBody>
-          <a:bodyPr lIns="0" rIns="0" tIns="0" bIns="0"/>
-          <a:p>
-            <a:endParaRPr b="0" lang="en-US" sz="2800" spc="-1" strike="noStrike">
+          <a:bodyPr lIns="0" tIns="0" rIns="0" bIns="0"/>
+          <a:lstStyle/>
+          <a:p>
+            <a:endParaRPr lang="en-US" sz="2800" b="0" strike="noStrike" spc="-1">
               <a:solidFill>
                 <a:srgbClr val="000000"/>
               </a:solidFill>
               <a:uFill>
                 <a:solidFill>
-                  <a:srgbClr val="ffffff"/>
+                  <a:srgbClr val="FFFFFF"/>
                 </a:solidFill>
               </a:uFill>
               <a:latin typeface="Arial"/>
@@ -1260,15 +1413,16 @@
           </a:prstGeom>
         </p:spPr>
         <p:txBody>
-          <a:bodyPr lIns="0" rIns="0" tIns="0" bIns="0"/>
-          <a:p>
-            <a:endParaRPr b="0" lang="en-US" sz="2800" spc="-1" strike="noStrike">
+          <a:bodyPr lIns="0" tIns="0" rIns="0" bIns="0"/>
+          <a:lstStyle/>
+          <a:p>
+            <a:endParaRPr lang="en-US" sz="2800" b="0" strike="noStrike" spc="-1">
               <a:solidFill>
                 <a:srgbClr val="000000"/>
               </a:solidFill>
               <a:uFill>
                 <a:solidFill>
-                  <a:srgbClr val="ffffff"/>
+                  <a:srgbClr val="FFFFFF"/>
                 </a:solidFill>
               </a:uFill>
               <a:latin typeface="Arial"/>
@@ -1296,15 +1450,16 @@
           </a:prstGeom>
         </p:spPr>
         <p:txBody>
-          <a:bodyPr lIns="0" rIns="0" tIns="0" bIns="0"/>
-          <a:p>
-            <a:endParaRPr b="0" lang="en-US" sz="2800" spc="-1" strike="noStrike">
+          <a:bodyPr lIns="0" tIns="0" rIns="0" bIns="0"/>
+          <a:lstStyle/>
+          <a:p>
+            <a:endParaRPr lang="en-US" sz="2800" b="0" strike="noStrike" spc="-1">
               <a:solidFill>
                 <a:srgbClr val="000000"/>
               </a:solidFill>
               <a:uFill>
                 <a:solidFill>
-                  <a:srgbClr val="ffffff"/>
+                  <a:srgbClr val="FFFFFF"/>
                 </a:solidFill>
               </a:uFill>
               <a:latin typeface="Arial"/>
@@ -1314,11 +1469,14 @@
       </p:sp>
     </p:spTree>
   </p:cSld>
+  <p:clrMapOvr>
+    <a:masterClrMapping/>
+  </p:clrMapOvr>
 </p:sldLayout>
 </file>
 
 <file path=ppt/slideLayouts/slideLayout9.xml><?xml version="1.0" encoding="utf-8"?>
-<p:sldLayout xmlns:a="http://schemas.openxmlformats.org/drawingml/2006/main" xmlns:p="http://schemas.openxmlformats.org/presentationml/2006/main" xmlns:r="http://schemas.openxmlformats.org/officeDocument/2006/relationships" xmlns:p14="http://schemas.microsoft.com/office/powerpoint/2010/main" xmlns:p15="http://schemas.microsoft.com/office/powerpoint/2012/main" xmlns:mc="http://schemas.openxmlformats.org/markup-compatibility/2006" type="twoObjOverTx" preserve="1">
+<p:sldLayout xmlns:a="http://schemas.openxmlformats.org/drawingml/2006/main" xmlns:r="http://schemas.openxmlformats.org/officeDocument/2006/relationships" xmlns:p="http://schemas.openxmlformats.org/presentationml/2006/main" type="twoObjOverTx" preserve="1">
   <p:cSld name="Title, 2 Content over Content">
     <p:spTree>
       <p:nvGrpSpPr>
@@ -1354,15 +1512,16 @@
           </a:prstGeom>
         </p:spPr>
         <p:txBody>
-          <a:bodyPr lIns="0" rIns="0" tIns="0" bIns="0" anchor="ctr"/>
-          <a:p>
-            <a:endParaRPr b="0" lang="en-US" sz="1800" spc="-1" strike="noStrike">
+          <a:bodyPr lIns="0" tIns="0" rIns="0" bIns="0" anchor="ctr"/>
+          <a:lstStyle/>
+          <a:p>
+            <a:endParaRPr lang="en-US" sz="1800" b="0" strike="noStrike" spc="-1">
               <a:solidFill>
                 <a:srgbClr val="000000"/>
               </a:solidFill>
               <a:uFill>
                 <a:solidFill>
-                  <a:srgbClr val="ffffff"/>
+                  <a:srgbClr val="FFFFFF"/>
                 </a:solidFill>
               </a:uFill>
               <a:latin typeface="Arial"/>
@@ -1390,15 +1549,16 @@
           </a:prstGeom>
         </p:spPr>
         <p:txBody>
-          <a:bodyPr lIns="0" rIns="0" tIns="0" bIns="0"/>
-          <a:p>
-            <a:endParaRPr b="0" lang="en-US" sz="2800" spc="-1" strike="noStrike">
+          <a:bodyPr lIns="0" tIns="0" rIns="0" bIns="0"/>
+          <a:lstStyle/>
+          <a:p>
+            <a:endParaRPr lang="en-US" sz="2800" b="0" strike="noStrike" spc="-1">
               <a:solidFill>
                 <a:srgbClr val="000000"/>
               </a:solidFill>
               <a:uFill>
                 <a:solidFill>
-                  <a:srgbClr val="ffffff"/>
+                  <a:srgbClr val="FFFFFF"/>
                 </a:solidFill>
               </a:uFill>
               <a:latin typeface="Arial"/>
@@ -1426,15 +1586,16 @@
           </a:prstGeom>
         </p:spPr>
         <p:txBody>
-          <a:bodyPr lIns="0" rIns="0" tIns="0" bIns="0"/>
-          <a:p>
-            <a:endParaRPr b="0" lang="en-US" sz="2800" spc="-1" strike="noStrike">
+          <a:bodyPr lIns="0" tIns="0" rIns="0" bIns="0"/>
+          <a:lstStyle/>
+          <a:p>
+            <a:endParaRPr lang="en-US" sz="2800" b="0" strike="noStrike" spc="-1">
               <a:solidFill>
                 <a:srgbClr val="000000"/>
               </a:solidFill>
               <a:uFill>
                 <a:solidFill>
-                  <a:srgbClr val="ffffff"/>
+                  <a:srgbClr val="FFFFFF"/>
                 </a:solidFill>
               </a:uFill>
               <a:latin typeface="Arial"/>
@@ -1462,15 +1623,16 @@
           </a:prstGeom>
         </p:spPr>
         <p:txBody>
-          <a:bodyPr lIns="0" rIns="0" tIns="0" bIns="0"/>
-          <a:p>
-            <a:endParaRPr b="0" lang="en-US" sz="2800" spc="-1" strike="noStrike">
+          <a:bodyPr lIns="0" tIns="0" rIns="0" bIns="0"/>
+          <a:lstStyle/>
+          <a:p>
+            <a:endParaRPr lang="en-US" sz="2800" b="0" strike="noStrike" spc="-1">
               <a:solidFill>
                 <a:srgbClr val="000000"/>
               </a:solidFill>
               <a:uFill>
                 <a:solidFill>
-                  <a:srgbClr val="ffffff"/>
+                  <a:srgbClr val="FFFFFF"/>
                 </a:solidFill>
               </a:uFill>
               <a:latin typeface="Arial"/>
@@ -1480,17 +1642,21 @@
       </p:sp>
     </p:spTree>
   </p:cSld>
+  <p:clrMapOvr>
+    <a:masterClrMapping/>
+  </p:clrMapOvr>
 </p:sldLayout>
 </file>
 
 <file path=ppt/slideMasters/slideMaster1.xml><?xml version="1.0" encoding="utf-8"?>
-<p:sldMaster xmlns:a="http://schemas.openxmlformats.org/drawingml/2006/main" xmlns:p="http://schemas.openxmlformats.org/presentationml/2006/main" xmlns:r="http://schemas.openxmlformats.org/officeDocument/2006/relationships" xmlns:p14="http://schemas.microsoft.com/office/powerpoint/2010/main" xmlns:p15="http://schemas.microsoft.com/office/powerpoint/2012/main" xmlns:mc="http://schemas.openxmlformats.org/markup-compatibility/2006">
+<p:sldMaster xmlns:a="http://schemas.openxmlformats.org/drawingml/2006/main" xmlns:r="http://schemas.openxmlformats.org/officeDocument/2006/relationships" xmlns:p="http://schemas.openxmlformats.org/presentationml/2006/main">
   <p:cSld>
     <p:bg>
       <p:bgPr>
         <a:solidFill>
-          <a:srgbClr val="ffffff"/>
+          <a:srgbClr val="FFFFFF"/>
         </a:solidFill>
+        <a:effectLst/>
       </p:bgPr>
     </p:bg>
     <p:spTree>
@@ -1509,7 +1675,7 @@
       </p:grpSpPr>
       <p:sp>
         <p:nvSpPr>
-          <p:cNvPr id="0" name="PlaceHolder 1"/>
+          <p:cNvPr id="2" name="PlaceHolder 1"/>
           <p:cNvSpPr>
             <a:spLocks noGrp="1"/>
           </p:cNvSpPr>
@@ -1527,39 +1693,29 @@
           </a:prstGeom>
         </p:spPr>
         <p:txBody>
-          <a:bodyPr lIns="0" rIns="0" tIns="0" bIns="0" anchor="ctr"/>
-          <a:p>
-            <a:r>
-              <a:rPr b="0" lang="en-US" sz="1800" spc="-1" strike="noStrike">
+          <a:bodyPr lIns="0" tIns="0" rIns="0" bIns="0" anchor="ctr"/>
+          <a:lstStyle/>
+          <a:p>
+            <a:r>
+              <a:rPr lang="en-US" sz="1800" b="0" strike="noStrike" spc="-1">
                 <a:solidFill>
                   <a:srgbClr val="000000"/>
                 </a:solidFill>
                 <a:uFill>
                   <a:solidFill>
-                    <a:srgbClr val="ffffff"/>
+                    <a:srgbClr val="FFFFFF"/>
                   </a:solidFill>
                 </a:uFill>
                 <a:latin typeface="Arial"/>
               </a:rPr>
               <a:t>Click to edit the title text format</a:t>
             </a:r>
-            <a:endParaRPr b="0" lang="en-US" sz="1800" spc="-1" strike="noStrike">
-              <a:solidFill>
-                <a:srgbClr val="000000"/>
-              </a:solidFill>
-              <a:uFill>
-                <a:solidFill>
-                  <a:srgbClr val="ffffff"/>
-                </a:solidFill>
-              </a:uFill>
-              <a:latin typeface="Arial"/>
-            </a:endParaRPr>
           </a:p>
         </p:txBody>
       </p:sp>
       <p:sp>
         <p:nvSpPr>
-          <p:cNvPr id="1" name="PlaceHolder 2"/>
+          <p:cNvPr id="3" name="PlaceHolder 2"/>
           <p:cNvSpPr>
             <a:spLocks noGrp="1"/>
           </p:cNvSpPr>
@@ -1577,7 +1733,8 @@
           </a:prstGeom>
         </p:spPr>
         <p:txBody>
-          <a:bodyPr lIns="0" rIns="0" tIns="0" bIns="0"/>
+          <a:bodyPr lIns="0" tIns="0" rIns="0" bIns="0"/>
+          <a:lstStyle/>
           <a:p>
             <a:pPr marL="432000" indent="-324000">
               <a:buClr>
@@ -1588,33 +1745,22 @@
               <a:buChar char=""/>
             </a:pPr>
             <a:r>
-              <a:rPr b="0" lang="en-US" sz="2800" spc="-1" strike="noStrike">
+              <a:rPr lang="en-US" sz="2800" b="0" strike="noStrike" spc="-1">
                 <a:solidFill>
                   <a:srgbClr val="000000"/>
                 </a:solidFill>
                 <a:uFill>
                   <a:solidFill>
-                    <a:srgbClr val="ffffff"/>
+                    <a:srgbClr val="FFFFFF"/>
                   </a:solidFill>
                 </a:uFill>
                 <a:latin typeface="Arial"/>
               </a:rPr>
               <a:t>Click to edit the outline text format</a:t>
             </a:r>
-            <a:endParaRPr b="0" lang="en-US" sz="2800" spc="-1" strike="noStrike">
-              <a:solidFill>
-                <a:srgbClr val="000000"/>
-              </a:solidFill>
-              <a:uFill>
-                <a:solidFill>
-                  <a:srgbClr val="ffffff"/>
-                </a:solidFill>
-              </a:uFill>
-              <a:latin typeface="Arial"/>
-            </a:endParaRPr>
-          </a:p>
-          <a:p>
-            <a:pPr lvl="1" marL="864000" indent="-324000">
+          </a:p>
+          <a:p>
+            <a:pPr marL="864000" lvl="1" indent="-324000">
               <a:buClr>
                 <a:srgbClr val="000000"/>
               </a:buClr>
@@ -1623,33 +1769,22 @@
               <a:buChar char=""/>
             </a:pPr>
             <a:r>
-              <a:rPr b="0" lang="en-US" sz="2000" spc="-1" strike="noStrike">
+              <a:rPr lang="en-US" sz="2000" b="0" strike="noStrike" spc="-1">
                 <a:solidFill>
                   <a:srgbClr val="000000"/>
                 </a:solidFill>
                 <a:uFill>
                   <a:solidFill>
-                    <a:srgbClr val="ffffff"/>
+                    <a:srgbClr val="FFFFFF"/>
                   </a:solidFill>
                 </a:uFill>
                 <a:latin typeface="Arial"/>
               </a:rPr>
               <a:t>Second Outline Level</a:t>
             </a:r>
-            <a:endParaRPr b="0" lang="en-US" sz="2000" spc="-1" strike="noStrike">
-              <a:solidFill>
-                <a:srgbClr val="000000"/>
-              </a:solidFill>
-              <a:uFill>
-                <a:solidFill>
-                  <a:srgbClr val="ffffff"/>
-                </a:solidFill>
-              </a:uFill>
-              <a:latin typeface="Arial"/>
-            </a:endParaRPr>
-          </a:p>
-          <a:p>
-            <a:pPr lvl="2" marL="1296000" indent="-288000">
+          </a:p>
+          <a:p>
+            <a:pPr marL="1296000" lvl="2" indent="-288000">
               <a:buClr>
                 <a:srgbClr val="000000"/>
               </a:buClr>
@@ -1658,33 +1793,22 @@
               <a:buChar char=""/>
             </a:pPr>
             <a:r>
-              <a:rPr b="0" lang="en-US" sz="1800" spc="-1" strike="noStrike">
+              <a:rPr lang="en-US" sz="1800" b="0" strike="noStrike" spc="-1">
                 <a:solidFill>
                   <a:srgbClr val="000000"/>
                 </a:solidFill>
                 <a:uFill>
                   <a:solidFill>
-                    <a:srgbClr val="ffffff"/>
+                    <a:srgbClr val="FFFFFF"/>
                   </a:solidFill>
                 </a:uFill>
                 <a:latin typeface="Arial"/>
               </a:rPr>
               <a:t>Third Outline Level</a:t>
             </a:r>
-            <a:endParaRPr b="0" lang="en-US" sz="1800" spc="-1" strike="noStrike">
-              <a:solidFill>
-                <a:srgbClr val="000000"/>
-              </a:solidFill>
-              <a:uFill>
-                <a:solidFill>
-                  <a:srgbClr val="ffffff"/>
-                </a:solidFill>
-              </a:uFill>
-              <a:latin typeface="Arial"/>
-            </a:endParaRPr>
-          </a:p>
-          <a:p>
-            <a:pPr lvl="3" marL="1728000" indent="-216000">
+          </a:p>
+          <a:p>
+            <a:pPr marL="1728000" lvl="3" indent="-216000">
               <a:buClr>
                 <a:srgbClr val="000000"/>
               </a:buClr>
@@ -1693,33 +1817,22 @@
               <a:buChar char=""/>
             </a:pPr>
             <a:r>
-              <a:rPr b="0" lang="en-US" sz="1800" spc="-1" strike="noStrike">
+              <a:rPr lang="en-US" sz="1800" b="0" strike="noStrike" spc="-1">
                 <a:solidFill>
                   <a:srgbClr val="000000"/>
                 </a:solidFill>
                 <a:uFill>
                   <a:solidFill>
-                    <a:srgbClr val="ffffff"/>
+                    <a:srgbClr val="FFFFFF"/>
                   </a:solidFill>
                 </a:uFill>
                 <a:latin typeface="Arial"/>
               </a:rPr>
               <a:t>Fourth Outline Level</a:t>
             </a:r>
-            <a:endParaRPr b="0" lang="en-US" sz="1800" spc="-1" strike="noStrike">
-              <a:solidFill>
-                <a:srgbClr val="000000"/>
-              </a:solidFill>
-              <a:uFill>
-                <a:solidFill>
-                  <a:srgbClr val="ffffff"/>
-                </a:solidFill>
-              </a:uFill>
-              <a:latin typeface="Arial"/>
-            </a:endParaRPr>
-          </a:p>
-          <a:p>
-            <a:pPr lvl="4" marL="2160000" indent="-216000">
+          </a:p>
+          <a:p>
+            <a:pPr marL="2160000" lvl="4" indent="-216000">
               <a:buClr>
                 <a:srgbClr val="000000"/>
               </a:buClr>
@@ -1728,33 +1841,22 @@
               <a:buChar char=""/>
             </a:pPr>
             <a:r>
-              <a:rPr b="0" lang="en-US" sz="2000" spc="-1" strike="noStrike">
+              <a:rPr lang="en-US" sz="2000" b="0" strike="noStrike" spc="-1">
                 <a:solidFill>
                   <a:srgbClr val="000000"/>
                 </a:solidFill>
                 <a:uFill>
                   <a:solidFill>
-                    <a:srgbClr val="ffffff"/>
+                    <a:srgbClr val="FFFFFF"/>
                   </a:solidFill>
                 </a:uFill>
                 <a:latin typeface="Arial"/>
               </a:rPr>
               <a:t>Fifth Outline Level</a:t>
             </a:r>
-            <a:endParaRPr b="0" lang="en-US" sz="2000" spc="-1" strike="noStrike">
-              <a:solidFill>
-                <a:srgbClr val="000000"/>
-              </a:solidFill>
-              <a:uFill>
-                <a:solidFill>
-                  <a:srgbClr val="ffffff"/>
-                </a:solidFill>
-              </a:uFill>
-              <a:latin typeface="Arial"/>
-            </a:endParaRPr>
-          </a:p>
-          <a:p>
-            <a:pPr lvl="5" marL="2592000" indent="-216000">
+          </a:p>
+          <a:p>
+            <a:pPr marL="2592000" lvl="5" indent="-216000">
               <a:buClr>
                 <a:srgbClr val="000000"/>
               </a:buClr>
@@ -1763,33 +1865,22 @@
               <a:buChar char=""/>
             </a:pPr>
             <a:r>
-              <a:rPr b="0" lang="en-US" sz="2000" spc="-1" strike="noStrike">
+              <a:rPr lang="en-US" sz="2000" b="0" strike="noStrike" spc="-1">
                 <a:solidFill>
                   <a:srgbClr val="000000"/>
                 </a:solidFill>
                 <a:uFill>
                   <a:solidFill>
-                    <a:srgbClr val="ffffff"/>
+                    <a:srgbClr val="FFFFFF"/>
                   </a:solidFill>
                 </a:uFill>
                 <a:latin typeface="Arial"/>
               </a:rPr>
               <a:t>Sixth Outline Level</a:t>
             </a:r>
-            <a:endParaRPr b="0" lang="en-US" sz="2000" spc="-1" strike="noStrike">
-              <a:solidFill>
-                <a:srgbClr val="000000"/>
-              </a:solidFill>
-              <a:uFill>
-                <a:solidFill>
-                  <a:srgbClr val="ffffff"/>
-                </a:solidFill>
-              </a:uFill>
-              <a:latin typeface="Arial"/>
-            </a:endParaRPr>
-          </a:p>
-          <a:p>
-            <a:pPr lvl="6" marL="3024000" indent="-216000">
+          </a:p>
+          <a:p>
+            <a:pPr marL="3024000" lvl="6" indent="-216000">
               <a:buClr>
                 <a:srgbClr val="000000"/>
               </a:buClr>
@@ -1798,55 +1889,324 @@
               <a:buChar char=""/>
             </a:pPr>
             <a:r>
-              <a:rPr b="0" lang="en-US" sz="2000" spc="-1" strike="noStrike">
+              <a:rPr lang="en-US" sz="2000" b="0" strike="noStrike" spc="-1">
                 <a:solidFill>
                   <a:srgbClr val="000000"/>
                 </a:solidFill>
                 <a:uFill>
                   <a:solidFill>
-                    <a:srgbClr val="ffffff"/>
+                    <a:srgbClr val="FFFFFF"/>
                   </a:solidFill>
                 </a:uFill>
                 <a:latin typeface="Arial"/>
               </a:rPr>
               <a:t>Seventh Outline Level</a:t>
             </a:r>
-            <a:endParaRPr b="0" lang="en-US" sz="2000" spc="-1" strike="noStrike">
-              <a:solidFill>
-                <a:srgbClr val="000000"/>
-              </a:solidFill>
-              <a:uFill>
-                <a:solidFill>
-                  <a:srgbClr val="ffffff"/>
-                </a:solidFill>
-              </a:uFill>
-              <a:latin typeface="Arial"/>
-            </a:endParaRPr>
           </a:p>
         </p:txBody>
       </p:sp>
     </p:spTree>
   </p:cSld>
-  <p:clrMap bg1="lt1" bg2="lt2" tx1="dk1" tx2="dk2" accent1="accent1" accent2="accent2" accent3="accent3" accent4="accent4" accent5="accent5" accent6="accent6" hlink="hlink" folHlink="folHlink"/>
+  <p:clrMap bg1="lt1" tx1="dk1" bg2="lt2" tx2="dk2" accent1="accent1" accent2="accent2" accent3="accent3" accent4="accent4" accent5="accent5" accent6="accent6" hlink="hlink" folHlink="folHlink"/>
   <p:sldLayoutIdLst>
-    <p:sldLayoutId id="2147483649" r:id="rId2"/>
-    <p:sldLayoutId id="2147483650" r:id="rId3"/>
-    <p:sldLayoutId id="2147483651" r:id="rId4"/>
-    <p:sldLayoutId id="2147483652" r:id="rId5"/>
-    <p:sldLayoutId id="2147483653" r:id="rId6"/>
-    <p:sldLayoutId id="2147483654" r:id="rId7"/>
-    <p:sldLayoutId id="2147483655" r:id="rId8"/>
-    <p:sldLayoutId id="2147483656" r:id="rId9"/>
-    <p:sldLayoutId id="2147483657" r:id="rId10"/>
-    <p:sldLayoutId id="2147483658" r:id="rId11"/>
-    <p:sldLayoutId id="2147483659" r:id="rId12"/>
-    <p:sldLayoutId id="2147483660" r:id="rId13"/>
+    <p:sldLayoutId id="2147483649" r:id="rId1"/>
+    <p:sldLayoutId id="2147483650" r:id="rId2"/>
+    <p:sldLayoutId id="2147483651" r:id="rId3"/>
+    <p:sldLayoutId id="2147483652" r:id="rId4"/>
+    <p:sldLayoutId id="2147483653" r:id="rId5"/>
+    <p:sldLayoutId id="2147483654" r:id="rId6"/>
+    <p:sldLayoutId id="2147483655" r:id="rId7"/>
+    <p:sldLayoutId id="2147483656" r:id="rId8"/>
+    <p:sldLayoutId id="2147483657" r:id="rId9"/>
+    <p:sldLayoutId id="2147483658" r:id="rId10"/>
+    <p:sldLayoutId id="2147483659" r:id="rId11"/>
+    <p:sldLayoutId id="2147483660" r:id="rId12"/>
   </p:sldLayoutIdLst>
+  <p:txStyles>
+    <p:titleStyle>
+      <a:lvl1pPr algn="l" defTabSz="914400" rtl="0" eaLnBrk="1" latinLnBrk="0" hangingPunct="1">
+        <a:lnSpc>
+          <a:spcPct val="90000"/>
+        </a:lnSpc>
+        <a:spcBef>
+          <a:spcPct val="0"/>
+        </a:spcBef>
+        <a:buNone/>
+        <a:defRPr sz="4400" kern="1200">
+          <a:solidFill>
+            <a:schemeClr val="tx1"/>
+          </a:solidFill>
+          <a:latin typeface="+mj-lt"/>
+          <a:ea typeface="+mj-ea"/>
+          <a:cs typeface="+mj-cs"/>
+        </a:defRPr>
+      </a:lvl1pPr>
+    </p:titleStyle>
+    <p:bodyStyle>
+      <a:lvl1pPr marL="228600" indent="-228600" algn="l" defTabSz="914400" rtl="0" eaLnBrk="1" latinLnBrk="0" hangingPunct="1">
+        <a:lnSpc>
+          <a:spcPct val="90000"/>
+        </a:lnSpc>
+        <a:spcBef>
+          <a:spcPts val="1000"/>
+        </a:spcBef>
+        <a:buFont typeface="Arial" panose="020B0604020202020204" pitchFamily="34" charset="0"/>
+        <a:buChar char="•"/>
+        <a:defRPr sz="2800" kern="1200">
+          <a:solidFill>
+            <a:schemeClr val="tx1"/>
+          </a:solidFill>
+          <a:latin typeface="+mn-lt"/>
+          <a:ea typeface="+mn-ea"/>
+          <a:cs typeface="+mn-cs"/>
+        </a:defRPr>
+      </a:lvl1pPr>
+      <a:lvl2pPr marL="685800" indent="-228600" algn="l" defTabSz="914400" rtl="0" eaLnBrk="1" latinLnBrk="0" hangingPunct="1">
+        <a:lnSpc>
+          <a:spcPct val="90000"/>
+        </a:lnSpc>
+        <a:spcBef>
+          <a:spcPts val="500"/>
+        </a:spcBef>
+        <a:buFont typeface="Arial" panose="020B0604020202020204" pitchFamily="34" charset="0"/>
+        <a:buChar char="•"/>
+        <a:defRPr sz="2400" kern="1200">
+          <a:solidFill>
+            <a:schemeClr val="tx1"/>
+          </a:solidFill>
+          <a:latin typeface="+mn-lt"/>
+          <a:ea typeface="+mn-ea"/>
+          <a:cs typeface="+mn-cs"/>
+        </a:defRPr>
+      </a:lvl2pPr>
+      <a:lvl3pPr marL="1143000" indent="-228600" algn="l" defTabSz="914400" rtl="0" eaLnBrk="1" latinLnBrk="0" hangingPunct="1">
+        <a:lnSpc>
+          <a:spcPct val="90000"/>
+        </a:lnSpc>
+        <a:spcBef>
+          <a:spcPts val="500"/>
+        </a:spcBef>
+        <a:buFont typeface="Arial" panose="020B0604020202020204" pitchFamily="34" charset="0"/>
+        <a:buChar char="•"/>
+        <a:defRPr sz="2000" kern="1200">
+          <a:solidFill>
+            <a:schemeClr val="tx1"/>
+          </a:solidFill>
+          <a:latin typeface="+mn-lt"/>
+          <a:ea typeface="+mn-ea"/>
+          <a:cs typeface="+mn-cs"/>
+        </a:defRPr>
+      </a:lvl3pPr>
+      <a:lvl4pPr marL="1600200" indent="-228600" algn="l" defTabSz="914400" rtl="0" eaLnBrk="1" latinLnBrk="0" hangingPunct="1">
+        <a:lnSpc>
+          <a:spcPct val="90000"/>
+        </a:lnSpc>
+        <a:spcBef>
+          <a:spcPts val="500"/>
+        </a:spcBef>
+        <a:buFont typeface="Arial" panose="020B0604020202020204" pitchFamily="34" charset="0"/>
+        <a:buChar char="•"/>
+        <a:defRPr sz="1800" kern="1200">
+          <a:solidFill>
+            <a:schemeClr val="tx1"/>
+          </a:solidFill>
+          <a:latin typeface="+mn-lt"/>
+          <a:ea typeface="+mn-ea"/>
+          <a:cs typeface="+mn-cs"/>
+        </a:defRPr>
+      </a:lvl4pPr>
+      <a:lvl5pPr marL="2057400" indent="-228600" algn="l" defTabSz="914400" rtl="0" eaLnBrk="1" latinLnBrk="0" hangingPunct="1">
+        <a:lnSpc>
+          <a:spcPct val="90000"/>
+        </a:lnSpc>
+        <a:spcBef>
+          <a:spcPts val="500"/>
+        </a:spcBef>
+        <a:buFont typeface="Arial" panose="020B0604020202020204" pitchFamily="34" charset="0"/>
+        <a:buChar char="•"/>
+        <a:defRPr sz="1800" kern="1200">
+          <a:solidFill>
+            <a:schemeClr val="tx1"/>
+          </a:solidFill>
+          <a:latin typeface="+mn-lt"/>
+          <a:ea typeface="+mn-ea"/>
+          <a:cs typeface="+mn-cs"/>
+        </a:defRPr>
+      </a:lvl5pPr>
+      <a:lvl6pPr marL="2514600" indent="-228600" algn="l" defTabSz="914400" rtl="0" eaLnBrk="1" latinLnBrk="0" hangingPunct="1">
+        <a:lnSpc>
+          <a:spcPct val="90000"/>
+        </a:lnSpc>
+        <a:spcBef>
+          <a:spcPts val="500"/>
+        </a:spcBef>
+        <a:buFont typeface="Arial" panose="020B0604020202020204" pitchFamily="34" charset="0"/>
+        <a:buChar char="•"/>
+        <a:defRPr sz="1800" kern="1200">
+          <a:solidFill>
+            <a:schemeClr val="tx1"/>
+          </a:solidFill>
+          <a:latin typeface="+mn-lt"/>
+          <a:ea typeface="+mn-ea"/>
+          <a:cs typeface="+mn-cs"/>
+        </a:defRPr>
+      </a:lvl6pPr>
+      <a:lvl7pPr marL="2971800" indent="-228600" algn="l" defTabSz="914400" rtl="0" eaLnBrk="1" latinLnBrk="0" hangingPunct="1">
+        <a:lnSpc>
+          <a:spcPct val="90000"/>
+        </a:lnSpc>
+        <a:spcBef>
+          <a:spcPts val="500"/>
+        </a:spcBef>
+        <a:buFont typeface="Arial" panose="020B0604020202020204" pitchFamily="34" charset="0"/>
+        <a:buChar char="•"/>
+        <a:defRPr sz="1800" kern="1200">
+          <a:solidFill>
+            <a:schemeClr val="tx1"/>
+          </a:solidFill>
+          <a:latin typeface="+mn-lt"/>
+          <a:ea typeface="+mn-ea"/>
+          <a:cs typeface="+mn-cs"/>
+        </a:defRPr>
+      </a:lvl7pPr>
+      <a:lvl8pPr marL="3429000" indent="-228600" algn="l" defTabSz="914400" rtl="0" eaLnBrk="1" latinLnBrk="0" hangingPunct="1">
+        <a:lnSpc>
+          <a:spcPct val="90000"/>
+        </a:lnSpc>
+        <a:spcBef>
+          <a:spcPts val="500"/>
+        </a:spcBef>
+        <a:buFont typeface="Arial" panose="020B0604020202020204" pitchFamily="34" charset="0"/>
+        <a:buChar char="•"/>
+        <a:defRPr sz="1800" kern="1200">
+          <a:solidFill>
+            <a:schemeClr val="tx1"/>
+          </a:solidFill>
+          <a:latin typeface="+mn-lt"/>
+          <a:ea typeface="+mn-ea"/>
+          <a:cs typeface="+mn-cs"/>
+        </a:defRPr>
+      </a:lvl8pPr>
+      <a:lvl9pPr marL="3886200" indent="-228600" algn="l" defTabSz="914400" rtl="0" eaLnBrk="1" latinLnBrk="0" hangingPunct="1">
+        <a:lnSpc>
+          <a:spcPct val="90000"/>
+        </a:lnSpc>
+        <a:spcBef>
+          <a:spcPts val="500"/>
+        </a:spcBef>
+        <a:buFont typeface="Arial" panose="020B0604020202020204" pitchFamily="34" charset="0"/>
+        <a:buChar char="•"/>
+        <a:defRPr sz="1800" kern="1200">
+          <a:solidFill>
+            <a:schemeClr val="tx1"/>
+          </a:solidFill>
+          <a:latin typeface="+mn-lt"/>
+          <a:ea typeface="+mn-ea"/>
+          <a:cs typeface="+mn-cs"/>
+        </a:defRPr>
+      </a:lvl9pPr>
+    </p:bodyStyle>
+    <p:otherStyle>
+      <a:defPPr>
+        <a:defRPr lang="en-US"/>
+      </a:defPPr>
+      <a:lvl1pPr marL="0" algn="l" defTabSz="914400" rtl="0" eaLnBrk="1" latinLnBrk="0" hangingPunct="1">
+        <a:defRPr sz="1800" kern="1200">
+          <a:solidFill>
+            <a:schemeClr val="tx1"/>
+          </a:solidFill>
+          <a:latin typeface="+mn-lt"/>
+          <a:ea typeface="+mn-ea"/>
+          <a:cs typeface="+mn-cs"/>
+        </a:defRPr>
+      </a:lvl1pPr>
+      <a:lvl2pPr marL="457200" algn="l" defTabSz="914400" rtl="0" eaLnBrk="1" latinLnBrk="0" hangingPunct="1">
+        <a:defRPr sz="1800" kern="1200">
+          <a:solidFill>
+            <a:schemeClr val="tx1"/>
+          </a:solidFill>
+          <a:latin typeface="+mn-lt"/>
+          <a:ea typeface="+mn-ea"/>
+          <a:cs typeface="+mn-cs"/>
+        </a:defRPr>
+      </a:lvl2pPr>
+      <a:lvl3pPr marL="914400" algn="l" defTabSz="914400" rtl="0" eaLnBrk="1" latinLnBrk="0" hangingPunct="1">
+        <a:defRPr sz="1800" kern="1200">
+          <a:solidFill>
+            <a:schemeClr val="tx1"/>
+          </a:solidFill>
+          <a:latin typeface="+mn-lt"/>
+          <a:ea typeface="+mn-ea"/>
+          <a:cs typeface="+mn-cs"/>
+        </a:defRPr>
+      </a:lvl3pPr>
+      <a:lvl4pPr marL="1371600" algn="l" defTabSz="914400" rtl="0" eaLnBrk="1" latinLnBrk="0" hangingPunct="1">
+        <a:defRPr sz="1800" kern="1200">
+          <a:solidFill>
+            <a:schemeClr val="tx1"/>
+          </a:solidFill>
+          <a:latin typeface="+mn-lt"/>
+          <a:ea typeface="+mn-ea"/>
+          <a:cs typeface="+mn-cs"/>
+        </a:defRPr>
+      </a:lvl4pPr>
+      <a:lvl5pPr marL="1828800" algn="l" defTabSz="914400" rtl="0" eaLnBrk="1" latinLnBrk="0" hangingPunct="1">
+        <a:defRPr sz="1800" kern="1200">
+          <a:solidFill>
+            <a:schemeClr val="tx1"/>
+          </a:solidFill>
+          <a:latin typeface="+mn-lt"/>
+          <a:ea typeface="+mn-ea"/>
+          <a:cs typeface="+mn-cs"/>
+        </a:defRPr>
+      </a:lvl5pPr>
+      <a:lvl6pPr marL="2286000" algn="l" defTabSz="914400" rtl="0" eaLnBrk="1" latinLnBrk="0" hangingPunct="1">
+        <a:defRPr sz="1800" kern="1200">
+          <a:solidFill>
+            <a:schemeClr val="tx1"/>
+          </a:solidFill>
+          <a:latin typeface="+mn-lt"/>
+          <a:ea typeface="+mn-ea"/>
+          <a:cs typeface="+mn-cs"/>
+        </a:defRPr>
+      </a:lvl6pPr>
+      <a:lvl7pPr marL="2743200" algn="l" defTabSz="914400" rtl="0" eaLnBrk="1" latinLnBrk="0" hangingPunct="1">
+        <a:defRPr sz="1800" kern="1200">
+          <a:solidFill>
+            <a:schemeClr val="tx1"/>
+          </a:solidFill>
+          <a:latin typeface="+mn-lt"/>
+          <a:ea typeface="+mn-ea"/>
+          <a:cs typeface="+mn-cs"/>
+        </a:defRPr>
+      </a:lvl7pPr>
+      <a:lvl8pPr marL="3200400" algn="l" defTabSz="914400" rtl="0" eaLnBrk="1" latinLnBrk="0" hangingPunct="1">
+        <a:defRPr sz="1800" kern="1200">
+          <a:solidFill>
+            <a:schemeClr val="tx1"/>
+          </a:solidFill>
+          <a:latin typeface="+mn-lt"/>
+          <a:ea typeface="+mn-ea"/>
+          <a:cs typeface="+mn-cs"/>
+        </a:defRPr>
+      </a:lvl8pPr>
+      <a:lvl9pPr marL="3657600" algn="l" defTabSz="914400" rtl="0" eaLnBrk="1" latinLnBrk="0" hangingPunct="1">
+        <a:defRPr sz="1800" kern="1200">
+          <a:solidFill>
+            <a:schemeClr val="tx1"/>
+          </a:solidFill>
+          <a:latin typeface="+mn-lt"/>
+          <a:ea typeface="+mn-ea"/>
+          <a:cs typeface="+mn-cs"/>
+        </a:defRPr>
+      </a:lvl9pPr>
+    </p:otherStyle>
+  </p:txStyles>
 </p:sldMaster>
 </file>
 
 <file path=ppt/slides/slide1.xml><?xml version="1.0" encoding="utf-8"?>
-<p:sld xmlns:a="http://schemas.openxmlformats.org/drawingml/2006/main" xmlns:p="http://schemas.openxmlformats.org/presentationml/2006/main" xmlns:r="http://schemas.openxmlformats.org/officeDocument/2006/relationships" xmlns:p14="http://schemas.microsoft.com/office/powerpoint/2010/main" xmlns:p15="http://schemas.microsoft.com/office/powerpoint/2012/main" xmlns:mc="http://schemas.openxmlformats.org/markup-compatibility/2006">
+<p:sld xmlns:a="http://schemas.openxmlformats.org/drawingml/2006/main" xmlns:r="http://schemas.openxmlformats.org/officeDocument/2006/relationships" xmlns:p="http://schemas.openxmlformats.org/presentationml/2006/main">
   <p:cSld>
     <p:spTree>
       <p:nvGrpSpPr>
@@ -1877,7 +2237,7 @@
             <a:avLst/>
           </a:prstGeom>
           <a:solidFill>
-            <a:srgbClr val="4f5b93"/>
+            <a:srgbClr val="4F5B93"/>
           </a:solidFill>
           <a:ln>
             <a:noFill/>
@@ -1952,13 +2312,20 @@
           </a:ln>
         </p:spPr>
         <p:style>
-          <a:lnRef idx="0"/>
-          <a:fillRef idx="0"/>
-          <a:effectRef idx="0"/>
+          <a:lnRef idx="0">
+            <a:scrgbClr r="0" g="0" b="0"/>
+          </a:lnRef>
+          <a:fillRef idx="0">
+            <a:scrgbClr r="0" g="0" b="0"/>
+          </a:fillRef>
+          <a:effectRef idx="0">
+            <a:scrgbClr r="0" g="0" b="0"/>
+          </a:effectRef>
           <a:fontRef idx="minor"/>
         </p:style>
         <p:txBody>
-          <a:bodyPr wrap="none" lIns="90000" rIns="90000" tIns="45000" bIns="45000"/>
+          <a:bodyPr wrap="none" lIns="90000" tIns="45000" rIns="90000" bIns="45000"/>
+          <a:lstStyle/>
           <a:p>
             <a:pPr algn="ctr">
               <a:lnSpc>
@@ -1966,13 +2333,13 @@
               </a:lnSpc>
             </a:pPr>
             <a:r>
-              <a:rPr b="0" lang="en-US" sz="4800" spc="-1" strike="noStrike">
-                <a:solidFill>
-                  <a:srgbClr val="ffffff"/>
-                </a:solidFill>
-                <a:uFill>
-                  <a:solidFill>
-                    <a:srgbClr val="ffffff"/>
+              <a:rPr lang="en-US" sz="4800" b="0" strike="noStrike" spc="-1">
+                <a:solidFill>
+                  <a:srgbClr val="FFFFFF"/>
+                </a:solidFill>
+                <a:uFill>
+                  <a:solidFill>
+                    <a:srgbClr val="FFFFFF"/>
                   </a:solidFill>
                 </a:uFill>
                 <a:latin typeface="Lato Black"/>
@@ -1980,13 +2347,13 @@
               </a:rPr>
               <a:t>CSS</a:t>
             </a:r>
-            <a:endParaRPr b="0" lang="en-US" sz="1800" spc="-1" strike="noStrike">
+            <a:endParaRPr lang="en-US" sz="1800" b="0" strike="noStrike" spc="-1">
               <a:solidFill>
                 <a:srgbClr val="000000"/>
               </a:solidFill>
               <a:uFill>
                 <a:solidFill>
-                  <a:srgbClr val="ffffff"/>
+                  <a:srgbClr val="FFFFFF"/>
                 </a:solidFill>
               </a:uFill>
               <a:latin typeface="Arial"/>
@@ -1996,6 +2363,9 @@
       </p:sp>
     </p:spTree>
   </p:cSld>
+  <p:clrMapOvr>
+    <a:masterClrMapping/>
+  </p:clrMapOvr>
   <p:timing>
     <p:tnLst>
       <p:par>
@@ -2004,14 +2374,205 @@
             <p:seq>
               <p:cTn id="2" nodeType="mainSeq"/>
               <p:prevCondLst>
-                <p:cond delay="0" evt="onPrev">
+                <p:cond evt="onPrev" delay="0">
                   <p:tgtEl>
                     <p:sldTgt/>
                   </p:tgtEl>
                 </p:cond>
               </p:prevCondLst>
               <p:nextCondLst>
-                <p:cond delay="0" evt="onNext">
+                <p:cond evt="onNext" delay="0">
+                  <p:tgtEl>
+                    <p:sldTgt/>
+                  </p:tgtEl>
+                </p:cond>
+              </p:nextCondLst>
+            </p:seq>
+          </p:childTnLst>
+        </p:cTn>
+      </p:par>
+    </p:tnLst>
+  </p:timing>
+</p:sld>
+</file>
+
+<file path=ppt/slides/slide10.xml><?xml version="1.0" encoding="utf-8"?>
+<p:sld xmlns:a="http://schemas.openxmlformats.org/drawingml/2006/main" xmlns:r="http://schemas.openxmlformats.org/officeDocument/2006/relationships" xmlns:p="http://schemas.openxmlformats.org/presentationml/2006/main">
+  <p:cSld>
+    <p:spTree>
+      <p:nvGrpSpPr>
+        <p:cNvPr id="1" name=""/>
+        <p:cNvGrpSpPr/>
+        <p:nvPr/>
+      </p:nvGrpSpPr>
+      <p:grpSpPr>
+        <a:xfrm>
+          <a:off x="0" y="0"/>
+          <a:ext cx="0" cy="0"/>
+          <a:chOff x="0" y="0"/>
+          <a:chExt cx="0" cy="0"/>
+        </a:xfrm>
+      </p:grpSpPr>
+      <p:sp>
+        <p:nvSpPr>
+          <p:cNvPr id="69" name="CustomShape 1"/>
+          <p:cNvSpPr/>
+          <p:nvPr/>
+        </p:nvSpPr>
+        <p:spPr>
+          <a:xfrm>
+            <a:off x="1800" y="859680"/>
+            <a:ext cx="12191400" cy="5137920"/>
+          </a:xfrm>
+          <a:prstGeom prst="rect">
+            <a:avLst/>
+          </a:prstGeom>
+          <a:solidFill>
+            <a:srgbClr val="4F5B93"/>
+          </a:solidFill>
+          <a:ln>
+            <a:noFill/>
+          </a:ln>
+        </p:spPr>
+        <p:style>
+          <a:lnRef idx="2">
+            <a:schemeClr val="accent1">
+              <a:shade val="50000"/>
+            </a:schemeClr>
+          </a:lnRef>
+          <a:fillRef idx="1">
+            <a:schemeClr val="accent1"/>
+          </a:fillRef>
+          <a:effectRef idx="0">
+            <a:schemeClr val="accent1"/>
+          </a:effectRef>
+          <a:fontRef idx="minor"/>
+        </p:style>
+      </p:sp>
+      <p:sp>
+        <p:nvSpPr>
+          <p:cNvPr id="70" name="Line 2"/>
+          <p:cNvSpPr/>
+          <p:nvPr/>
+        </p:nvSpPr>
+        <p:spPr>
+          <a:xfrm>
+            <a:off x="0" y="4211280"/>
+            <a:ext cx="12191760" cy="360"/>
+          </a:xfrm>
+          <a:prstGeom prst="line">
+            <a:avLst/>
+          </a:prstGeom>
+          <a:ln>
+            <a:solidFill>
+              <a:schemeClr val="bg1"/>
+            </a:solidFill>
+            <a:round/>
+          </a:ln>
+        </p:spPr>
+        <p:style>
+          <a:lnRef idx="1">
+            <a:schemeClr val="accent1"/>
+          </a:lnRef>
+          <a:fillRef idx="0">
+            <a:schemeClr val="accent1"/>
+          </a:fillRef>
+          <a:effectRef idx="0">
+            <a:schemeClr val="accent1"/>
+          </a:effectRef>
+          <a:fontRef idx="minor"/>
+        </p:style>
+      </p:sp>
+      <p:sp>
+        <p:nvSpPr>
+          <p:cNvPr id="71" name="CustomShape 3"/>
+          <p:cNvSpPr/>
+          <p:nvPr/>
+        </p:nvSpPr>
+        <p:spPr>
+          <a:xfrm>
+            <a:off x="-1080" y="3013560"/>
+            <a:ext cx="12192480" cy="821160"/>
+          </a:xfrm>
+          <a:prstGeom prst="rect">
+            <a:avLst/>
+          </a:prstGeom>
+          <a:noFill/>
+          <a:ln>
+            <a:noFill/>
+          </a:ln>
+        </p:spPr>
+        <p:style>
+          <a:lnRef idx="0">
+            <a:scrgbClr r="0" g="0" b="0"/>
+          </a:lnRef>
+          <a:fillRef idx="0">
+            <a:scrgbClr r="0" g="0" b="0"/>
+          </a:fillRef>
+          <a:effectRef idx="0">
+            <a:scrgbClr r="0" g="0" b="0"/>
+          </a:effectRef>
+          <a:fontRef idx="minor"/>
+        </p:style>
+        <p:txBody>
+          <a:bodyPr wrap="none" lIns="90000" tIns="45000" rIns="90000" bIns="45000"/>
+          <a:lstStyle/>
+          <a:p>
+            <a:pPr algn="ctr">
+              <a:lnSpc>
+                <a:spcPct val="100000"/>
+              </a:lnSpc>
+            </a:pPr>
+            <a:r>
+              <a:rPr lang="en-US" sz="4800" b="0" strike="noStrike" spc="-1">
+                <a:solidFill>
+                  <a:srgbClr val="FFFFFF"/>
+                </a:solidFill>
+                <a:uFill>
+                  <a:solidFill>
+                    <a:srgbClr val="FFFFFF"/>
+                  </a:solidFill>
+                </a:uFill>
+                <a:latin typeface="Lato Black"/>
+                <a:ea typeface="Roboto Medium"/>
+              </a:rPr>
+              <a:t>TIME TO PRACTICE</a:t>
+            </a:r>
+            <a:endParaRPr lang="en-US" sz="1800" b="0" strike="noStrike" spc="-1">
+              <a:solidFill>
+                <a:srgbClr val="000000"/>
+              </a:solidFill>
+              <a:uFill>
+                <a:solidFill>
+                  <a:srgbClr val="FFFFFF"/>
+                </a:solidFill>
+              </a:uFill>
+              <a:latin typeface="Arial"/>
+            </a:endParaRPr>
+          </a:p>
+        </p:txBody>
+      </p:sp>
+    </p:spTree>
+  </p:cSld>
+  <p:clrMapOvr>
+    <a:masterClrMapping/>
+  </p:clrMapOvr>
+  <p:timing>
+    <p:tnLst>
+      <p:par>
+        <p:cTn id="1" dur="indefinite" restart="never" nodeType="tmRoot">
+          <p:childTnLst>
+            <p:seq>
+              <p:cTn id="2" nodeType="mainSeq"/>
+              <p:prevCondLst>
+                <p:cond evt="onPrev" delay="0">
+                  <p:tgtEl>
+                    <p:sldTgt/>
+                  </p:tgtEl>
+                </p:cond>
+              </p:prevCondLst>
+              <p:nextCondLst>
+                <p:cond evt="onNext" delay="0">
                   <p:tgtEl>
                     <p:sldTgt/>
                   </p:tgtEl>
@@ -2027,7 +2588,7 @@
 </file>
 
 <file path=ppt/slides/slide2.xml><?xml version="1.0" encoding="utf-8"?>
-<p:sld xmlns:a="http://schemas.openxmlformats.org/drawingml/2006/main" xmlns:p="http://schemas.openxmlformats.org/presentationml/2006/main" xmlns:r="http://schemas.openxmlformats.org/officeDocument/2006/relationships" xmlns:p14="http://schemas.microsoft.com/office/powerpoint/2010/main" xmlns:p15="http://schemas.microsoft.com/office/powerpoint/2012/main" xmlns:mc="http://schemas.openxmlformats.org/markup-compatibility/2006">
+<p:sld xmlns:a="http://schemas.openxmlformats.org/drawingml/2006/main" xmlns:r="http://schemas.openxmlformats.org/officeDocument/2006/relationships" xmlns:p="http://schemas.openxmlformats.org/presentationml/2006/main">
   <p:cSld>
     <p:spTree>
       <p:nvGrpSpPr>
@@ -2058,7 +2619,7 @@
             <a:avLst/>
           </a:prstGeom>
           <a:solidFill>
-            <a:srgbClr val="4f5b93"/>
+            <a:srgbClr val="4F5B93"/>
           </a:solidFill>
           <a:ln>
             <a:noFill/>
@@ -2099,13 +2660,20 @@
           </a:ln>
         </p:spPr>
         <p:style>
-          <a:lnRef idx="0"/>
-          <a:fillRef idx="0"/>
-          <a:effectRef idx="0"/>
+          <a:lnRef idx="0">
+            <a:scrgbClr r="0" g="0" b="0"/>
+          </a:lnRef>
+          <a:fillRef idx="0">
+            <a:scrgbClr r="0" g="0" b="0"/>
+          </a:fillRef>
+          <a:effectRef idx="0">
+            <a:scrgbClr r="0" g="0" b="0"/>
+          </a:effectRef>
           <a:fontRef idx="minor"/>
         </p:style>
         <p:txBody>
-          <a:bodyPr wrap="none" lIns="90000" rIns="90000" tIns="45000" bIns="45000"/>
+          <a:bodyPr wrap="none" lIns="90000" tIns="45000" rIns="90000" bIns="45000"/>
+          <a:lstStyle/>
           <a:p>
             <a:pPr>
               <a:lnSpc>
@@ -2113,13 +2681,13 @@
               </a:lnSpc>
             </a:pPr>
             <a:r>
-              <a:rPr b="0" lang="en-US" sz="3600" spc="-1" strike="noStrike">
-                <a:solidFill>
-                  <a:srgbClr val="ffffff"/>
-                </a:solidFill>
-                <a:uFill>
-                  <a:solidFill>
-                    <a:srgbClr val="ffffff"/>
+              <a:rPr lang="en-US" sz="3600" b="0" strike="noStrike" spc="-1">
+                <a:solidFill>
+                  <a:srgbClr val="FFFFFF"/>
+                </a:solidFill>
+                <a:uFill>
+                  <a:solidFill>
+                    <a:srgbClr val="FFFFFF"/>
                   </a:solidFill>
                 </a:uFill>
                 <a:latin typeface="Lato"/>
@@ -2127,13 +2695,13 @@
               </a:rPr>
               <a:t>BEFORE WE GET STARTED</a:t>
             </a:r>
-            <a:endParaRPr b="0" lang="en-US" sz="1800" spc="-1" strike="noStrike">
+            <a:endParaRPr lang="en-US" sz="1800" b="0" strike="noStrike" spc="-1">
               <a:solidFill>
                 <a:srgbClr val="000000"/>
               </a:solidFill>
               <a:uFill>
                 <a:solidFill>
-                  <a:srgbClr val="ffffff"/>
+                  <a:srgbClr val="FFFFFF"/>
                 </a:solidFill>
               </a:uFill>
               <a:latin typeface="Arial"/>
@@ -2195,13 +2763,20 @@
           </a:ln>
         </p:spPr>
         <p:style>
-          <a:lnRef idx="0"/>
-          <a:fillRef idx="0"/>
-          <a:effectRef idx="0"/>
+          <a:lnRef idx="0">
+            <a:scrgbClr r="0" g="0" b="0"/>
+          </a:lnRef>
+          <a:fillRef idx="0">
+            <a:scrgbClr r="0" g="0" b="0"/>
+          </a:fillRef>
+          <a:effectRef idx="0">
+            <a:scrgbClr r="0" g="0" b="0"/>
+          </a:effectRef>
           <a:fontRef idx="minor"/>
         </p:style>
         <p:txBody>
-          <a:bodyPr lIns="90000" rIns="90000" tIns="45000" bIns="45000" anchor="ctr"/>
+          <a:bodyPr lIns="90000" tIns="45000" rIns="90000" bIns="45000" anchor="ctr"/>
+          <a:lstStyle/>
           <a:p>
             <a:pPr marL="360" algn="ctr">
               <a:lnSpc>
@@ -2209,13 +2784,13 @@
               </a:lnSpc>
             </a:pPr>
             <a:r>
-              <a:rPr b="1" lang="en-US" sz="3200" spc="-1" strike="noStrike">
-                <a:solidFill>
-                  <a:srgbClr val="ffffff"/>
-                </a:solidFill>
-                <a:uFill>
-                  <a:solidFill>
-                    <a:srgbClr val="ffffff"/>
+              <a:rPr lang="en-US" sz="3200" b="1" strike="noStrike" spc="-1">
+                <a:solidFill>
+                  <a:srgbClr val="FFFFFF"/>
+                </a:solidFill>
+                <a:uFill>
+                  <a:solidFill>
+                    <a:srgbClr val="FFFFFF"/>
                   </a:solidFill>
                 </a:uFill>
                 <a:latin typeface="Lato"/>
@@ -2223,13 +2798,13 @@
               </a:rPr>
               <a:t>MAKE SURE YOU READ THROUGH THE GREETING, ENVIROMENT AND HTML SECTION</a:t>
             </a:r>
-            <a:endParaRPr b="0" lang="en-US" sz="1800" spc="-1" strike="noStrike">
+            <a:endParaRPr lang="en-US" sz="1800" b="0" strike="noStrike" spc="-1">
               <a:solidFill>
                 <a:srgbClr val="000000"/>
               </a:solidFill>
               <a:uFill>
                 <a:solidFill>
-                  <a:srgbClr val="ffffff"/>
+                  <a:srgbClr val="FFFFFF"/>
                 </a:solidFill>
               </a:uFill>
               <a:latin typeface="Arial"/>
@@ -2239,22 +2814,25 @@
       </p:sp>
     </p:spTree>
   </p:cSld>
+  <p:clrMapOvr>
+    <a:masterClrMapping/>
+  </p:clrMapOvr>
   <p:timing>
     <p:tnLst>
       <p:par>
-        <p:cTn id="3" dur="indefinite" restart="never" nodeType="tmRoot">
+        <p:cTn id="1" dur="indefinite" restart="never" nodeType="tmRoot">
           <p:childTnLst>
             <p:seq>
-              <p:cTn id="4" nodeType="mainSeq"/>
+              <p:cTn id="2" nodeType="mainSeq"/>
               <p:prevCondLst>
-                <p:cond delay="0" evt="onPrev">
+                <p:cond evt="onPrev" delay="0">
                   <p:tgtEl>
                     <p:sldTgt/>
                   </p:tgtEl>
                 </p:cond>
               </p:prevCondLst>
               <p:nextCondLst>
-                <p:cond delay="0" evt="onNext">
+                <p:cond evt="onNext" delay="0">
                   <p:tgtEl>
                     <p:sldTgt/>
                   </p:tgtEl>
@@ -2270,7 +2848,7 @@
 </file>
 
 <file path=ppt/slides/slide3.xml><?xml version="1.0" encoding="utf-8"?>
-<p:sld xmlns:a="http://schemas.openxmlformats.org/drawingml/2006/main" xmlns:p="http://schemas.openxmlformats.org/presentationml/2006/main" xmlns:r="http://schemas.openxmlformats.org/officeDocument/2006/relationships" xmlns:p14="http://schemas.microsoft.com/office/powerpoint/2010/main" xmlns:p15="http://schemas.microsoft.com/office/powerpoint/2012/main" xmlns:mc="http://schemas.openxmlformats.org/markup-compatibility/2006">
+<p:sld xmlns:a="http://schemas.openxmlformats.org/drawingml/2006/main" xmlns:r="http://schemas.openxmlformats.org/officeDocument/2006/relationships" xmlns:p="http://schemas.openxmlformats.org/presentationml/2006/main">
   <p:cSld>
     <p:spTree>
       <p:nvGrpSpPr>
@@ -2301,7 +2879,7 @@
             <a:avLst/>
           </a:prstGeom>
           <a:solidFill>
-            <a:srgbClr val="4f5b93"/>
+            <a:srgbClr val="4F5B93"/>
           </a:solidFill>
           <a:ln>
             <a:noFill/>
@@ -2342,13 +2920,20 @@
           </a:ln>
         </p:spPr>
         <p:style>
-          <a:lnRef idx="0"/>
-          <a:fillRef idx="0"/>
-          <a:effectRef idx="0"/>
+          <a:lnRef idx="0">
+            <a:scrgbClr r="0" g="0" b="0"/>
+          </a:lnRef>
+          <a:fillRef idx="0">
+            <a:scrgbClr r="0" g="0" b="0"/>
+          </a:fillRef>
+          <a:effectRef idx="0">
+            <a:scrgbClr r="0" g="0" b="0"/>
+          </a:effectRef>
           <a:fontRef idx="minor"/>
         </p:style>
         <p:txBody>
-          <a:bodyPr wrap="none" lIns="90000" rIns="90000" tIns="45000" bIns="45000"/>
+          <a:bodyPr wrap="none" lIns="90000" tIns="45000" rIns="90000" bIns="45000"/>
+          <a:lstStyle/>
           <a:p>
             <a:pPr algn="ctr">
               <a:lnSpc>
@@ -2356,13 +2941,13 @@
               </a:lnSpc>
             </a:pPr>
             <a:r>
-              <a:rPr b="0" lang="en-US" sz="3600" spc="-1" strike="noStrike">
-                <a:solidFill>
-                  <a:srgbClr val="ffffff"/>
-                </a:solidFill>
-                <a:uFill>
-                  <a:solidFill>
-                    <a:srgbClr val="ffffff"/>
+              <a:rPr lang="en-US" sz="3600" b="0" strike="noStrike" spc="-1">
+                <a:solidFill>
+                  <a:srgbClr val="FFFFFF"/>
+                </a:solidFill>
+                <a:uFill>
+                  <a:solidFill>
+                    <a:srgbClr val="FFFFFF"/>
                   </a:solidFill>
                 </a:uFill>
                 <a:latin typeface="Lato"/>
@@ -2370,13 +2955,13 @@
               </a:rPr>
               <a:t>WHAT IS CSS ?</a:t>
             </a:r>
-            <a:endParaRPr b="0" lang="en-US" sz="1800" spc="-1" strike="noStrike">
+            <a:endParaRPr lang="en-US" sz="1800" b="0" strike="noStrike" spc="-1">
               <a:solidFill>
                 <a:srgbClr val="000000"/>
               </a:solidFill>
               <a:uFill>
                 <a:solidFill>
-                  <a:srgbClr val="ffffff"/>
+                  <a:srgbClr val="FFFFFF"/>
                 </a:solidFill>
               </a:uFill>
               <a:latin typeface="Arial"/>
@@ -2404,32 +2989,39 @@
           </a:ln>
         </p:spPr>
         <p:style>
-          <a:lnRef idx="0"/>
-          <a:fillRef idx="0"/>
-          <a:effectRef idx="0"/>
+          <a:lnRef idx="0">
+            <a:scrgbClr r="0" g="0" b="0"/>
+          </a:lnRef>
+          <a:fillRef idx="0">
+            <a:scrgbClr r="0" g="0" b="0"/>
+          </a:fillRef>
+          <a:effectRef idx="0">
+            <a:scrgbClr r="0" g="0" b="0"/>
+          </a:effectRef>
           <a:fontRef idx="minor"/>
         </p:style>
         <p:txBody>
-          <a:bodyPr lIns="90000" rIns="90000" tIns="45000" bIns="45000"/>
+          <a:bodyPr lIns="90000" tIns="45000" rIns="90000" bIns="45000"/>
+          <a:lstStyle/>
           <a:p>
             <a:pPr marL="457200" indent="-456480">
               <a:lnSpc>
                 <a:spcPct val="150000"/>
               </a:lnSpc>
               <a:buClr>
-                <a:srgbClr val="ffffff"/>
+                <a:srgbClr val="FFFFFF"/>
               </a:buClr>
               <a:buFont typeface="Wingdings" charset="2"/>
               <a:buChar char=""/>
             </a:pPr>
             <a:r>
-              <a:rPr b="0" lang="en-US" sz="2400" spc="-1" strike="noStrike">
-                <a:solidFill>
-                  <a:srgbClr val="ffffff"/>
-                </a:solidFill>
-                <a:uFill>
-                  <a:solidFill>
-                    <a:srgbClr val="ffffff"/>
+              <a:rPr lang="en-US" sz="2400" b="0" strike="noStrike" spc="-1">
+                <a:solidFill>
+                  <a:srgbClr val="FFFFFF"/>
+                </a:solidFill>
+                <a:uFill>
+                  <a:solidFill>
+                    <a:srgbClr val="FFFFFF"/>
                   </a:solidFill>
                 </a:uFill>
                 <a:latin typeface="Lato"/>
@@ -2438,13 +3030,13 @@
               <a:t>CSS stands for </a:t>
             </a:r>
             <a:r>
-              <a:rPr b="1" lang="en-US" sz="2400" spc="-1" strike="noStrike">
-                <a:solidFill>
-                  <a:srgbClr val="ffff00"/>
-                </a:solidFill>
-                <a:uFill>
-                  <a:solidFill>
-                    <a:srgbClr val="ffffff"/>
+              <a:rPr lang="en-US" sz="2400" b="1" strike="noStrike" spc="-1">
+                <a:solidFill>
+                  <a:srgbClr val="FFFF00"/>
+                </a:solidFill>
+                <a:uFill>
+                  <a:solidFill>
+                    <a:srgbClr val="FFFFFF"/>
                   </a:solidFill>
                 </a:uFill>
                 <a:latin typeface="Lato"/>
@@ -2453,13 +3045,13 @@
               <a:t>C</a:t>
             </a:r>
             <a:r>
-              <a:rPr b="0" lang="en-US" sz="2400" spc="-1" strike="noStrike">
-                <a:solidFill>
-                  <a:srgbClr val="ffffff"/>
-                </a:solidFill>
-                <a:uFill>
-                  <a:solidFill>
-                    <a:srgbClr val="ffffff"/>
+              <a:rPr lang="en-US" sz="2400" b="0" strike="noStrike" spc="-1">
+                <a:solidFill>
+                  <a:srgbClr val="FFFFFF"/>
+                </a:solidFill>
+                <a:uFill>
+                  <a:solidFill>
+                    <a:srgbClr val="FFFFFF"/>
                   </a:solidFill>
                 </a:uFill>
                 <a:latin typeface="Lato"/>
@@ -2468,13 +3060,13 @@
               <a:t>ascading </a:t>
             </a:r>
             <a:r>
-              <a:rPr b="1" lang="en-US" sz="2400" spc="-1" strike="noStrike">
-                <a:solidFill>
-                  <a:srgbClr val="ffff00"/>
-                </a:solidFill>
-                <a:uFill>
-                  <a:solidFill>
-                    <a:srgbClr val="ffffff"/>
+              <a:rPr lang="en-US" sz="2400" b="1" strike="noStrike" spc="-1">
+                <a:solidFill>
+                  <a:srgbClr val="FFFF00"/>
+                </a:solidFill>
+                <a:uFill>
+                  <a:solidFill>
+                    <a:srgbClr val="FFFFFF"/>
                   </a:solidFill>
                 </a:uFill>
                 <a:latin typeface="Lato"/>
@@ -2483,13 +3075,13 @@
               <a:t>S</a:t>
             </a:r>
             <a:r>
-              <a:rPr b="0" lang="en-US" sz="2400" spc="-1" strike="noStrike">
-                <a:solidFill>
-                  <a:srgbClr val="ffffff"/>
-                </a:solidFill>
-                <a:uFill>
-                  <a:solidFill>
-                    <a:srgbClr val="ffffff"/>
+              <a:rPr lang="en-US" sz="2400" b="0" strike="noStrike" spc="-1">
+                <a:solidFill>
+                  <a:srgbClr val="FFFFFF"/>
+                </a:solidFill>
+                <a:uFill>
+                  <a:solidFill>
+                    <a:srgbClr val="FFFFFF"/>
                   </a:solidFill>
                 </a:uFill>
                 <a:latin typeface="Lato"/>
@@ -2498,13 +3090,13 @@
               <a:t>tyle </a:t>
             </a:r>
             <a:r>
-              <a:rPr b="1" lang="en-US" sz="2400" spc="-1" strike="noStrike">
-                <a:solidFill>
-                  <a:srgbClr val="ffff00"/>
-                </a:solidFill>
-                <a:uFill>
-                  <a:solidFill>
-                    <a:srgbClr val="ffffff"/>
+              <a:rPr lang="en-US" sz="2400" b="1" strike="noStrike" spc="-1">
+                <a:solidFill>
+                  <a:srgbClr val="FFFF00"/>
+                </a:solidFill>
+                <a:uFill>
+                  <a:solidFill>
+                    <a:srgbClr val="FFFFFF"/>
                   </a:solidFill>
                 </a:uFill>
                 <a:latin typeface="Lato"/>
@@ -2513,13 +3105,13 @@
               <a:t>S</a:t>
             </a:r>
             <a:r>
-              <a:rPr b="0" lang="en-US" sz="2400" spc="-1" strike="noStrike">
-                <a:solidFill>
-                  <a:srgbClr val="ffffff"/>
-                </a:solidFill>
-                <a:uFill>
-                  <a:solidFill>
-                    <a:srgbClr val="ffffff"/>
+              <a:rPr lang="en-US" sz="2400" b="0" strike="noStrike" spc="-1">
+                <a:solidFill>
+                  <a:srgbClr val="FFFFFF"/>
+                </a:solidFill>
+                <a:uFill>
+                  <a:solidFill>
+                    <a:srgbClr val="FFFFFF"/>
                   </a:solidFill>
                 </a:uFill>
                 <a:latin typeface="Lato"/>
@@ -2527,13 +3119,13 @@
               </a:rPr>
               <a:t>heets.</a:t>
             </a:r>
-            <a:endParaRPr b="0" lang="en-US" sz="1800" spc="-1" strike="noStrike">
+            <a:endParaRPr lang="en-US" sz="1800" b="0" strike="noStrike" spc="-1">
               <a:solidFill>
                 <a:srgbClr val="000000"/>
               </a:solidFill>
               <a:uFill>
                 <a:solidFill>
-                  <a:srgbClr val="ffffff"/>
+                  <a:srgbClr val="FFFFFF"/>
                 </a:solidFill>
               </a:uFill>
               <a:latin typeface="Arial"/>
@@ -2545,19 +3137,19 @@
                 <a:spcPct val="150000"/>
               </a:lnSpc>
               <a:buClr>
-                <a:srgbClr val="ffffff"/>
+                <a:srgbClr val="FFFFFF"/>
               </a:buClr>
               <a:buFont typeface="Wingdings" charset="2"/>
               <a:buChar char=""/>
             </a:pPr>
             <a:r>
-              <a:rPr b="0" lang="en-US" sz="2400" spc="-1" strike="noStrike">
-                <a:solidFill>
-                  <a:srgbClr val="ffffff"/>
-                </a:solidFill>
-                <a:uFill>
-                  <a:solidFill>
-                    <a:srgbClr val="ffffff"/>
+              <a:rPr lang="en-US" sz="2400" b="0" strike="noStrike" spc="-1">
+                <a:solidFill>
+                  <a:srgbClr val="FFFFFF"/>
+                </a:solidFill>
+                <a:uFill>
+                  <a:solidFill>
+                    <a:srgbClr val="FFFFFF"/>
                   </a:solidFill>
                 </a:uFill>
                 <a:latin typeface="Lato"/>
@@ -2565,13 +3157,13 @@
               </a:rPr>
               <a:t>CSS is a language that describes the style of an HTML document.</a:t>
             </a:r>
-            <a:endParaRPr b="0" lang="en-US" sz="1800" spc="-1" strike="noStrike">
+            <a:endParaRPr lang="en-US" sz="1800" b="0" strike="noStrike" spc="-1">
               <a:solidFill>
                 <a:srgbClr val="000000"/>
               </a:solidFill>
               <a:uFill>
                 <a:solidFill>
-                  <a:srgbClr val="ffffff"/>
+                  <a:srgbClr val="FFFFFF"/>
                 </a:solidFill>
               </a:uFill>
               <a:latin typeface="Arial"/>
@@ -2583,19 +3175,19 @@
                 <a:spcPct val="150000"/>
               </a:lnSpc>
               <a:buClr>
-                <a:srgbClr val="ffffff"/>
+                <a:srgbClr val="FFFFFF"/>
               </a:buClr>
               <a:buFont typeface="Wingdings" charset="2"/>
               <a:buChar char=""/>
             </a:pPr>
             <a:r>
-              <a:rPr b="0" lang="en-US" sz="2400" spc="-1" strike="noStrike">
-                <a:solidFill>
-                  <a:srgbClr val="ffffff"/>
-                </a:solidFill>
-                <a:uFill>
-                  <a:solidFill>
-                    <a:srgbClr val="ffffff"/>
+              <a:rPr lang="en-US" sz="2400" b="0" strike="noStrike" spc="-1">
+                <a:solidFill>
+                  <a:srgbClr val="FFFFFF"/>
+                </a:solidFill>
+                <a:uFill>
+                  <a:solidFill>
+                    <a:srgbClr val="FFFFFF"/>
                   </a:solidFill>
                 </a:uFill>
                 <a:latin typeface="Lato"/>
@@ -2603,13 +3195,13 @@
               </a:rPr>
               <a:t>CSS describes how HTML element are to be displayed on screen, paper, or in other media.</a:t>
             </a:r>
-            <a:endParaRPr b="0" lang="en-US" sz="1800" spc="-1" strike="noStrike">
+            <a:endParaRPr lang="en-US" sz="1800" b="0" strike="noStrike" spc="-1">
               <a:solidFill>
                 <a:srgbClr val="000000"/>
               </a:solidFill>
               <a:uFill>
                 <a:solidFill>
-                  <a:srgbClr val="ffffff"/>
+                  <a:srgbClr val="FFFFFF"/>
                 </a:solidFill>
               </a:uFill>
               <a:latin typeface="Arial"/>
@@ -2621,19 +3213,19 @@
                 <a:spcPct val="150000"/>
               </a:lnSpc>
               <a:buClr>
-                <a:srgbClr val="ffffff"/>
+                <a:srgbClr val="FFFFFF"/>
               </a:buClr>
               <a:buFont typeface="Wingdings" charset="2"/>
               <a:buChar char=""/>
             </a:pPr>
             <a:r>
-              <a:rPr b="0" lang="en-US" sz="2400" spc="-1" strike="noStrike">
-                <a:solidFill>
-                  <a:srgbClr val="ffffff"/>
-                </a:solidFill>
-                <a:uFill>
-                  <a:solidFill>
-                    <a:srgbClr val="ffffff"/>
+              <a:rPr lang="en-US" sz="2400" b="0" strike="noStrike" spc="-1">
+                <a:solidFill>
+                  <a:srgbClr val="FFFFFF"/>
+                </a:solidFill>
+                <a:uFill>
+                  <a:solidFill>
+                    <a:srgbClr val="FFFFFF"/>
                   </a:solidFill>
                 </a:uFill>
                 <a:latin typeface="Lato"/>
@@ -2641,13 +3233,13 @@
               </a:rPr>
               <a:t>CSS is used to define styles for your web pages, including the design, layout and variations in display for different devices and screen sizes.</a:t>
             </a:r>
-            <a:endParaRPr b="0" lang="en-US" sz="1800" spc="-1" strike="noStrike">
+            <a:endParaRPr lang="en-US" sz="1800" b="0" strike="noStrike" spc="-1">
               <a:solidFill>
                 <a:srgbClr val="000000"/>
               </a:solidFill>
               <a:uFill>
                 <a:solidFill>
-                  <a:srgbClr val="ffffff"/>
+                  <a:srgbClr val="FFFFFF"/>
                 </a:solidFill>
               </a:uFill>
               <a:latin typeface="Arial"/>
@@ -2659,19 +3251,19 @@
                 <a:spcPct val="150000"/>
               </a:lnSpc>
               <a:buClr>
-                <a:srgbClr val="ffffff"/>
+                <a:srgbClr val="FFFFFF"/>
               </a:buClr>
               <a:buFont typeface="Wingdings" charset="2"/>
               <a:buChar char=""/>
             </a:pPr>
             <a:r>
-              <a:rPr b="0" lang="en-US" sz="2400" spc="-1" strike="noStrike">
-                <a:solidFill>
-                  <a:srgbClr val="ffffff"/>
-                </a:solidFill>
-                <a:uFill>
-                  <a:solidFill>
-                    <a:srgbClr val="ffffff"/>
+              <a:rPr lang="en-US" sz="2400" b="0" strike="noStrike" spc="-1">
+                <a:solidFill>
+                  <a:srgbClr val="FFFFFF"/>
+                </a:solidFill>
+                <a:uFill>
+                  <a:solidFill>
+                    <a:srgbClr val="FFFFFF"/>
                   </a:solidFill>
                 </a:uFill>
                 <a:latin typeface="Lato"/>
@@ -2679,13 +3271,13 @@
               </a:rPr>
               <a:t>HTML was created to describe the content of we page, then the World Wide Web Consortium (W3C) created CSS to do the rest (design, layout …).</a:t>
             </a:r>
-            <a:endParaRPr b="0" lang="en-US" sz="1800" spc="-1" strike="noStrike">
+            <a:endParaRPr lang="en-US" sz="1800" b="0" strike="noStrike" spc="-1">
               <a:solidFill>
                 <a:srgbClr val="000000"/>
               </a:solidFill>
               <a:uFill>
                 <a:solidFill>
-                  <a:srgbClr val="ffffff"/>
+                  <a:srgbClr val="FFFFFF"/>
                 </a:solidFill>
               </a:uFill>
               <a:latin typeface="Arial"/>
@@ -2729,22 +3321,25 @@
       </p:sp>
     </p:spTree>
   </p:cSld>
+  <p:clrMapOvr>
+    <a:masterClrMapping/>
+  </p:clrMapOvr>
   <p:timing>
     <p:tnLst>
       <p:par>
-        <p:cTn id="5" dur="indefinite" restart="never" nodeType="tmRoot">
+        <p:cTn id="1" dur="indefinite" restart="never" nodeType="tmRoot">
           <p:childTnLst>
             <p:seq>
-              <p:cTn id="6" nodeType="mainSeq"/>
+              <p:cTn id="2" nodeType="mainSeq"/>
               <p:prevCondLst>
-                <p:cond delay="0" evt="onPrev">
+                <p:cond evt="onPrev" delay="0">
                   <p:tgtEl>
                     <p:sldTgt/>
                   </p:tgtEl>
                 </p:cond>
               </p:prevCondLst>
               <p:nextCondLst>
-                <p:cond delay="0" evt="onNext">
+                <p:cond evt="onNext" delay="0">
                   <p:tgtEl>
                     <p:sldTgt/>
                   </p:tgtEl>
@@ -2760,7 +3355,7 @@
 </file>
 
 <file path=ppt/slides/slide4.xml><?xml version="1.0" encoding="utf-8"?>
-<p:sld xmlns:a="http://schemas.openxmlformats.org/drawingml/2006/main" xmlns:p="http://schemas.openxmlformats.org/presentationml/2006/main" xmlns:r="http://schemas.openxmlformats.org/officeDocument/2006/relationships" xmlns:p14="http://schemas.microsoft.com/office/powerpoint/2010/main" xmlns:p15="http://schemas.microsoft.com/office/powerpoint/2012/main" xmlns:mc="http://schemas.openxmlformats.org/markup-compatibility/2006">
+<p:sld xmlns:a="http://schemas.openxmlformats.org/drawingml/2006/main" xmlns:r="http://schemas.openxmlformats.org/officeDocument/2006/relationships" xmlns:p="http://schemas.openxmlformats.org/presentationml/2006/main">
   <p:cSld>
     <p:spTree>
       <p:nvGrpSpPr>
@@ -2791,7 +3386,7 @@
             <a:avLst/>
           </a:prstGeom>
           <a:solidFill>
-            <a:srgbClr val="4f5b93"/>
+            <a:srgbClr val="4F5B93"/>
           </a:solidFill>
           <a:ln>
             <a:noFill/>
@@ -2832,13 +3427,20 @@
           </a:ln>
         </p:spPr>
         <p:style>
-          <a:lnRef idx="0"/>
-          <a:fillRef idx="0"/>
-          <a:effectRef idx="0"/>
+          <a:lnRef idx="0">
+            <a:scrgbClr r="0" g="0" b="0"/>
+          </a:lnRef>
+          <a:fillRef idx="0">
+            <a:scrgbClr r="0" g="0" b="0"/>
+          </a:fillRef>
+          <a:effectRef idx="0">
+            <a:scrgbClr r="0" g="0" b="0"/>
+          </a:effectRef>
           <a:fontRef idx="minor"/>
         </p:style>
         <p:txBody>
-          <a:bodyPr wrap="none" lIns="90000" rIns="90000" tIns="45000" bIns="45000"/>
+          <a:bodyPr wrap="none" lIns="90000" tIns="45000" rIns="90000" bIns="45000"/>
+          <a:lstStyle/>
           <a:p>
             <a:pPr algn="ctr">
               <a:lnSpc>
@@ -2846,13 +3448,13 @@
               </a:lnSpc>
             </a:pPr>
             <a:r>
-              <a:rPr b="0" lang="en-US" sz="3600" spc="-1" strike="noStrike">
-                <a:solidFill>
-                  <a:srgbClr val="ffffff"/>
-                </a:solidFill>
-                <a:uFill>
-                  <a:solidFill>
-                    <a:srgbClr val="ffffff"/>
+              <a:rPr lang="en-US" sz="3600" b="0" strike="noStrike" spc="-1">
+                <a:solidFill>
+                  <a:srgbClr val="FFFFFF"/>
+                </a:solidFill>
+                <a:uFill>
+                  <a:solidFill>
+                    <a:srgbClr val="FFFFFF"/>
                   </a:solidFill>
                 </a:uFill>
                 <a:latin typeface="Lato"/>
@@ -2860,13 +3462,13 @@
               </a:rPr>
               <a:t>HTML ID &amp; CLASS</a:t>
             </a:r>
-            <a:endParaRPr b="0" lang="en-US" sz="1800" spc="-1" strike="noStrike">
+            <a:endParaRPr lang="en-US" sz="1800" b="0" strike="noStrike" spc="-1">
               <a:solidFill>
                 <a:srgbClr val="000000"/>
               </a:solidFill>
               <a:uFill>
                 <a:solidFill>
-                  <a:srgbClr val="ffffff"/>
+                  <a:srgbClr val="FFFFFF"/>
                 </a:solidFill>
               </a:uFill>
               <a:latin typeface="Arial"/>
@@ -2894,32 +3496,39 @@
           </a:ln>
         </p:spPr>
         <p:style>
-          <a:lnRef idx="0"/>
-          <a:fillRef idx="0"/>
-          <a:effectRef idx="0"/>
+          <a:lnRef idx="0">
+            <a:scrgbClr r="0" g="0" b="0"/>
+          </a:lnRef>
+          <a:fillRef idx="0">
+            <a:scrgbClr r="0" g="0" b="0"/>
+          </a:fillRef>
+          <a:effectRef idx="0">
+            <a:scrgbClr r="0" g="0" b="0"/>
+          </a:effectRef>
           <a:fontRef idx="minor"/>
         </p:style>
         <p:txBody>
-          <a:bodyPr lIns="90000" rIns="90000" tIns="45000" bIns="45000"/>
+          <a:bodyPr lIns="90000" tIns="45000" rIns="90000" bIns="45000"/>
+          <a:lstStyle/>
           <a:p>
             <a:pPr marL="457200" indent="-456480">
               <a:lnSpc>
                 <a:spcPct val="150000"/>
               </a:lnSpc>
               <a:buClr>
-                <a:srgbClr val="ffffff"/>
+                <a:srgbClr val="FFFFFF"/>
               </a:buClr>
               <a:buFont typeface="Wingdings" charset="2"/>
               <a:buChar char=""/>
             </a:pPr>
             <a:r>
-              <a:rPr b="0" lang="en-US" sz="2400" spc="-1" strike="noStrike">
-                <a:solidFill>
-                  <a:srgbClr val="ffffff"/>
-                </a:solidFill>
-                <a:uFill>
-                  <a:solidFill>
-                    <a:srgbClr val="ffffff"/>
+              <a:rPr lang="en-US" sz="2400" b="0" strike="noStrike" spc="-1">
+                <a:solidFill>
+                  <a:srgbClr val="FFFFFF"/>
+                </a:solidFill>
+                <a:uFill>
+                  <a:solidFill>
+                    <a:srgbClr val="FFFFFF"/>
                   </a:solidFill>
                 </a:uFill>
                 <a:latin typeface="Lato"/>
@@ -2928,13 +3537,13 @@
               <a:t>The </a:t>
             </a:r>
             <a:r>
-              <a:rPr b="1" lang="en-US" sz="2400" spc="-1" strike="noStrike">
-                <a:solidFill>
-                  <a:srgbClr val="ffff00"/>
-                </a:solidFill>
-                <a:uFill>
-                  <a:solidFill>
-                    <a:srgbClr val="ffffff"/>
+              <a:rPr lang="en-US" sz="2400" b="1" strike="noStrike" spc="-1">
+                <a:solidFill>
+                  <a:srgbClr val="FFFF00"/>
+                </a:solidFill>
+                <a:uFill>
+                  <a:solidFill>
+                    <a:srgbClr val="FFFFFF"/>
                   </a:solidFill>
                 </a:uFill>
                 <a:latin typeface="Lato"/>
@@ -2943,13 +3552,13 @@
               <a:t>id</a:t>
             </a:r>
             <a:r>
-              <a:rPr b="0" lang="en-US" sz="2400" spc="-1" strike="noStrike">
-                <a:solidFill>
-                  <a:srgbClr val="ffffff"/>
-                </a:solidFill>
-                <a:uFill>
-                  <a:solidFill>
-                    <a:srgbClr val="ffffff"/>
+              <a:rPr lang="en-US" sz="2400" b="0" strike="noStrike" spc="-1">
+                <a:solidFill>
+                  <a:srgbClr val="FFFFFF"/>
+                </a:solidFill>
+                <a:uFill>
+                  <a:solidFill>
+                    <a:srgbClr val="FFFFFF"/>
                   </a:solidFill>
                 </a:uFill>
                 <a:latin typeface="Lato"/>
@@ -2958,13 +3567,13 @@
               <a:t> attribute specifies a unique id for an HTML element and the </a:t>
             </a:r>
             <a:r>
-              <a:rPr b="1" lang="en-US" sz="2400" spc="-1" strike="noStrike">
-                <a:solidFill>
-                  <a:srgbClr val="ffff00"/>
-                </a:solidFill>
-                <a:uFill>
-                  <a:solidFill>
-                    <a:srgbClr val="ffffff"/>
+              <a:rPr lang="en-US" sz="2400" b="1" strike="noStrike" spc="-1">
+                <a:solidFill>
+                  <a:srgbClr val="FFFF00"/>
+                </a:solidFill>
+                <a:uFill>
+                  <a:solidFill>
+                    <a:srgbClr val="FFFFFF"/>
                   </a:solidFill>
                 </a:uFill>
                 <a:latin typeface="Lato"/>
@@ -2973,13 +3582,13 @@
               <a:t>class</a:t>
             </a:r>
             <a:r>
-              <a:rPr b="0" lang="en-US" sz="2400" spc="-1" strike="noStrike">
-                <a:solidFill>
-                  <a:srgbClr val="ffffff"/>
-                </a:solidFill>
-                <a:uFill>
-                  <a:solidFill>
-                    <a:srgbClr val="ffffff"/>
+              <a:rPr lang="en-US" sz="2400" b="0" strike="noStrike" spc="-1">
+                <a:solidFill>
+                  <a:srgbClr val="FFFFFF"/>
+                </a:solidFill>
+                <a:uFill>
+                  <a:solidFill>
+                    <a:srgbClr val="FFFFFF"/>
                   </a:solidFill>
                 </a:uFill>
                 <a:latin typeface="Lato"/>
@@ -2987,13 +3596,13 @@
               </a:rPr>
               <a:t> attribute specifies one or more class names for an HTML element.</a:t>
             </a:r>
-            <a:endParaRPr b="0" lang="en-US" sz="1800" spc="-1" strike="noStrike">
+            <a:endParaRPr lang="en-US" sz="1800" b="0" strike="noStrike" spc="-1">
               <a:solidFill>
                 <a:srgbClr val="000000"/>
               </a:solidFill>
               <a:uFill>
                 <a:solidFill>
-                  <a:srgbClr val="ffffff"/>
+                  <a:srgbClr val="FFFFFF"/>
                 </a:solidFill>
               </a:uFill>
               <a:latin typeface="Arial"/>
@@ -3005,19 +3614,19 @@
                 <a:spcPct val="150000"/>
               </a:lnSpc>
               <a:buClr>
-                <a:srgbClr val="ffffff"/>
+                <a:srgbClr val="FFFFFF"/>
               </a:buClr>
               <a:buFont typeface="Wingdings" charset="2"/>
               <a:buChar char=""/>
             </a:pPr>
             <a:r>
-              <a:rPr b="0" lang="en-US" sz="2400" spc="-1" strike="noStrike">
-                <a:solidFill>
-                  <a:srgbClr val="ffffff"/>
-                </a:solidFill>
-                <a:uFill>
-                  <a:solidFill>
-                    <a:srgbClr val="ffffff"/>
+              <a:rPr lang="en-US" sz="2400" b="0" strike="noStrike" spc="-1">
+                <a:solidFill>
+                  <a:srgbClr val="FFFFFF"/>
+                </a:solidFill>
+                <a:uFill>
+                  <a:solidFill>
+                    <a:srgbClr val="FFFFFF"/>
                   </a:solidFill>
                 </a:uFill>
                 <a:latin typeface="Lato"/>
@@ -3025,13 +3634,13 @@
               </a:rPr>
               <a:t>Both of them can be used by CSS and JavaScript to perform certain tasks for element.</a:t>
             </a:r>
-            <a:endParaRPr b="0" lang="en-US" sz="1800" spc="-1" strike="noStrike">
+            <a:endParaRPr lang="en-US" sz="1800" b="0" strike="noStrike" spc="-1">
               <a:solidFill>
                 <a:srgbClr val="000000"/>
               </a:solidFill>
               <a:uFill>
                 <a:solidFill>
-                  <a:srgbClr val="ffffff"/>
+                  <a:srgbClr val="FFFFFF"/>
                 </a:solidFill>
               </a:uFill>
               <a:latin typeface="Arial"/>
@@ -3075,12 +3684,12 @@
       </p:sp>
       <p:pic>
         <p:nvPicPr>
-          <p:cNvPr id="51" name="Picture 2" descr=""/>
+          <p:cNvPr id="51" name="Picture 2"/>
           <p:cNvPicPr/>
           <p:nvPr/>
         </p:nvPicPr>
         <p:blipFill>
-          <a:blip r:embed="rId1"/>
+          <a:blip r:embed="rId2"/>
           <a:stretch/>
         </p:blipFill>
         <p:spPr>
@@ -3116,32 +3725,39 @@
           </a:ln>
         </p:spPr>
         <p:style>
-          <a:lnRef idx="0"/>
-          <a:fillRef idx="0"/>
-          <a:effectRef idx="0"/>
+          <a:lnRef idx="0">
+            <a:scrgbClr r="0" g="0" b="0"/>
+          </a:lnRef>
+          <a:fillRef idx="0">
+            <a:scrgbClr r="0" g="0" b="0"/>
+          </a:fillRef>
+          <a:effectRef idx="0">
+            <a:scrgbClr r="0" g="0" b="0"/>
+          </a:effectRef>
           <a:fontRef idx="minor"/>
         </p:style>
         <p:txBody>
-          <a:bodyPr lIns="90000" rIns="90000" tIns="45000" bIns="45000"/>
+          <a:bodyPr lIns="90000" tIns="45000" rIns="90000" bIns="45000"/>
+          <a:lstStyle/>
           <a:p>
             <a:pPr marL="457200" indent="-456480">
               <a:lnSpc>
                 <a:spcPct val="150000"/>
               </a:lnSpc>
               <a:buClr>
-                <a:srgbClr val="ffffff"/>
+                <a:srgbClr val="FFFFFF"/>
               </a:buClr>
               <a:buFont typeface="Wingdings" charset="2"/>
               <a:buChar char=""/>
             </a:pPr>
             <a:r>
-              <a:rPr b="0" lang="en-US" sz="2400" spc="-1" strike="noStrike">
-                <a:solidFill>
-                  <a:srgbClr val="ffffff"/>
-                </a:solidFill>
-                <a:uFill>
-                  <a:solidFill>
-                    <a:srgbClr val="ffffff"/>
+              <a:rPr lang="en-US" sz="2400" b="0" strike="noStrike" spc="-1">
+                <a:solidFill>
+                  <a:srgbClr val="FFFFFF"/>
+                </a:solidFill>
+                <a:uFill>
+                  <a:solidFill>
+                    <a:srgbClr val="FFFFFF"/>
                   </a:solidFill>
                 </a:uFill>
                 <a:latin typeface="Lato"/>
@@ -3150,13 +3766,13 @@
               <a:t>The </a:t>
             </a:r>
             <a:r>
-              <a:rPr b="1" lang="en-US" sz="2400" spc="-1" strike="noStrike">
-                <a:solidFill>
-                  <a:srgbClr val="ffff00"/>
-                </a:solidFill>
-                <a:uFill>
-                  <a:solidFill>
-                    <a:srgbClr val="ffffff"/>
+              <a:rPr lang="en-US" sz="2400" b="1" strike="noStrike" spc="-1">
+                <a:solidFill>
+                  <a:srgbClr val="FFFF00"/>
+                </a:solidFill>
+                <a:uFill>
+                  <a:solidFill>
+                    <a:srgbClr val="FFFFFF"/>
                   </a:solidFill>
                 </a:uFill>
                 <a:latin typeface="Lato"/>
@@ -3165,13 +3781,13 @@
               <a:t>id</a:t>
             </a:r>
             <a:r>
-              <a:rPr b="0" lang="en-US" sz="2400" spc="-1" strike="noStrike">
-                <a:solidFill>
-                  <a:srgbClr val="ffffff"/>
-                </a:solidFill>
-                <a:uFill>
-                  <a:solidFill>
-                    <a:srgbClr val="ffffff"/>
+              <a:rPr lang="en-US" sz="2400" b="0" strike="noStrike" spc="-1">
+                <a:solidFill>
+                  <a:srgbClr val="FFFFFF"/>
+                </a:solidFill>
+                <a:uFill>
+                  <a:solidFill>
+                    <a:srgbClr val="FFFFFF"/>
                   </a:solidFill>
                 </a:uFill>
                 <a:latin typeface="Lato"/>
@@ -3179,13 +3795,13 @@
               </a:rPr>
               <a:t> attribute can be used to bookmark, it is used to allow readers to jump to specific parts of a web page.</a:t>
             </a:r>
-            <a:endParaRPr b="0" lang="en-US" sz="1800" spc="-1" strike="noStrike">
+            <a:endParaRPr lang="en-US" sz="1800" b="0" strike="noStrike" spc="-1">
               <a:solidFill>
                 <a:srgbClr val="000000"/>
               </a:solidFill>
               <a:uFill>
                 <a:solidFill>
-                  <a:srgbClr val="ffffff"/>
+                  <a:srgbClr val="FFFFFF"/>
                 </a:solidFill>
               </a:uFill>
               <a:latin typeface="Arial"/>
@@ -3197,19 +3813,19 @@
                 <a:spcPct val="150000"/>
               </a:lnSpc>
               <a:buClr>
-                <a:srgbClr val="ffffff"/>
+                <a:srgbClr val="FFFFFF"/>
               </a:buClr>
               <a:buFont typeface="Wingdings" charset="2"/>
               <a:buChar char=""/>
             </a:pPr>
             <a:r>
-              <a:rPr b="0" lang="en-US" sz="2400" spc="-1" strike="noStrike">
-                <a:solidFill>
-                  <a:srgbClr val="ffffff"/>
-                </a:solidFill>
-                <a:uFill>
-                  <a:solidFill>
-                    <a:srgbClr val="ffffff"/>
+              <a:rPr lang="en-US" sz="2400" b="0" strike="noStrike" spc="-1">
+                <a:solidFill>
+                  <a:srgbClr val="FFFFFF"/>
+                </a:solidFill>
+                <a:uFill>
+                  <a:solidFill>
+                    <a:srgbClr val="FFFFFF"/>
                   </a:solidFill>
                 </a:uFill>
                 <a:latin typeface="Lato"/>
@@ -3218,13 +3834,13 @@
               <a:t>Each element can have </a:t>
             </a:r>
             <a:r>
-              <a:rPr b="1" lang="en-US" sz="2400" spc="-1" strike="noStrike">
-                <a:solidFill>
-                  <a:srgbClr val="ffff00"/>
-                </a:solidFill>
-                <a:uFill>
-                  <a:solidFill>
-                    <a:srgbClr val="ffffff"/>
+              <a:rPr lang="en-US" sz="2400" b="1" strike="noStrike" spc="-1">
+                <a:solidFill>
+                  <a:srgbClr val="FFFF00"/>
+                </a:solidFill>
+                <a:uFill>
+                  <a:solidFill>
+                    <a:srgbClr val="FFFFFF"/>
                   </a:solidFill>
                 </a:uFill>
                 <a:latin typeface="Lato"/>
@@ -3233,13 +3849,13 @@
               <a:t>multiple class </a:t>
             </a:r>
             <a:r>
-              <a:rPr b="0" lang="en-US" sz="2400" spc="-1" strike="noStrike">
-                <a:solidFill>
-                  <a:srgbClr val="ffffff"/>
-                </a:solidFill>
-                <a:uFill>
-                  <a:solidFill>
-                    <a:srgbClr val="ffffff"/>
+              <a:rPr lang="en-US" sz="2400" b="0" strike="noStrike" spc="-1">
+                <a:solidFill>
+                  <a:srgbClr val="FFFFFF"/>
+                </a:solidFill>
+                <a:uFill>
+                  <a:solidFill>
+                    <a:srgbClr val="FFFFFF"/>
                   </a:solidFill>
                 </a:uFill>
                 <a:latin typeface="Lato"/>
@@ -3248,13 +3864,13 @@
               <a:t>but </a:t>
             </a:r>
             <a:r>
-              <a:rPr b="1" lang="en-US" sz="2400" spc="-1" strike="noStrike">
-                <a:solidFill>
-                  <a:srgbClr val="ffff00"/>
-                </a:solidFill>
-                <a:uFill>
-                  <a:solidFill>
-                    <a:srgbClr val="ffffff"/>
+              <a:rPr lang="en-US" sz="2400" b="1" strike="noStrike" spc="-1">
+                <a:solidFill>
+                  <a:srgbClr val="FFFF00"/>
+                </a:solidFill>
+                <a:uFill>
+                  <a:solidFill>
+                    <a:srgbClr val="FFFFFF"/>
                   </a:solidFill>
                 </a:uFill>
                 <a:latin typeface="Lato"/>
@@ -3263,13 +3879,13 @@
               <a:t>unique id</a:t>
             </a:r>
             <a:r>
-              <a:rPr b="0" lang="en-US" sz="2400" spc="-1" strike="noStrike">
-                <a:solidFill>
-                  <a:srgbClr val="ffffff"/>
-                </a:solidFill>
-                <a:uFill>
-                  <a:solidFill>
-                    <a:srgbClr val="ffffff"/>
+              <a:rPr lang="en-US" sz="2400" b="0" strike="noStrike" spc="-1">
+                <a:solidFill>
+                  <a:srgbClr val="FFFFFF"/>
+                </a:solidFill>
+                <a:uFill>
+                  <a:solidFill>
+                    <a:srgbClr val="FFFFFF"/>
                   </a:solidFill>
                 </a:uFill>
                 <a:latin typeface="Lato"/>
@@ -3277,13 +3893,13 @@
               </a:rPr>
               <a:t>.</a:t>
             </a:r>
-            <a:endParaRPr b="0" lang="en-US" sz="1800" spc="-1" strike="noStrike">
+            <a:endParaRPr lang="en-US" sz="1800" b="0" strike="noStrike" spc="-1">
               <a:solidFill>
                 <a:srgbClr val="000000"/>
               </a:solidFill>
               <a:uFill>
                 <a:solidFill>
-                  <a:srgbClr val="ffffff"/>
+                  <a:srgbClr val="FFFFFF"/>
                 </a:solidFill>
               </a:uFill>
               <a:latin typeface="Arial"/>
@@ -3293,22 +3909,25 @@
       </p:sp>
     </p:spTree>
   </p:cSld>
+  <p:clrMapOvr>
+    <a:masterClrMapping/>
+  </p:clrMapOvr>
   <p:timing>
     <p:tnLst>
       <p:par>
-        <p:cTn id="7" dur="indefinite" restart="never" nodeType="tmRoot">
+        <p:cTn id="1" dur="indefinite" restart="never" nodeType="tmRoot">
           <p:childTnLst>
             <p:seq>
-              <p:cTn id="8" nodeType="mainSeq"/>
+              <p:cTn id="2" nodeType="mainSeq"/>
               <p:prevCondLst>
-                <p:cond delay="0" evt="onPrev">
+                <p:cond evt="onPrev" delay="0">
                   <p:tgtEl>
                     <p:sldTgt/>
                   </p:tgtEl>
                 </p:cond>
               </p:prevCondLst>
               <p:nextCondLst>
-                <p:cond delay="0" evt="onNext">
+                <p:cond evt="onNext" delay="0">
                   <p:tgtEl>
                     <p:sldTgt/>
                   </p:tgtEl>
@@ -3324,7 +3943,7 @@
 </file>
 
 <file path=ppt/slides/slide5.xml><?xml version="1.0" encoding="utf-8"?>
-<p:sld xmlns:a="http://schemas.openxmlformats.org/drawingml/2006/main" xmlns:p="http://schemas.openxmlformats.org/presentationml/2006/main" xmlns:r="http://schemas.openxmlformats.org/officeDocument/2006/relationships" xmlns:p14="http://schemas.microsoft.com/office/powerpoint/2010/main" xmlns:p15="http://schemas.microsoft.com/office/powerpoint/2012/main" xmlns:mc="http://schemas.openxmlformats.org/markup-compatibility/2006">
+<p:sld xmlns:a="http://schemas.openxmlformats.org/drawingml/2006/main" xmlns:r="http://schemas.openxmlformats.org/officeDocument/2006/relationships" xmlns:p="http://schemas.openxmlformats.org/presentationml/2006/main">
   <p:cSld>
     <p:spTree>
       <p:nvGrpSpPr>
@@ -3355,7 +3974,7 @@
             <a:avLst/>
           </a:prstGeom>
           <a:solidFill>
-            <a:srgbClr val="4f5b93"/>
+            <a:srgbClr val="4F5B93"/>
           </a:solidFill>
           <a:ln>
             <a:noFill/>
@@ -3396,13 +4015,20 @@
           </a:ln>
         </p:spPr>
         <p:style>
-          <a:lnRef idx="0"/>
-          <a:fillRef idx="0"/>
-          <a:effectRef idx="0"/>
+          <a:lnRef idx="0">
+            <a:scrgbClr r="0" g="0" b="0"/>
+          </a:lnRef>
+          <a:fillRef idx="0">
+            <a:scrgbClr r="0" g="0" b="0"/>
+          </a:fillRef>
+          <a:effectRef idx="0">
+            <a:scrgbClr r="0" g="0" b="0"/>
+          </a:effectRef>
           <a:fontRef idx="minor"/>
         </p:style>
         <p:txBody>
-          <a:bodyPr wrap="none" lIns="90000" rIns="90000" tIns="45000" bIns="45000"/>
+          <a:bodyPr wrap="none" lIns="90000" tIns="45000" rIns="90000" bIns="45000"/>
+          <a:lstStyle/>
           <a:p>
             <a:pPr algn="ctr">
               <a:lnSpc>
@@ -3410,13 +4036,13 @@
               </a:lnSpc>
             </a:pPr>
             <a:r>
-              <a:rPr b="0" lang="en-US" sz="3600" spc="-1" strike="noStrike">
-                <a:solidFill>
-                  <a:srgbClr val="ffffff"/>
-                </a:solidFill>
-                <a:uFill>
-                  <a:solidFill>
-                    <a:srgbClr val="ffffff"/>
+              <a:rPr lang="en-US" sz="3600" b="0" strike="noStrike" spc="-1">
+                <a:solidFill>
+                  <a:srgbClr val="FFFFFF"/>
+                </a:solidFill>
+                <a:uFill>
+                  <a:solidFill>
+                    <a:srgbClr val="FFFFFF"/>
                   </a:solidFill>
                 </a:uFill>
                 <a:latin typeface="Lato"/>
@@ -3424,13 +4050,13 @@
               </a:rPr>
               <a:t>HOW TO USE CSS</a:t>
             </a:r>
-            <a:endParaRPr b="0" lang="en-US" sz="1800" spc="-1" strike="noStrike">
+            <a:endParaRPr lang="en-US" sz="1800" b="0" strike="noStrike" spc="-1">
               <a:solidFill>
                 <a:srgbClr val="000000"/>
               </a:solidFill>
               <a:uFill>
                 <a:solidFill>
-                  <a:srgbClr val="ffffff"/>
+                  <a:srgbClr val="FFFFFF"/>
                 </a:solidFill>
               </a:uFill>
               <a:latin typeface="Arial"/>
@@ -3458,32 +4084,39 @@
           </a:ln>
         </p:spPr>
         <p:style>
-          <a:lnRef idx="0"/>
-          <a:fillRef idx="0"/>
-          <a:effectRef idx="0"/>
+          <a:lnRef idx="0">
+            <a:scrgbClr r="0" g="0" b="0"/>
+          </a:lnRef>
+          <a:fillRef idx="0">
+            <a:scrgbClr r="0" g="0" b="0"/>
+          </a:fillRef>
+          <a:effectRef idx="0">
+            <a:scrgbClr r="0" g="0" b="0"/>
+          </a:effectRef>
           <a:fontRef idx="minor"/>
         </p:style>
         <p:txBody>
-          <a:bodyPr lIns="90000" rIns="90000" tIns="45000" bIns="45000"/>
+          <a:bodyPr lIns="90000" tIns="45000" rIns="90000" bIns="45000"/>
+          <a:lstStyle/>
           <a:p>
             <a:pPr marL="457200" indent="-456480">
               <a:lnSpc>
                 <a:spcPct val="150000"/>
               </a:lnSpc>
               <a:buClr>
-                <a:srgbClr val="ffffff"/>
+                <a:srgbClr val="FFFFFF"/>
               </a:buClr>
               <a:buFont typeface="Wingdings" charset="2"/>
               <a:buChar char=""/>
             </a:pPr>
             <a:r>
-              <a:rPr b="0" lang="en-US" sz="2400" spc="-1" strike="noStrike">
-                <a:solidFill>
-                  <a:srgbClr val="ffffff"/>
-                </a:solidFill>
-                <a:uFill>
-                  <a:solidFill>
-                    <a:srgbClr val="ffffff"/>
+              <a:rPr lang="en-US" sz="2400" b="0" strike="noStrike" spc="-1">
+                <a:solidFill>
+                  <a:srgbClr val="FFFFFF"/>
+                </a:solidFill>
+                <a:uFill>
+                  <a:solidFill>
+                    <a:srgbClr val="FFFFFF"/>
                   </a:solidFill>
                 </a:uFill>
                 <a:latin typeface="Lato"/>
@@ -3492,13 +4125,13 @@
               <a:t>There are </a:t>
             </a:r>
             <a:r>
-              <a:rPr b="1" lang="en-US" sz="2400" spc="-1" strike="noStrike">
-                <a:solidFill>
-                  <a:srgbClr val="ffff00"/>
-                </a:solidFill>
-                <a:uFill>
-                  <a:solidFill>
-                    <a:srgbClr val="ffffff"/>
+              <a:rPr lang="en-US" sz="2400" b="1" strike="noStrike" spc="-1">
+                <a:solidFill>
+                  <a:srgbClr val="FFFF00"/>
+                </a:solidFill>
+                <a:uFill>
+                  <a:solidFill>
+                    <a:srgbClr val="FFFFFF"/>
                   </a:solidFill>
                 </a:uFill>
                 <a:latin typeface="Lato"/>
@@ -3507,13 +4140,13 @@
               <a:t>three ways </a:t>
             </a:r>
             <a:r>
-              <a:rPr b="0" lang="en-US" sz="2400" spc="-1" strike="noStrike">
-                <a:solidFill>
-                  <a:srgbClr val="ffffff"/>
-                </a:solidFill>
-                <a:uFill>
-                  <a:solidFill>
-                    <a:srgbClr val="ffffff"/>
+              <a:rPr lang="en-US" sz="2400" b="0" strike="noStrike" spc="-1">
+                <a:solidFill>
+                  <a:srgbClr val="FFFFFF"/>
+                </a:solidFill>
+                <a:uFill>
+                  <a:solidFill>
+                    <a:srgbClr val="FFFFFF"/>
                   </a:solidFill>
                 </a:uFill>
                 <a:latin typeface="Lato"/>
@@ -3522,13 +4155,13 @@
               <a:t>to insert CSS into your HTML document : </a:t>
             </a:r>
             <a:r>
-              <a:rPr b="1" lang="en-US" sz="2400" spc="-1" strike="noStrike">
-                <a:solidFill>
-                  <a:srgbClr val="ffff00"/>
-                </a:solidFill>
-                <a:uFill>
-                  <a:solidFill>
-                    <a:srgbClr val="ffffff"/>
+              <a:rPr lang="en-US" sz="2400" b="1" strike="noStrike" spc="-1">
+                <a:solidFill>
+                  <a:srgbClr val="FFFF00"/>
+                </a:solidFill>
+                <a:uFill>
+                  <a:solidFill>
+                    <a:srgbClr val="FFFFFF"/>
                   </a:solidFill>
                 </a:uFill>
                 <a:latin typeface="Lato"/>
@@ -3537,13 +4170,13 @@
               <a:t>Inline style</a:t>
             </a:r>
             <a:r>
-              <a:rPr b="0" lang="en-US" sz="2400" spc="-1" strike="noStrike">
-                <a:solidFill>
-                  <a:srgbClr val="ffffff"/>
-                </a:solidFill>
-                <a:uFill>
-                  <a:solidFill>
-                    <a:srgbClr val="ffffff"/>
+              <a:rPr lang="en-US" sz="2400" b="0" strike="noStrike" spc="-1">
+                <a:solidFill>
+                  <a:srgbClr val="FFFFFF"/>
+                </a:solidFill>
+                <a:uFill>
+                  <a:solidFill>
+                    <a:srgbClr val="FFFFFF"/>
                   </a:solidFill>
                 </a:uFill>
                 <a:latin typeface="Lato"/>
@@ -3552,13 +4185,13 @@
               <a:t>, </a:t>
             </a:r>
             <a:r>
-              <a:rPr b="1" lang="en-US" sz="2400" spc="-1" strike="noStrike">
-                <a:solidFill>
-                  <a:srgbClr val="ffff00"/>
-                </a:solidFill>
-                <a:uFill>
-                  <a:solidFill>
-                    <a:srgbClr val="ffffff"/>
+              <a:rPr lang="en-US" sz="2400" b="1" strike="noStrike" spc="-1">
+                <a:solidFill>
+                  <a:srgbClr val="FFFF00"/>
+                </a:solidFill>
+                <a:uFill>
+                  <a:solidFill>
+                    <a:srgbClr val="FFFFFF"/>
                   </a:solidFill>
                 </a:uFill>
                 <a:latin typeface="Lato"/>
@@ -3567,13 +4200,13 @@
               <a:t>Internal style sheet</a:t>
             </a:r>
             <a:r>
-              <a:rPr b="0" lang="en-US" sz="2400" spc="-1" strike="noStrike">
-                <a:solidFill>
-                  <a:srgbClr val="ffffff"/>
-                </a:solidFill>
-                <a:uFill>
-                  <a:solidFill>
-                    <a:srgbClr val="ffffff"/>
+              <a:rPr lang="en-US" sz="2400" b="0" strike="noStrike" spc="-1">
+                <a:solidFill>
+                  <a:srgbClr val="FFFFFF"/>
+                </a:solidFill>
+                <a:uFill>
+                  <a:solidFill>
+                    <a:srgbClr val="FFFFFF"/>
                   </a:solidFill>
                 </a:uFill>
                 <a:latin typeface="Lato"/>
@@ -3582,13 +4215,13 @@
               <a:t> and </a:t>
             </a:r>
             <a:r>
-              <a:rPr b="1" lang="en-US" sz="2400" spc="-1" strike="noStrike">
-                <a:solidFill>
-                  <a:srgbClr val="ffff00"/>
-                </a:solidFill>
-                <a:uFill>
-                  <a:solidFill>
-                    <a:srgbClr val="ffffff"/>
+              <a:rPr lang="en-US" sz="2400" b="1" strike="noStrike" spc="-1">
+                <a:solidFill>
+                  <a:srgbClr val="FFFF00"/>
+                </a:solidFill>
+                <a:uFill>
+                  <a:solidFill>
+                    <a:srgbClr val="FFFFFF"/>
                   </a:solidFill>
                 </a:uFill>
                 <a:latin typeface="Lato"/>
@@ -3597,13 +4230,13 @@
               <a:t>External style sheet</a:t>
             </a:r>
             <a:r>
-              <a:rPr b="0" lang="en-US" sz="2400" spc="-1" strike="noStrike">
-                <a:solidFill>
-                  <a:srgbClr val="ffffff"/>
-                </a:solidFill>
-                <a:uFill>
-                  <a:solidFill>
-                    <a:srgbClr val="ffffff"/>
+              <a:rPr lang="en-US" sz="2400" b="0" strike="noStrike" spc="-1">
+                <a:solidFill>
+                  <a:srgbClr val="FFFFFF"/>
+                </a:solidFill>
+                <a:uFill>
+                  <a:solidFill>
+                    <a:srgbClr val="FFFFFF"/>
                   </a:solidFill>
                 </a:uFill>
                 <a:latin typeface="Lato"/>
@@ -3611,13 +4244,13 @@
               </a:rPr>
               <a:t>.</a:t>
             </a:r>
-            <a:endParaRPr b="0" lang="en-US" sz="1800" spc="-1" strike="noStrike">
+            <a:endParaRPr lang="en-US" sz="1800" b="0" strike="noStrike" spc="-1">
               <a:solidFill>
                 <a:srgbClr val="000000"/>
               </a:solidFill>
               <a:uFill>
                 <a:solidFill>
-                  <a:srgbClr val="ffffff"/>
+                  <a:srgbClr val="FFFFFF"/>
                 </a:solidFill>
               </a:uFill>
               <a:latin typeface="Arial"/>
@@ -3629,19 +4262,19 @@
                 <a:spcPct val="150000"/>
               </a:lnSpc>
               <a:buClr>
-                <a:srgbClr val="ffffff"/>
+                <a:srgbClr val="FFFFFF"/>
               </a:buClr>
               <a:buFont typeface="Wingdings" charset="2"/>
               <a:buChar char=""/>
             </a:pPr>
             <a:r>
-              <a:rPr b="0" lang="en-US" sz="2400" spc="-1" strike="noStrike">
-                <a:solidFill>
-                  <a:srgbClr val="ffffff"/>
-                </a:solidFill>
-                <a:uFill>
-                  <a:solidFill>
-                    <a:srgbClr val="ffffff"/>
+              <a:rPr lang="en-US" sz="2400" b="0" strike="noStrike" spc="-1">
+                <a:solidFill>
+                  <a:srgbClr val="FFFFFF"/>
+                </a:solidFill>
+                <a:uFill>
+                  <a:solidFill>
+                    <a:srgbClr val="FFFFFF"/>
                   </a:solidFill>
                 </a:uFill>
                 <a:latin typeface="Lato"/>
@@ -3650,13 +4283,13 @@
               <a:t>An Inline style may be used to apply a unique style for a single element, </a:t>
             </a:r>
             <a:r>
-              <a:rPr b="1" lang="en-US" sz="2400" spc="-1" strike="noStrike">
-                <a:solidFill>
-                  <a:srgbClr val="ffff00"/>
-                </a:solidFill>
-                <a:uFill>
-                  <a:solidFill>
-                    <a:srgbClr val="ffffff"/>
+              <a:rPr lang="en-US" sz="2400" b="1" strike="noStrike" spc="-1">
+                <a:solidFill>
+                  <a:srgbClr val="FFFF00"/>
+                </a:solidFill>
+                <a:uFill>
+                  <a:solidFill>
+                    <a:srgbClr val="FFFFFF"/>
                   </a:solidFill>
                 </a:uFill>
                 <a:latin typeface="Lato"/>
@@ -3665,13 +4298,13 @@
               <a:t>using the style attribute </a:t>
             </a:r>
             <a:r>
-              <a:rPr b="0" lang="en-US" sz="2400" spc="-1" strike="noStrike">
-                <a:solidFill>
-                  <a:srgbClr val="ffffff"/>
-                </a:solidFill>
-                <a:uFill>
-                  <a:solidFill>
-                    <a:srgbClr val="ffffff"/>
+              <a:rPr lang="en-US" sz="2400" b="0" strike="noStrike" spc="-1">
+                <a:solidFill>
+                  <a:srgbClr val="FFFFFF"/>
+                </a:solidFill>
+                <a:uFill>
+                  <a:solidFill>
+                    <a:srgbClr val="FFFFFF"/>
                   </a:solidFill>
                 </a:uFill>
                 <a:latin typeface="Lato"/>
@@ -3679,13 +4312,13 @@
               </a:rPr>
               <a:t>to declare style of element.</a:t>
             </a:r>
-            <a:endParaRPr b="0" lang="en-US" sz="1800" spc="-1" strike="noStrike">
+            <a:endParaRPr lang="en-US" sz="1800" b="0" strike="noStrike" spc="-1">
               <a:solidFill>
                 <a:srgbClr val="000000"/>
               </a:solidFill>
               <a:uFill>
                 <a:solidFill>
-                  <a:srgbClr val="ffffff"/>
+                  <a:srgbClr val="FFFFFF"/>
                 </a:solidFill>
               </a:uFill>
               <a:latin typeface="Arial"/>
@@ -3697,19 +4330,19 @@
                 <a:spcPct val="150000"/>
               </a:lnSpc>
               <a:buClr>
-                <a:srgbClr val="ffffff"/>
+                <a:srgbClr val="FFFFFF"/>
               </a:buClr>
               <a:buFont typeface="Wingdings" charset="2"/>
               <a:buChar char=""/>
             </a:pPr>
             <a:r>
-              <a:rPr b="0" lang="en-US" sz="2400" spc="-1" strike="noStrike">
-                <a:solidFill>
-                  <a:srgbClr val="ffffff"/>
-                </a:solidFill>
-                <a:uFill>
-                  <a:solidFill>
-                    <a:srgbClr val="ffffff"/>
+              <a:rPr lang="en-US" sz="2400" b="0" strike="noStrike" spc="-1">
+                <a:solidFill>
+                  <a:srgbClr val="FFFFFF"/>
+                </a:solidFill>
+                <a:uFill>
+                  <a:solidFill>
+                    <a:srgbClr val="FFFFFF"/>
                   </a:solidFill>
                 </a:uFill>
                 <a:latin typeface="Lato"/>
@@ -3718,13 +4351,13 @@
               <a:t>An Internal style sheet may be used if one single page has a unique style, using </a:t>
             </a:r>
             <a:r>
-              <a:rPr b="1" lang="en-US" sz="2400" spc="-1" strike="noStrike">
-                <a:solidFill>
-                  <a:srgbClr val="ffff00"/>
-                </a:solidFill>
-                <a:uFill>
-                  <a:solidFill>
-                    <a:srgbClr val="ffffff"/>
+              <a:rPr lang="en-US" sz="2400" b="1" strike="noStrike" spc="-1">
+                <a:solidFill>
+                  <a:srgbClr val="FFFF00"/>
+                </a:solidFill>
+                <a:uFill>
+                  <a:solidFill>
+                    <a:srgbClr val="FFFFFF"/>
                   </a:solidFill>
                 </a:uFill>
                 <a:latin typeface="Lato"/>
@@ -3733,13 +4366,13 @@
               <a:t>&lt;style&gt; &lt;/style&gt; </a:t>
             </a:r>
             <a:r>
-              <a:rPr b="0" lang="en-US" sz="2400" spc="-1" strike="noStrike">
-                <a:solidFill>
-                  <a:srgbClr val="ffffff"/>
-                </a:solidFill>
-                <a:uFill>
-                  <a:solidFill>
-                    <a:srgbClr val="ffffff"/>
+              <a:rPr lang="en-US" sz="2400" b="0" strike="noStrike" spc="-1">
+                <a:solidFill>
+                  <a:srgbClr val="FFFFFF"/>
+                </a:solidFill>
+                <a:uFill>
+                  <a:solidFill>
+                    <a:srgbClr val="FFFFFF"/>
                   </a:solidFill>
                 </a:uFill>
                 <a:latin typeface="Lato"/>
@@ -3747,13 +4380,13 @@
               </a:rPr>
               <a:t>tag to define style of whole page through element, id or class of element.</a:t>
             </a:r>
-            <a:endParaRPr b="0" lang="en-US" sz="1800" spc="-1" strike="noStrike">
+            <a:endParaRPr lang="en-US" sz="1800" b="0" strike="noStrike" spc="-1">
               <a:solidFill>
                 <a:srgbClr val="000000"/>
               </a:solidFill>
               <a:uFill>
                 <a:solidFill>
-                  <a:srgbClr val="ffffff"/>
+                  <a:srgbClr val="FFFFFF"/>
                 </a:solidFill>
               </a:uFill>
               <a:latin typeface="Arial"/>
@@ -3765,19 +4398,19 @@
                 <a:spcPct val="150000"/>
               </a:lnSpc>
               <a:buClr>
-                <a:srgbClr val="ffffff"/>
+                <a:srgbClr val="FFFFFF"/>
               </a:buClr>
               <a:buFont typeface="Wingdings" charset="2"/>
               <a:buChar char=""/>
             </a:pPr>
             <a:r>
-              <a:rPr b="0" lang="en-US" sz="2400" spc="-1" strike="noStrike">
-                <a:solidFill>
-                  <a:srgbClr val="ffffff"/>
-                </a:solidFill>
-                <a:uFill>
-                  <a:solidFill>
-                    <a:srgbClr val="ffffff"/>
+              <a:rPr lang="en-US" sz="2400" b="0" strike="noStrike" spc="-1">
+                <a:solidFill>
+                  <a:srgbClr val="FFFFFF"/>
+                </a:solidFill>
+                <a:uFill>
+                  <a:solidFill>
+                    <a:srgbClr val="FFFFFF"/>
                   </a:solidFill>
                 </a:uFill>
                 <a:latin typeface="Lato"/>
@@ -3786,13 +4419,13 @@
               <a:t>An External style sheet can change the look of an entire website by changing just one file, using </a:t>
             </a:r>
             <a:r>
-              <a:rPr b="1" lang="en-US" sz="2400" spc="-1" strike="noStrike">
-                <a:solidFill>
-                  <a:srgbClr val="ffff00"/>
-                </a:solidFill>
-                <a:uFill>
-                  <a:solidFill>
-                    <a:srgbClr val="ffffff"/>
+              <a:rPr lang="en-US" sz="2400" b="1" strike="noStrike" spc="-1">
+                <a:solidFill>
+                  <a:srgbClr val="FFFF00"/>
+                </a:solidFill>
+                <a:uFill>
+                  <a:solidFill>
+                    <a:srgbClr val="FFFFFF"/>
                   </a:solidFill>
                 </a:uFill>
                 <a:latin typeface="Lato"/>
@@ -3801,13 +4434,13 @@
               <a:t>&lt;link&gt;</a:t>
             </a:r>
             <a:r>
-              <a:rPr b="0" lang="en-US" sz="2400" spc="-1" strike="noStrike">
-                <a:solidFill>
-                  <a:srgbClr val="ffffff"/>
-                </a:solidFill>
-                <a:uFill>
-                  <a:solidFill>
-                    <a:srgbClr val="ffffff"/>
+              <a:rPr lang="en-US" sz="2400" b="0" strike="noStrike" spc="-1">
+                <a:solidFill>
+                  <a:srgbClr val="FFFFFF"/>
+                </a:solidFill>
+                <a:uFill>
+                  <a:solidFill>
+                    <a:srgbClr val="FFFFFF"/>
                   </a:solidFill>
                 </a:uFill>
                 <a:latin typeface="Lato"/>
@@ -3815,13 +4448,13 @@
               </a:rPr>
               <a:t> tag to define the file.</a:t>
             </a:r>
-            <a:endParaRPr b="0" lang="en-US" sz="1800" spc="-1" strike="noStrike">
+            <a:endParaRPr lang="en-US" sz="1800" b="0" strike="noStrike" spc="-1">
               <a:solidFill>
                 <a:srgbClr val="000000"/>
               </a:solidFill>
               <a:uFill>
                 <a:solidFill>
-                  <a:srgbClr val="ffffff"/>
+                  <a:srgbClr val="FFFFFF"/>
                 </a:solidFill>
               </a:uFill>
               <a:latin typeface="Arial"/>
@@ -3833,13 +4466,13 @@
                 <a:spcPct val="150000"/>
               </a:lnSpc>
             </a:pPr>
-            <a:endParaRPr b="0" lang="en-US" sz="1800" spc="-1" strike="noStrike">
+            <a:endParaRPr lang="en-US" sz="1800" b="0" strike="noStrike" spc="-1">
               <a:solidFill>
                 <a:srgbClr val="000000"/>
               </a:solidFill>
               <a:uFill>
                 <a:solidFill>
-                  <a:srgbClr val="ffffff"/>
+                  <a:srgbClr val="FFFFFF"/>
                 </a:solidFill>
               </a:uFill>
               <a:latin typeface="Arial"/>
@@ -3883,22 +4516,25 @@
       </p:sp>
     </p:spTree>
   </p:cSld>
+  <p:clrMapOvr>
+    <a:masterClrMapping/>
+  </p:clrMapOvr>
   <p:timing>
     <p:tnLst>
       <p:par>
-        <p:cTn id="9" dur="indefinite" restart="never" nodeType="tmRoot">
+        <p:cTn id="1" dur="indefinite" restart="never" nodeType="tmRoot">
           <p:childTnLst>
             <p:seq>
-              <p:cTn id="10" nodeType="mainSeq"/>
+              <p:cTn id="2" nodeType="mainSeq"/>
               <p:prevCondLst>
-                <p:cond delay="0" evt="onPrev">
+                <p:cond evt="onPrev" delay="0">
                   <p:tgtEl>
                     <p:sldTgt/>
                   </p:tgtEl>
                 </p:cond>
               </p:prevCondLst>
               <p:nextCondLst>
-                <p:cond delay="0" evt="onNext">
+                <p:cond evt="onNext" delay="0">
                   <p:tgtEl>
                     <p:sldTgt/>
                   </p:tgtEl>
@@ -3914,7 +4550,7 @@
 </file>
 
 <file path=ppt/slides/slide6.xml><?xml version="1.0" encoding="utf-8"?>
-<p:sld xmlns:a="http://schemas.openxmlformats.org/drawingml/2006/main" xmlns:p="http://schemas.openxmlformats.org/presentationml/2006/main" xmlns:r="http://schemas.openxmlformats.org/officeDocument/2006/relationships" xmlns:p14="http://schemas.microsoft.com/office/powerpoint/2010/main" xmlns:p15="http://schemas.microsoft.com/office/powerpoint/2012/main" xmlns:mc="http://schemas.openxmlformats.org/markup-compatibility/2006">
+<p:sld xmlns:a="http://schemas.openxmlformats.org/drawingml/2006/main" xmlns:r="http://schemas.openxmlformats.org/officeDocument/2006/relationships" xmlns:p="http://schemas.openxmlformats.org/presentationml/2006/main">
   <p:cSld>
     <p:spTree>
       <p:nvGrpSpPr>
@@ -3945,7 +4581,7 @@
             <a:avLst/>
           </a:prstGeom>
           <a:solidFill>
-            <a:srgbClr val="4f5b93"/>
+            <a:srgbClr val="4F5B93"/>
           </a:solidFill>
           <a:ln>
             <a:noFill/>
@@ -3986,13 +4622,20 @@
           </a:ln>
         </p:spPr>
         <p:style>
-          <a:lnRef idx="0"/>
-          <a:fillRef idx="0"/>
-          <a:effectRef idx="0"/>
+          <a:lnRef idx="0">
+            <a:scrgbClr r="0" g="0" b="0"/>
+          </a:lnRef>
+          <a:fillRef idx="0">
+            <a:scrgbClr r="0" g="0" b="0"/>
+          </a:fillRef>
+          <a:effectRef idx="0">
+            <a:scrgbClr r="0" g="0" b="0"/>
+          </a:effectRef>
           <a:fontRef idx="minor"/>
         </p:style>
         <p:txBody>
-          <a:bodyPr wrap="none" lIns="90000" rIns="90000" tIns="45000" bIns="45000"/>
+          <a:bodyPr wrap="none" lIns="90000" tIns="45000" rIns="90000" bIns="45000"/>
+          <a:lstStyle/>
           <a:p>
             <a:pPr algn="ctr">
               <a:lnSpc>
@@ -4000,13 +4643,13 @@
               </a:lnSpc>
             </a:pPr>
             <a:r>
-              <a:rPr b="0" lang="en-US" sz="3600" spc="-1" strike="noStrike">
-                <a:solidFill>
-                  <a:srgbClr val="ffffff"/>
-                </a:solidFill>
-                <a:uFill>
-                  <a:solidFill>
-                    <a:srgbClr val="ffffff"/>
+              <a:rPr lang="en-US" sz="3600" b="0" strike="noStrike" spc="-1">
+                <a:solidFill>
+                  <a:srgbClr val="FFFFFF"/>
+                </a:solidFill>
+                <a:uFill>
+                  <a:solidFill>
+                    <a:srgbClr val="FFFFFF"/>
                   </a:solidFill>
                 </a:uFill>
                 <a:latin typeface="Lato"/>
@@ -4014,13 +4657,13 @@
               </a:rPr>
               <a:t>CSS COLOR &amp; BACKGROUND</a:t>
             </a:r>
-            <a:endParaRPr b="0" lang="en-US" sz="1800" spc="-1" strike="noStrike">
+            <a:endParaRPr lang="en-US" sz="1800" b="0" strike="noStrike" spc="-1">
               <a:solidFill>
                 <a:srgbClr val="000000"/>
               </a:solidFill>
               <a:uFill>
                 <a:solidFill>
-                  <a:srgbClr val="ffffff"/>
+                  <a:srgbClr val="FFFFFF"/>
                 </a:solidFill>
               </a:uFill>
               <a:latin typeface="Arial"/>
@@ -4048,32 +4691,39 @@
           </a:ln>
         </p:spPr>
         <p:style>
-          <a:lnRef idx="0"/>
-          <a:fillRef idx="0"/>
-          <a:effectRef idx="0"/>
+          <a:lnRef idx="0">
+            <a:scrgbClr r="0" g="0" b="0"/>
+          </a:lnRef>
+          <a:fillRef idx="0">
+            <a:scrgbClr r="0" g="0" b="0"/>
+          </a:fillRef>
+          <a:effectRef idx="0">
+            <a:scrgbClr r="0" g="0" b="0"/>
+          </a:effectRef>
           <a:fontRef idx="minor"/>
         </p:style>
         <p:txBody>
-          <a:bodyPr lIns="90000" rIns="90000" tIns="45000" bIns="45000"/>
+          <a:bodyPr lIns="90000" tIns="45000" rIns="90000" bIns="45000"/>
+          <a:lstStyle/>
           <a:p>
             <a:pPr marL="457200" indent="-456480">
               <a:lnSpc>
                 <a:spcPct val="150000"/>
               </a:lnSpc>
               <a:buClr>
-                <a:srgbClr val="ffffff"/>
+                <a:srgbClr val="FFFFFF"/>
               </a:buClr>
               <a:buFont typeface="Wingdings" charset="2"/>
               <a:buChar char=""/>
             </a:pPr>
             <a:r>
-              <a:rPr b="0" lang="en-US" sz="2400" spc="-1" strike="noStrike">
-                <a:solidFill>
-                  <a:srgbClr val="ffffff"/>
-                </a:solidFill>
-                <a:uFill>
-                  <a:solidFill>
-                    <a:srgbClr val="ffffff"/>
+              <a:rPr lang="en-US" sz="2400" b="0" strike="noStrike" spc="-1">
+                <a:solidFill>
+                  <a:srgbClr val="FFFFFF"/>
+                </a:solidFill>
+                <a:uFill>
+                  <a:solidFill>
+                    <a:srgbClr val="FFFFFF"/>
                   </a:solidFill>
                 </a:uFill>
                 <a:latin typeface="Lato"/>
@@ -4081,13 +4731,13 @@
               </a:rPr>
               <a:t>Colors are specified using predefined color names, or RGB, HEX, HSL, RGBA, HSLA values.</a:t>
             </a:r>
-            <a:endParaRPr b="0" lang="en-US" sz="1800" spc="-1" strike="noStrike">
+            <a:endParaRPr lang="en-US" sz="1800" b="0" strike="noStrike" spc="-1">
               <a:solidFill>
                 <a:srgbClr val="000000"/>
               </a:solidFill>
               <a:uFill>
                 <a:solidFill>
-                  <a:srgbClr val="ffffff"/>
+                  <a:srgbClr val="FFFFFF"/>
                 </a:solidFill>
               </a:uFill>
               <a:latin typeface="Arial"/>
@@ -4099,19 +4749,19 @@
                 <a:spcPct val="150000"/>
               </a:lnSpc>
               <a:buClr>
-                <a:srgbClr val="ffffff"/>
+                <a:srgbClr val="FFFFFF"/>
               </a:buClr>
               <a:buFont typeface="Wingdings" charset="2"/>
               <a:buChar char=""/>
             </a:pPr>
             <a:r>
-              <a:rPr b="0" lang="en-US" sz="2400" spc="-1" strike="noStrike">
-                <a:solidFill>
-                  <a:srgbClr val="ffffff"/>
-                </a:solidFill>
-                <a:uFill>
-                  <a:solidFill>
-                    <a:srgbClr val="ffffff"/>
+              <a:rPr lang="en-US" sz="2400" b="0" strike="noStrike" spc="-1">
+                <a:solidFill>
+                  <a:srgbClr val="FFFFFF"/>
+                </a:solidFill>
+                <a:uFill>
+                  <a:solidFill>
+                    <a:srgbClr val="FFFFFF"/>
                   </a:solidFill>
                 </a:uFill>
                 <a:latin typeface="Lato"/>
@@ -4119,13 +4769,13 @@
               </a:rPr>
               <a:t>There are some colors property like : color, background-color.</a:t>
             </a:r>
-            <a:endParaRPr b="0" lang="en-US" sz="1800" spc="-1" strike="noStrike">
+            <a:endParaRPr lang="en-US" sz="1800" b="0" strike="noStrike" spc="-1">
               <a:solidFill>
                 <a:srgbClr val="000000"/>
               </a:solidFill>
               <a:uFill>
                 <a:solidFill>
-                  <a:srgbClr val="ffffff"/>
+                  <a:srgbClr val="FFFFFF"/>
                 </a:solidFill>
               </a:uFill>
               <a:latin typeface="Arial"/>
@@ -4137,19 +4787,19 @@
                 <a:spcPct val="150000"/>
               </a:lnSpc>
               <a:buClr>
-                <a:srgbClr val="ffffff"/>
+                <a:srgbClr val="FFFFFF"/>
               </a:buClr>
               <a:buFont typeface="Wingdings" charset="2"/>
               <a:buChar char=""/>
             </a:pPr>
             <a:r>
-              <a:rPr b="0" lang="en-US" sz="2400" spc="-1" strike="noStrike">
-                <a:solidFill>
-                  <a:srgbClr val="ffffff"/>
-                </a:solidFill>
-                <a:uFill>
-                  <a:solidFill>
-                    <a:srgbClr val="ffffff"/>
+              <a:rPr lang="en-US" sz="2400" b="0" strike="noStrike" spc="-1">
+                <a:solidFill>
+                  <a:srgbClr val="FFFFFF"/>
+                </a:solidFill>
+                <a:uFill>
+                  <a:solidFill>
+                    <a:srgbClr val="FFFFFF"/>
                   </a:solidFill>
                 </a:uFill>
                 <a:latin typeface="Lato"/>
@@ -4157,13 +4807,13 @@
               </a:rPr>
               <a:t>The CSS background properties are used to defined the background effects for elements : background-color, background-image, ...</a:t>
             </a:r>
-            <a:endParaRPr b="0" lang="en-US" sz="1800" spc="-1" strike="noStrike">
+            <a:endParaRPr lang="en-US" sz="1800" b="0" strike="noStrike" spc="-1">
               <a:solidFill>
                 <a:srgbClr val="000000"/>
               </a:solidFill>
               <a:uFill>
                 <a:solidFill>
-                  <a:srgbClr val="ffffff"/>
+                  <a:srgbClr val="FFFFFF"/>
                 </a:solidFill>
               </a:uFill>
               <a:latin typeface="Arial"/>
@@ -4207,30 +4857,7 @@
       </p:sp>
       <p:pic>
         <p:nvPicPr>
-          <p:cNvPr id="61" name="Picture 4" descr=""/>
-          <p:cNvPicPr/>
-          <p:nvPr/>
-        </p:nvPicPr>
-        <p:blipFill>
-          <a:blip r:embed="rId1"/>
-          <a:stretch/>
-        </p:blipFill>
-        <p:spPr>
-          <a:xfrm>
-            <a:off x="2126880" y="4702320"/>
-            <a:ext cx="3972240" cy="1037880"/>
-          </a:xfrm>
-          <a:prstGeom prst="rect">
-            <a:avLst/>
-          </a:prstGeom>
-          <a:ln>
-            <a:noFill/>
-          </a:ln>
-        </p:spPr>
-      </p:pic>
-      <p:pic>
-        <p:nvPicPr>
-          <p:cNvPr id="62" name="" descr=""/>
+          <p:cNvPr id="61" name="Picture 4"/>
           <p:cNvPicPr/>
           <p:nvPr/>
         </p:nvPicPr>
@@ -4240,8 +4867,8 @@
         </p:blipFill>
         <p:spPr>
           <a:xfrm>
-            <a:off x="6333120" y="4693320"/>
-            <a:ext cx="4114800" cy="1014840"/>
+            <a:off x="2126880" y="4702320"/>
+            <a:ext cx="3972240" cy="1037880"/>
           </a:xfrm>
           <a:prstGeom prst="rect">
             <a:avLst/>
@@ -4251,24 +4878,50 @@
           </a:ln>
         </p:spPr>
       </p:pic>
+      <p:pic>
+        <p:nvPicPr>
+          <p:cNvPr id="62" name="Picture 61"/>
+          <p:cNvPicPr/>
+          <p:nvPr/>
+        </p:nvPicPr>
+        <p:blipFill>
+          <a:blip r:embed="rId3"/>
+          <a:stretch/>
+        </p:blipFill>
+        <p:spPr>
+          <a:xfrm>
+            <a:off x="6333120" y="4693320"/>
+            <a:ext cx="4114800" cy="1014840"/>
+          </a:xfrm>
+          <a:prstGeom prst="rect">
+            <a:avLst/>
+          </a:prstGeom>
+          <a:ln>
+            <a:noFill/>
+          </a:ln>
+        </p:spPr>
+      </p:pic>
     </p:spTree>
   </p:cSld>
+  <p:clrMapOvr>
+    <a:masterClrMapping/>
+  </p:clrMapOvr>
   <p:timing>
     <p:tnLst>
       <p:par>
-        <p:cTn id="11" dur="indefinite" restart="never" nodeType="tmRoot">
+        <p:cTn id="1" dur="indefinite" restart="never" nodeType="tmRoot">
           <p:childTnLst>
             <p:seq>
-              <p:cTn id="12" nodeType="mainSeq"/>
+              <p:cTn id="2" nodeType="mainSeq"/>
               <p:prevCondLst>
-                <p:cond delay="0" evt="onPrev">
+                <p:cond evt="onPrev" delay="0">
                   <p:tgtEl>
                     <p:sldTgt/>
                   </p:tgtEl>
                 </p:cond>
               </p:prevCondLst>
               <p:nextCondLst>
-                <p:cond delay="0" evt="onNext">
+                <p:cond evt="onNext" delay="0">
                   <p:tgtEl>
                     <p:sldTgt/>
                   </p:tgtEl>
@@ -4284,7 +4937,7 @@
 </file>
 
 <file path=ppt/slides/slide7.xml><?xml version="1.0" encoding="utf-8"?>
-<p:sld xmlns:a="http://schemas.openxmlformats.org/drawingml/2006/main" xmlns:p="http://schemas.openxmlformats.org/presentationml/2006/main" xmlns:r="http://schemas.openxmlformats.org/officeDocument/2006/relationships" xmlns:p14="http://schemas.microsoft.com/office/powerpoint/2010/main" xmlns:p15="http://schemas.microsoft.com/office/powerpoint/2012/main" xmlns:mc="http://schemas.openxmlformats.org/markup-compatibility/2006">
+<p:sld xmlns:a="http://schemas.openxmlformats.org/drawingml/2006/main" xmlns:r="http://schemas.openxmlformats.org/officeDocument/2006/relationships" xmlns:p="http://schemas.openxmlformats.org/presentationml/2006/main">
   <p:cSld>
     <p:spTree>
       <p:nvGrpSpPr>
@@ -4315,7 +4968,7 @@
             <a:avLst/>
           </a:prstGeom>
           <a:solidFill>
-            <a:srgbClr val="4f5b93"/>
+            <a:srgbClr val="4F5B93"/>
           </a:solidFill>
           <a:ln>
             <a:noFill/>
@@ -4356,13 +5009,20 @@
           </a:ln>
         </p:spPr>
         <p:style>
-          <a:lnRef idx="0"/>
-          <a:fillRef idx="0"/>
-          <a:effectRef idx="0"/>
+          <a:lnRef idx="0">
+            <a:scrgbClr r="0" g="0" b="0"/>
+          </a:lnRef>
+          <a:fillRef idx="0">
+            <a:scrgbClr r="0" g="0" b="0"/>
+          </a:fillRef>
+          <a:effectRef idx="0">
+            <a:scrgbClr r="0" g="0" b="0"/>
+          </a:effectRef>
           <a:fontRef idx="minor"/>
         </p:style>
         <p:txBody>
-          <a:bodyPr wrap="none" lIns="90000" rIns="90000" tIns="45000" bIns="45000"/>
+          <a:bodyPr wrap="none" lIns="90000" tIns="45000" rIns="90000" bIns="45000"/>
+          <a:lstStyle/>
           <a:p>
             <a:pPr algn="ctr">
               <a:lnSpc>
@@ -4370,13 +5030,13 @@
               </a:lnSpc>
             </a:pPr>
             <a:r>
-              <a:rPr b="0" lang="en-US" sz="3600" spc="-1" strike="noStrike">
-                <a:solidFill>
-                  <a:srgbClr val="ffffff"/>
-                </a:solidFill>
-                <a:uFill>
-                  <a:solidFill>
-                    <a:srgbClr val="ffffff"/>
+              <a:rPr lang="en-US" sz="3600" b="0" strike="noStrike" spc="-1">
+                <a:solidFill>
+                  <a:srgbClr val="FFFFFF"/>
+                </a:solidFill>
+                <a:uFill>
+                  <a:solidFill>
+                    <a:srgbClr val="FFFFFF"/>
                   </a:solidFill>
                 </a:uFill>
                 <a:latin typeface="Lato"/>
@@ -4384,666 +5044,13 @@
               </a:rPr>
               <a:t>CSS BORDER, MARGIN &amp; PADDING</a:t>
             </a:r>
-            <a:endParaRPr b="0" lang="en-US" sz="1800" spc="-1" strike="noStrike">
+            <a:endParaRPr lang="en-US" sz="1800" b="0" strike="noStrike" spc="-1">
               <a:solidFill>
                 <a:srgbClr val="000000"/>
               </a:solidFill>
               <a:uFill>
                 <a:solidFill>
-                  <a:srgbClr val="ffffff"/>
-                </a:solidFill>
-              </a:uFill>
-              <a:latin typeface="Arial"/>
-            </a:endParaRPr>
-          </a:p>
-        </p:txBody>
-      </p:sp>
-      <p:sp>
-        <p:nvSpPr>
-          <p:cNvPr id="65" name="CustomShape 3"/>
-          <p:cNvSpPr/>
-          <p:nvPr/>
-        </p:nvSpPr>
-        <p:spPr>
-          <a:xfrm>
-            <a:off x="0" y="1498680"/>
-            <a:ext cx="12191400" cy="4498920"/>
-          </a:xfrm>
-          <a:prstGeom prst="rect">
-            <a:avLst/>
-          </a:prstGeom>
-          <a:noFill/>
-          <a:ln>
-            <a:noFill/>
-          </a:ln>
-        </p:spPr>
-        <p:style>
-          <a:lnRef idx="0"/>
-          <a:fillRef idx="0"/>
-          <a:effectRef idx="0"/>
-          <a:fontRef idx="minor"/>
-        </p:style>
-        <p:txBody>
-          <a:bodyPr lIns="90000" rIns="90000" tIns="45000" bIns="45000"/>
-          <a:p>
-            <a:pPr marL="457200" indent="-456480">
-              <a:lnSpc>
-                <a:spcPct val="150000"/>
-              </a:lnSpc>
-              <a:buClr>
-                <a:srgbClr val="ffffff"/>
-              </a:buClr>
-              <a:buFont typeface="Wingdings" charset="2"/>
-              <a:buChar char=""/>
-            </a:pPr>
-            <a:r>
-              <a:rPr b="0" lang="en-US" sz="2400" spc="-1" strike="noStrike">
-                <a:solidFill>
-                  <a:srgbClr val="ffffff"/>
-                </a:solidFill>
-                <a:uFill>
-                  <a:solidFill>
-                    <a:srgbClr val="ffffff"/>
-                  </a:solidFill>
-                </a:uFill>
-                <a:latin typeface="Lato"/>
-                <a:ea typeface="DejaVu Sans"/>
-              </a:rPr>
-              <a:t>The CSS </a:t>
-            </a:r>
-            <a:r>
-              <a:rPr b="0" lang="en-US" sz="2400" spc="-1" strike="noStrike">
-                <a:solidFill>
-                  <a:srgbClr val="ffffff"/>
-                </a:solidFill>
-                <a:uFill>
-                  <a:solidFill>
-                    <a:srgbClr val="ffffff"/>
-                  </a:solidFill>
-                </a:uFill>
-                <a:latin typeface="Lato"/>
-                <a:ea typeface="DejaVu Sans"/>
-              </a:rPr>
-              <a:t>border </a:t>
-            </a:r>
-            <a:r>
-              <a:rPr b="0" lang="en-US" sz="2400" spc="-1" strike="noStrike">
-                <a:solidFill>
-                  <a:srgbClr val="ffffff"/>
-                </a:solidFill>
-                <a:uFill>
-                  <a:solidFill>
-                    <a:srgbClr val="ffffff"/>
-                  </a:solidFill>
-                </a:uFill>
-                <a:latin typeface="Lato"/>
-                <a:ea typeface="DejaVu Sans"/>
-              </a:rPr>
-              <a:t>propertie</a:t>
-            </a:r>
-            <a:r>
-              <a:rPr b="0" lang="en-US" sz="2400" spc="-1" strike="noStrike">
-                <a:solidFill>
-                  <a:srgbClr val="ffffff"/>
-                </a:solidFill>
-                <a:uFill>
-                  <a:solidFill>
-                    <a:srgbClr val="ffffff"/>
-                  </a:solidFill>
-                </a:uFill>
-                <a:latin typeface="Lato"/>
-                <a:ea typeface="DejaVu Sans"/>
-              </a:rPr>
-              <a:t>s allow </a:t>
-            </a:r>
-            <a:r>
-              <a:rPr b="0" lang="en-US" sz="2400" spc="-1" strike="noStrike">
-                <a:solidFill>
-                  <a:srgbClr val="ffffff"/>
-                </a:solidFill>
-                <a:uFill>
-                  <a:solidFill>
-                    <a:srgbClr val="ffffff"/>
-                  </a:solidFill>
-                </a:uFill>
-                <a:latin typeface="Lato"/>
-                <a:ea typeface="DejaVu Sans"/>
-              </a:rPr>
-              <a:t>you to </a:t>
-            </a:r>
-            <a:r>
-              <a:rPr b="0" lang="en-US" sz="2400" spc="-1" strike="noStrike">
-                <a:solidFill>
-                  <a:srgbClr val="ffffff"/>
-                </a:solidFill>
-                <a:uFill>
-                  <a:solidFill>
-                    <a:srgbClr val="ffffff"/>
-                  </a:solidFill>
-                </a:uFill>
-                <a:latin typeface="Lato"/>
-                <a:ea typeface="DejaVu Sans"/>
-              </a:rPr>
-              <a:t>specify </a:t>
-            </a:r>
-            <a:r>
-              <a:rPr b="0" lang="en-US" sz="2400" spc="-1" strike="noStrike">
-                <a:solidFill>
-                  <a:srgbClr val="ffffff"/>
-                </a:solidFill>
-                <a:uFill>
-                  <a:solidFill>
-                    <a:srgbClr val="ffffff"/>
-                  </a:solidFill>
-                </a:uFill>
-                <a:latin typeface="Lato"/>
-                <a:ea typeface="DejaVu Sans"/>
-              </a:rPr>
-              <a:t>the style, </a:t>
-            </a:r>
-            <a:r>
-              <a:rPr b="0" lang="en-US" sz="2400" spc="-1" strike="noStrike">
-                <a:solidFill>
-                  <a:srgbClr val="ffffff"/>
-                </a:solidFill>
-                <a:uFill>
-                  <a:solidFill>
-                    <a:srgbClr val="ffffff"/>
-                  </a:solidFill>
-                </a:uFill>
-                <a:latin typeface="Lato"/>
-                <a:ea typeface="DejaVu Sans"/>
-              </a:rPr>
-              <a:t>width and </a:t>
-            </a:r>
-            <a:r>
-              <a:rPr b="0" lang="en-US" sz="2400" spc="-1" strike="noStrike">
-                <a:solidFill>
-                  <a:srgbClr val="ffffff"/>
-                </a:solidFill>
-                <a:uFill>
-                  <a:solidFill>
-                    <a:srgbClr val="ffffff"/>
-                  </a:solidFill>
-                </a:uFill>
-                <a:latin typeface="Lato"/>
-                <a:ea typeface="DejaVu Sans"/>
-              </a:rPr>
-              <a:t>color of </a:t>
-            </a:r>
-            <a:r>
-              <a:rPr b="0" lang="en-US" sz="2400" spc="-1" strike="noStrike">
-                <a:solidFill>
-                  <a:srgbClr val="ffffff"/>
-                </a:solidFill>
-                <a:uFill>
-                  <a:solidFill>
-                    <a:srgbClr val="ffffff"/>
-                  </a:solidFill>
-                </a:uFill>
-                <a:latin typeface="Lato"/>
-                <a:ea typeface="DejaVu Sans"/>
-              </a:rPr>
-              <a:t>element’s </a:t>
-            </a:r>
-            <a:r>
-              <a:rPr b="0" lang="en-US" sz="2400" spc="-1" strike="noStrike">
-                <a:solidFill>
-                  <a:srgbClr val="ffffff"/>
-                </a:solidFill>
-                <a:uFill>
-                  <a:solidFill>
-                    <a:srgbClr val="ffffff"/>
-                  </a:solidFill>
-                </a:uFill>
-                <a:latin typeface="Lato"/>
-                <a:ea typeface="DejaVu Sans"/>
-              </a:rPr>
-              <a:t>border.</a:t>
-            </a:r>
-            <a:endParaRPr b="0" lang="en-US" sz="1800" spc="-1" strike="noStrike">
-              <a:solidFill>
-                <a:srgbClr val="000000"/>
-              </a:solidFill>
-              <a:uFill>
-                <a:solidFill>
-                  <a:srgbClr val="ffffff"/>
-                </a:solidFill>
-              </a:uFill>
-              <a:latin typeface="Arial"/>
-            </a:endParaRPr>
-          </a:p>
-          <a:p>
-            <a:pPr marL="457200" indent="-456480">
-              <a:lnSpc>
-                <a:spcPct val="150000"/>
-              </a:lnSpc>
-              <a:buClr>
-                <a:srgbClr val="ffffff"/>
-              </a:buClr>
-              <a:buFont typeface="Wingdings" charset="2"/>
-              <a:buChar char=""/>
-            </a:pPr>
-            <a:r>
-              <a:rPr b="0" lang="en-US" sz="2400" spc="-1" strike="noStrike">
-                <a:solidFill>
-                  <a:srgbClr val="ffffff"/>
-                </a:solidFill>
-                <a:uFill>
-                  <a:solidFill>
-                    <a:srgbClr val="ffffff"/>
-                  </a:solidFill>
-                </a:uFill>
-                <a:latin typeface="Lato"/>
-                <a:ea typeface="DejaVu Sans"/>
-              </a:rPr>
-              <a:t>The CSS </a:t>
-            </a:r>
-            <a:r>
-              <a:rPr b="0" lang="en-US" sz="2400" spc="-1" strike="noStrike">
-                <a:solidFill>
-                  <a:srgbClr val="ffffff"/>
-                </a:solidFill>
-                <a:uFill>
-                  <a:solidFill>
-                    <a:srgbClr val="ffffff"/>
-                  </a:solidFill>
-                </a:uFill>
-                <a:latin typeface="Lato"/>
-                <a:ea typeface="DejaVu Sans"/>
-              </a:rPr>
-              <a:t>margin </a:t>
-            </a:r>
-            <a:r>
-              <a:rPr b="0" lang="en-US" sz="2400" spc="-1" strike="noStrike">
-                <a:solidFill>
-                  <a:srgbClr val="ffffff"/>
-                </a:solidFill>
-                <a:uFill>
-                  <a:solidFill>
-                    <a:srgbClr val="ffffff"/>
-                  </a:solidFill>
-                </a:uFill>
-                <a:latin typeface="Lato"/>
-                <a:ea typeface="DejaVu Sans"/>
-              </a:rPr>
-              <a:t>propertie</a:t>
-            </a:r>
-            <a:r>
-              <a:rPr b="0" lang="en-US" sz="2400" spc="-1" strike="noStrike">
-                <a:solidFill>
-                  <a:srgbClr val="ffffff"/>
-                </a:solidFill>
-                <a:uFill>
-                  <a:solidFill>
-                    <a:srgbClr val="ffffff"/>
-                  </a:solidFill>
-                </a:uFill>
-                <a:latin typeface="Lato"/>
-                <a:ea typeface="DejaVu Sans"/>
-              </a:rPr>
-              <a:t>s are used </a:t>
-            </a:r>
-            <a:r>
-              <a:rPr b="0" lang="en-US" sz="2400" spc="-1" strike="noStrike">
-                <a:solidFill>
-                  <a:srgbClr val="ffffff"/>
-                </a:solidFill>
-                <a:uFill>
-                  <a:solidFill>
-                    <a:srgbClr val="ffffff"/>
-                  </a:solidFill>
-                </a:uFill>
-                <a:latin typeface="Lato"/>
-                <a:ea typeface="DejaVu Sans"/>
-              </a:rPr>
-              <a:t>to create </a:t>
-            </a:r>
-            <a:r>
-              <a:rPr b="0" lang="en-US" sz="2400" spc="-1" strike="noStrike">
-                <a:solidFill>
-                  <a:srgbClr val="ffffff"/>
-                </a:solidFill>
-                <a:uFill>
-                  <a:solidFill>
-                    <a:srgbClr val="ffffff"/>
-                  </a:solidFill>
-                </a:uFill>
-                <a:latin typeface="Lato"/>
-                <a:ea typeface="DejaVu Sans"/>
-              </a:rPr>
-              <a:t>space </a:t>
-            </a:r>
-            <a:r>
-              <a:rPr b="0" lang="en-US" sz="2400" spc="-1" strike="noStrike">
-                <a:solidFill>
-                  <a:srgbClr val="ffffff"/>
-                </a:solidFill>
-                <a:uFill>
-                  <a:solidFill>
-                    <a:srgbClr val="ffffff"/>
-                  </a:solidFill>
-                </a:uFill>
-                <a:latin typeface="Lato"/>
-                <a:ea typeface="DejaVu Sans"/>
-              </a:rPr>
-              <a:t>around </a:t>
-            </a:r>
-            <a:r>
-              <a:rPr b="0" lang="en-US" sz="2400" spc="-1" strike="noStrike">
-                <a:solidFill>
-                  <a:srgbClr val="ffffff"/>
-                </a:solidFill>
-                <a:uFill>
-                  <a:solidFill>
-                    <a:srgbClr val="ffffff"/>
-                  </a:solidFill>
-                </a:uFill>
-                <a:latin typeface="Lato"/>
-                <a:ea typeface="DejaVu Sans"/>
-              </a:rPr>
-              <a:t>elements, </a:t>
-            </a:r>
-            <a:r>
-              <a:rPr b="0" lang="en-US" sz="2400" spc="-1" strike="noStrike">
-                <a:solidFill>
-                  <a:srgbClr val="ffffff"/>
-                </a:solidFill>
-                <a:uFill>
-                  <a:solidFill>
-                    <a:srgbClr val="ffffff"/>
-                  </a:solidFill>
-                </a:uFill>
-                <a:latin typeface="Lato"/>
-                <a:ea typeface="DejaVu Sans"/>
-              </a:rPr>
-              <a:t>outside of </a:t>
-            </a:r>
-            <a:r>
-              <a:rPr b="0" lang="en-US" sz="2400" spc="-1" strike="noStrike">
-                <a:solidFill>
-                  <a:srgbClr val="ffffff"/>
-                </a:solidFill>
-                <a:uFill>
-                  <a:solidFill>
-                    <a:srgbClr val="ffffff"/>
-                  </a:solidFill>
-                </a:uFill>
-                <a:latin typeface="Lato"/>
-                <a:ea typeface="DejaVu Sans"/>
-              </a:rPr>
-              <a:t>any </a:t>
-            </a:r>
-            <a:r>
-              <a:rPr b="0" lang="en-US" sz="2400" spc="-1" strike="noStrike">
-                <a:solidFill>
-                  <a:srgbClr val="ffffff"/>
-                </a:solidFill>
-                <a:uFill>
-                  <a:solidFill>
-                    <a:srgbClr val="ffffff"/>
-                  </a:solidFill>
-                </a:uFill>
-                <a:latin typeface="Lato"/>
-                <a:ea typeface="DejaVu Sans"/>
-              </a:rPr>
-              <a:t>defined </a:t>
-            </a:r>
-            <a:r>
-              <a:rPr b="0" lang="en-US" sz="2400" spc="-1" strike="noStrike">
-                <a:solidFill>
-                  <a:srgbClr val="ffffff"/>
-                </a:solidFill>
-                <a:uFill>
-                  <a:solidFill>
-                    <a:srgbClr val="ffffff"/>
-                  </a:solidFill>
-                </a:uFill>
-                <a:latin typeface="Lato"/>
-                <a:ea typeface="DejaVu Sans"/>
-              </a:rPr>
-              <a:t>borders.</a:t>
-            </a:r>
-            <a:endParaRPr b="0" lang="en-US" sz="1800" spc="-1" strike="noStrike">
-              <a:solidFill>
-                <a:srgbClr val="000000"/>
-              </a:solidFill>
-              <a:uFill>
-                <a:solidFill>
-                  <a:srgbClr val="ffffff"/>
-                </a:solidFill>
-              </a:uFill>
-              <a:latin typeface="Arial"/>
-            </a:endParaRPr>
-          </a:p>
-          <a:p>
-            <a:pPr marL="457200" indent="-456480">
-              <a:lnSpc>
-                <a:spcPct val="150000"/>
-              </a:lnSpc>
-              <a:buClr>
-                <a:srgbClr val="ffffff"/>
-              </a:buClr>
-              <a:buFont typeface="Wingdings" charset="2"/>
-              <a:buChar char=""/>
-            </a:pPr>
-            <a:r>
-              <a:rPr b="0" lang="en-US" sz="2400" spc="-1" strike="noStrike">
-                <a:solidFill>
-                  <a:srgbClr val="ffffff"/>
-                </a:solidFill>
-                <a:uFill>
-                  <a:solidFill>
-                    <a:srgbClr val="ffffff"/>
-                  </a:solidFill>
-                </a:uFill>
-                <a:latin typeface="Lato"/>
-                <a:ea typeface="DejaVu Sans"/>
-              </a:rPr>
-              <a:t>The CSS </a:t>
-            </a:r>
-            <a:r>
-              <a:rPr b="0" lang="en-US" sz="2400" spc="-1" strike="noStrike">
-                <a:solidFill>
-                  <a:srgbClr val="ffffff"/>
-                </a:solidFill>
-                <a:uFill>
-                  <a:solidFill>
-                    <a:srgbClr val="ffffff"/>
-                  </a:solidFill>
-                </a:uFill>
-                <a:latin typeface="Lato"/>
-                <a:ea typeface="DejaVu Sans"/>
-              </a:rPr>
-              <a:t>padding </a:t>
-            </a:r>
-            <a:r>
-              <a:rPr b="0" lang="en-US" sz="2400" spc="-1" strike="noStrike">
-                <a:solidFill>
-                  <a:srgbClr val="ffffff"/>
-                </a:solidFill>
-                <a:uFill>
-                  <a:solidFill>
-                    <a:srgbClr val="ffffff"/>
-                  </a:solidFill>
-                </a:uFill>
-                <a:latin typeface="Lato"/>
-                <a:ea typeface="DejaVu Sans"/>
-              </a:rPr>
-              <a:t>propertie</a:t>
-            </a:r>
-            <a:r>
-              <a:rPr b="0" lang="en-US" sz="2400" spc="-1" strike="noStrike">
-                <a:solidFill>
-                  <a:srgbClr val="ffffff"/>
-                </a:solidFill>
-                <a:uFill>
-                  <a:solidFill>
-                    <a:srgbClr val="ffffff"/>
-                  </a:solidFill>
-                </a:uFill>
-                <a:latin typeface="Lato"/>
-                <a:ea typeface="DejaVu Sans"/>
-              </a:rPr>
-              <a:t>s are used </a:t>
-            </a:r>
-            <a:r>
-              <a:rPr b="0" lang="en-US" sz="2400" spc="-1" strike="noStrike">
-                <a:solidFill>
-                  <a:srgbClr val="ffffff"/>
-                </a:solidFill>
-                <a:uFill>
-                  <a:solidFill>
-                    <a:srgbClr val="ffffff"/>
-                  </a:solidFill>
-                </a:uFill>
-                <a:latin typeface="Lato"/>
-                <a:ea typeface="DejaVu Sans"/>
-              </a:rPr>
-              <a:t>to </a:t>
-            </a:r>
-            <a:r>
-              <a:rPr b="0" lang="en-US" sz="2400" spc="-1" strike="noStrike">
-                <a:solidFill>
-                  <a:srgbClr val="ffffff"/>
-                </a:solidFill>
-                <a:uFill>
-                  <a:solidFill>
-                    <a:srgbClr val="ffffff"/>
-                  </a:solidFill>
-                </a:uFill>
-                <a:latin typeface="Lato"/>
-                <a:ea typeface="DejaVu Sans"/>
-              </a:rPr>
-              <a:t>generate </a:t>
-            </a:r>
-            <a:r>
-              <a:rPr b="0" lang="en-US" sz="2400" spc="-1" strike="noStrike">
-                <a:solidFill>
-                  <a:srgbClr val="ffffff"/>
-                </a:solidFill>
-                <a:uFill>
-                  <a:solidFill>
-                    <a:srgbClr val="ffffff"/>
-                  </a:solidFill>
-                </a:uFill>
-                <a:latin typeface="Lato"/>
-                <a:ea typeface="DejaVu Sans"/>
-              </a:rPr>
-              <a:t>space </a:t>
-            </a:r>
-            <a:r>
-              <a:rPr b="0" lang="en-US" sz="2400" spc="-1" strike="noStrike">
-                <a:solidFill>
-                  <a:srgbClr val="ffffff"/>
-                </a:solidFill>
-                <a:uFill>
-                  <a:solidFill>
-                    <a:srgbClr val="ffffff"/>
-                  </a:solidFill>
-                </a:uFill>
-                <a:latin typeface="Lato"/>
-                <a:ea typeface="DejaVu Sans"/>
-              </a:rPr>
-              <a:t>around an </a:t>
-            </a:r>
-            <a:r>
-              <a:rPr b="0" lang="en-US" sz="2400" spc="-1" strike="noStrike">
-                <a:solidFill>
-                  <a:srgbClr val="ffffff"/>
-                </a:solidFill>
-                <a:uFill>
-                  <a:solidFill>
-                    <a:srgbClr val="ffffff"/>
-                  </a:solidFill>
-                </a:uFill>
-                <a:latin typeface="Lato"/>
-                <a:ea typeface="DejaVu Sans"/>
-              </a:rPr>
-              <a:t>element’s </a:t>
-            </a:r>
-            <a:r>
-              <a:rPr b="0" lang="en-US" sz="2400" spc="-1" strike="noStrike">
-                <a:solidFill>
-                  <a:srgbClr val="ffffff"/>
-                </a:solidFill>
-                <a:uFill>
-                  <a:solidFill>
-                    <a:srgbClr val="ffffff"/>
-                  </a:solidFill>
-                </a:uFill>
-                <a:latin typeface="Lato"/>
-                <a:ea typeface="DejaVu Sans"/>
-              </a:rPr>
-              <a:t>content, </a:t>
-            </a:r>
-            <a:r>
-              <a:rPr b="0" lang="en-US" sz="2400" spc="-1" strike="noStrike">
-                <a:solidFill>
-                  <a:srgbClr val="ffffff"/>
-                </a:solidFill>
-                <a:uFill>
-                  <a:solidFill>
-                    <a:srgbClr val="ffffff"/>
-                  </a:solidFill>
-                </a:uFill>
-                <a:latin typeface="Lato"/>
-                <a:ea typeface="DejaVu Sans"/>
-              </a:rPr>
-              <a:t>inside of </a:t>
-            </a:r>
-            <a:r>
-              <a:rPr b="0" lang="en-US" sz="2400" spc="-1" strike="noStrike">
-                <a:solidFill>
-                  <a:srgbClr val="ffffff"/>
-                </a:solidFill>
-                <a:uFill>
-                  <a:solidFill>
-                    <a:srgbClr val="ffffff"/>
-                  </a:solidFill>
-                </a:uFill>
-                <a:latin typeface="Lato"/>
-                <a:ea typeface="DejaVu Sans"/>
-              </a:rPr>
-              <a:t>any </a:t>
-            </a:r>
-            <a:r>
-              <a:rPr b="0" lang="en-US" sz="2400" spc="-1" strike="noStrike">
-                <a:solidFill>
-                  <a:srgbClr val="ffffff"/>
-                </a:solidFill>
-                <a:uFill>
-                  <a:solidFill>
-                    <a:srgbClr val="ffffff"/>
-                  </a:solidFill>
-                </a:uFill>
-                <a:latin typeface="Lato"/>
-                <a:ea typeface="DejaVu Sans"/>
-              </a:rPr>
-              <a:t>defined </a:t>
-            </a:r>
-            <a:r>
-              <a:rPr b="0" lang="en-US" sz="2400" spc="-1" strike="noStrike">
-                <a:solidFill>
-                  <a:srgbClr val="ffffff"/>
-                </a:solidFill>
-                <a:uFill>
-                  <a:solidFill>
-                    <a:srgbClr val="ffffff"/>
-                  </a:solidFill>
-                </a:uFill>
-                <a:latin typeface="Lato"/>
-                <a:ea typeface="DejaVu Sans"/>
-              </a:rPr>
-              <a:t>borders.</a:t>
-            </a:r>
-            <a:endParaRPr b="0" lang="en-US" sz="1800" spc="-1" strike="noStrike">
-              <a:solidFill>
-                <a:srgbClr val="000000"/>
-              </a:solidFill>
-              <a:uFill>
-                <a:solidFill>
-                  <a:srgbClr val="ffffff"/>
+                  <a:srgbClr val="FFFFFF"/>
                 </a:solidFill>
               </a:uFill>
               <a:latin typeface="Arial"/>
@@ -5087,18 +5094,18 @@
       </p:sp>
       <p:pic>
         <p:nvPicPr>
-          <p:cNvPr id="67" name="" descr=""/>
+          <p:cNvPr id="67" name="Picture 66"/>
           <p:cNvPicPr/>
           <p:nvPr/>
         </p:nvPicPr>
         <p:blipFill>
-          <a:blip r:embed="rId1"/>
+          <a:blip r:embed="rId2"/>
           <a:stretch/>
         </p:blipFill>
         <p:spPr>
           <a:xfrm>
-            <a:off x="9083520" y="4389120"/>
-            <a:ext cx="2529360" cy="2431440"/>
+            <a:off x="9562388" y="3535850"/>
+            <a:ext cx="2438230" cy="2343838"/>
           </a:xfrm>
           <a:prstGeom prst="rect">
             <a:avLst/>
@@ -5116,8 +5123,8 @@
         </p:nvSpPr>
         <p:spPr>
           <a:xfrm>
-            <a:off x="0" y="1498680"/>
-            <a:ext cx="12191400" cy="4498920"/>
+            <a:off x="5400" y="1522215"/>
+            <a:ext cx="12191400" cy="2212791"/>
           </a:xfrm>
           <a:prstGeom prst="rect">
             <a:avLst/>
@@ -5128,50 +5135,119 @@
           </a:ln>
         </p:spPr>
         <p:style>
-          <a:lnRef idx="0"/>
-          <a:fillRef idx="0"/>
-          <a:effectRef idx="0"/>
+          <a:lnRef idx="0">
+            <a:scrgbClr r="0" g="0" b="0"/>
+          </a:lnRef>
+          <a:fillRef idx="0">
+            <a:scrgbClr r="0" g="0" b="0"/>
+          </a:fillRef>
+          <a:effectRef idx="0">
+            <a:scrgbClr r="0" g="0" b="0"/>
+          </a:effectRef>
           <a:fontRef idx="minor"/>
         </p:style>
         <p:txBody>
-          <a:bodyPr lIns="90000" rIns="90000" tIns="45000" bIns="45000"/>
+          <a:bodyPr lIns="90000" tIns="45000" rIns="90000" bIns="45000"/>
+          <a:lstStyle/>
           <a:p>
             <a:pPr marL="457200" indent="-456480">
               <a:lnSpc>
                 <a:spcPct val="150000"/>
               </a:lnSpc>
               <a:buClr>
-                <a:srgbClr val="ffffff"/>
+                <a:srgbClr val="FFFFFF"/>
               </a:buClr>
               <a:buFont typeface="Wingdings" charset="2"/>
               <a:buChar char=""/>
             </a:pPr>
             <a:r>
-              <a:rPr b="0" lang="en-US" sz="2400" spc="-1" strike="noStrike">
-                <a:solidFill>
-                  <a:srgbClr val="ffffff"/>
-                </a:solidFill>
-                <a:uFill>
-                  <a:solidFill>
-                    <a:srgbClr val="ffffff"/>
+              <a:rPr lang="en-US" sz="2400" b="0" strike="noStrike" spc="-1" dirty="0">
+                <a:solidFill>
+                  <a:srgbClr val="FFFFFF"/>
+                </a:solidFill>
+                <a:uFill>
+                  <a:solidFill>
+                    <a:srgbClr val="FFFFFF"/>
                   </a:solidFill>
                 </a:uFill>
                 <a:latin typeface="Lato"/>
                 <a:ea typeface="DejaVu Sans"/>
               </a:rPr>
-              <a:t>The CSS border properties allow you to specify the style, width and color of element’s border.</a:t>
-            </a:r>
-            <a:endParaRPr b="0" lang="en-US" sz="1800" spc="-1" strike="noStrike">
-              <a:solidFill>
-                <a:srgbClr val="000000"/>
-              </a:solidFill>
-              <a:uFill>
-                <a:solidFill>
-                  <a:srgbClr val="ffffff"/>
-                </a:solidFill>
-              </a:uFill>
-              <a:latin typeface="Arial"/>
-            </a:endParaRPr>
+              <a:t>The </a:t>
+            </a:r>
+            <a:r>
+              <a:rPr lang="en-US" sz="2400" b="1" spc="-1" dirty="0">
+                <a:solidFill>
+                  <a:srgbClr val="FFFF00"/>
+                </a:solidFill>
+                <a:uFill>
+                  <a:solidFill>
+                    <a:srgbClr val="FFFFFF"/>
+                  </a:solidFill>
+                </a:uFill>
+                <a:latin typeface="Lato"/>
+              </a:rPr>
+              <a:t>CSS border</a:t>
+            </a:r>
+            <a:r>
+              <a:rPr lang="en-US" sz="2400" b="0" strike="noStrike" spc="-1" dirty="0">
+                <a:solidFill>
+                  <a:srgbClr val="FFFFFF"/>
+                </a:solidFill>
+                <a:uFill>
+                  <a:solidFill>
+                    <a:srgbClr val="FFFFFF"/>
+                  </a:solidFill>
+                </a:uFill>
+                <a:latin typeface="Lato"/>
+                <a:ea typeface="DejaVu Sans"/>
+              </a:rPr>
+              <a:t> properties allow you to specify the </a:t>
+            </a:r>
+            <a:r>
+              <a:rPr lang="en-US" sz="2400" b="1" strike="noStrike" spc="-1" dirty="0">
+                <a:solidFill>
+                  <a:srgbClr val="FFFF00"/>
+                </a:solidFill>
+                <a:uFill>
+                  <a:solidFill>
+                    <a:srgbClr val="FFFFFF"/>
+                  </a:solidFill>
+                </a:uFill>
+                <a:latin typeface="Lato"/>
+                <a:ea typeface="DejaVu Sans"/>
+              </a:rPr>
+              <a:t>style, width and color</a:t>
+            </a:r>
+            <a:r>
+              <a:rPr lang="en-US" sz="2400" b="0" strike="noStrike" spc="-1" dirty="0">
+                <a:solidFill>
+                  <a:srgbClr val="FFFFFF"/>
+                </a:solidFill>
+                <a:uFill>
+                  <a:solidFill>
+                    <a:srgbClr val="FFFFFF"/>
+                  </a:solidFill>
+                </a:uFill>
+                <a:latin typeface="Lato"/>
+                <a:ea typeface="DejaVu Sans"/>
+              </a:rPr>
+              <a:t> of element’s border.</a:t>
+            </a:r>
+            <a:r>
+              <a:rPr lang="en-US" b="1" spc="-1" dirty="0">
+                <a:solidFill>
+                  <a:srgbClr val="FFFF00"/>
+                </a:solidFill>
+                <a:uFill>
+                  <a:solidFill>
+                    <a:srgbClr val="FFFFFF"/>
+                  </a:solidFill>
+                </a:uFill>
+                <a:latin typeface="Lato"/>
+              </a:rPr>
+              <a:t> </a:t>
+            </a:r>
           </a:p>
           <a:p>
             <a:pPr marL="457200" indent="-456480">
@@ -5179,33 +5255,63 @@
                 <a:spcPct val="150000"/>
               </a:lnSpc>
               <a:buClr>
-                <a:srgbClr val="ffffff"/>
+                <a:srgbClr val="FFFFFF"/>
               </a:buClr>
               <a:buFont typeface="Wingdings" charset="2"/>
               <a:buChar char=""/>
             </a:pPr>
             <a:r>
-              <a:rPr b="0" lang="en-US" sz="2400" spc="-1" strike="noStrike">
-                <a:solidFill>
-                  <a:srgbClr val="ffffff"/>
-                </a:solidFill>
-                <a:uFill>
-                  <a:solidFill>
-                    <a:srgbClr val="ffffff"/>
+              <a:rPr lang="en-US" sz="2400" b="0" strike="noStrike" spc="-1" dirty="0">
+                <a:solidFill>
+                  <a:srgbClr val="FFFFFF"/>
+                </a:solidFill>
+                <a:uFill>
+                  <a:solidFill>
+                    <a:srgbClr val="FFFFFF"/>
                   </a:solidFill>
                 </a:uFill>
                 <a:latin typeface="Lato"/>
                 <a:ea typeface="DejaVu Sans"/>
               </a:rPr>
-              <a:t>The CSS margin properties are used to create space around elements, outside of any defined borders.</a:t>
-            </a:r>
-            <a:endParaRPr b="0" lang="en-US" sz="1800" spc="-1" strike="noStrike">
+              <a:t>The</a:t>
+            </a:r>
+            <a:r>
+              <a:rPr lang="en-US" sz="2400" b="1" strike="noStrike" spc="-1" dirty="0">
+                <a:solidFill>
+                  <a:srgbClr val="FFFF00"/>
+                </a:solidFill>
+                <a:uFill>
+                  <a:solidFill>
+                    <a:srgbClr val="FFFFFF"/>
+                  </a:solidFill>
+                </a:uFill>
+                <a:latin typeface="Lato"/>
+                <a:ea typeface="DejaVu Sans"/>
+              </a:rPr>
+              <a:t> CSS margin</a:t>
+            </a:r>
+            <a:r>
+              <a:rPr lang="en-US" sz="2400" b="0" strike="noStrike" spc="-1" dirty="0">
+                <a:solidFill>
+                  <a:srgbClr val="FFFFFF"/>
+                </a:solidFill>
+                <a:uFill>
+                  <a:solidFill>
+                    <a:srgbClr val="FFFFFF"/>
+                  </a:solidFill>
+                </a:uFill>
+                <a:latin typeface="Lato"/>
+                <a:ea typeface="DejaVu Sans"/>
+              </a:rPr>
+              <a:t> properties are used to create space around elements, outside of any defined borders.</a:t>
+            </a:r>
+            <a:endParaRPr lang="en-US" sz="1800" b="0" strike="noStrike" spc="-1" dirty="0">
               <a:solidFill>
                 <a:srgbClr val="000000"/>
               </a:solidFill>
               <a:uFill>
                 <a:solidFill>
-                  <a:srgbClr val="ffffff"/>
+                  <a:srgbClr val="FFFFFF"/>
                 </a:solidFill>
               </a:uFill>
               <a:latin typeface="Arial"/>
@@ -5213,24 +5319,182 @@
           </a:p>
         </p:txBody>
       </p:sp>
+      <p:sp>
+        <p:nvSpPr>
+          <p:cNvPr id="8" name="CustomShape 5">
+            <a:extLst>
+              <a:ext uri="{FF2B5EF4-FFF2-40B4-BE49-F238E27FC236}">
+                <a16:creationId xmlns:a16="http://schemas.microsoft.com/office/drawing/2014/main" id="{05FB1964-9F7A-419B-9C75-39E053BE399E}"/>
+              </a:ext>
+            </a:extLst>
+          </p:cNvPr>
+          <p:cNvSpPr/>
+          <p:nvPr/>
+        </p:nvSpPr>
+        <p:spPr>
+          <a:xfrm>
+            <a:off x="-1800" y="3678922"/>
+            <a:ext cx="4901538" cy="2212791"/>
+          </a:xfrm>
+          <a:prstGeom prst="rect">
+            <a:avLst/>
+          </a:prstGeom>
+          <a:noFill/>
+          <a:ln>
+            <a:noFill/>
+          </a:ln>
+        </p:spPr>
+        <p:style>
+          <a:lnRef idx="0">
+            <a:scrgbClr r="0" g="0" b="0"/>
+          </a:lnRef>
+          <a:fillRef idx="0">
+            <a:scrgbClr r="0" g="0" b="0"/>
+          </a:fillRef>
+          <a:effectRef idx="0">
+            <a:scrgbClr r="0" g="0" b="0"/>
+          </a:effectRef>
+          <a:fontRef idx="minor"/>
+        </p:style>
+        <p:txBody>
+          <a:bodyPr lIns="90000" tIns="45000" rIns="90000" bIns="45000"/>
+          <a:lstStyle/>
+          <a:p>
+            <a:pPr marL="457200" indent="-456480">
+              <a:lnSpc>
+                <a:spcPct val="150000"/>
+              </a:lnSpc>
+              <a:buClr>
+                <a:srgbClr val="FFFFFF"/>
+              </a:buClr>
+              <a:buFont typeface="Wingdings" charset="2"/>
+              <a:buChar char=""/>
+            </a:pPr>
+            <a:r>
+              <a:rPr lang="en-US" sz="2400" spc="-1" dirty="0">
+                <a:solidFill>
+                  <a:srgbClr val="FFFFFF"/>
+                </a:solidFill>
+                <a:uFill>
+                  <a:solidFill>
+                    <a:srgbClr val="FFFFFF"/>
+                  </a:solidFill>
+                </a:uFill>
+                <a:latin typeface="Lato"/>
+              </a:rPr>
+              <a:t>The </a:t>
+            </a:r>
+            <a:r>
+              <a:rPr lang="en-US" sz="2400" b="1" spc="-1" dirty="0">
+                <a:solidFill>
+                  <a:srgbClr val="FFFF00"/>
+                </a:solidFill>
+                <a:uFill>
+                  <a:solidFill>
+                    <a:srgbClr val="FFFFFF"/>
+                  </a:solidFill>
+                </a:uFill>
+                <a:latin typeface="Lato"/>
+              </a:rPr>
+              <a:t>CSS paddin</a:t>
+            </a:r>
+            <a:r>
+              <a:rPr lang="en-US" sz="2400" spc="-1" dirty="0">
+                <a:solidFill>
+                  <a:srgbClr val="FFFFFF"/>
+                </a:solidFill>
+                <a:uFill>
+                  <a:solidFill>
+                    <a:srgbClr val="FFFFFF"/>
+                  </a:solidFill>
+                </a:uFill>
+                <a:latin typeface="Lato"/>
+              </a:rPr>
+              <a:t>g properties are used to generate space around an element’s content, inside of any defined borders.</a:t>
+            </a:r>
+          </a:p>
+          <a:p>
+            <a:pPr marL="457200" indent="-456480">
+              <a:lnSpc>
+                <a:spcPct val="150000"/>
+              </a:lnSpc>
+              <a:buClr>
+                <a:srgbClr val="FFFFFF"/>
+              </a:buClr>
+              <a:buFont typeface="Wingdings" charset="2"/>
+              <a:buChar char=""/>
+            </a:pPr>
+            <a:endParaRPr lang="en-US" sz="2400" spc="-1" dirty="0">
+              <a:solidFill>
+                <a:srgbClr val="FFFFFF"/>
+              </a:solidFill>
+              <a:uFill>
+                <a:solidFill>
+                  <a:srgbClr val="FFFFFF"/>
+                </a:solidFill>
+              </a:uFill>
+              <a:latin typeface="Lato"/>
+            </a:endParaRPr>
+          </a:p>
+        </p:txBody>
+      </p:sp>
+      <p:pic>
+        <p:nvPicPr>
+          <p:cNvPr id="4" name="Picture 3">
+            <a:extLst>
+              <a:ext uri="{FF2B5EF4-FFF2-40B4-BE49-F238E27FC236}">
+                <a16:creationId xmlns:a16="http://schemas.microsoft.com/office/drawing/2014/main" id="{D90EE555-7010-4903-A1DE-773434D00551}"/>
+              </a:ext>
+            </a:extLst>
+          </p:cNvPr>
+          <p:cNvPicPr>
+            <a:picLocks noChangeAspect="1"/>
+          </p:cNvPicPr>
+          <p:nvPr/>
+        </p:nvPicPr>
+        <p:blipFill>
+          <a:blip r:embed="rId3">
+            <a:extLst>
+              <a:ext uri="{28A0092B-C50C-407E-A947-70E740481C1C}">
+                <a14:useLocalDpi xmlns:a14="http://schemas.microsoft.com/office/drawing/2010/main" val="0"/>
+              </a:ext>
+            </a:extLst>
+          </a:blip>
+          <a:stretch>
+            <a:fillRect/>
+          </a:stretch>
+        </p:blipFill>
+        <p:spPr>
+          <a:xfrm>
+            <a:off x="5090520" y="3953022"/>
+            <a:ext cx="4415476" cy="1926666"/>
+          </a:xfrm>
+          <a:prstGeom prst="rect">
+            <a:avLst/>
+          </a:prstGeom>
+        </p:spPr>
+      </p:pic>
     </p:spTree>
   </p:cSld>
+  <p:clrMapOvr>
+    <a:masterClrMapping/>
+  </p:clrMapOvr>
   <p:timing>
     <p:tnLst>
       <p:par>
-        <p:cTn id="13" dur="indefinite" restart="never" nodeType="tmRoot">
+        <p:cTn id="1" dur="indefinite" restart="never" nodeType="tmRoot">
           <p:childTnLst>
             <p:seq>
-              <p:cTn id="14" nodeType="mainSeq"/>
+              <p:cTn id="2" nodeType="mainSeq"/>
               <p:prevCondLst>
-                <p:cond delay="0" evt="onPrev">
+                <p:cond evt="onPrev" delay="0">
                   <p:tgtEl>
                     <p:sldTgt/>
                   </p:tgtEl>
                 </p:cond>
               </p:prevCondLst>
               <p:nextCondLst>
-                <p:cond delay="0" evt="onNext">
+                <p:cond evt="onNext" delay="0">
                   <p:tgtEl>
                     <p:sldTgt/>
                   </p:tgtEl>
@@ -5246,7 +5510,7 @@
 </file>
 
 <file path=ppt/slides/slide8.xml><?xml version="1.0" encoding="utf-8"?>
-<p:sld xmlns:a="http://schemas.openxmlformats.org/drawingml/2006/main" xmlns:p="http://schemas.openxmlformats.org/presentationml/2006/main" xmlns:r="http://schemas.openxmlformats.org/officeDocument/2006/relationships" xmlns:p14="http://schemas.microsoft.com/office/powerpoint/2010/main" xmlns:p15="http://schemas.microsoft.com/office/powerpoint/2012/main" xmlns:mc="http://schemas.openxmlformats.org/markup-compatibility/2006">
+<p:sld xmlns:a="http://schemas.openxmlformats.org/drawingml/2006/main" xmlns:r="http://schemas.openxmlformats.org/officeDocument/2006/relationships" xmlns:p="http://schemas.openxmlformats.org/presentationml/2006/main">
   <p:cSld>
     <p:spTree>
       <p:nvGrpSpPr>
@@ -5264,7 +5528,7 @@
       </p:grpSpPr>
       <p:sp>
         <p:nvSpPr>
-          <p:cNvPr id="69" name="CustomShape 1"/>
+          <p:cNvPr id="63" name="CustomShape 1"/>
           <p:cNvSpPr/>
           <p:nvPr/>
         </p:nvSpPr>
@@ -5277,7 +5541,7 @@
             <a:avLst/>
           </a:prstGeom>
           <a:solidFill>
-            <a:srgbClr val="4f5b93"/>
+            <a:srgbClr val="4F5B93"/>
           </a:solidFill>
           <a:ln>
             <a:noFill/>
@@ -5300,13 +5564,141 @@
       </p:sp>
       <p:sp>
         <p:nvSpPr>
-          <p:cNvPr id="70" name="Line 2"/>
+          <p:cNvPr id="64" name="CustomShape 2"/>
           <p:cNvSpPr/>
           <p:nvPr/>
         </p:nvSpPr>
         <p:spPr>
           <a:xfrm>
-            <a:off x="0" y="4211280"/>
+            <a:off x="0" y="859680"/>
+            <a:ext cx="12191400" cy="638640"/>
+          </a:xfrm>
+          <a:prstGeom prst="rect">
+            <a:avLst/>
+          </a:prstGeom>
+          <a:noFill/>
+          <a:ln>
+            <a:noFill/>
+          </a:ln>
+        </p:spPr>
+        <p:style>
+          <a:lnRef idx="0">
+            <a:scrgbClr r="0" g="0" b="0"/>
+          </a:lnRef>
+          <a:fillRef idx="0">
+            <a:scrgbClr r="0" g="0" b="0"/>
+          </a:fillRef>
+          <a:effectRef idx="0">
+            <a:scrgbClr r="0" g="0" b="0"/>
+          </a:effectRef>
+          <a:fontRef idx="minor"/>
+        </p:style>
+        <p:txBody>
+          <a:bodyPr wrap="none" lIns="90000" tIns="45000" rIns="90000" bIns="45000"/>
+          <a:lstStyle/>
+          <a:p>
+            <a:pPr algn="ctr">
+              <a:lnSpc>
+                <a:spcPct val="100000"/>
+              </a:lnSpc>
+            </a:pPr>
+            <a:r>
+              <a:rPr lang="en-US" sz="3600" b="0" strike="noStrike" spc="-1" dirty="0">
+                <a:solidFill>
+                  <a:srgbClr val="FFFFFF"/>
+                </a:solidFill>
+                <a:uFill>
+                  <a:solidFill>
+                    <a:srgbClr val="FFFFFF"/>
+                  </a:solidFill>
+                </a:uFill>
+                <a:latin typeface="Lato"/>
+                <a:ea typeface="DejaVu Sans"/>
+              </a:rPr>
+              <a:t>CSS TEXT</a:t>
+            </a:r>
+            <a:endParaRPr lang="en-US" sz="1800" b="0" strike="noStrike" spc="-1" dirty="0">
+              <a:solidFill>
+                <a:srgbClr val="000000"/>
+              </a:solidFill>
+              <a:uFill>
+                <a:solidFill>
+                  <a:srgbClr val="FFFFFF"/>
+                </a:solidFill>
+              </a:uFill>
+              <a:latin typeface="Arial"/>
+            </a:endParaRPr>
+          </a:p>
+        </p:txBody>
+      </p:sp>
+      <p:sp>
+        <p:nvSpPr>
+          <p:cNvPr id="65" name="CustomShape 3"/>
+          <p:cNvSpPr/>
+          <p:nvPr/>
+        </p:nvSpPr>
+        <p:spPr>
+          <a:xfrm>
+            <a:off x="0" y="1498680"/>
+            <a:ext cx="12191400" cy="4498920"/>
+          </a:xfrm>
+          <a:prstGeom prst="rect">
+            <a:avLst/>
+          </a:prstGeom>
+          <a:noFill/>
+          <a:ln>
+            <a:noFill/>
+          </a:ln>
+        </p:spPr>
+        <p:style>
+          <a:lnRef idx="0">
+            <a:scrgbClr r="0" g="0" b="0"/>
+          </a:lnRef>
+          <a:fillRef idx="0">
+            <a:scrgbClr r="0" g="0" b="0"/>
+          </a:fillRef>
+          <a:effectRef idx="0">
+            <a:scrgbClr r="0" g="0" b="0"/>
+          </a:effectRef>
+          <a:fontRef idx="minor"/>
+        </p:style>
+        <p:txBody>
+          <a:bodyPr lIns="90000" tIns="45000" rIns="90000" bIns="45000"/>
+          <a:lstStyle/>
+          <a:p>
+            <a:pPr marL="457200" indent="-456480">
+              <a:lnSpc>
+                <a:spcPct val="150000"/>
+              </a:lnSpc>
+              <a:buClr>
+                <a:srgbClr val="FFFFFF"/>
+              </a:buClr>
+              <a:buFont typeface="Wingdings" charset="2"/>
+              <a:buChar char=""/>
+            </a:pPr>
+            <a:endParaRPr lang="en-US" sz="1800" b="0" strike="noStrike" spc="-1" dirty="0">
+              <a:solidFill>
+                <a:srgbClr val="000000"/>
+              </a:solidFill>
+              <a:uFill>
+                <a:solidFill>
+                  <a:srgbClr val="FFFFFF"/>
+                </a:solidFill>
+              </a:uFill>
+              <a:latin typeface="Arial"/>
+            </a:endParaRPr>
+          </a:p>
+        </p:txBody>
+      </p:sp>
+      <p:sp>
+        <p:nvSpPr>
+          <p:cNvPr id="66" name="Line 4"/>
+          <p:cNvSpPr/>
+          <p:nvPr/>
+        </p:nvSpPr>
+        <p:spPr>
+          <a:xfrm>
+            <a:off x="0" y="1505880"/>
             <a:ext cx="12191760" cy="360"/>
           </a:xfrm>
           <a:prstGeom prst="line">
@@ -5334,14 +5726,14 @@
       </p:sp>
       <p:sp>
         <p:nvSpPr>
-          <p:cNvPr id="71" name="CustomShape 3"/>
+          <p:cNvPr id="68" name="CustomShape 5"/>
           <p:cNvSpPr/>
           <p:nvPr/>
         </p:nvSpPr>
         <p:spPr>
           <a:xfrm>
-            <a:off x="-1080" y="3013560"/>
-            <a:ext cx="12192480" cy="821160"/>
+            <a:off x="0" y="1498680"/>
+            <a:ext cx="12191400" cy="4498200"/>
           </a:xfrm>
           <a:prstGeom prst="rect">
             <a:avLst/>
@@ -5352,66 +5744,1365 @@
           </a:ln>
         </p:spPr>
         <p:style>
-          <a:lnRef idx="0"/>
-          <a:fillRef idx="0"/>
-          <a:effectRef idx="0"/>
+          <a:lnRef idx="0">
+            <a:scrgbClr r="0" g="0" b="0"/>
+          </a:lnRef>
+          <a:fillRef idx="0">
+            <a:scrgbClr r="0" g="0" b="0"/>
+          </a:fillRef>
+          <a:effectRef idx="0">
+            <a:scrgbClr r="0" g="0" b="0"/>
+          </a:effectRef>
           <a:fontRef idx="minor"/>
         </p:style>
         <p:txBody>
-          <a:bodyPr wrap="none" lIns="90000" rIns="90000" tIns="45000" bIns="45000"/>
-          <a:p>
-            <a:pPr algn="ctr">
+          <a:bodyPr lIns="90000" tIns="45000" rIns="90000" bIns="45000"/>
+          <a:lstStyle/>
+          <a:p>
+            <a:pPr marL="457200" indent="-456480">
               <a:lnSpc>
-                <a:spcPct val="100000"/>
+                <a:spcPct val="150000"/>
               </a:lnSpc>
+              <a:buClr>
+                <a:srgbClr val="FFFFFF"/>
+              </a:buClr>
+              <a:buFont typeface="Wingdings" charset="2"/>
+              <a:buChar char=""/>
             </a:pPr>
             <a:r>
-              <a:rPr b="0" lang="en-US" sz="4800" spc="-1" strike="noStrike">
-                <a:solidFill>
-                  <a:srgbClr val="ffffff"/>
-                </a:solidFill>
-                <a:uFill>
-                  <a:solidFill>
-                    <a:srgbClr val="ffffff"/>
-                  </a:solidFill>
-                </a:uFill>
-                <a:latin typeface="Lato Black"/>
-                <a:ea typeface="Roboto Medium"/>
-              </a:rPr>
-              <a:t>TIME TO PRACTICE</a:t>
-            </a:r>
-            <a:endParaRPr b="0" lang="en-US" sz="1800" spc="-1" strike="noStrike">
-              <a:solidFill>
-                <a:srgbClr val="000000"/>
-              </a:solidFill>
-              <a:uFill>
-                <a:solidFill>
-                  <a:srgbClr val="ffffff"/>
-                </a:solidFill>
-              </a:uFill>
-              <a:latin typeface="Arial"/>
-            </a:endParaRPr>
+              <a:rPr lang="en-US" sz="2400" b="0" strike="noStrike" spc="-1" dirty="0">
+                <a:solidFill>
+                  <a:srgbClr val="FFFFFF"/>
+                </a:solidFill>
+                <a:uFill>
+                  <a:solidFill>
+                    <a:srgbClr val="FFFFFF"/>
+                  </a:solidFill>
+                </a:uFill>
+                <a:latin typeface="Lato"/>
+                <a:ea typeface="DejaVu Sans"/>
+              </a:rPr>
+              <a:t>The </a:t>
+            </a:r>
+            <a:r>
+              <a:rPr lang="en-US" sz="2400" b="1" strike="noStrike" spc="-1" dirty="0">
+                <a:solidFill>
+                  <a:srgbClr val="FFFF00"/>
+                </a:solidFill>
+                <a:uFill>
+                  <a:solidFill>
+                    <a:srgbClr val="FFFFFF"/>
+                  </a:solidFill>
+                </a:uFill>
+                <a:latin typeface="Lato"/>
+                <a:ea typeface="DejaVu Sans"/>
+              </a:rPr>
+              <a:t>color </a:t>
+            </a:r>
+            <a:r>
+              <a:rPr lang="en-US" sz="2400" strike="noStrike" spc="-1" dirty="0">
+                <a:solidFill>
+                  <a:schemeClr val="bg1"/>
+                </a:solidFill>
+                <a:uFill>
+                  <a:solidFill>
+                    <a:srgbClr val="FFFFFF"/>
+                  </a:solidFill>
+                </a:uFill>
+                <a:latin typeface="Lato"/>
+                <a:ea typeface="DejaVu Sans"/>
+              </a:rPr>
+              <a:t>property</a:t>
+            </a:r>
+            <a:r>
+              <a:rPr lang="en-US" sz="2400" b="1" strike="noStrike" spc="-1" dirty="0">
+                <a:solidFill>
+                  <a:srgbClr val="FFFF00"/>
+                </a:solidFill>
+                <a:uFill>
+                  <a:solidFill>
+                    <a:srgbClr val="FFFFFF"/>
+                  </a:solidFill>
+                </a:uFill>
+                <a:latin typeface="Lato"/>
+                <a:ea typeface="DejaVu Sans"/>
+              </a:rPr>
+              <a:t> </a:t>
+            </a:r>
+            <a:r>
+              <a:rPr lang="en-US" sz="2400" b="0" strike="noStrike" spc="-1" dirty="0">
+                <a:solidFill>
+                  <a:srgbClr val="FFFFFF"/>
+                </a:solidFill>
+                <a:uFill>
+                  <a:solidFill>
+                    <a:srgbClr val="FFFFFF"/>
+                  </a:solidFill>
+                </a:uFill>
+                <a:latin typeface="Lato"/>
+                <a:ea typeface="DejaVu Sans"/>
+              </a:rPr>
+              <a:t>is used to set  the color of text.</a:t>
+            </a:r>
+          </a:p>
+          <a:p>
+            <a:pPr marL="457200" indent="-456480">
+              <a:lnSpc>
+                <a:spcPct val="150000"/>
+              </a:lnSpc>
+              <a:buClr>
+                <a:srgbClr val="FFFFFF"/>
+              </a:buClr>
+              <a:buFont typeface="Wingdings" charset="2"/>
+              <a:buChar char=""/>
+            </a:pPr>
+            <a:r>
+              <a:rPr lang="en-US" sz="2400" spc="-1" dirty="0">
+                <a:solidFill>
+                  <a:srgbClr val="FFFFFF"/>
+                </a:solidFill>
+                <a:uFill>
+                  <a:solidFill>
+                    <a:srgbClr val="FFFFFF"/>
+                  </a:solidFill>
+                </a:uFill>
+                <a:latin typeface="Lato"/>
+              </a:rPr>
+              <a:t>The </a:t>
+            </a:r>
+            <a:r>
+              <a:rPr lang="en-US" sz="2400" b="1" spc="-1" dirty="0">
+                <a:solidFill>
+                  <a:srgbClr val="FFFF00"/>
+                </a:solidFill>
+                <a:uFill>
+                  <a:solidFill>
+                    <a:srgbClr val="FFFFFF"/>
+                  </a:solidFill>
+                </a:uFill>
+                <a:latin typeface="Lato"/>
+              </a:rPr>
+              <a:t>text-align </a:t>
+            </a:r>
+            <a:r>
+              <a:rPr lang="en-US" sz="2400" spc="-1" dirty="0">
+                <a:solidFill>
+                  <a:schemeClr val="bg1"/>
+                </a:solidFill>
+                <a:uFill>
+                  <a:solidFill>
+                    <a:srgbClr val="FFFFFF"/>
+                  </a:solidFill>
+                </a:uFill>
+                <a:latin typeface="Lato"/>
+              </a:rPr>
+              <a:t>property</a:t>
+            </a:r>
+            <a:r>
+              <a:rPr lang="en-US" sz="2400" spc="-1" dirty="0">
+                <a:solidFill>
+                  <a:srgbClr val="FFFFFF"/>
+                </a:solidFill>
+                <a:uFill>
+                  <a:solidFill>
+                    <a:srgbClr val="FFFFFF"/>
+                  </a:solidFill>
+                </a:uFill>
+                <a:latin typeface="Lato"/>
+              </a:rPr>
+              <a:t> is used to set horizontal alignment of a text : </a:t>
+            </a:r>
+            <a:r>
+              <a:rPr lang="en-US" sz="2400" b="1" spc="-1" dirty="0">
+                <a:solidFill>
+                  <a:srgbClr val="FFFF00"/>
+                </a:solidFill>
+                <a:uFill>
+                  <a:solidFill>
+                    <a:srgbClr val="FFFFFF"/>
+                  </a:solidFill>
+                </a:uFill>
+                <a:latin typeface="Lato"/>
+              </a:rPr>
+              <a:t>center, left, right </a:t>
+            </a:r>
+            <a:r>
+              <a:rPr lang="en-US" sz="2400" spc="-1" dirty="0">
+                <a:solidFill>
+                  <a:schemeClr val="bg1"/>
+                </a:solidFill>
+                <a:uFill>
+                  <a:solidFill>
+                    <a:srgbClr val="FFFFFF"/>
+                  </a:solidFill>
+                </a:uFill>
+                <a:latin typeface="Lato"/>
+              </a:rPr>
+              <a:t>or</a:t>
+            </a:r>
+            <a:r>
+              <a:rPr lang="en-US" sz="2400" b="1" spc="-1" dirty="0">
+                <a:solidFill>
+                  <a:srgbClr val="FFFF00"/>
+                </a:solidFill>
+                <a:uFill>
+                  <a:solidFill>
+                    <a:srgbClr val="FFFFFF"/>
+                  </a:solidFill>
+                </a:uFill>
+                <a:latin typeface="Lato"/>
+              </a:rPr>
+              <a:t> justified</a:t>
+            </a:r>
+            <a:r>
+              <a:rPr lang="en-US" sz="2400" spc="-1" dirty="0">
+                <a:solidFill>
+                  <a:srgbClr val="FFFFFF"/>
+                </a:solidFill>
+                <a:uFill>
+                  <a:solidFill>
+                    <a:srgbClr val="FFFFFF"/>
+                  </a:solidFill>
+                </a:uFill>
+                <a:latin typeface="Lato"/>
+              </a:rPr>
+              <a:t>.</a:t>
+            </a:r>
+          </a:p>
+          <a:p>
+            <a:pPr marL="457200" indent="-456480">
+              <a:lnSpc>
+                <a:spcPct val="150000"/>
+              </a:lnSpc>
+              <a:buClr>
+                <a:srgbClr val="FFFFFF"/>
+              </a:buClr>
+              <a:buFont typeface="Wingdings" charset="2"/>
+              <a:buChar char=""/>
+            </a:pPr>
+            <a:r>
+              <a:rPr lang="en-US" sz="2400" spc="-1" dirty="0">
+                <a:solidFill>
+                  <a:srgbClr val="FFFFFF"/>
+                </a:solidFill>
+                <a:uFill>
+                  <a:solidFill>
+                    <a:srgbClr val="FFFFFF"/>
+                  </a:solidFill>
+                </a:uFill>
+                <a:latin typeface="Lato"/>
+              </a:rPr>
+              <a:t>The </a:t>
+            </a:r>
+            <a:r>
+              <a:rPr lang="en-US" sz="2400" b="1" spc="-1" dirty="0">
+                <a:solidFill>
+                  <a:srgbClr val="FFFF00"/>
+                </a:solidFill>
+                <a:uFill>
+                  <a:solidFill>
+                    <a:srgbClr val="FFFFFF"/>
+                  </a:solidFill>
+                </a:uFill>
+                <a:latin typeface="Lato"/>
+              </a:rPr>
+              <a:t>text-decoration</a:t>
+            </a:r>
+            <a:r>
+              <a:rPr lang="en-US" sz="2400" spc="-1" dirty="0">
+                <a:solidFill>
+                  <a:srgbClr val="FFFFFF"/>
+                </a:solidFill>
+                <a:uFill>
+                  <a:solidFill>
+                    <a:srgbClr val="FFFFFF"/>
+                  </a:solidFill>
+                </a:uFill>
+                <a:latin typeface="Lato"/>
+              </a:rPr>
+              <a:t> property is used to </a:t>
+            </a:r>
+            <a:r>
+              <a:rPr lang="en-US" sz="2400" b="1" spc="-1" dirty="0">
+                <a:solidFill>
+                  <a:srgbClr val="FFFF00"/>
+                </a:solidFill>
+                <a:uFill>
+                  <a:solidFill>
+                    <a:srgbClr val="FFFFFF"/>
+                  </a:solidFill>
+                </a:uFill>
+                <a:latin typeface="Lato"/>
+              </a:rPr>
+              <a:t>set </a:t>
+            </a:r>
+            <a:r>
+              <a:rPr lang="en-US" sz="2400" spc="-1" dirty="0">
+                <a:solidFill>
+                  <a:schemeClr val="bg1"/>
+                </a:solidFill>
+                <a:uFill>
+                  <a:solidFill>
+                    <a:srgbClr val="FFFFFF"/>
+                  </a:solidFill>
+                </a:uFill>
+                <a:latin typeface="Lato"/>
+              </a:rPr>
+              <a:t>or</a:t>
+            </a:r>
+            <a:r>
+              <a:rPr lang="en-US" sz="2400" b="1" spc="-1" dirty="0">
+                <a:solidFill>
+                  <a:srgbClr val="FFFF00"/>
+                </a:solidFill>
+                <a:uFill>
+                  <a:solidFill>
+                    <a:srgbClr val="FFFFFF"/>
+                  </a:solidFill>
+                </a:uFill>
+                <a:latin typeface="Lato"/>
+              </a:rPr>
+              <a:t> remove decorations</a:t>
+            </a:r>
+            <a:r>
+              <a:rPr lang="en-US" sz="2400" spc="-1" dirty="0">
+                <a:solidFill>
+                  <a:srgbClr val="FFFFFF"/>
+                </a:solidFill>
+                <a:uFill>
+                  <a:solidFill>
+                    <a:srgbClr val="FFFFFF"/>
+                  </a:solidFill>
+                </a:uFill>
+                <a:latin typeface="Lato"/>
+              </a:rPr>
+              <a:t> from text.</a:t>
+            </a:r>
+          </a:p>
+          <a:p>
+            <a:pPr marL="457200" indent="-456480">
+              <a:lnSpc>
+                <a:spcPct val="150000"/>
+              </a:lnSpc>
+              <a:buClr>
+                <a:srgbClr val="FFFFFF"/>
+              </a:buClr>
+              <a:buFont typeface="Wingdings" charset="2"/>
+              <a:buChar char=""/>
+            </a:pPr>
+            <a:r>
+              <a:rPr lang="en-US" sz="2400" spc="-1" dirty="0">
+                <a:solidFill>
+                  <a:srgbClr val="FFFFFF"/>
+                </a:solidFill>
+                <a:uFill>
+                  <a:solidFill>
+                    <a:srgbClr val="FFFFFF"/>
+                  </a:solidFill>
+                </a:uFill>
+                <a:latin typeface="Lato"/>
+              </a:rPr>
+              <a:t>The </a:t>
+            </a:r>
+            <a:r>
+              <a:rPr lang="en-US" sz="2400" b="1" spc="-1" dirty="0">
+                <a:solidFill>
+                  <a:srgbClr val="FFFF00"/>
+                </a:solidFill>
+                <a:uFill>
+                  <a:solidFill>
+                    <a:srgbClr val="FFFFFF"/>
+                  </a:solidFill>
+                </a:uFill>
+                <a:latin typeface="Lato"/>
+              </a:rPr>
+              <a:t>text-transform</a:t>
+            </a:r>
+            <a:r>
+              <a:rPr lang="en-US" sz="2400" spc="-1" dirty="0">
+                <a:solidFill>
+                  <a:srgbClr val="FFFFFF"/>
+                </a:solidFill>
+                <a:uFill>
+                  <a:solidFill>
+                    <a:srgbClr val="FFFFFF"/>
+                  </a:solidFill>
+                </a:uFill>
+                <a:latin typeface="Lato"/>
+              </a:rPr>
+              <a:t> property is used to specify </a:t>
+            </a:r>
+            <a:r>
+              <a:rPr lang="en-US" sz="2400" b="1" spc="-1" dirty="0">
+                <a:solidFill>
+                  <a:srgbClr val="FFFF00"/>
+                </a:solidFill>
+                <a:uFill>
+                  <a:solidFill>
+                    <a:srgbClr val="FFFFFF"/>
+                  </a:solidFill>
+                </a:uFill>
+                <a:latin typeface="Lato"/>
+              </a:rPr>
+              <a:t>uppercase </a:t>
+            </a:r>
+            <a:r>
+              <a:rPr lang="en-US" sz="2400" spc="-1" dirty="0">
+                <a:solidFill>
+                  <a:schemeClr val="bg1"/>
+                </a:solidFill>
+                <a:uFill>
+                  <a:solidFill>
+                    <a:srgbClr val="FFFFFF"/>
+                  </a:solidFill>
+                </a:uFill>
+                <a:latin typeface="Lato"/>
+              </a:rPr>
+              <a:t>or</a:t>
+            </a:r>
+            <a:r>
+              <a:rPr lang="en-US" sz="2400" b="1" spc="-1" dirty="0">
+                <a:solidFill>
+                  <a:srgbClr val="FFFF00"/>
+                </a:solidFill>
+                <a:uFill>
+                  <a:solidFill>
+                    <a:srgbClr val="FFFFFF"/>
+                  </a:solidFill>
+                </a:uFill>
+                <a:latin typeface="Lato"/>
+              </a:rPr>
+              <a:t> lowercase</a:t>
+            </a:r>
+            <a:r>
+              <a:rPr lang="en-US" sz="2400" spc="-1" dirty="0">
+                <a:solidFill>
+                  <a:srgbClr val="FFFFFF"/>
+                </a:solidFill>
+                <a:uFill>
+                  <a:solidFill>
+                    <a:srgbClr val="FFFFFF"/>
+                  </a:solidFill>
+                </a:uFill>
+                <a:latin typeface="Lato"/>
+              </a:rPr>
+              <a:t> letters in the text, or </a:t>
+            </a:r>
+            <a:r>
+              <a:rPr lang="en-US" sz="2400" b="1" spc="-1" dirty="0">
+                <a:solidFill>
+                  <a:srgbClr val="FFFF00"/>
+                </a:solidFill>
+                <a:uFill>
+                  <a:solidFill>
+                    <a:srgbClr val="FFFFFF"/>
+                  </a:solidFill>
+                </a:uFill>
+                <a:latin typeface="Lato"/>
+              </a:rPr>
+              <a:t>capitalize</a:t>
+            </a:r>
+            <a:r>
+              <a:rPr lang="en-US" sz="2400" spc="-1" dirty="0">
+                <a:solidFill>
+                  <a:srgbClr val="FFFFFF"/>
+                </a:solidFill>
+                <a:uFill>
+                  <a:solidFill>
+                    <a:srgbClr val="FFFFFF"/>
+                  </a:solidFill>
+                </a:uFill>
+                <a:latin typeface="Lato"/>
+              </a:rPr>
+              <a:t> the first of each word.</a:t>
+            </a:r>
+          </a:p>
+          <a:p>
+            <a:pPr marL="457200" indent="-456480">
+              <a:lnSpc>
+                <a:spcPct val="150000"/>
+              </a:lnSpc>
+              <a:buClr>
+                <a:srgbClr val="FFFFFF"/>
+              </a:buClr>
+              <a:buFont typeface="Wingdings" charset="2"/>
+              <a:buChar char=""/>
+            </a:pPr>
+            <a:r>
+              <a:rPr lang="en-US" sz="2400" spc="-1" dirty="0">
+                <a:solidFill>
+                  <a:srgbClr val="FFFFFF"/>
+                </a:solidFill>
+                <a:uFill>
+                  <a:solidFill>
+                    <a:srgbClr val="FFFFFF"/>
+                  </a:solidFill>
+                </a:uFill>
+                <a:latin typeface="Lato"/>
+              </a:rPr>
+              <a:t>The </a:t>
+            </a:r>
+            <a:r>
+              <a:rPr lang="en-US" sz="2400" b="1" spc="-1" dirty="0">
+                <a:solidFill>
+                  <a:srgbClr val="FFFF00"/>
+                </a:solidFill>
+                <a:uFill>
+                  <a:solidFill>
+                    <a:srgbClr val="FFFFFF"/>
+                  </a:solidFill>
+                </a:uFill>
+                <a:latin typeface="Lato"/>
+              </a:rPr>
+              <a:t>line-height</a:t>
+            </a:r>
+            <a:r>
+              <a:rPr lang="en-US" sz="2400" spc="-1" dirty="0">
+                <a:solidFill>
+                  <a:srgbClr val="FFFFFF"/>
+                </a:solidFill>
+                <a:uFill>
+                  <a:solidFill>
+                    <a:srgbClr val="FFFFFF"/>
+                  </a:solidFill>
+                </a:uFill>
+                <a:latin typeface="Lato"/>
+              </a:rPr>
+              <a:t> property is used to specify the space between lines.</a:t>
+            </a:r>
           </a:p>
         </p:txBody>
       </p:sp>
     </p:spTree>
+    <p:extLst>
+      <p:ext uri="{BB962C8B-B14F-4D97-AF65-F5344CB8AC3E}">
+        <p14:creationId xmlns:p14="http://schemas.microsoft.com/office/powerpoint/2010/main" val="4285913001"/>
+      </p:ext>
+    </p:extLst>
   </p:cSld>
+  <p:clrMapOvr>
+    <a:masterClrMapping/>
+  </p:clrMapOvr>
   <p:timing>
     <p:tnLst>
       <p:par>
-        <p:cTn id="15" dur="indefinite" restart="never" nodeType="tmRoot">
+        <p:cTn id="1" dur="indefinite" restart="never" nodeType="tmRoot">
           <p:childTnLst>
             <p:seq>
-              <p:cTn id="16" nodeType="mainSeq"/>
+              <p:cTn id="2" nodeType="mainSeq"/>
               <p:prevCondLst>
-                <p:cond delay="0" evt="onPrev">
+                <p:cond evt="onPrev" delay="0">
                   <p:tgtEl>
                     <p:sldTgt/>
                   </p:tgtEl>
                 </p:cond>
               </p:prevCondLst>
               <p:nextCondLst>
-                <p:cond delay="0" evt="onNext">
+                <p:cond evt="onNext" delay="0">
+                  <p:tgtEl>
+                    <p:sldTgt/>
+                  </p:tgtEl>
+                </p:cond>
+              </p:nextCondLst>
+            </p:seq>
+          </p:childTnLst>
+        </p:cTn>
+      </p:par>
+    </p:tnLst>
+  </p:timing>
+</p:sld>
+</file>
+
+<file path=ppt/slides/slide9.xml><?xml version="1.0" encoding="utf-8"?>
+<p:sld xmlns:a="http://schemas.openxmlformats.org/drawingml/2006/main" xmlns:r="http://schemas.openxmlformats.org/officeDocument/2006/relationships" xmlns:p="http://schemas.openxmlformats.org/presentationml/2006/main">
+  <p:cSld>
+    <p:spTree>
+      <p:nvGrpSpPr>
+        <p:cNvPr id="1" name=""/>
+        <p:cNvGrpSpPr/>
+        <p:nvPr/>
+      </p:nvGrpSpPr>
+      <p:grpSpPr>
+        <a:xfrm>
+          <a:off x="0" y="0"/>
+          <a:ext cx="0" cy="0"/>
+          <a:chOff x="0" y="0"/>
+          <a:chExt cx="0" cy="0"/>
+        </a:xfrm>
+      </p:grpSpPr>
+      <p:sp>
+        <p:nvSpPr>
+          <p:cNvPr id="63" name="CustomShape 1"/>
+          <p:cNvSpPr/>
+          <p:nvPr/>
+        </p:nvSpPr>
+        <p:spPr>
+          <a:xfrm>
+            <a:off x="1800" y="859680"/>
+            <a:ext cx="12191400" cy="5137920"/>
+          </a:xfrm>
+          <a:prstGeom prst="rect">
+            <a:avLst/>
+          </a:prstGeom>
+          <a:solidFill>
+            <a:srgbClr val="4F5B93"/>
+          </a:solidFill>
+          <a:ln>
+            <a:noFill/>
+          </a:ln>
+        </p:spPr>
+        <p:style>
+          <a:lnRef idx="2">
+            <a:schemeClr val="accent1">
+              <a:shade val="50000"/>
+            </a:schemeClr>
+          </a:lnRef>
+          <a:fillRef idx="1">
+            <a:schemeClr val="accent1"/>
+          </a:fillRef>
+          <a:effectRef idx="0">
+            <a:schemeClr val="accent1"/>
+          </a:effectRef>
+          <a:fontRef idx="minor"/>
+        </p:style>
+      </p:sp>
+      <p:sp>
+        <p:nvSpPr>
+          <p:cNvPr id="64" name="CustomShape 2"/>
+          <p:cNvSpPr/>
+          <p:nvPr/>
+        </p:nvSpPr>
+        <p:spPr>
+          <a:xfrm>
+            <a:off x="0" y="859680"/>
+            <a:ext cx="12191400" cy="638640"/>
+          </a:xfrm>
+          <a:prstGeom prst="rect">
+            <a:avLst/>
+          </a:prstGeom>
+          <a:noFill/>
+          <a:ln>
+            <a:noFill/>
+          </a:ln>
+        </p:spPr>
+        <p:style>
+          <a:lnRef idx="0">
+            <a:scrgbClr r="0" g="0" b="0"/>
+          </a:lnRef>
+          <a:fillRef idx="0">
+            <a:scrgbClr r="0" g="0" b="0"/>
+          </a:fillRef>
+          <a:effectRef idx="0">
+            <a:scrgbClr r="0" g="0" b="0"/>
+          </a:effectRef>
+          <a:fontRef idx="minor"/>
+        </p:style>
+        <p:txBody>
+          <a:bodyPr wrap="none" lIns="90000" tIns="45000" rIns="90000" bIns="45000"/>
+          <a:lstStyle/>
+          <a:p>
+            <a:pPr algn="ctr">
+              <a:lnSpc>
+                <a:spcPct val="100000"/>
+              </a:lnSpc>
+            </a:pPr>
+            <a:r>
+              <a:rPr lang="en-US" sz="3600" b="0" strike="noStrike" spc="-1" dirty="0">
+                <a:solidFill>
+                  <a:srgbClr val="FFFFFF"/>
+                </a:solidFill>
+                <a:uFill>
+                  <a:solidFill>
+                    <a:srgbClr val="FFFFFF"/>
+                  </a:solidFill>
+                </a:uFill>
+                <a:latin typeface="Lato"/>
+                <a:ea typeface="DejaVu Sans"/>
+              </a:rPr>
+              <a:t>CSS TEXT</a:t>
+            </a:r>
+            <a:endParaRPr lang="en-US" sz="1800" b="0" strike="noStrike" spc="-1" dirty="0">
+              <a:solidFill>
+                <a:srgbClr val="000000"/>
+              </a:solidFill>
+              <a:uFill>
+                <a:solidFill>
+                  <a:srgbClr val="FFFFFF"/>
+                </a:solidFill>
+              </a:uFill>
+              <a:latin typeface="Arial"/>
+            </a:endParaRPr>
+          </a:p>
+        </p:txBody>
+      </p:sp>
+      <p:sp>
+        <p:nvSpPr>
+          <p:cNvPr id="65" name="CustomShape 3"/>
+          <p:cNvSpPr/>
+          <p:nvPr/>
+        </p:nvSpPr>
+        <p:spPr>
+          <a:xfrm>
+            <a:off x="0" y="1498680"/>
+            <a:ext cx="12191400" cy="4498920"/>
+          </a:xfrm>
+          <a:prstGeom prst="rect">
+            <a:avLst/>
+          </a:prstGeom>
+          <a:noFill/>
+          <a:ln>
+            <a:noFill/>
+          </a:ln>
+        </p:spPr>
+        <p:style>
+          <a:lnRef idx="0">
+            <a:scrgbClr r="0" g="0" b="0"/>
+          </a:lnRef>
+          <a:fillRef idx="0">
+            <a:scrgbClr r="0" g="0" b="0"/>
+          </a:fillRef>
+          <a:effectRef idx="0">
+            <a:scrgbClr r="0" g="0" b="0"/>
+          </a:effectRef>
+          <a:fontRef idx="minor"/>
+        </p:style>
+        <p:txBody>
+          <a:bodyPr lIns="90000" tIns="45000" rIns="90000" bIns="45000"/>
+          <a:lstStyle/>
+          <a:p>
+            <a:pPr marL="457200" indent="-456480">
+              <a:lnSpc>
+                <a:spcPct val="150000"/>
+              </a:lnSpc>
+              <a:buClr>
+                <a:srgbClr val="FFFFFF"/>
+              </a:buClr>
+              <a:buFont typeface="Wingdings" charset="2"/>
+              <a:buChar char=""/>
+            </a:pPr>
+            <a:endParaRPr lang="en-US" sz="1800" b="0" strike="noStrike" spc="-1" dirty="0">
+              <a:solidFill>
+                <a:srgbClr val="000000"/>
+              </a:solidFill>
+              <a:uFill>
+                <a:solidFill>
+                  <a:srgbClr val="FFFFFF"/>
+                </a:solidFill>
+              </a:uFill>
+              <a:latin typeface="Arial"/>
+            </a:endParaRPr>
+          </a:p>
+        </p:txBody>
+      </p:sp>
+      <p:sp>
+        <p:nvSpPr>
+          <p:cNvPr id="66" name="Line 4"/>
+          <p:cNvSpPr/>
+          <p:nvPr/>
+        </p:nvSpPr>
+        <p:spPr>
+          <a:xfrm>
+            <a:off x="0" y="1505880"/>
+            <a:ext cx="12191760" cy="360"/>
+          </a:xfrm>
+          <a:prstGeom prst="line">
+            <a:avLst/>
+          </a:prstGeom>
+          <a:ln>
+            <a:solidFill>
+              <a:schemeClr val="bg1"/>
+            </a:solidFill>
+            <a:round/>
+          </a:ln>
+        </p:spPr>
+        <p:style>
+          <a:lnRef idx="1">
+            <a:schemeClr val="accent1"/>
+          </a:lnRef>
+          <a:fillRef idx="0">
+            <a:schemeClr val="accent1"/>
+          </a:fillRef>
+          <a:effectRef idx="0">
+            <a:schemeClr val="accent1"/>
+          </a:effectRef>
+          <a:fontRef idx="minor"/>
+        </p:style>
+      </p:sp>
+      <p:sp>
+        <p:nvSpPr>
+          <p:cNvPr id="68" name="CustomShape 5"/>
+          <p:cNvSpPr/>
+          <p:nvPr/>
+        </p:nvSpPr>
+        <p:spPr>
+          <a:xfrm>
+            <a:off x="0" y="1498680"/>
+            <a:ext cx="12191400" cy="4498200"/>
+          </a:xfrm>
+          <a:prstGeom prst="rect">
+            <a:avLst/>
+          </a:prstGeom>
+          <a:noFill/>
+          <a:ln>
+            <a:noFill/>
+          </a:ln>
+        </p:spPr>
+        <p:style>
+          <a:lnRef idx="0">
+            <a:scrgbClr r="0" g="0" b="0"/>
+          </a:lnRef>
+          <a:fillRef idx="0">
+            <a:scrgbClr r="0" g="0" b="0"/>
+          </a:fillRef>
+          <a:effectRef idx="0">
+            <a:scrgbClr r="0" g="0" b="0"/>
+          </a:effectRef>
+          <a:fontRef idx="minor"/>
+        </p:style>
+        <p:txBody>
+          <a:bodyPr lIns="90000" tIns="45000" rIns="90000" bIns="45000"/>
+          <a:lstStyle/>
+          <a:p>
+            <a:pPr marL="457200" indent="-456480">
+              <a:lnSpc>
+                <a:spcPct val="150000"/>
+              </a:lnSpc>
+              <a:buClr>
+                <a:srgbClr val="FFFFFF"/>
+              </a:buClr>
+              <a:buFont typeface="Wingdings" charset="2"/>
+              <a:buChar char=""/>
+            </a:pPr>
+            <a:r>
+              <a:rPr lang="en-US" sz="2400" b="0" strike="noStrike" spc="-1" dirty="0">
+                <a:solidFill>
+                  <a:srgbClr val="FFFFFF"/>
+                </a:solidFill>
+                <a:uFill>
+                  <a:solidFill>
+                    <a:srgbClr val="FFFFFF"/>
+                  </a:solidFill>
+                </a:uFill>
+                <a:latin typeface="Lato"/>
+                <a:ea typeface="DejaVu Sans"/>
+              </a:rPr>
+              <a:t>The </a:t>
+            </a:r>
+            <a:r>
+              <a:rPr lang="en-US" sz="2400" b="1" strike="noStrike" spc="-1" dirty="0">
+                <a:solidFill>
+                  <a:srgbClr val="FFFF00"/>
+                </a:solidFill>
+                <a:uFill>
+                  <a:solidFill>
+                    <a:srgbClr val="FFFFFF"/>
+                  </a:solidFill>
+                </a:uFill>
+                <a:latin typeface="Lato"/>
+                <a:ea typeface="DejaVu Sans"/>
+              </a:rPr>
+              <a:t>color </a:t>
+            </a:r>
+            <a:r>
+              <a:rPr lang="en-US" sz="2400" strike="noStrike" spc="-1" dirty="0">
+                <a:solidFill>
+                  <a:schemeClr val="bg1"/>
+                </a:solidFill>
+                <a:uFill>
+                  <a:solidFill>
+                    <a:srgbClr val="FFFFFF"/>
+                  </a:solidFill>
+                </a:uFill>
+                <a:latin typeface="Lato"/>
+                <a:ea typeface="DejaVu Sans"/>
+              </a:rPr>
+              <a:t>property</a:t>
+            </a:r>
+            <a:r>
+              <a:rPr lang="en-US" sz="2400" b="1" strike="noStrike" spc="-1" dirty="0">
+                <a:solidFill>
+                  <a:srgbClr val="FFFF00"/>
+                </a:solidFill>
+                <a:uFill>
+                  <a:solidFill>
+                    <a:srgbClr val="FFFFFF"/>
+                  </a:solidFill>
+                </a:uFill>
+                <a:latin typeface="Lato"/>
+                <a:ea typeface="DejaVu Sans"/>
+              </a:rPr>
+              <a:t> </a:t>
+            </a:r>
+            <a:r>
+              <a:rPr lang="en-US" sz="2400" b="0" strike="noStrike" spc="-1" dirty="0">
+                <a:solidFill>
+                  <a:srgbClr val="FFFFFF"/>
+                </a:solidFill>
+                <a:uFill>
+                  <a:solidFill>
+                    <a:srgbClr val="FFFFFF"/>
+                  </a:solidFill>
+                </a:uFill>
+                <a:latin typeface="Lato"/>
+                <a:ea typeface="DejaVu Sans"/>
+              </a:rPr>
+              <a:t>is used to set  the color of text.</a:t>
+            </a:r>
+          </a:p>
+          <a:p>
+            <a:pPr marL="457200" indent="-456480">
+              <a:lnSpc>
+                <a:spcPct val="150000"/>
+              </a:lnSpc>
+              <a:buClr>
+                <a:srgbClr val="FFFFFF"/>
+              </a:buClr>
+              <a:buFont typeface="Wingdings" charset="2"/>
+              <a:buChar char=""/>
+            </a:pPr>
+            <a:r>
+              <a:rPr lang="en-US" sz="2400" spc="-1" dirty="0">
+                <a:solidFill>
+                  <a:srgbClr val="FFFFFF"/>
+                </a:solidFill>
+                <a:uFill>
+                  <a:solidFill>
+                    <a:srgbClr val="FFFFFF"/>
+                  </a:solidFill>
+                </a:uFill>
+                <a:latin typeface="Lato"/>
+              </a:rPr>
+              <a:t>The </a:t>
+            </a:r>
+            <a:r>
+              <a:rPr lang="en-US" sz="2400" b="1" spc="-1" dirty="0">
+                <a:solidFill>
+                  <a:srgbClr val="FFFF00"/>
+                </a:solidFill>
+                <a:uFill>
+                  <a:solidFill>
+                    <a:srgbClr val="FFFFFF"/>
+                  </a:solidFill>
+                </a:uFill>
+                <a:latin typeface="Lato"/>
+              </a:rPr>
+              <a:t>text-align </a:t>
+            </a:r>
+            <a:r>
+              <a:rPr lang="en-US" sz="2400" spc="-1" dirty="0">
+                <a:solidFill>
+                  <a:schemeClr val="bg1"/>
+                </a:solidFill>
+                <a:uFill>
+                  <a:solidFill>
+                    <a:srgbClr val="FFFFFF"/>
+                  </a:solidFill>
+                </a:uFill>
+                <a:latin typeface="Lato"/>
+              </a:rPr>
+              <a:t>property</a:t>
+            </a:r>
+            <a:r>
+              <a:rPr lang="en-US" sz="2400" spc="-1" dirty="0">
+                <a:solidFill>
+                  <a:srgbClr val="FFFFFF"/>
+                </a:solidFill>
+                <a:uFill>
+                  <a:solidFill>
+                    <a:srgbClr val="FFFFFF"/>
+                  </a:solidFill>
+                </a:uFill>
+                <a:latin typeface="Lato"/>
+              </a:rPr>
+              <a:t> is used to set horizontal alignment of a text : </a:t>
+            </a:r>
+            <a:r>
+              <a:rPr lang="en-US" sz="2400" b="1" spc="-1" dirty="0">
+                <a:solidFill>
+                  <a:srgbClr val="FFFF00"/>
+                </a:solidFill>
+                <a:uFill>
+                  <a:solidFill>
+                    <a:srgbClr val="FFFFFF"/>
+                  </a:solidFill>
+                </a:uFill>
+                <a:latin typeface="Lato"/>
+              </a:rPr>
+              <a:t>center, left, right </a:t>
+            </a:r>
+            <a:r>
+              <a:rPr lang="en-US" sz="2400" spc="-1" dirty="0">
+                <a:solidFill>
+                  <a:schemeClr val="bg1"/>
+                </a:solidFill>
+                <a:uFill>
+                  <a:solidFill>
+                    <a:srgbClr val="FFFFFF"/>
+                  </a:solidFill>
+                </a:uFill>
+                <a:latin typeface="Lato"/>
+              </a:rPr>
+              <a:t>or</a:t>
+            </a:r>
+            <a:r>
+              <a:rPr lang="en-US" sz="2400" b="1" spc="-1" dirty="0">
+                <a:solidFill>
+                  <a:srgbClr val="FFFF00"/>
+                </a:solidFill>
+                <a:uFill>
+                  <a:solidFill>
+                    <a:srgbClr val="FFFFFF"/>
+                  </a:solidFill>
+                </a:uFill>
+                <a:latin typeface="Lato"/>
+              </a:rPr>
+              <a:t> justified</a:t>
+            </a:r>
+            <a:r>
+              <a:rPr lang="en-US" sz="2400" spc="-1" dirty="0">
+                <a:solidFill>
+                  <a:srgbClr val="FFFFFF"/>
+                </a:solidFill>
+                <a:uFill>
+                  <a:solidFill>
+                    <a:srgbClr val="FFFFFF"/>
+                  </a:solidFill>
+                </a:uFill>
+                <a:latin typeface="Lato"/>
+              </a:rPr>
+              <a:t>.</a:t>
+            </a:r>
+          </a:p>
+          <a:p>
+            <a:pPr marL="457200" indent="-456480">
+              <a:lnSpc>
+                <a:spcPct val="150000"/>
+              </a:lnSpc>
+              <a:buClr>
+                <a:srgbClr val="FFFFFF"/>
+              </a:buClr>
+              <a:buFont typeface="Wingdings" charset="2"/>
+              <a:buChar char=""/>
+            </a:pPr>
+            <a:r>
+              <a:rPr lang="en-US" sz="2400" spc="-1" dirty="0">
+                <a:solidFill>
+                  <a:srgbClr val="FFFFFF"/>
+                </a:solidFill>
+                <a:uFill>
+                  <a:solidFill>
+                    <a:srgbClr val="FFFFFF"/>
+                  </a:solidFill>
+                </a:uFill>
+                <a:latin typeface="Lato"/>
+              </a:rPr>
+              <a:t>The </a:t>
+            </a:r>
+            <a:r>
+              <a:rPr lang="en-US" sz="2400" b="1" spc="-1" dirty="0">
+                <a:solidFill>
+                  <a:srgbClr val="FFFF00"/>
+                </a:solidFill>
+                <a:uFill>
+                  <a:solidFill>
+                    <a:srgbClr val="FFFFFF"/>
+                  </a:solidFill>
+                </a:uFill>
+                <a:latin typeface="Lato"/>
+              </a:rPr>
+              <a:t>text-decoration</a:t>
+            </a:r>
+            <a:r>
+              <a:rPr lang="en-US" sz="2400" spc="-1" dirty="0">
+                <a:solidFill>
+                  <a:srgbClr val="FFFFFF"/>
+                </a:solidFill>
+                <a:uFill>
+                  <a:solidFill>
+                    <a:srgbClr val="FFFFFF"/>
+                  </a:solidFill>
+                </a:uFill>
+                <a:latin typeface="Lato"/>
+              </a:rPr>
+              <a:t> property is used to </a:t>
+            </a:r>
+            <a:r>
+              <a:rPr lang="en-US" sz="2400" b="1" spc="-1" dirty="0">
+                <a:solidFill>
+                  <a:srgbClr val="FFFF00"/>
+                </a:solidFill>
+                <a:uFill>
+                  <a:solidFill>
+                    <a:srgbClr val="FFFFFF"/>
+                  </a:solidFill>
+                </a:uFill>
+                <a:latin typeface="Lato"/>
+              </a:rPr>
+              <a:t>set </a:t>
+            </a:r>
+            <a:r>
+              <a:rPr lang="en-US" sz="2400" spc="-1" dirty="0">
+                <a:solidFill>
+                  <a:schemeClr val="bg1"/>
+                </a:solidFill>
+                <a:uFill>
+                  <a:solidFill>
+                    <a:srgbClr val="FFFFFF"/>
+                  </a:solidFill>
+                </a:uFill>
+                <a:latin typeface="Lato"/>
+              </a:rPr>
+              <a:t>or</a:t>
+            </a:r>
+            <a:r>
+              <a:rPr lang="en-US" sz="2400" b="1" spc="-1" dirty="0">
+                <a:solidFill>
+                  <a:srgbClr val="FFFF00"/>
+                </a:solidFill>
+                <a:uFill>
+                  <a:solidFill>
+                    <a:srgbClr val="FFFFFF"/>
+                  </a:solidFill>
+                </a:uFill>
+                <a:latin typeface="Lato"/>
+              </a:rPr>
+              <a:t> remove decorations</a:t>
+            </a:r>
+            <a:r>
+              <a:rPr lang="en-US" sz="2400" spc="-1" dirty="0">
+                <a:solidFill>
+                  <a:srgbClr val="FFFFFF"/>
+                </a:solidFill>
+                <a:uFill>
+                  <a:solidFill>
+                    <a:srgbClr val="FFFFFF"/>
+                  </a:solidFill>
+                </a:uFill>
+                <a:latin typeface="Lato"/>
+              </a:rPr>
+              <a:t> from text.</a:t>
+            </a:r>
+          </a:p>
+          <a:p>
+            <a:pPr marL="457200" indent="-456480">
+              <a:lnSpc>
+                <a:spcPct val="150000"/>
+              </a:lnSpc>
+              <a:buClr>
+                <a:srgbClr val="FFFFFF"/>
+              </a:buClr>
+              <a:buFont typeface="Wingdings" charset="2"/>
+              <a:buChar char=""/>
+            </a:pPr>
+            <a:r>
+              <a:rPr lang="en-US" sz="2400" spc="-1" dirty="0">
+                <a:solidFill>
+                  <a:srgbClr val="FFFFFF"/>
+                </a:solidFill>
+                <a:uFill>
+                  <a:solidFill>
+                    <a:srgbClr val="FFFFFF"/>
+                  </a:solidFill>
+                </a:uFill>
+                <a:latin typeface="Lato"/>
+              </a:rPr>
+              <a:t>The </a:t>
+            </a:r>
+            <a:r>
+              <a:rPr lang="en-US" sz="2400" b="1" spc="-1" dirty="0">
+                <a:solidFill>
+                  <a:srgbClr val="FFFF00"/>
+                </a:solidFill>
+                <a:uFill>
+                  <a:solidFill>
+                    <a:srgbClr val="FFFFFF"/>
+                  </a:solidFill>
+                </a:uFill>
+                <a:latin typeface="Lato"/>
+              </a:rPr>
+              <a:t>text-transform</a:t>
+            </a:r>
+            <a:r>
+              <a:rPr lang="en-US" sz="2400" spc="-1" dirty="0">
+                <a:solidFill>
+                  <a:srgbClr val="FFFFFF"/>
+                </a:solidFill>
+                <a:uFill>
+                  <a:solidFill>
+                    <a:srgbClr val="FFFFFF"/>
+                  </a:solidFill>
+                </a:uFill>
+                <a:latin typeface="Lato"/>
+              </a:rPr>
+              <a:t> property is used to specify </a:t>
+            </a:r>
+            <a:r>
+              <a:rPr lang="en-US" sz="2400" b="1" spc="-1" dirty="0">
+                <a:solidFill>
+                  <a:srgbClr val="FFFF00"/>
+                </a:solidFill>
+                <a:uFill>
+                  <a:solidFill>
+                    <a:srgbClr val="FFFFFF"/>
+                  </a:solidFill>
+                </a:uFill>
+                <a:latin typeface="Lato"/>
+              </a:rPr>
+              <a:t>uppercase </a:t>
+            </a:r>
+            <a:r>
+              <a:rPr lang="en-US" sz="2400" spc="-1" dirty="0">
+                <a:solidFill>
+                  <a:schemeClr val="bg1"/>
+                </a:solidFill>
+                <a:uFill>
+                  <a:solidFill>
+                    <a:srgbClr val="FFFFFF"/>
+                  </a:solidFill>
+                </a:uFill>
+                <a:latin typeface="Lato"/>
+              </a:rPr>
+              <a:t>or</a:t>
+            </a:r>
+            <a:r>
+              <a:rPr lang="en-US" sz="2400" b="1" spc="-1" dirty="0">
+                <a:solidFill>
+                  <a:srgbClr val="FFFF00"/>
+                </a:solidFill>
+                <a:uFill>
+                  <a:solidFill>
+                    <a:srgbClr val="FFFFFF"/>
+                  </a:solidFill>
+                </a:uFill>
+                <a:latin typeface="Lato"/>
+              </a:rPr>
+              <a:t> lowercase</a:t>
+            </a:r>
+            <a:r>
+              <a:rPr lang="en-US" sz="2400" spc="-1" dirty="0">
+                <a:solidFill>
+                  <a:srgbClr val="FFFFFF"/>
+                </a:solidFill>
+                <a:uFill>
+                  <a:solidFill>
+                    <a:srgbClr val="FFFFFF"/>
+                  </a:solidFill>
+                </a:uFill>
+                <a:latin typeface="Lato"/>
+              </a:rPr>
+              <a:t> letters in the text, or </a:t>
+            </a:r>
+            <a:r>
+              <a:rPr lang="en-US" sz="2400" b="1" spc="-1" dirty="0">
+                <a:solidFill>
+                  <a:srgbClr val="FFFF00"/>
+                </a:solidFill>
+                <a:uFill>
+                  <a:solidFill>
+                    <a:srgbClr val="FFFFFF"/>
+                  </a:solidFill>
+                </a:uFill>
+                <a:latin typeface="Lato"/>
+              </a:rPr>
+              <a:t>capitalize</a:t>
+            </a:r>
+            <a:r>
+              <a:rPr lang="en-US" sz="2400" spc="-1" dirty="0">
+                <a:solidFill>
+                  <a:srgbClr val="FFFFFF"/>
+                </a:solidFill>
+                <a:uFill>
+                  <a:solidFill>
+                    <a:srgbClr val="FFFFFF"/>
+                  </a:solidFill>
+                </a:uFill>
+                <a:latin typeface="Lato"/>
+              </a:rPr>
+              <a:t> the first of each word.</a:t>
+            </a:r>
+          </a:p>
+          <a:p>
+            <a:pPr marL="457200" indent="-456480">
+              <a:lnSpc>
+                <a:spcPct val="150000"/>
+              </a:lnSpc>
+              <a:buClr>
+                <a:srgbClr val="FFFFFF"/>
+              </a:buClr>
+              <a:buFont typeface="Wingdings" charset="2"/>
+              <a:buChar char=""/>
+            </a:pPr>
+            <a:r>
+              <a:rPr lang="en-US" sz="2400" spc="-1" dirty="0">
+                <a:solidFill>
+                  <a:srgbClr val="FFFFFF"/>
+                </a:solidFill>
+                <a:uFill>
+                  <a:solidFill>
+                    <a:srgbClr val="FFFFFF"/>
+                  </a:solidFill>
+                </a:uFill>
+                <a:latin typeface="Lato"/>
+              </a:rPr>
+              <a:t>The </a:t>
+            </a:r>
+            <a:r>
+              <a:rPr lang="en-US" sz="2400" b="1" spc="-1" dirty="0">
+                <a:solidFill>
+                  <a:srgbClr val="FFFF00"/>
+                </a:solidFill>
+                <a:uFill>
+                  <a:solidFill>
+                    <a:srgbClr val="FFFFFF"/>
+                  </a:solidFill>
+                </a:uFill>
+                <a:latin typeface="Lato"/>
+              </a:rPr>
+              <a:t>line-height</a:t>
+            </a:r>
+            <a:r>
+              <a:rPr lang="en-US" sz="2400" spc="-1" dirty="0">
+                <a:solidFill>
+                  <a:srgbClr val="FFFFFF"/>
+                </a:solidFill>
+                <a:uFill>
+                  <a:solidFill>
+                    <a:srgbClr val="FFFFFF"/>
+                  </a:solidFill>
+                </a:uFill>
+                <a:latin typeface="Lato"/>
+              </a:rPr>
+              <a:t> property is used to specify the space between lines.</a:t>
+            </a:r>
+          </a:p>
+        </p:txBody>
+      </p:sp>
+    </p:spTree>
+    <p:extLst>
+      <p:ext uri="{BB962C8B-B14F-4D97-AF65-F5344CB8AC3E}">
+        <p14:creationId xmlns:p14="http://schemas.microsoft.com/office/powerpoint/2010/main" val="1757768233"/>
+      </p:ext>
+    </p:extLst>
+  </p:cSld>
+  <p:clrMapOvr>
+    <a:masterClrMapping/>
+  </p:clrMapOvr>
+  <p:timing>
+    <p:tnLst>
+      <p:par>
+        <p:cTn id="1" dur="indefinite" restart="never" nodeType="tmRoot">
+          <p:childTnLst>
+            <p:seq>
+              <p:cTn id="2" nodeType="mainSeq"/>
+              <p:prevCondLst>
+                <p:cond evt="onPrev" delay="0">
+                  <p:tgtEl>
+                    <p:sldTgt/>
+                  </p:tgtEl>
+                </p:cond>
+              </p:prevCondLst>
+              <p:nextCondLst>
+                <p:cond evt="onNext" delay="0">
                   <p:tgtEl>
                     <p:sldTgt/>
                   </p:tgtEl>
@@ -5646,5 +7337,7 @@
       </a:bgFillStyleLst>
     </a:fmtScheme>
   </a:themeElements>
+  <a:objectDefaults/>
+  <a:extraClrSchemeLst/>
 </a:theme>
 </file>
--- a/HTML-CSS-JS/slides/3-CSS.pptx
+++ b/HTML-CSS-JS/slides/3-CSS.pptx
@@ -113,6 +113,11 @@
       </a:defRPr>
     </a:lvl9pPr>
   </p:defaultTextStyle>
+  <p:extLst>
+    <p:ext uri="{EFAFB233-063F-42B5-8137-9DF3F51BA10A}">
+      <p15:sldGuideLst xmlns:p15="http://schemas.microsoft.com/office/powerpoint/2012/main"/>
+    </p:ext>
+  </p:extLst>
 </p:presentation>
 </file>
 
